--- a/基础PPT/第2章：Java面向对象.pptx
+++ b/基础PPT/第2章：Java面向对象.pptx
@@ -5,47 +5,48 @@
     <p:sldMasterId id="2147483648" r:id="rId1"/>
   </p:sldMasterIdLst>
   <p:notesMasterIdLst>
-    <p:notesMasterId r:id="rId41"/>
+    <p:notesMasterId r:id="rId42"/>
   </p:notesMasterIdLst>
   <p:sldIdLst>
     <p:sldId id="660" r:id="rId3"/>
-    <p:sldId id="737" r:id="rId4"/>
-    <p:sldId id="689" r:id="rId5"/>
+    <p:sldId id="689" r:id="rId4"/>
+    <p:sldId id="737" r:id="rId5"/>
     <p:sldId id="738" r:id="rId6"/>
     <p:sldId id="691" r:id="rId7"/>
     <p:sldId id="713" r:id="rId8"/>
     <p:sldId id="743" r:id="rId9"/>
-    <p:sldId id="744" r:id="rId10"/>
-    <p:sldId id="739" r:id="rId11"/>
-    <p:sldId id="740" r:id="rId12"/>
-    <p:sldId id="741" r:id="rId13"/>
-    <p:sldId id="742" r:id="rId14"/>
-    <p:sldId id="692" r:id="rId15"/>
-    <p:sldId id="693" r:id="rId16"/>
-    <p:sldId id="694" r:id="rId17"/>
-    <p:sldId id="745" r:id="rId18"/>
-    <p:sldId id="746" r:id="rId19"/>
-    <p:sldId id="698" r:id="rId20"/>
-    <p:sldId id="747" r:id="rId21"/>
-    <p:sldId id="699" r:id="rId22"/>
-    <p:sldId id="700" r:id="rId23"/>
-    <p:sldId id="701" r:id="rId24"/>
-    <p:sldId id="702" r:id="rId25"/>
-    <p:sldId id="703" r:id="rId26"/>
-    <p:sldId id="704" r:id="rId27"/>
-    <p:sldId id="705" r:id="rId28"/>
-    <p:sldId id="706" r:id="rId29"/>
-    <p:sldId id="707" r:id="rId30"/>
-    <p:sldId id="708" r:id="rId31"/>
-    <p:sldId id="774" r:id="rId32"/>
-    <p:sldId id="773" r:id="rId33"/>
-    <p:sldId id="714" r:id="rId34"/>
-    <p:sldId id="716" r:id="rId35"/>
-    <p:sldId id="715" r:id="rId36"/>
-    <p:sldId id="709" r:id="rId37"/>
-    <p:sldId id="710" r:id="rId38"/>
-    <p:sldId id="711" r:id="rId39"/>
-    <p:sldId id="662" r:id="rId40"/>
+    <p:sldId id="739" r:id="rId10"/>
+    <p:sldId id="783" r:id="rId11"/>
+    <p:sldId id="784" r:id="rId12"/>
+    <p:sldId id="740" r:id="rId13"/>
+    <p:sldId id="741" r:id="rId14"/>
+    <p:sldId id="742" r:id="rId15"/>
+    <p:sldId id="692" r:id="rId16"/>
+    <p:sldId id="693" r:id="rId17"/>
+    <p:sldId id="694" r:id="rId18"/>
+    <p:sldId id="745" r:id="rId19"/>
+    <p:sldId id="746" r:id="rId20"/>
+    <p:sldId id="698" r:id="rId21"/>
+    <p:sldId id="747" r:id="rId22"/>
+    <p:sldId id="699" r:id="rId23"/>
+    <p:sldId id="700" r:id="rId24"/>
+    <p:sldId id="701" r:id="rId25"/>
+    <p:sldId id="702" r:id="rId26"/>
+    <p:sldId id="703" r:id="rId27"/>
+    <p:sldId id="704" r:id="rId28"/>
+    <p:sldId id="705" r:id="rId29"/>
+    <p:sldId id="706" r:id="rId30"/>
+    <p:sldId id="707" r:id="rId31"/>
+    <p:sldId id="708" r:id="rId32"/>
+    <p:sldId id="774" r:id="rId33"/>
+    <p:sldId id="773" r:id="rId34"/>
+    <p:sldId id="714" r:id="rId35"/>
+    <p:sldId id="716" r:id="rId36"/>
+    <p:sldId id="715" r:id="rId37"/>
+    <p:sldId id="709" r:id="rId38"/>
+    <p:sldId id="710" r:id="rId39"/>
+    <p:sldId id="711" r:id="rId40"/>
+    <p:sldId id="662" r:id="rId41"/>
   </p:sldIdLst>
   <p:sldSz cx="12192000" cy="6858000"/>
   <p:notesSz cx="6858000" cy="9144000"/>
@@ -6390,6 +6391,1467 @@
         <p:nvPr/>
       </p:nvGrpSpPr>
       <p:grpSpPr/>
+      <p:pic>
+        <p:nvPicPr>
+          <p:cNvPr id="9" name="图片 8"/>
+          <p:cNvPicPr>
+            <a:picLocks noChangeAspect="1"/>
+          </p:cNvPicPr>
+          <p:nvPr/>
+        </p:nvPicPr>
+        <p:blipFill>
+          <a:blip r:embed="rId2"/>
+          <a:stretch>
+            <a:fillRect/>
+          </a:stretch>
+        </p:blipFill>
+        <p:spPr>
+          <a:xfrm>
+            <a:off x="1945640" y="998220"/>
+            <a:ext cx="3520440" cy="205740"/>
+          </a:xfrm>
+          <a:prstGeom prst="rect">
+            <a:avLst/>
+          </a:prstGeom>
+        </p:spPr>
+      </p:pic>
+      <p:sp>
+        <p:nvSpPr>
+          <p:cNvPr id="25" name="流程图: 过程 24"/>
+          <p:cNvSpPr/>
+          <p:nvPr/>
+        </p:nvSpPr>
+        <p:spPr>
+          <a:xfrm>
+            <a:off x="4282440" y="2102485"/>
+            <a:ext cx="2122805" cy="2211705"/>
+          </a:xfrm>
+          <a:prstGeom prst="flowChartProcess">
+            <a:avLst/>
+          </a:prstGeom>
+          <a:noFill/>
+          <a:ln w="28575"/>
+          <a:extLst>
+            <a:ext uri="{909E8E84-426E-40DD-AFC4-6F175D3DCCD1}">
+              <a14:hiddenFill xmlns:a14="http://schemas.microsoft.com/office/drawing/2010/main">
+                <a:solidFill>
+                  <a:schemeClr val="accent1"/>
+                </a:solidFill>
+              </a14:hiddenFill>
+            </a:ext>
+          </a:extLst>
+        </p:spPr>
+        <p:style>
+          <a:lnRef idx="2">
+            <a:schemeClr val="accent1">
+              <a:shade val="50000"/>
+            </a:schemeClr>
+          </a:lnRef>
+          <a:fillRef idx="1">
+            <a:schemeClr val="accent1"/>
+          </a:fillRef>
+          <a:effectRef idx="0">
+            <a:schemeClr val="accent1"/>
+          </a:effectRef>
+          <a:fontRef idx="minor">
+            <a:schemeClr val="lt1"/>
+          </a:fontRef>
+        </p:style>
+        <p:txBody>
+          <a:bodyPr rtlCol="0" anchor="ctr"/>
+          <a:p>
+            <a:pPr algn="ctr"/>
+            <a:endParaRPr lang="en-US" altLang="zh-CN">
+              <a:solidFill>
+                <a:srgbClr val="FF0000"/>
+              </a:solidFill>
+            </a:endParaRPr>
+          </a:p>
+        </p:txBody>
+      </p:sp>
+      <p:sp>
+        <p:nvSpPr>
+          <p:cNvPr id="26" name="文本框 25"/>
+          <p:cNvSpPr txBox="1"/>
+          <p:nvPr/>
+        </p:nvSpPr>
+        <p:spPr>
+          <a:xfrm>
+            <a:off x="3148965" y="1643380"/>
+            <a:ext cx="509905" cy="368300"/>
+          </a:xfrm>
+          <a:prstGeom prst="rect">
+            <a:avLst/>
+          </a:prstGeom>
+          <a:noFill/>
+        </p:spPr>
+        <p:txBody>
+          <a:bodyPr wrap="square" rtlCol="0">
+            <a:spAutoFit/>
+          </a:bodyPr>
+          <a:p>
+            <a:r>
+              <a:rPr lang="zh-CN" altLang="en-US">
+                <a:solidFill>
+                  <a:srgbClr val="FF0000"/>
+                </a:solidFill>
+              </a:rPr>
+              <a:t>栈</a:t>
+            </a:r>
+            <a:endParaRPr lang="zh-CN" altLang="en-US">
+              <a:solidFill>
+                <a:srgbClr val="FF0000"/>
+              </a:solidFill>
+            </a:endParaRPr>
+          </a:p>
+        </p:txBody>
+      </p:sp>
+      <p:sp>
+        <p:nvSpPr>
+          <p:cNvPr id="27" name="文本框 26"/>
+          <p:cNvSpPr txBox="1"/>
+          <p:nvPr/>
+        </p:nvSpPr>
+        <p:spPr>
+          <a:xfrm>
+            <a:off x="4577715" y="1643380"/>
+            <a:ext cx="509905" cy="368300"/>
+          </a:xfrm>
+          <a:prstGeom prst="rect">
+            <a:avLst/>
+          </a:prstGeom>
+          <a:noFill/>
+        </p:spPr>
+        <p:txBody>
+          <a:bodyPr wrap="square" rtlCol="0">
+            <a:spAutoFit/>
+          </a:bodyPr>
+          <a:p>
+            <a:r>
+              <a:rPr lang="zh-CN" altLang="en-US">
+                <a:solidFill>
+                  <a:srgbClr val="FF0000"/>
+                </a:solidFill>
+              </a:rPr>
+              <a:t>堆</a:t>
+            </a:r>
+            <a:endParaRPr lang="zh-CN" altLang="en-US">
+              <a:solidFill>
+                <a:srgbClr val="FF0000"/>
+              </a:solidFill>
+            </a:endParaRPr>
+          </a:p>
+        </p:txBody>
+      </p:sp>
+      <p:sp>
+        <p:nvSpPr>
+          <p:cNvPr id="37" name="流程图: 过程 36"/>
+          <p:cNvSpPr/>
+          <p:nvPr/>
+        </p:nvSpPr>
+        <p:spPr>
+          <a:xfrm>
+            <a:off x="2889250" y="2102485"/>
+            <a:ext cx="1029335" cy="1911985"/>
+          </a:xfrm>
+          <a:prstGeom prst="flowChartProcess">
+            <a:avLst/>
+          </a:prstGeom>
+          <a:noFill/>
+          <a:ln w="28575"/>
+          <a:extLst>
+            <a:ext uri="{909E8E84-426E-40DD-AFC4-6F175D3DCCD1}">
+              <a14:hiddenFill xmlns:a14="http://schemas.microsoft.com/office/drawing/2010/main">
+                <a:solidFill>
+                  <a:schemeClr val="accent1"/>
+                </a:solidFill>
+              </a14:hiddenFill>
+            </a:ext>
+          </a:extLst>
+        </p:spPr>
+        <p:style>
+          <a:lnRef idx="2">
+            <a:schemeClr val="accent1">
+              <a:shade val="50000"/>
+            </a:schemeClr>
+          </a:lnRef>
+          <a:fillRef idx="1">
+            <a:schemeClr val="accent1"/>
+          </a:fillRef>
+          <a:effectRef idx="0">
+            <a:schemeClr val="accent1"/>
+          </a:effectRef>
+          <a:fontRef idx="minor">
+            <a:schemeClr val="lt1"/>
+          </a:fontRef>
+        </p:style>
+        <p:txBody>
+          <a:bodyPr rtlCol="0" anchor="ctr"/>
+          <a:p>
+            <a:pPr algn="ctr"/>
+            <a:endParaRPr lang="en-US" altLang="zh-CN">
+              <a:solidFill>
+                <a:srgbClr val="FF0000"/>
+              </a:solidFill>
+            </a:endParaRPr>
+          </a:p>
+        </p:txBody>
+      </p:sp>
+      <p:sp>
+        <p:nvSpPr>
+          <p:cNvPr id="13" name="文本框 12"/>
+          <p:cNvSpPr txBox="1"/>
+          <p:nvPr/>
+        </p:nvSpPr>
+        <p:spPr>
+          <a:xfrm>
+            <a:off x="475615" y="1643380"/>
+            <a:ext cx="1603375" cy="368300"/>
+          </a:xfrm>
+          <a:prstGeom prst="rect">
+            <a:avLst/>
+          </a:prstGeom>
+          <a:noFill/>
+        </p:spPr>
+        <p:txBody>
+          <a:bodyPr wrap="square" rtlCol="0">
+            <a:spAutoFit/>
+          </a:bodyPr>
+          <a:p>
+            <a:r>
+              <a:rPr lang="en-US" altLang="zh-CN"/>
+              <a:t>String.java</a:t>
+            </a:r>
+            <a:endParaRPr lang="en-US" altLang="zh-CN"/>
+          </a:p>
+        </p:txBody>
+      </p:sp>
+      <p:sp>
+        <p:nvSpPr>
+          <p:cNvPr id="14" name="文本框 13"/>
+          <p:cNvSpPr txBox="1"/>
+          <p:nvPr/>
+        </p:nvSpPr>
+        <p:spPr>
+          <a:xfrm>
+            <a:off x="475615" y="2444750"/>
+            <a:ext cx="1603375" cy="368300"/>
+          </a:xfrm>
+          <a:prstGeom prst="rect">
+            <a:avLst/>
+          </a:prstGeom>
+          <a:noFill/>
+        </p:spPr>
+        <p:txBody>
+          <a:bodyPr wrap="square" rtlCol="0">
+            <a:spAutoFit/>
+          </a:bodyPr>
+          <a:p>
+            <a:r>
+              <a:rPr lang="en-US" altLang="zh-CN"/>
+              <a:t>String.class</a:t>
+            </a:r>
+            <a:endParaRPr lang="en-US" altLang="zh-CN"/>
+          </a:p>
+        </p:txBody>
+      </p:sp>
+      <p:sp>
+        <p:nvSpPr>
+          <p:cNvPr id="15" name="流程图: 过程 14"/>
+          <p:cNvSpPr/>
+          <p:nvPr/>
+        </p:nvSpPr>
+        <p:spPr>
+          <a:xfrm>
+            <a:off x="2889250" y="5008245"/>
+            <a:ext cx="2421890" cy="618490"/>
+          </a:xfrm>
+          <a:prstGeom prst="flowChartProcess">
+            <a:avLst/>
+          </a:prstGeom>
+          <a:noFill/>
+          <a:ln w="28575"/>
+          <a:extLst>
+            <a:ext uri="{909E8E84-426E-40DD-AFC4-6F175D3DCCD1}">
+              <a14:hiddenFill xmlns:a14="http://schemas.microsoft.com/office/drawing/2010/main">
+                <a:solidFill>
+                  <a:schemeClr val="accent1"/>
+                </a:solidFill>
+              </a14:hiddenFill>
+            </a:ext>
+          </a:extLst>
+        </p:spPr>
+        <p:style>
+          <a:lnRef idx="2">
+            <a:schemeClr val="accent1">
+              <a:shade val="50000"/>
+            </a:schemeClr>
+          </a:lnRef>
+          <a:fillRef idx="1">
+            <a:schemeClr val="accent1"/>
+          </a:fillRef>
+          <a:effectRef idx="0">
+            <a:schemeClr val="accent1"/>
+          </a:effectRef>
+          <a:fontRef idx="minor">
+            <a:schemeClr val="lt1"/>
+          </a:fontRef>
+        </p:style>
+        <p:txBody>
+          <a:bodyPr rtlCol="0" anchor="ctr"/>
+          <a:p>
+            <a:pPr algn="ctr"/>
+            <a:endParaRPr lang="en-US" altLang="zh-CN">
+              <a:solidFill>
+                <a:srgbClr val="FF0000"/>
+              </a:solidFill>
+            </a:endParaRPr>
+          </a:p>
+        </p:txBody>
+      </p:sp>
+      <p:sp>
+        <p:nvSpPr>
+          <p:cNvPr id="16" name="文本框 15"/>
+          <p:cNvSpPr txBox="1"/>
+          <p:nvPr/>
+        </p:nvSpPr>
+        <p:spPr>
+          <a:xfrm>
+            <a:off x="3658870" y="4521200"/>
+            <a:ext cx="992505" cy="368300"/>
+          </a:xfrm>
+          <a:prstGeom prst="rect">
+            <a:avLst/>
+          </a:prstGeom>
+          <a:noFill/>
+        </p:spPr>
+        <p:txBody>
+          <a:bodyPr wrap="square" rtlCol="0">
+            <a:spAutoFit/>
+          </a:bodyPr>
+          <a:p>
+            <a:r>
+              <a:rPr lang="zh-CN" altLang="en-US">
+                <a:solidFill>
+                  <a:srgbClr val="FF0000"/>
+                </a:solidFill>
+              </a:rPr>
+              <a:t>方法区</a:t>
+            </a:r>
+            <a:endParaRPr lang="zh-CN" altLang="en-US">
+              <a:solidFill>
+                <a:srgbClr val="FF0000"/>
+              </a:solidFill>
+            </a:endParaRPr>
+          </a:p>
+        </p:txBody>
+      </p:sp>
+      <p:cxnSp>
+        <p:nvCxnSpPr>
+          <p:cNvPr id="17" name="直接箭头连接符 16"/>
+          <p:cNvCxnSpPr>
+            <a:stCxn id="13" idx="2"/>
+            <a:endCxn id="14" idx="0"/>
+          </p:cNvCxnSpPr>
+          <p:nvPr/>
+        </p:nvCxnSpPr>
+        <p:spPr>
+          <a:xfrm>
+            <a:off x="1277620" y="2011680"/>
+            <a:ext cx="0" cy="433070"/>
+          </a:xfrm>
+          <a:prstGeom prst="straightConnector1">
+            <a:avLst/>
+          </a:prstGeom>
+          <a:ln w="28575">
+            <a:tailEnd type="arrow"/>
+          </a:ln>
+        </p:spPr>
+        <p:style>
+          <a:lnRef idx="1">
+            <a:schemeClr val="accent1"/>
+          </a:lnRef>
+          <a:fillRef idx="0">
+            <a:schemeClr val="accent1"/>
+          </a:fillRef>
+          <a:effectRef idx="0">
+            <a:schemeClr val="accent1"/>
+          </a:effectRef>
+          <a:fontRef idx="minor">
+            <a:schemeClr val="tx1"/>
+          </a:fontRef>
+        </p:style>
+      </p:cxnSp>
+      <p:cxnSp>
+        <p:nvCxnSpPr>
+          <p:cNvPr id="18" name="肘形连接符 17"/>
+          <p:cNvCxnSpPr>
+            <a:stCxn id="14" idx="2"/>
+            <a:endCxn id="15" idx="1"/>
+          </p:cNvCxnSpPr>
+          <p:nvPr/>
+        </p:nvCxnSpPr>
+        <p:spPr>
+          <a:xfrm rot="5400000" flipV="1">
+            <a:off x="831215" y="3259455"/>
+            <a:ext cx="2504440" cy="1611630"/>
+          </a:xfrm>
+          <a:prstGeom prst="bentConnector2">
+            <a:avLst/>
+          </a:prstGeom>
+          <a:ln w="28575">
+            <a:solidFill>
+              <a:schemeClr val="accent1"/>
+            </a:solidFill>
+            <a:tailEnd type="arrow"/>
+          </a:ln>
+        </p:spPr>
+        <p:style>
+          <a:lnRef idx="1">
+            <a:schemeClr val="accent1"/>
+          </a:lnRef>
+          <a:fillRef idx="0">
+            <a:schemeClr val="accent1"/>
+          </a:fillRef>
+          <a:effectRef idx="0">
+            <a:schemeClr val="accent1"/>
+          </a:effectRef>
+          <a:fontRef idx="minor">
+            <a:schemeClr val="tx1"/>
+          </a:fontRef>
+        </p:style>
+      </p:cxnSp>
+      <p:sp>
+        <p:nvSpPr>
+          <p:cNvPr id="19" name="文本框 18"/>
+          <p:cNvSpPr txBox="1"/>
+          <p:nvPr/>
+        </p:nvSpPr>
+        <p:spPr>
+          <a:xfrm>
+            <a:off x="2967355" y="5133340"/>
+            <a:ext cx="2263775" cy="368300"/>
+          </a:xfrm>
+          <a:prstGeom prst="rect">
+            <a:avLst/>
+          </a:prstGeom>
+          <a:noFill/>
+        </p:spPr>
+        <p:txBody>
+          <a:bodyPr wrap="square" rtlCol="0">
+            <a:spAutoFit/>
+          </a:bodyPr>
+          <a:p>
+            <a:r>
+              <a:rPr lang="en-US" altLang="zh-CN"/>
+              <a:t>String</a:t>
+            </a:r>
+            <a:r>
+              <a:rPr lang="zh-CN" altLang="en-US"/>
+              <a:t>类包含的方法</a:t>
+            </a:r>
+            <a:endParaRPr lang="zh-CN" altLang="en-US"/>
+          </a:p>
+        </p:txBody>
+      </p:sp>
+      <p:sp>
+        <p:nvSpPr>
+          <p:cNvPr id="20" name="流程图: 过程 19"/>
+          <p:cNvSpPr/>
+          <p:nvPr/>
+        </p:nvSpPr>
+        <p:spPr>
+          <a:xfrm>
+            <a:off x="4455795" y="2298700"/>
+            <a:ext cx="683260" cy="337185"/>
+          </a:xfrm>
+          <a:prstGeom prst="flowChartProcess">
+            <a:avLst/>
+          </a:prstGeom>
+          <a:noFill/>
+          <a:ln w="28575">
+            <a:solidFill>
+              <a:srgbClr val="FFC000"/>
+            </a:solidFill>
+          </a:ln>
+          <a:extLst>
+            <a:ext uri="{909E8E84-426E-40DD-AFC4-6F175D3DCCD1}">
+              <a14:hiddenFill xmlns:a14="http://schemas.microsoft.com/office/drawing/2010/main">
+                <a:solidFill>
+                  <a:schemeClr val="accent1"/>
+                </a:solidFill>
+              </a14:hiddenFill>
+            </a:ext>
+          </a:extLst>
+        </p:spPr>
+        <p:style>
+          <a:lnRef idx="2">
+            <a:schemeClr val="accent1">
+              <a:shade val="50000"/>
+            </a:schemeClr>
+          </a:lnRef>
+          <a:fillRef idx="1">
+            <a:schemeClr val="accent1"/>
+          </a:fillRef>
+          <a:effectRef idx="0">
+            <a:schemeClr val="accent1"/>
+          </a:effectRef>
+          <a:fontRef idx="minor">
+            <a:schemeClr val="lt1"/>
+          </a:fontRef>
+        </p:style>
+        <p:txBody>
+          <a:bodyPr rtlCol="0" anchor="ctr"/>
+          <a:p>
+            <a:pPr algn="ctr"/>
+            <a:endParaRPr lang="en-US" altLang="zh-CN">
+              <a:solidFill>
+                <a:srgbClr val="FF0000"/>
+              </a:solidFill>
+            </a:endParaRPr>
+          </a:p>
+        </p:txBody>
+      </p:sp>
+      <p:sp>
+        <p:nvSpPr>
+          <p:cNvPr id="22" name="流程图: 过程 21"/>
+          <p:cNvSpPr/>
+          <p:nvPr/>
+        </p:nvSpPr>
+        <p:spPr>
+          <a:xfrm>
+            <a:off x="3061970" y="2889885"/>
+            <a:ext cx="683260" cy="337185"/>
+          </a:xfrm>
+          <a:prstGeom prst="flowChartProcess">
+            <a:avLst/>
+          </a:prstGeom>
+          <a:noFill/>
+          <a:ln w="28575">
+            <a:solidFill>
+              <a:srgbClr val="FFC000"/>
+            </a:solidFill>
+          </a:ln>
+          <a:extLst>
+            <a:ext uri="{909E8E84-426E-40DD-AFC4-6F175D3DCCD1}">
+              <a14:hiddenFill xmlns:a14="http://schemas.microsoft.com/office/drawing/2010/main">
+                <a:solidFill>
+                  <a:schemeClr val="accent1"/>
+                </a:solidFill>
+              </a14:hiddenFill>
+            </a:ext>
+          </a:extLst>
+        </p:spPr>
+        <p:style>
+          <a:lnRef idx="2">
+            <a:schemeClr val="accent1">
+              <a:shade val="50000"/>
+            </a:schemeClr>
+          </a:lnRef>
+          <a:fillRef idx="1">
+            <a:schemeClr val="accent1"/>
+          </a:fillRef>
+          <a:effectRef idx="0">
+            <a:schemeClr val="accent1"/>
+          </a:effectRef>
+          <a:fontRef idx="minor">
+            <a:schemeClr val="lt1"/>
+          </a:fontRef>
+        </p:style>
+        <p:txBody>
+          <a:bodyPr rtlCol="0" anchor="ctr"/>
+          <a:p>
+            <a:pPr algn="ctr"/>
+            <a:endParaRPr lang="en-US" altLang="zh-CN">
+              <a:solidFill>
+                <a:srgbClr val="FF0000"/>
+              </a:solidFill>
+            </a:endParaRPr>
+          </a:p>
+        </p:txBody>
+      </p:sp>
+      <p:sp>
+        <p:nvSpPr>
+          <p:cNvPr id="21" name="流程图: 过程 20"/>
+          <p:cNvSpPr/>
+          <p:nvPr/>
+        </p:nvSpPr>
+        <p:spPr>
+          <a:xfrm>
+            <a:off x="3061970" y="2298700"/>
+            <a:ext cx="683260" cy="337185"/>
+          </a:xfrm>
+          <a:prstGeom prst="flowChartProcess">
+            <a:avLst/>
+          </a:prstGeom>
+          <a:noFill/>
+          <a:ln w="28575">
+            <a:solidFill>
+              <a:srgbClr val="FFC000"/>
+            </a:solidFill>
+          </a:ln>
+          <a:extLst>
+            <a:ext uri="{909E8E84-426E-40DD-AFC4-6F175D3DCCD1}">
+              <a14:hiddenFill xmlns:a14="http://schemas.microsoft.com/office/drawing/2010/main">
+                <a:solidFill>
+                  <a:schemeClr val="accent1"/>
+                </a:solidFill>
+              </a14:hiddenFill>
+            </a:ext>
+          </a:extLst>
+        </p:spPr>
+        <p:style>
+          <a:lnRef idx="2">
+            <a:schemeClr val="accent1">
+              <a:shade val="50000"/>
+            </a:schemeClr>
+          </a:lnRef>
+          <a:fillRef idx="1">
+            <a:schemeClr val="accent1"/>
+          </a:fillRef>
+          <a:effectRef idx="0">
+            <a:schemeClr val="accent1"/>
+          </a:effectRef>
+          <a:fontRef idx="minor">
+            <a:schemeClr val="lt1"/>
+          </a:fontRef>
+        </p:style>
+        <p:txBody>
+          <a:bodyPr rtlCol="0" anchor="ctr"/>
+          <a:p>
+            <a:pPr algn="ctr"/>
+            <a:endParaRPr lang="en-US" altLang="zh-CN">
+              <a:solidFill>
+                <a:srgbClr val="FF0000"/>
+              </a:solidFill>
+            </a:endParaRPr>
+          </a:p>
+        </p:txBody>
+      </p:sp>
+      <p:sp>
+        <p:nvSpPr>
+          <p:cNvPr id="23" name="流程图: 过程 22"/>
+          <p:cNvSpPr/>
+          <p:nvPr/>
+        </p:nvSpPr>
+        <p:spPr>
+          <a:xfrm>
+            <a:off x="4455795" y="2889885"/>
+            <a:ext cx="683260" cy="337185"/>
+          </a:xfrm>
+          <a:prstGeom prst="flowChartProcess">
+            <a:avLst/>
+          </a:prstGeom>
+          <a:noFill/>
+          <a:ln w="28575">
+            <a:solidFill>
+              <a:srgbClr val="FFC000"/>
+            </a:solidFill>
+          </a:ln>
+          <a:extLst>
+            <a:ext uri="{909E8E84-426E-40DD-AFC4-6F175D3DCCD1}">
+              <a14:hiddenFill xmlns:a14="http://schemas.microsoft.com/office/drawing/2010/main">
+                <a:solidFill>
+                  <a:schemeClr val="accent1"/>
+                </a:solidFill>
+              </a14:hiddenFill>
+            </a:ext>
+          </a:extLst>
+        </p:spPr>
+        <p:style>
+          <a:lnRef idx="2">
+            <a:schemeClr val="accent1">
+              <a:shade val="50000"/>
+            </a:schemeClr>
+          </a:lnRef>
+          <a:fillRef idx="1">
+            <a:schemeClr val="accent1"/>
+          </a:fillRef>
+          <a:effectRef idx="0">
+            <a:schemeClr val="accent1"/>
+          </a:effectRef>
+          <a:fontRef idx="minor">
+            <a:schemeClr val="lt1"/>
+          </a:fontRef>
+        </p:style>
+        <p:txBody>
+          <a:bodyPr rtlCol="0" anchor="ctr"/>
+          <a:p>
+            <a:pPr algn="ctr"/>
+            <a:endParaRPr lang="en-US" altLang="zh-CN">
+              <a:solidFill>
+                <a:srgbClr val="FF0000"/>
+              </a:solidFill>
+            </a:endParaRPr>
+          </a:p>
+        </p:txBody>
+      </p:sp>
+      <p:pic>
+        <p:nvPicPr>
+          <p:cNvPr id="24" name="图片 23"/>
+          <p:cNvPicPr>
+            <a:picLocks noChangeAspect="1"/>
+          </p:cNvPicPr>
+          <p:nvPr/>
+        </p:nvPicPr>
+        <p:blipFill>
+          <a:blip r:embed="rId3"/>
+          <a:stretch>
+            <a:fillRect/>
+          </a:stretch>
+        </p:blipFill>
+        <p:spPr>
+          <a:xfrm>
+            <a:off x="4577715" y="2937510"/>
+            <a:ext cx="2179320" cy="259080"/>
+          </a:xfrm>
+          <a:prstGeom prst="rect">
+            <a:avLst/>
+          </a:prstGeom>
+        </p:spPr>
+      </p:pic>
+      <p:pic>
+        <p:nvPicPr>
+          <p:cNvPr id="28" name="图片 27"/>
+          <p:cNvPicPr>
+            <a:picLocks noChangeAspect="1"/>
+          </p:cNvPicPr>
+          <p:nvPr/>
+        </p:nvPicPr>
+        <p:blipFill>
+          <a:blip r:embed="rId4"/>
+          <a:stretch>
+            <a:fillRect/>
+          </a:stretch>
+        </p:blipFill>
+        <p:spPr>
+          <a:xfrm>
+            <a:off x="2967355" y="2818765"/>
+            <a:ext cx="388620" cy="190500"/>
+          </a:xfrm>
+          <a:prstGeom prst="rect">
+            <a:avLst/>
+          </a:prstGeom>
+        </p:spPr>
+      </p:pic>
+      <p:pic>
+        <p:nvPicPr>
+          <p:cNvPr id="29" name="图片 28"/>
+          <p:cNvPicPr>
+            <a:picLocks noChangeAspect="1"/>
+          </p:cNvPicPr>
+          <p:nvPr/>
+        </p:nvPicPr>
+        <p:blipFill>
+          <a:blip r:embed="rId4"/>
+          <a:stretch>
+            <a:fillRect/>
+          </a:stretch>
+        </p:blipFill>
+        <p:spPr>
+          <a:xfrm>
+            <a:off x="2967355" y="2190115"/>
+            <a:ext cx="388620" cy="190500"/>
+          </a:xfrm>
+          <a:prstGeom prst="rect">
+            <a:avLst/>
+          </a:prstGeom>
+        </p:spPr>
+      </p:pic>
+      <p:sp>
+        <p:nvSpPr>
+          <p:cNvPr id="33" name="流程图: 过程 32"/>
+          <p:cNvSpPr/>
+          <p:nvPr/>
+        </p:nvSpPr>
+        <p:spPr>
+          <a:xfrm>
+            <a:off x="3061970" y="3443605"/>
+            <a:ext cx="683260" cy="337185"/>
+          </a:xfrm>
+          <a:prstGeom prst="flowChartProcess">
+            <a:avLst/>
+          </a:prstGeom>
+          <a:noFill/>
+          <a:ln w="28575">
+            <a:solidFill>
+              <a:srgbClr val="FFC000"/>
+            </a:solidFill>
+          </a:ln>
+          <a:extLst>
+            <a:ext uri="{909E8E84-426E-40DD-AFC4-6F175D3DCCD1}">
+              <a14:hiddenFill xmlns:a14="http://schemas.microsoft.com/office/drawing/2010/main">
+                <a:solidFill>
+                  <a:schemeClr val="accent1"/>
+                </a:solidFill>
+              </a14:hiddenFill>
+            </a:ext>
+          </a:extLst>
+        </p:spPr>
+        <p:style>
+          <a:lnRef idx="2">
+            <a:schemeClr val="accent1">
+              <a:shade val="50000"/>
+            </a:schemeClr>
+          </a:lnRef>
+          <a:fillRef idx="1">
+            <a:schemeClr val="accent1"/>
+          </a:fillRef>
+          <a:effectRef idx="0">
+            <a:schemeClr val="accent1"/>
+          </a:effectRef>
+          <a:fontRef idx="minor">
+            <a:schemeClr val="lt1"/>
+          </a:fontRef>
+        </p:style>
+        <p:txBody>
+          <a:bodyPr rtlCol="0" anchor="ctr"/>
+          <a:p>
+            <a:pPr algn="ctr"/>
+            <a:endParaRPr lang="en-US" altLang="zh-CN">
+              <a:solidFill>
+                <a:srgbClr val="FF0000"/>
+              </a:solidFill>
+            </a:endParaRPr>
+          </a:p>
+        </p:txBody>
+      </p:sp>
+      <p:sp>
+        <p:nvSpPr>
+          <p:cNvPr id="34" name="流程图: 过程 33"/>
+          <p:cNvSpPr/>
+          <p:nvPr/>
+        </p:nvSpPr>
+        <p:spPr>
+          <a:xfrm>
+            <a:off x="4455795" y="3443605"/>
+            <a:ext cx="683260" cy="337185"/>
+          </a:xfrm>
+          <a:prstGeom prst="flowChartProcess">
+            <a:avLst/>
+          </a:prstGeom>
+          <a:noFill/>
+          <a:ln w="28575">
+            <a:solidFill>
+              <a:srgbClr val="FFC000"/>
+            </a:solidFill>
+          </a:ln>
+          <a:extLst>
+            <a:ext uri="{909E8E84-426E-40DD-AFC4-6F175D3DCCD1}">
+              <a14:hiddenFill xmlns:a14="http://schemas.microsoft.com/office/drawing/2010/main">
+                <a:solidFill>
+                  <a:schemeClr val="accent1"/>
+                </a:solidFill>
+              </a14:hiddenFill>
+            </a:ext>
+          </a:extLst>
+        </p:spPr>
+        <p:style>
+          <a:lnRef idx="2">
+            <a:schemeClr val="accent1">
+              <a:shade val="50000"/>
+            </a:schemeClr>
+          </a:lnRef>
+          <a:fillRef idx="1">
+            <a:schemeClr val="accent1"/>
+          </a:fillRef>
+          <a:effectRef idx="0">
+            <a:schemeClr val="accent1"/>
+          </a:effectRef>
+          <a:fontRef idx="minor">
+            <a:schemeClr val="lt1"/>
+          </a:fontRef>
+        </p:style>
+        <p:txBody>
+          <a:bodyPr rtlCol="0" anchor="ctr"/>
+          <a:p>
+            <a:pPr algn="ctr"/>
+            <a:endParaRPr lang="en-US" altLang="zh-CN">
+              <a:solidFill>
+                <a:srgbClr val="FF0000"/>
+              </a:solidFill>
+            </a:endParaRPr>
+          </a:p>
+        </p:txBody>
+      </p:sp>
+      <p:pic>
+        <p:nvPicPr>
+          <p:cNvPr id="35" name="图片 34"/>
+          <p:cNvPicPr>
+            <a:picLocks noChangeAspect="1"/>
+          </p:cNvPicPr>
+          <p:nvPr/>
+        </p:nvPicPr>
+        <p:blipFill>
+          <a:blip r:embed="rId3"/>
+          <a:stretch>
+            <a:fillRect/>
+          </a:stretch>
+        </p:blipFill>
+        <p:spPr>
+          <a:xfrm>
+            <a:off x="4577715" y="3491230"/>
+            <a:ext cx="2179320" cy="259080"/>
+          </a:xfrm>
+          <a:prstGeom prst="rect">
+            <a:avLst/>
+          </a:prstGeom>
+        </p:spPr>
+      </p:pic>
+      <p:pic>
+        <p:nvPicPr>
+          <p:cNvPr id="36" name="图片 35"/>
+          <p:cNvPicPr>
+            <a:picLocks noChangeAspect="1"/>
+          </p:cNvPicPr>
+          <p:nvPr/>
+        </p:nvPicPr>
+        <p:blipFill>
+          <a:blip r:embed="rId4"/>
+          <a:stretch>
+            <a:fillRect/>
+          </a:stretch>
+        </p:blipFill>
+        <p:spPr>
+          <a:xfrm>
+            <a:off x="2967355" y="3372485"/>
+            <a:ext cx="388620" cy="190500"/>
+          </a:xfrm>
+          <a:prstGeom prst="rect">
+            <a:avLst/>
+          </a:prstGeom>
+        </p:spPr>
+      </p:pic>
+      <p:pic>
+        <p:nvPicPr>
+          <p:cNvPr id="49" name="图片 48"/>
+          <p:cNvPicPr>
+            <a:picLocks noChangeAspect="1"/>
+          </p:cNvPicPr>
+          <p:nvPr/>
+        </p:nvPicPr>
+        <p:blipFill>
+          <a:blip r:embed="rId5"/>
+          <a:stretch>
+            <a:fillRect/>
+          </a:stretch>
+        </p:blipFill>
+        <p:spPr>
+          <a:xfrm>
+            <a:off x="4316095" y="2215515"/>
+            <a:ext cx="746760" cy="152400"/>
+          </a:xfrm>
+          <a:prstGeom prst="rect">
+            <a:avLst/>
+          </a:prstGeom>
+        </p:spPr>
+      </p:pic>
+      <p:pic>
+        <p:nvPicPr>
+          <p:cNvPr id="50" name="图片 49"/>
+          <p:cNvPicPr>
+            <a:picLocks noChangeAspect="1"/>
+          </p:cNvPicPr>
+          <p:nvPr/>
+        </p:nvPicPr>
+        <p:blipFill>
+          <a:blip r:embed="rId5"/>
+          <a:stretch>
+            <a:fillRect/>
+          </a:stretch>
+        </p:blipFill>
+        <p:spPr>
+          <a:xfrm>
+            <a:off x="4311650" y="2785110"/>
+            <a:ext cx="746760" cy="152400"/>
+          </a:xfrm>
+          <a:prstGeom prst="rect">
+            <a:avLst/>
+          </a:prstGeom>
+        </p:spPr>
+      </p:pic>
+      <p:pic>
+        <p:nvPicPr>
+          <p:cNvPr id="51" name="图片 50"/>
+          <p:cNvPicPr>
+            <a:picLocks noChangeAspect="1"/>
+          </p:cNvPicPr>
+          <p:nvPr/>
+        </p:nvPicPr>
+        <p:blipFill>
+          <a:blip r:embed="rId5"/>
+          <a:stretch>
+            <a:fillRect/>
+          </a:stretch>
+        </p:blipFill>
+        <p:spPr>
+          <a:xfrm>
+            <a:off x="4316095" y="3344545"/>
+            <a:ext cx="746760" cy="152400"/>
+          </a:xfrm>
+          <a:prstGeom prst="rect">
+            <a:avLst/>
+          </a:prstGeom>
+        </p:spPr>
+      </p:pic>
+      <p:pic>
+        <p:nvPicPr>
+          <p:cNvPr id="52" name="图片 51"/>
+          <p:cNvPicPr>
+            <a:picLocks noChangeAspect="1"/>
+          </p:cNvPicPr>
+          <p:nvPr/>
+        </p:nvPicPr>
+        <p:blipFill>
+          <a:blip r:embed="rId5"/>
+          <a:stretch>
+            <a:fillRect/>
+          </a:stretch>
+        </p:blipFill>
+        <p:spPr>
+          <a:xfrm>
+            <a:off x="3034030" y="3545205"/>
+            <a:ext cx="746760" cy="152400"/>
+          </a:xfrm>
+          <a:prstGeom prst="rect">
+            <a:avLst/>
+          </a:prstGeom>
+        </p:spPr>
+      </p:pic>
+      <p:cxnSp>
+        <p:nvCxnSpPr>
+          <p:cNvPr id="54" name="肘形连接符 53"/>
+          <p:cNvCxnSpPr>
+            <a:stCxn id="15" idx="3"/>
+            <a:endCxn id="24" idx="3"/>
+          </p:cNvCxnSpPr>
+          <p:nvPr/>
+        </p:nvCxnSpPr>
+        <p:spPr>
+          <a:xfrm flipV="1">
+            <a:off x="5311140" y="3067050"/>
+            <a:ext cx="1445895" cy="2250440"/>
+          </a:xfrm>
+          <a:prstGeom prst="bentConnector3">
+            <a:avLst>
+              <a:gd name="adj1" fmla="val 116469"/>
+            </a:avLst>
+          </a:prstGeom>
+          <a:ln w="28575">
+            <a:solidFill>
+              <a:srgbClr val="36A44E"/>
+            </a:solidFill>
+            <a:tailEnd type="arrow"/>
+          </a:ln>
+        </p:spPr>
+        <p:style>
+          <a:lnRef idx="1">
+            <a:schemeClr val="accent1"/>
+          </a:lnRef>
+          <a:fillRef idx="0">
+            <a:schemeClr val="accent1"/>
+          </a:fillRef>
+          <a:effectRef idx="0">
+            <a:schemeClr val="accent1"/>
+          </a:effectRef>
+          <a:fontRef idx="minor">
+            <a:schemeClr val="tx1"/>
+          </a:fontRef>
+        </p:style>
+      </p:cxnSp>
+      <p:cxnSp>
+        <p:nvCxnSpPr>
+          <p:cNvPr id="55" name="直接箭头连接符 54"/>
+          <p:cNvCxnSpPr>
+            <a:stCxn id="51" idx="1"/>
+            <a:endCxn id="52" idx="3"/>
+          </p:cNvCxnSpPr>
+          <p:nvPr/>
+        </p:nvCxnSpPr>
+        <p:spPr>
+          <a:xfrm flipH="1">
+            <a:off x="3780790" y="3420745"/>
+            <a:ext cx="535305" cy="200660"/>
+          </a:xfrm>
+          <a:prstGeom prst="straightConnector1">
+            <a:avLst/>
+          </a:prstGeom>
+          <a:ln w="28575">
+            <a:solidFill>
+              <a:srgbClr val="FFC000"/>
+            </a:solidFill>
+            <a:tailEnd type="arrow"/>
+          </a:ln>
+        </p:spPr>
+        <p:style>
+          <a:lnRef idx="1">
+            <a:schemeClr val="accent1"/>
+          </a:lnRef>
+          <a:fillRef idx="0">
+            <a:schemeClr val="accent1"/>
+          </a:fillRef>
+          <a:effectRef idx="0">
+            <a:schemeClr val="accent1"/>
+          </a:effectRef>
+          <a:fontRef idx="minor">
+            <a:schemeClr val="tx1"/>
+          </a:fontRef>
+        </p:style>
+      </p:cxnSp>
+      <p:sp>
+        <p:nvSpPr>
+          <p:cNvPr id="56" name="文本框 55"/>
+          <p:cNvSpPr txBox="1"/>
+          <p:nvPr/>
+        </p:nvSpPr>
+        <p:spPr>
+          <a:xfrm>
+            <a:off x="194310" y="2023110"/>
+            <a:ext cx="1511300" cy="275590"/>
+          </a:xfrm>
+          <a:prstGeom prst="rect">
+            <a:avLst/>
+          </a:prstGeom>
+          <a:noFill/>
+        </p:spPr>
+        <p:txBody>
+          <a:bodyPr wrap="square" rtlCol="0">
+            <a:spAutoFit/>
+          </a:bodyPr>
+          <a:p>
+            <a:r>
+              <a:rPr lang="en-US" altLang="zh-CN" sz="1200" b="1">
+                <a:solidFill>
+                  <a:schemeClr val="tx1"/>
+                </a:solidFill>
+                <a:latin typeface="宋体" panose="02010600030101010101" pitchFamily="2" charset="-122"/>
+                <a:ea typeface="宋体" panose="02010600030101010101" pitchFamily="2" charset="-122"/>
+                <a:cs typeface="宋体" panose="02010600030101010101" pitchFamily="2" charset="-122"/>
+              </a:rPr>
+              <a:t>javac </a:t>
+            </a:r>
+            <a:r>
+              <a:rPr lang="zh-CN" altLang="en-US" sz="1200" b="1">
+                <a:solidFill>
+                  <a:schemeClr val="tx1"/>
+                </a:solidFill>
+                <a:latin typeface="宋体" panose="02010600030101010101" pitchFamily="2" charset="-122"/>
+                <a:ea typeface="宋体" panose="02010600030101010101" pitchFamily="2" charset="-122"/>
+                <a:cs typeface="宋体" panose="02010600030101010101" pitchFamily="2" charset="-122"/>
+              </a:rPr>
+              <a:t>编译器</a:t>
+            </a:r>
+            <a:endParaRPr lang="zh-CN" altLang="en-US" sz="1200" b="1">
+              <a:solidFill>
+                <a:schemeClr val="tx1"/>
+              </a:solidFill>
+              <a:latin typeface="宋体" panose="02010600030101010101" pitchFamily="2" charset="-122"/>
+              <a:ea typeface="宋体" panose="02010600030101010101" pitchFamily="2" charset="-122"/>
+              <a:cs typeface="宋体" panose="02010600030101010101" pitchFamily="2" charset="-122"/>
+            </a:endParaRPr>
+          </a:p>
+        </p:txBody>
+      </p:sp>
+      <p:sp>
+        <p:nvSpPr>
+          <p:cNvPr id="57" name="文本框 56"/>
+          <p:cNvSpPr txBox="1"/>
+          <p:nvPr/>
+        </p:nvSpPr>
+        <p:spPr>
+          <a:xfrm>
+            <a:off x="194310" y="3329940"/>
+            <a:ext cx="1511300" cy="275590"/>
+          </a:xfrm>
+          <a:prstGeom prst="rect">
+            <a:avLst/>
+          </a:prstGeom>
+          <a:noFill/>
+        </p:spPr>
+        <p:txBody>
+          <a:bodyPr wrap="square" rtlCol="0">
+            <a:spAutoFit/>
+          </a:bodyPr>
+          <a:p>
+            <a:r>
+              <a:rPr lang="en-US" altLang="zh-CN" sz="1200" b="1">
+                <a:solidFill>
+                  <a:schemeClr val="tx1"/>
+                </a:solidFill>
+                <a:latin typeface="宋体" panose="02010600030101010101" pitchFamily="2" charset="-122"/>
+                <a:ea typeface="宋体" panose="02010600030101010101" pitchFamily="2" charset="-122"/>
+                <a:cs typeface="宋体" panose="02010600030101010101" pitchFamily="2" charset="-122"/>
+              </a:rPr>
+              <a:t>java </a:t>
+            </a:r>
+            <a:r>
+              <a:rPr lang="zh-CN" altLang="en-US" sz="1200" b="1">
+                <a:solidFill>
+                  <a:schemeClr val="tx1"/>
+                </a:solidFill>
+                <a:latin typeface="宋体" panose="02010600030101010101" pitchFamily="2" charset="-122"/>
+                <a:ea typeface="宋体" panose="02010600030101010101" pitchFamily="2" charset="-122"/>
+                <a:cs typeface="宋体" panose="02010600030101010101" pitchFamily="2" charset="-122"/>
+              </a:rPr>
+              <a:t>类加载器</a:t>
+            </a:r>
+            <a:endParaRPr lang="zh-CN" altLang="en-US" sz="1200" b="1">
+              <a:solidFill>
+                <a:schemeClr val="tx1"/>
+              </a:solidFill>
+              <a:latin typeface="宋体" panose="02010600030101010101" pitchFamily="2" charset="-122"/>
+              <a:ea typeface="宋体" panose="02010600030101010101" pitchFamily="2" charset="-122"/>
+              <a:cs typeface="宋体" panose="02010600030101010101" pitchFamily="2" charset="-122"/>
+            </a:endParaRPr>
+          </a:p>
+        </p:txBody>
+      </p:sp>
+      <p:sp>
+        <p:nvSpPr>
+          <p:cNvPr id="58" name="文本框 57"/>
+          <p:cNvSpPr txBox="1"/>
+          <p:nvPr/>
+        </p:nvSpPr>
+        <p:spPr>
+          <a:xfrm>
+            <a:off x="2426335" y="2227580"/>
+            <a:ext cx="411480" cy="368300"/>
+          </a:xfrm>
+          <a:prstGeom prst="rect">
+            <a:avLst/>
+          </a:prstGeom>
+          <a:noFill/>
+        </p:spPr>
+        <p:txBody>
+          <a:bodyPr wrap="none" rtlCol="0" anchor="t">
+            <a:spAutoFit/>
+          </a:bodyPr>
+          <a:p>
+            <a:r>
+              <a:rPr lang="zh-CN" altLang="en-US">
+                <a:latin typeface="Calibri" panose="020F0502020204030204" charset="0"/>
+              </a:rPr>
+              <a:t>①</a:t>
+            </a:r>
+            <a:endParaRPr lang="zh-CN" altLang="en-US">
+              <a:latin typeface="Calibri" panose="020F0502020204030204" charset="0"/>
+            </a:endParaRPr>
+          </a:p>
+        </p:txBody>
+      </p:sp>
+      <p:sp>
+        <p:nvSpPr>
+          <p:cNvPr id="59" name="文本框 58"/>
+          <p:cNvSpPr txBox="1"/>
+          <p:nvPr/>
+        </p:nvSpPr>
+        <p:spPr>
+          <a:xfrm>
+            <a:off x="2434590" y="2827655"/>
+            <a:ext cx="411480" cy="368300"/>
+          </a:xfrm>
+          <a:prstGeom prst="rect">
+            <a:avLst/>
+          </a:prstGeom>
+          <a:noFill/>
+        </p:spPr>
+        <p:txBody>
+          <a:bodyPr wrap="none" rtlCol="0" anchor="t">
+            <a:spAutoFit/>
+          </a:bodyPr>
+          <a:p>
+            <a:r>
+              <a:rPr lang="zh-CN" altLang="en-US">
+                <a:latin typeface="Calibri" panose="020F0502020204030204" charset="0"/>
+              </a:rPr>
+              <a:t>②</a:t>
+            </a:r>
+            <a:endParaRPr lang="zh-CN" altLang="en-US">
+              <a:latin typeface="Calibri" panose="020F0502020204030204" charset="0"/>
+            </a:endParaRPr>
+          </a:p>
+        </p:txBody>
+      </p:sp>
+      <p:sp>
+        <p:nvSpPr>
+          <p:cNvPr id="60" name="文本框 59"/>
+          <p:cNvSpPr txBox="1"/>
+          <p:nvPr/>
+        </p:nvSpPr>
+        <p:spPr>
+          <a:xfrm>
+            <a:off x="2426335" y="3372485"/>
+            <a:ext cx="411480" cy="368300"/>
+          </a:xfrm>
+          <a:prstGeom prst="rect">
+            <a:avLst/>
+          </a:prstGeom>
+          <a:noFill/>
+        </p:spPr>
+        <p:txBody>
+          <a:bodyPr wrap="none" rtlCol="0" anchor="t">
+            <a:spAutoFit/>
+          </a:bodyPr>
+          <a:p>
+            <a:r>
+              <a:rPr lang="zh-CN" altLang="en-US">
+                <a:latin typeface="Calibri" panose="020F0502020204030204" charset="0"/>
+              </a:rPr>
+              <a:t>③</a:t>
+            </a:r>
+            <a:endParaRPr lang="zh-CN" altLang="en-US">
+              <a:latin typeface="Calibri" panose="020F0502020204030204" charset="0"/>
+            </a:endParaRPr>
+          </a:p>
+        </p:txBody>
+      </p:sp>
+      <p:sp>
+        <p:nvSpPr>
+          <p:cNvPr id="61" name="文本框 60"/>
+          <p:cNvSpPr txBox="1"/>
+          <p:nvPr/>
+        </p:nvSpPr>
+        <p:spPr>
+          <a:xfrm>
+            <a:off x="7325995" y="1651635"/>
+            <a:ext cx="4608195" cy="3692525"/>
+          </a:xfrm>
+          <a:prstGeom prst="rect">
+            <a:avLst/>
+          </a:prstGeom>
+          <a:noFill/>
+        </p:spPr>
+        <p:txBody>
+          <a:bodyPr wrap="square" rtlCol="0">
+            <a:spAutoFit/>
+          </a:bodyPr>
+          <a:p>
+            <a:r>
+              <a:rPr lang="zh-CN" altLang="en-US"/>
+              <a:t>栈的空间大小远远小于堆的</a:t>
+            </a:r>
+            <a:endParaRPr lang="zh-CN" altLang="en-US"/>
+          </a:p>
+          <a:p>
+            <a:endParaRPr lang="zh-CN" altLang="en-US"/>
+          </a:p>
+          <a:p>
+            <a:r>
+              <a:rPr lang="zh-CN" altLang="en-US"/>
+              <a:t>堆可以动态地分配内存大小，生存期也不必事先告诉编译器，因为它是在运行时动态分配内存的，但缺点是，由于要在运行时动态分配内存，存取速度较慢</a:t>
+            </a:r>
+            <a:endParaRPr lang="zh-CN" altLang="en-US"/>
+          </a:p>
+          <a:p>
+            <a:endParaRPr lang="zh-CN" altLang="en-US"/>
+          </a:p>
+          <a:p>
+            <a:r>
+              <a:rPr lang="zh-CN" altLang="en-US">
+                <a:sym typeface="+mn-ea"/>
+              </a:rPr>
+              <a:t>栈</a:t>
+            </a:r>
+            <a:r>
+              <a:rPr lang="zh-CN" altLang="en-US"/>
+              <a:t>存取速度比堆要快，仅次于寄存器，栈数据可以共享，但缺点是，存在栈中的数据大小与生存期必须是确定的，缺乏灵活性</a:t>
+            </a:r>
+            <a:endParaRPr lang="zh-CN" altLang="en-US"/>
+          </a:p>
+          <a:p>
+            <a:endParaRPr lang="zh-CN" altLang="en-US"/>
+          </a:p>
+          <a:p>
+            <a:r>
+              <a:rPr lang="zh-CN" altLang="en-US">
+                <a:sym typeface="+mn-ea"/>
+              </a:rPr>
+              <a:t>类的方法代码，变量名，方法名，访问权限，返回值等等都是在方法区</a:t>
+            </a:r>
+            <a:endParaRPr lang="zh-CN" altLang="en-US"/>
+          </a:p>
+        </p:txBody>
+      </p:sp>
+      <p:pic>
+        <p:nvPicPr>
+          <p:cNvPr id="62" name="图片 61"/>
+          <p:cNvPicPr>
+            <a:picLocks noChangeAspect="1"/>
+          </p:cNvPicPr>
+          <p:nvPr/>
+        </p:nvPicPr>
+        <p:blipFill>
+          <a:blip r:embed="rId6"/>
+          <a:stretch>
+            <a:fillRect/>
+          </a:stretch>
+        </p:blipFill>
+        <p:spPr>
+          <a:xfrm>
+            <a:off x="5461635" y="4221480"/>
+            <a:ext cx="1348740" cy="182880"/>
+          </a:xfrm>
+          <a:prstGeom prst="rect">
+            <a:avLst/>
+          </a:prstGeom>
+        </p:spPr>
+      </p:pic>
+      <p:pic>
+        <p:nvPicPr>
+          <p:cNvPr id="63" name="图片 62"/>
+          <p:cNvPicPr>
+            <a:picLocks noChangeAspect="1"/>
+          </p:cNvPicPr>
+          <p:nvPr/>
+        </p:nvPicPr>
+        <p:blipFill>
+          <a:blip r:embed="rId7"/>
+          <a:stretch>
+            <a:fillRect/>
+          </a:stretch>
+        </p:blipFill>
+        <p:spPr>
+          <a:xfrm>
+            <a:off x="2541270" y="3933190"/>
+            <a:ext cx="800100" cy="175260"/>
+          </a:xfrm>
+          <a:prstGeom prst="rect">
+            <a:avLst/>
+          </a:prstGeom>
+        </p:spPr>
+      </p:pic>
+    </p:spTree>
+    <p:custDataLst>
+      <p:tags r:id="rId8"/>
+    </p:custDataLst>
+  </p:cSld>
+  <p:clrMapOvr>
+    <a:masterClrMapping/>
+  </p:clrMapOvr>
+</p:sld>
+</file>
+
+<file path=ppt/slides/slide11.xml><?xml version="1.0" encoding="utf-8"?>
+<p:sld xmlns:a="http://schemas.openxmlformats.org/drawingml/2006/main" xmlns:r="http://schemas.openxmlformats.org/officeDocument/2006/relationships" xmlns:p="http://schemas.openxmlformats.org/presentationml/2006/main">
+  <p:cSld>
+    <p:bg>
+      <p:bgPr>
+        <a:blipFill rotWithShape="1">
+          <a:blip r:embed="rId1"/>
+          <a:stretch>
+            <a:fillRect/>
+          </a:stretch>
+        </a:blipFill>
+        <a:effectLst/>
+      </p:bgPr>
+    </p:bg>
+    <p:spTree>
+      <p:nvGrpSpPr>
+        <p:cNvPr id="1" name=""/>
+        <p:cNvGrpSpPr/>
+        <p:nvPr/>
+      </p:nvGrpSpPr>
+      <p:grpSpPr/>
       <p:sp>
         <p:nvSpPr>
           <p:cNvPr id="2" name="文本框 1"/>
@@ -6529,7 +7991,7 @@
 </p:sld>
 </file>
 
-<file path=ppt/slides/slide11.xml><?xml version="1.0" encoding="utf-8"?>
+<file path=ppt/slides/slide12.xml><?xml version="1.0" encoding="utf-8"?>
 <p:sld xmlns:a="http://schemas.openxmlformats.org/drawingml/2006/main" xmlns:r="http://schemas.openxmlformats.org/officeDocument/2006/relationships" xmlns:p="http://schemas.openxmlformats.org/presentationml/2006/main">
   <p:cSld>
     <p:bg>
@@ -6843,7 +8305,7 @@
 </p:sld>
 </file>
 
-<file path=ppt/slides/slide12.xml><?xml version="1.0" encoding="utf-8"?>
+<file path=ppt/slides/slide13.xml><?xml version="1.0" encoding="utf-8"?>
 <p:sld xmlns:a="http://schemas.openxmlformats.org/drawingml/2006/main" xmlns:r="http://schemas.openxmlformats.org/officeDocument/2006/relationships" xmlns:p="http://schemas.openxmlformats.org/presentationml/2006/main">
   <p:cSld>
     <p:bg>
@@ -6927,7 +8389,7 @@
         <p:spPr>
           <a:xfrm>
             <a:off x="9127490" y="1719580"/>
-            <a:ext cx="1548765" cy="2559050"/>
+            <a:ext cx="2814320" cy="2843530"/>
           </a:xfrm>
           <a:prstGeom prst="flowChartProcess">
             <a:avLst/>
@@ -7371,7 +8833,7 @@
 </p:sld>
 </file>
 
-<file path=ppt/slides/slide13.xml><?xml version="1.0" encoding="utf-8"?>
+<file path=ppt/slides/slide14.xml><?xml version="1.0" encoding="utf-8"?>
 <p:sld xmlns:a="http://schemas.openxmlformats.org/drawingml/2006/main" xmlns:r="http://schemas.openxmlformats.org/officeDocument/2006/relationships" xmlns:p="http://schemas.openxmlformats.org/presentationml/2006/main">
   <p:cSld>
     <p:bg>
@@ -7726,7 +9188,7 @@
 </p:sld>
 </file>
 
-<file path=ppt/slides/slide14.xml><?xml version="1.0" encoding="utf-8"?>
+<file path=ppt/slides/slide15.xml><?xml version="1.0" encoding="utf-8"?>
 <p:sld xmlns:a="http://schemas.openxmlformats.org/drawingml/2006/main" xmlns:r="http://schemas.openxmlformats.org/officeDocument/2006/relationships" xmlns:p="http://schemas.openxmlformats.org/presentationml/2006/main">
   <p:cSld>
     <p:bg>
@@ -8003,7 +9465,7 @@
 </p:sld>
 </file>
 
-<file path=ppt/slides/slide15.xml><?xml version="1.0" encoding="utf-8"?>
+<file path=ppt/slides/slide16.xml><?xml version="1.0" encoding="utf-8"?>
 <p:sld xmlns:a="http://schemas.openxmlformats.org/drawingml/2006/main" xmlns:r="http://schemas.openxmlformats.org/officeDocument/2006/relationships" xmlns:p="http://schemas.openxmlformats.org/presentationml/2006/main">
   <p:cSld>
     <p:bg>
@@ -8139,7 +9601,7 @@
 </p:sld>
 </file>
 
-<file path=ppt/slides/slide16.xml><?xml version="1.0" encoding="utf-8"?>
+<file path=ppt/slides/slide17.xml><?xml version="1.0" encoding="utf-8"?>
 <p:sld xmlns:a="http://schemas.openxmlformats.org/drawingml/2006/main" xmlns:r="http://schemas.openxmlformats.org/officeDocument/2006/relationships" xmlns:p="http://schemas.openxmlformats.org/presentationml/2006/main">
   <p:cSld>
     <p:bg>
@@ -8520,7 +9982,7 @@
 </p:sld>
 </file>
 
-<file path=ppt/slides/slide17.xml><?xml version="1.0" encoding="utf-8"?>
+<file path=ppt/slides/slide18.xml><?xml version="1.0" encoding="utf-8"?>
 <p:sld xmlns:a="http://schemas.openxmlformats.org/drawingml/2006/main" xmlns:r="http://schemas.openxmlformats.org/officeDocument/2006/relationships" xmlns:p="http://schemas.openxmlformats.org/presentationml/2006/main">
   <p:cSld>
     <p:bg>
@@ -8772,7 +10234,7 @@
 </p:sld>
 </file>
 
-<file path=ppt/slides/slide18.xml><?xml version="1.0" encoding="utf-8"?>
+<file path=ppt/slides/slide19.xml><?xml version="1.0" encoding="utf-8"?>
 <p:sld xmlns:a="http://schemas.openxmlformats.org/drawingml/2006/main" xmlns:r="http://schemas.openxmlformats.org/officeDocument/2006/relationships" xmlns:p="http://schemas.openxmlformats.org/presentationml/2006/main">
   <p:cSld>
     <p:bg>
@@ -9125,7 +10587,242 @@
 </p:sld>
 </file>
 
-<file path=ppt/slides/slide19.xml><?xml version="1.0" encoding="utf-8"?>
+<file path=ppt/slides/slide2.xml><?xml version="1.0" encoding="utf-8"?>
+<p:sld xmlns:a="http://schemas.openxmlformats.org/drawingml/2006/main" xmlns:r="http://schemas.openxmlformats.org/officeDocument/2006/relationships" xmlns:p="http://schemas.openxmlformats.org/presentationml/2006/main">
+  <p:cSld>
+    <p:bg>
+      <p:bgPr>
+        <a:blipFill rotWithShape="1">
+          <a:blip r:embed="rId1"/>
+          <a:stretch>
+            <a:fillRect/>
+          </a:stretch>
+        </a:blipFill>
+        <a:effectLst/>
+      </p:bgPr>
+    </p:bg>
+    <p:spTree>
+      <p:nvGrpSpPr>
+        <p:cNvPr id="1" name=""/>
+        <p:cNvGrpSpPr/>
+        <p:nvPr/>
+      </p:nvGrpSpPr>
+      <p:grpSpPr/>
+      <p:sp>
+        <p:nvSpPr>
+          <p:cNvPr id="7" name="文本框 6"/>
+          <p:cNvSpPr txBox="1"/>
+          <p:nvPr/>
+        </p:nvSpPr>
+        <p:spPr>
+          <a:xfrm>
+            <a:off x="102235" y="1529715"/>
+            <a:ext cx="11876405" cy="4769485"/>
+          </a:xfrm>
+          <a:prstGeom prst="rect">
+            <a:avLst/>
+          </a:prstGeom>
+          <a:noFill/>
+        </p:spPr>
+        <p:txBody>
+          <a:bodyPr wrap="square" rtlCol="0">
+            <a:spAutoFit/>
+          </a:bodyPr>
+          <a:p>
+            <a:r>
+              <a:rPr lang="zh-CN" altLang="en-US" sz="1600">
+                <a:latin typeface="宋体" panose="02010600030101010101" pitchFamily="2" charset="-122"/>
+                <a:ea typeface="宋体" panose="02010600030101010101" pitchFamily="2" charset="-122"/>
+                <a:cs typeface="宋体" panose="02010600030101010101" pitchFamily="2" charset="-122"/>
+              </a:rPr>
+              <a:t>面向对象产生的历史原因有下面两点： </a:t>
+            </a:r>
+            <a:endParaRPr lang="zh-CN" altLang="en-US" sz="1600">
+              <a:latin typeface="宋体" panose="02010600030101010101" pitchFamily="2" charset="-122"/>
+              <a:ea typeface="宋体" panose="02010600030101010101" pitchFamily="2" charset="-122"/>
+              <a:cs typeface="宋体" panose="02010600030101010101" pitchFamily="2" charset="-122"/>
+            </a:endParaRPr>
+          </a:p>
+          <a:p>
+            <a:endParaRPr lang="zh-CN" altLang="en-US" sz="1600">
+              <a:latin typeface="宋体" panose="02010600030101010101" pitchFamily="2" charset="-122"/>
+              <a:ea typeface="宋体" panose="02010600030101010101" pitchFamily="2" charset="-122"/>
+              <a:cs typeface="宋体" panose="02010600030101010101" pitchFamily="2" charset="-122"/>
+            </a:endParaRPr>
+          </a:p>
+          <a:p>
+            <a:r>
+              <a:rPr lang="zh-CN" altLang="en-US" sz="1600">
+                <a:latin typeface="宋体" panose="02010600030101010101" pitchFamily="2" charset="-122"/>
+                <a:ea typeface="宋体" panose="02010600030101010101" pitchFamily="2" charset="-122"/>
+                <a:cs typeface="宋体" panose="02010600030101010101" pitchFamily="2" charset="-122"/>
+              </a:rPr>
+              <a:t>1、 计算机是帮助人们解决问题的，然而计算机终究是个机器，他只会按照人所写的代码，一步一步的执行下去，最终得到了结果，因此无论程序多么的复杂，计算机总是能轻松应付。结构化编程，就是按照计算机的思维写出的代码，但是人看到这么复杂的逻辑，就无法维护和扩展了。</a:t>
+            </a:r>
+            <a:endParaRPr lang="zh-CN" altLang="en-US" sz="1600">
+              <a:latin typeface="宋体" panose="02010600030101010101" pitchFamily="2" charset="-122"/>
+              <a:ea typeface="宋体" panose="02010600030101010101" pitchFamily="2" charset="-122"/>
+              <a:cs typeface="宋体" panose="02010600030101010101" pitchFamily="2" charset="-122"/>
+            </a:endParaRPr>
+          </a:p>
+          <a:p>
+            <a:endParaRPr lang="zh-CN" altLang="en-US" sz="1600">
+              <a:latin typeface="宋体" panose="02010600030101010101" pitchFamily="2" charset="-122"/>
+              <a:ea typeface="宋体" panose="02010600030101010101" pitchFamily="2" charset="-122"/>
+              <a:cs typeface="宋体" panose="02010600030101010101" pitchFamily="2" charset="-122"/>
+            </a:endParaRPr>
+          </a:p>
+          <a:p>
+            <a:r>
+              <a:rPr lang="zh-CN" altLang="en-US" sz="1600">
+                <a:latin typeface="宋体" panose="02010600030101010101" pitchFamily="2" charset="-122"/>
+                <a:ea typeface="宋体" panose="02010600030101010101" pitchFamily="2" charset="-122"/>
+                <a:cs typeface="宋体" panose="02010600030101010101" pitchFamily="2" charset="-122"/>
+              </a:rPr>
+              <a:t>2、 结构化设计是以功能为目标来设计构造应用系统，这种做法导致我们设计程序时，不得不将客体所构成的现实世界映射到由功能模块组成的解空间中，这种转换过程，背离了人们观察和解决问题的基本思路。 </a:t>
+            </a:r>
+            <a:endParaRPr lang="zh-CN" altLang="en-US" sz="1600">
+              <a:latin typeface="宋体" panose="02010600030101010101" pitchFamily="2" charset="-122"/>
+              <a:ea typeface="宋体" panose="02010600030101010101" pitchFamily="2" charset="-122"/>
+              <a:cs typeface="宋体" panose="02010600030101010101" pitchFamily="2" charset="-122"/>
+            </a:endParaRPr>
+          </a:p>
+          <a:p>
+            <a:endParaRPr lang="zh-CN" altLang="en-US" sz="1600">
+              <a:latin typeface="宋体" panose="02010600030101010101" pitchFamily="2" charset="-122"/>
+              <a:ea typeface="宋体" panose="02010600030101010101" pitchFamily="2" charset="-122"/>
+              <a:cs typeface="宋体" panose="02010600030101010101" pitchFamily="2" charset="-122"/>
+            </a:endParaRPr>
+          </a:p>
+          <a:p>
+            <a:r>
+              <a:rPr lang="zh-CN" altLang="en-US" sz="1600">
+                <a:latin typeface="宋体" panose="02010600030101010101" pitchFamily="2" charset="-122"/>
+                <a:ea typeface="宋体" panose="02010600030101010101" pitchFamily="2" charset="-122"/>
+                <a:cs typeface="宋体" panose="02010600030101010101" pitchFamily="2" charset="-122"/>
+              </a:rPr>
+              <a:t>可见结构化设计在设计系统的时候，无法解决重用、维护、扩展的问题，而且会导致逻辑过于复杂，代码晦涩难懂。于是人们就想，能不能</a:t>
+            </a:r>
+            <a:r>
+              <a:rPr lang="zh-CN" altLang="en-US" sz="1600">
+                <a:solidFill>
+                  <a:srgbClr val="FF0000"/>
+                </a:solidFill>
+                <a:latin typeface="宋体" panose="02010600030101010101" pitchFamily="2" charset="-122"/>
+                <a:ea typeface="宋体" panose="02010600030101010101" pitchFamily="2" charset="-122"/>
+                <a:cs typeface="宋体" panose="02010600030101010101" pitchFamily="2" charset="-122"/>
+              </a:rPr>
+              <a:t>让计算机直接模拟现实的环境，用人类解决问题的思路、习惯、步骤来设计相应的应用程序</a:t>
+            </a:r>
+            <a:r>
+              <a:rPr lang="zh-CN" altLang="en-US" sz="1600">
+                <a:latin typeface="宋体" panose="02010600030101010101" pitchFamily="2" charset="-122"/>
+                <a:ea typeface="宋体" panose="02010600030101010101" pitchFamily="2" charset="-122"/>
+                <a:cs typeface="宋体" panose="02010600030101010101" pitchFamily="2" charset="-122"/>
+              </a:rPr>
+              <a:t>？这样的程序，人们在读它的时候，会更容易理解，也不需要再把现实世界和程序世界之间来回做转换。 </a:t>
+            </a:r>
+            <a:endParaRPr lang="zh-CN" altLang="en-US" sz="1600">
+              <a:latin typeface="宋体" panose="02010600030101010101" pitchFamily="2" charset="-122"/>
+              <a:ea typeface="宋体" panose="02010600030101010101" pitchFamily="2" charset="-122"/>
+              <a:cs typeface="宋体" panose="02010600030101010101" pitchFamily="2" charset="-122"/>
+            </a:endParaRPr>
+          </a:p>
+          <a:p>
+            <a:endParaRPr lang="zh-CN" altLang="en-US" sz="1600">
+              <a:latin typeface="宋体" panose="02010600030101010101" pitchFamily="2" charset="-122"/>
+              <a:ea typeface="宋体" panose="02010600030101010101" pitchFamily="2" charset="-122"/>
+              <a:cs typeface="宋体" panose="02010600030101010101" pitchFamily="2" charset="-122"/>
+            </a:endParaRPr>
+          </a:p>
+          <a:p>
+            <a:r>
+              <a:rPr lang="zh-CN" altLang="en-US" sz="1600">
+                <a:latin typeface="宋体" panose="02010600030101010101" pitchFamily="2" charset="-122"/>
+                <a:ea typeface="宋体" panose="02010600030101010101" pitchFamily="2" charset="-122"/>
+                <a:cs typeface="宋体" panose="02010600030101010101" pitchFamily="2" charset="-122"/>
+              </a:rPr>
+              <a:t>与此同时，人们发现，在现实世界中存在的客体是问题域中的主角。所谓客体是指客观存在的对象实体和主观抽象的概念，这种客体具有属性和行为，而客体是稳定的，行为是不稳定的，同时客体之间具有各种联系，因此面向客体编程，比面向行为编程，系统会更稳定。在面对频繁的需求更改时，改变的往往是行为，而客体一般不需要改变，所以我们就把行为封装起来，这样改变时候只需要改变行为即可，主架构则保持了稳定。 </a:t>
+            </a:r>
+            <a:endParaRPr lang="zh-CN" altLang="en-US" sz="1600">
+              <a:latin typeface="宋体" panose="02010600030101010101" pitchFamily="2" charset="-122"/>
+              <a:ea typeface="宋体" panose="02010600030101010101" pitchFamily="2" charset="-122"/>
+              <a:cs typeface="宋体" panose="02010600030101010101" pitchFamily="2" charset="-122"/>
+            </a:endParaRPr>
+          </a:p>
+          <a:p>
+            <a:endParaRPr lang="zh-CN" altLang="en-US" sz="1600">
+              <a:latin typeface="宋体" panose="02010600030101010101" pitchFamily="2" charset="-122"/>
+              <a:ea typeface="宋体" panose="02010600030101010101" pitchFamily="2" charset="-122"/>
+              <a:cs typeface="宋体" panose="02010600030101010101" pitchFamily="2" charset="-122"/>
+            </a:endParaRPr>
+          </a:p>
+          <a:p>
+            <a:r>
+              <a:rPr lang="zh-CN" altLang="en-US" sz="1600">
+                <a:latin typeface="宋体" panose="02010600030101010101" pitchFamily="2" charset="-122"/>
+                <a:ea typeface="宋体" panose="02010600030101010101" pitchFamily="2" charset="-122"/>
+                <a:cs typeface="宋体" panose="02010600030101010101" pitchFamily="2" charset="-122"/>
+              </a:rPr>
+              <a:t>于是面向对象就产生了。 </a:t>
+            </a:r>
+            <a:endParaRPr lang="zh-CN" altLang="en-US" sz="1600">
+              <a:latin typeface="宋体" panose="02010600030101010101" pitchFamily="2" charset="-122"/>
+              <a:ea typeface="宋体" panose="02010600030101010101" pitchFamily="2" charset="-122"/>
+              <a:cs typeface="宋体" panose="02010600030101010101" pitchFamily="2" charset="-122"/>
+            </a:endParaRPr>
+          </a:p>
+        </p:txBody>
+      </p:sp>
+      <p:sp>
+        <p:nvSpPr>
+          <p:cNvPr id="3" name="文本框 2"/>
+          <p:cNvSpPr txBox="1"/>
+          <p:nvPr/>
+        </p:nvSpPr>
+        <p:spPr>
+          <a:xfrm>
+            <a:off x="3970655" y="797560"/>
+            <a:ext cx="4265295" cy="583565"/>
+          </a:xfrm>
+          <a:prstGeom prst="rect">
+            <a:avLst/>
+          </a:prstGeom>
+          <a:noFill/>
+        </p:spPr>
+        <p:txBody>
+          <a:bodyPr wrap="square" rtlCol="0">
+            <a:spAutoFit/>
+          </a:bodyPr>
+          <a:p>
+            <a:r>
+              <a:rPr lang="en-US" altLang="zh-CN" sz="3200"/>
+              <a:t> </a:t>
+            </a:r>
+            <a:r>
+              <a:rPr lang="zh-CN" altLang="en-US" sz="3200"/>
+              <a:t>为什么需要</a:t>
+            </a:r>
+            <a:r>
+              <a:rPr lang="zh-CN" altLang="en-US" sz="3200"/>
+              <a:t>面向对象</a:t>
+            </a:r>
+            <a:endParaRPr lang="zh-CN" altLang="en-US" sz="3200"/>
+          </a:p>
+        </p:txBody>
+      </p:sp>
+    </p:spTree>
+    <p:custDataLst>
+      <p:tags r:id="rId2"/>
+    </p:custDataLst>
+  </p:cSld>
+  <p:clrMapOvr>
+    <a:masterClrMapping/>
+  </p:clrMapOvr>
+</p:sld>
+</file>
+
+<file path=ppt/slides/slide20.xml><?xml version="1.0" encoding="utf-8"?>
 <p:sld xmlns:a="http://schemas.openxmlformats.org/drawingml/2006/main" xmlns:r="http://schemas.openxmlformats.org/officeDocument/2006/relationships" xmlns:p="http://schemas.openxmlformats.org/presentationml/2006/main">
   <p:cSld>
     <p:bg>
@@ -9484,7 +11181,2427 @@
 </p:sld>
 </file>
 
-<file path=ppt/slides/slide2.xml><?xml version="1.0" encoding="utf-8"?>
+<file path=ppt/slides/slide21.xml><?xml version="1.0" encoding="utf-8"?>
+<p:sld xmlns:a="http://schemas.openxmlformats.org/drawingml/2006/main" xmlns:r="http://schemas.openxmlformats.org/officeDocument/2006/relationships" xmlns:p="http://schemas.openxmlformats.org/presentationml/2006/main">
+  <p:cSld>
+    <p:bg>
+      <p:bgPr>
+        <a:blipFill rotWithShape="1">
+          <a:blip r:embed="rId1"/>
+          <a:stretch>
+            <a:fillRect/>
+          </a:stretch>
+        </a:blipFill>
+        <a:effectLst/>
+      </p:bgPr>
+    </p:bg>
+    <p:spTree>
+      <p:nvGrpSpPr>
+        <p:cNvPr id="1" name=""/>
+        <p:cNvGrpSpPr/>
+        <p:nvPr/>
+      </p:nvGrpSpPr>
+      <p:grpSpPr/>
+      <p:sp>
+        <p:nvSpPr>
+          <p:cNvPr id="2" name="文本框 1"/>
+          <p:cNvSpPr txBox="1"/>
+          <p:nvPr/>
+        </p:nvSpPr>
+        <p:spPr>
+          <a:xfrm>
+            <a:off x="194310" y="782955"/>
+            <a:ext cx="11757660" cy="1568450"/>
+          </a:xfrm>
+          <a:prstGeom prst="rect">
+            <a:avLst/>
+          </a:prstGeom>
+          <a:noFill/>
+        </p:spPr>
+        <p:txBody>
+          <a:bodyPr wrap="square" rtlCol="0">
+            <a:spAutoFit/>
+          </a:bodyPr>
+          <a:p>
+            <a:r>
+              <a:rPr lang="zh-CN" altLang="en-US" sz="1600">
+                <a:latin typeface="宋体" panose="02010600030101010101" pitchFamily="2" charset="-122"/>
+                <a:ea typeface="宋体" panose="02010600030101010101" pitchFamily="2" charset="-122"/>
+                <a:cs typeface="宋体" panose="02010600030101010101" pitchFamily="2" charset="-122"/>
+              </a:rPr>
+              <a:t>方法重载(overload)和重写(override)的区别</a:t>
+            </a:r>
+            <a:endParaRPr lang="zh-CN" altLang="en-US" sz="1600">
+              <a:latin typeface="宋体" panose="02010600030101010101" pitchFamily="2" charset="-122"/>
+              <a:ea typeface="宋体" panose="02010600030101010101" pitchFamily="2" charset="-122"/>
+              <a:cs typeface="宋体" panose="02010600030101010101" pitchFamily="2" charset="-122"/>
+            </a:endParaRPr>
+          </a:p>
+          <a:p>
+            <a:endParaRPr lang="zh-CN" altLang="en-US" sz="1600">
+              <a:latin typeface="宋体" panose="02010600030101010101" pitchFamily="2" charset="-122"/>
+              <a:ea typeface="宋体" panose="02010600030101010101" pitchFamily="2" charset="-122"/>
+              <a:cs typeface="宋体" panose="02010600030101010101" pitchFamily="2" charset="-122"/>
+            </a:endParaRPr>
+          </a:p>
+          <a:p>
+            <a:r>
+              <a:rPr lang="zh-CN" altLang="en-US" sz="1600">
+                <a:latin typeface="宋体" panose="02010600030101010101" pitchFamily="2" charset="-122"/>
+                <a:ea typeface="宋体" panose="02010600030101010101" pitchFamily="2" charset="-122"/>
+                <a:cs typeface="宋体" panose="02010600030101010101" pitchFamily="2" charset="-122"/>
+              </a:rPr>
+              <a:t>方法重载的要求是两同一个不同，即同一类中方法名相同，参数列表不同。其中，同一类中是指两个方法可以是同一个类中声明的，或者是继承来的，抑或一个是声明的，另一个是继承来的；方法的重写要遵循“两同两小一大”规则，“两同”即方法名相同，形参列表相同；“两小”指的是子类方法返回值类型应比父类方法返回值类型更小或相等，子类方法声明抛出的异常类应比父类方法声明抛出的异常类更小或相等；“一大”指的是子类方法的访问权限应比父类方法的访问权限更大或相等。</a:t>
+            </a:r>
+            <a:endParaRPr lang="zh-CN" altLang="en-US" sz="1600">
+              <a:latin typeface="宋体" panose="02010600030101010101" pitchFamily="2" charset="-122"/>
+              <a:ea typeface="宋体" panose="02010600030101010101" pitchFamily="2" charset="-122"/>
+              <a:cs typeface="宋体" panose="02010600030101010101" pitchFamily="2" charset="-122"/>
+            </a:endParaRPr>
+          </a:p>
+        </p:txBody>
+      </p:sp>
+    </p:spTree>
+    <p:custDataLst>
+      <p:tags r:id="rId2"/>
+    </p:custDataLst>
+  </p:cSld>
+  <p:clrMapOvr>
+    <a:masterClrMapping/>
+  </p:clrMapOvr>
+</p:sld>
+</file>
+
+<file path=ppt/slides/slide22.xml><?xml version="1.0" encoding="utf-8"?>
+<p:sld xmlns:a="http://schemas.openxmlformats.org/drawingml/2006/main" xmlns:r="http://schemas.openxmlformats.org/officeDocument/2006/relationships" xmlns:p="http://schemas.openxmlformats.org/presentationml/2006/main">
+  <p:cSld>
+    <p:bg>
+      <p:bgPr>
+        <a:blipFill rotWithShape="1">
+          <a:blip r:embed="rId1"/>
+          <a:stretch>
+            <a:fillRect/>
+          </a:stretch>
+        </a:blipFill>
+        <a:effectLst/>
+      </p:bgPr>
+    </p:bg>
+    <p:spTree>
+      <p:nvGrpSpPr>
+        <p:cNvPr id="1" name=""/>
+        <p:cNvGrpSpPr/>
+        <p:nvPr/>
+      </p:nvGrpSpPr>
+      <p:grpSpPr/>
+      <p:sp>
+        <p:nvSpPr>
+          <p:cNvPr id="2" name="文本框 1"/>
+          <p:cNvSpPr txBox="1"/>
+          <p:nvPr/>
+        </p:nvSpPr>
+        <p:spPr>
+          <a:xfrm>
+            <a:off x="312420" y="828040"/>
+            <a:ext cx="11630660" cy="5015865"/>
+          </a:xfrm>
+          <a:prstGeom prst="rect">
+            <a:avLst/>
+          </a:prstGeom>
+          <a:noFill/>
+        </p:spPr>
+        <p:txBody>
+          <a:bodyPr wrap="square" rtlCol="0">
+            <a:spAutoFit/>
+          </a:bodyPr>
+          <a:p>
+            <a:r>
+              <a:rPr lang="zh-CN" altLang="en-US" sz="1600">
+                <a:latin typeface="宋体" panose="02010600030101010101" pitchFamily="2" charset="-122"/>
+                <a:ea typeface="宋体" panose="02010600030101010101" pitchFamily="2" charset="-122"/>
+                <a:cs typeface="宋体" panose="02010600030101010101" pitchFamily="2" charset="-122"/>
+              </a:rPr>
+              <a:t>对象是对类的实例化。对象具有状态和行为，变量用来表明对象的状态，方法表明对象所具有的行为。Java 对象的生命周期包括创建、使用和清除，本文详细介绍对象的创建，在 Java 语言中创建对象分</a:t>
+            </a:r>
+            <a:r>
+              <a:rPr lang="zh-CN" altLang="en-US" sz="1600">
+                <a:solidFill>
+                  <a:srgbClr val="FF0000"/>
+                </a:solidFill>
+                <a:latin typeface="宋体" panose="02010600030101010101" pitchFamily="2" charset="-122"/>
+                <a:ea typeface="宋体" panose="02010600030101010101" pitchFamily="2" charset="-122"/>
+                <a:cs typeface="宋体" panose="02010600030101010101" pitchFamily="2" charset="-122"/>
+              </a:rPr>
+              <a:t>显式创建与隐含创建</a:t>
+            </a:r>
+            <a:r>
+              <a:rPr lang="zh-CN" altLang="en-US" sz="1600">
+                <a:latin typeface="宋体" panose="02010600030101010101" pitchFamily="2" charset="-122"/>
+                <a:ea typeface="宋体" panose="02010600030101010101" pitchFamily="2" charset="-122"/>
+                <a:cs typeface="宋体" panose="02010600030101010101" pitchFamily="2" charset="-122"/>
+              </a:rPr>
+              <a:t>两种情况。</a:t>
+            </a:r>
+            <a:endParaRPr lang="zh-CN" altLang="en-US" sz="1600">
+              <a:latin typeface="宋体" panose="02010600030101010101" pitchFamily="2" charset="-122"/>
+              <a:ea typeface="宋体" panose="02010600030101010101" pitchFamily="2" charset="-122"/>
+              <a:cs typeface="宋体" panose="02010600030101010101" pitchFamily="2" charset="-122"/>
+            </a:endParaRPr>
+          </a:p>
+          <a:p>
+            <a:endParaRPr lang="zh-CN" altLang="en-US" sz="1600">
+              <a:latin typeface="宋体" panose="02010600030101010101" pitchFamily="2" charset="-122"/>
+              <a:ea typeface="宋体" panose="02010600030101010101" pitchFamily="2" charset="-122"/>
+              <a:cs typeface="宋体" panose="02010600030101010101" pitchFamily="2" charset="-122"/>
+            </a:endParaRPr>
+          </a:p>
+          <a:p>
+            <a:r>
+              <a:rPr lang="zh-CN" altLang="en-US" sz="1600">
+                <a:latin typeface="宋体" panose="02010600030101010101" pitchFamily="2" charset="-122"/>
+                <a:ea typeface="宋体" panose="02010600030101010101" pitchFamily="2" charset="-122"/>
+                <a:cs typeface="宋体" panose="02010600030101010101" pitchFamily="2" charset="-122"/>
+              </a:rPr>
+              <a:t>对象的显式创建方式有 4 种。</a:t>
+            </a:r>
+            <a:endParaRPr lang="zh-CN" altLang="en-US" sz="1600">
+              <a:latin typeface="宋体" panose="02010600030101010101" pitchFamily="2" charset="-122"/>
+              <a:ea typeface="宋体" panose="02010600030101010101" pitchFamily="2" charset="-122"/>
+              <a:cs typeface="宋体" panose="02010600030101010101" pitchFamily="2" charset="-122"/>
+            </a:endParaRPr>
+          </a:p>
+          <a:p>
+            <a:r>
+              <a:rPr lang="zh-CN" altLang="en-US" sz="1600">
+                <a:latin typeface="宋体" panose="02010600030101010101" pitchFamily="2" charset="-122"/>
+                <a:ea typeface="宋体" panose="02010600030101010101" pitchFamily="2" charset="-122"/>
+                <a:cs typeface="宋体" panose="02010600030101010101" pitchFamily="2" charset="-122"/>
+              </a:rPr>
+              <a:t>1. 使用 new 关键字创建对象</a:t>
+            </a:r>
+            <a:endParaRPr lang="zh-CN" altLang="en-US" sz="1600">
+              <a:latin typeface="宋体" panose="02010600030101010101" pitchFamily="2" charset="-122"/>
+              <a:ea typeface="宋体" panose="02010600030101010101" pitchFamily="2" charset="-122"/>
+              <a:cs typeface="宋体" panose="02010600030101010101" pitchFamily="2" charset="-122"/>
+            </a:endParaRPr>
+          </a:p>
+          <a:p>
+            <a:r>
+              <a:rPr lang="zh-CN" altLang="en-US" sz="1600">
+                <a:latin typeface="宋体" panose="02010600030101010101" pitchFamily="2" charset="-122"/>
+                <a:ea typeface="宋体" panose="02010600030101010101" pitchFamily="2" charset="-122"/>
+                <a:cs typeface="宋体" panose="02010600030101010101" pitchFamily="2" charset="-122"/>
+              </a:rPr>
+              <a:t>这是常用的创建对象的方法，语法格式如下：</a:t>
+            </a:r>
+            <a:endParaRPr lang="zh-CN" altLang="en-US" sz="1600">
+              <a:latin typeface="宋体" panose="02010600030101010101" pitchFamily="2" charset="-122"/>
+              <a:ea typeface="宋体" panose="02010600030101010101" pitchFamily="2" charset="-122"/>
+              <a:cs typeface="宋体" panose="02010600030101010101" pitchFamily="2" charset="-122"/>
+            </a:endParaRPr>
+          </a:p>
+          <a:p>
+            <a:r>
+              <a:rPr lang="zh-CN" altLang="en-US" sz="1600">
+                <a:latin typeface="宋体" panose="02010600030101010101" pitchFamily="2" charset="-122"/>
+                <a:ea typeface="宋体" panose="02010600030101010101" pitchFamily="2" charset="-122"/>
+                <a:cs typeface="宋体" panose="02010600030101010101" pitchFamily="2" charset="-122"/>
+              </a:rPr>
+              <a:t>类名 对象名 = new 类名()；</a:t>
+            </a:r>
+            <a:endParaRPr lang="zh-CN" altLang="en-US" sz="1600">
+              <a:latin typeface="宋体" panose="02010600030101010101" pitchFamily="2" charset="-122"/>
+              <a:ea typeface="宋体" panose="02010600030101010101" pitchFamily="2" charset="-122"/>
+              <a:cs typeface="宋体" panose="02010600030101010101" pitchFamily="2" charset="-122"/>
+            </a:endParaRPr>
+          </a:p>
+          <a:p>
+            <a:r>
+              <a:rPr lang="zh-CN" altLang="en-US" sz="1600">
+                <a:latin typeface="宋体" panose="02010600030101010101" pitchFamily="2" charset="-122"/>
+                <a:ea typeface="宋体" panose="02010600030101010101" pitchFamily="2" charset="-122"/>
+                <a:cs typeface="宋体" panose="02010600030101010101" pitchFamily="2" charset="-122"/>
+              </a:rPr>
+              <a:t>2. 调用 java.lang.Class 或者 java.lang.reflect.Constuctor 类的 newlnstance() 实例方法</a:t>
+            </a:r>
+            <a:endParaRPr lang="zh-CN" altLang="en-US" sz="1600">
+              <a:latin typeface="宋体" panose="02010600030101010101" pitchFamily="2" charset="-122"/>
+              <a:ea typeface="宋体" panose="02010600030101010101" pitchFamily="2" charset="-122"/>
+              <a:cs typeface="宋体" panose="02010600030101010101" pitchFamily="2" charset="-122"/>
+            </a:endParaRPr>
+          </a:p>
+          <a:p>
+            <a:r>
+              <a:rPr lang="zh-CN" altLang="en-US" sz="1600">
+                <a:latin typeface="宋体" panose="02010600030101010101" pitchFamily="2" charset="-122"/>
+                <a:ea typeface="宋体" panose="02010600030101010101" pitchFamily="2" charset="-122"/>
+                <a:cs typeface="宋体" panose="02010600030101010101" pitchFamily="2" charset="-122"/>
+              </a:rPr>
+              <a:t>在 Java 中，可以使用 java.lang.Class 或者 java.lang.reflect.Constuctor 类的 newlnstance() 实例方法来创建对象，代码格式如下：</a:t>
+            </a:r>
+            <a:endParaRPr lang="zh-CN" altLang="en-US" sz="1600">
+              <a:latin typeface="宋体" panose="02010600030101010101" pitchFamily="2" charset="-122"/>
+              <a:ea typeface="宋体" panose="02010600030101010101" pitchFamily="2" charset="-122"/>
+              <a:cs typeface="宋体" panose="02010600030101010101" pitchFamily="2" charset="-122"/>
+            </a:endParaRPr>
+          </a:p>
+          <a:p>
+            <a:r>
+              <a:rPr lang="zh-CN" altLang="en-US" sz="1600">
+                <a:latin typeface="宋体" panose="02010600030101010101" pitchFamily="2" charset="-122"/>
+                <a:ea typeface="宋体" panose="02010600030101010101" pitchFamily="2" charset="-122"/>
+                <a:cs typeface="宋体" panose="02010600030101010101" pitchFamily="2" charset="-122"/>
+              </a:rPr>
+              <a:t>java.lang.Class Class 类对象名称 = java.lang.Class.forName(要实例化的类全称);</a:t>
+            </a:r>
+            <a:endParaRPr lang="zh-CN" altLang="en-US" sz="1600">
+              <a:latin typeface="宋体" panose="02010600030101010101" pitchFamily="2" charset="-122"/>
+              <a:ea typeface="宋体" panose="02010600030101010101" pitchFamily="2" charset="-122"/>
+              <a:cs typeface="宋体" panose="02010600030101010101" pitchFamily="2" charset="-122"/>
+            </a:endParaRPr>
+          </a:p>
+          <a:p>
+            <a:r>
+              <a:rPr lang="zh-CN" altLang="en-US" sz="1600">
+                <a:latin typeface="宋体" panose="02010600030101010101" pitchFamily="2" charset="-122"/>
+                <a:ea typeface="宋体" panose="02010600030101010101" pitchFamily="2" charset="-122"/>
+                <a:cs typeface="宋体" panose="02010600030101010101" pitchFamily="2" charset="-122"/>
+              </a:rPr>
+              <a:t>类名 对象名 = (类名)Class类对象名称.newInstance();</a:t>
+            </a:r>
+            <a:endParaRPr lang="zh-CN" altLang="en-US" sz="1600">
+              <a:latin typeface="宋体" panose="02010600030101010101" pitchFamily="2" charset="-122"/>
+              <a:ea typeface="宋体" panose="02010600030101010101" pitchFamily="2" charset="-122"/>
+              <a:cs typeface="宋体" panose="02010600030101010101" pitchFamily="2" charset="-122"/>
+            </a:endParaRPr>
+          </a:p>
+          <a:p>
+            <a:endParaRPr lang="zh-CN" altLang="en-US" sz="1600">
+              <a:latin typeface="宋体" panose="02010600030101010101" pitchFamily="2" charset="-122"/>
+              <a:ea typeface="宋体" panose="02010600030101010101" pitchFamily="2" charset="-122"/>
+              <a:cs typeface="宋体" panose="02010600030101010101" pitchFamily="2" charset="-122"/>
+            </a:endParaRPr>
+          </a:p>
+          <a:p>
+            <a:r>
+              <a:rPr lang="zh-CN" altLang="en-US" sz="1600">
+                <a:latin typeface="宋体" panose="02010600030101010101" pitchFamily="2" charset="-122"/>
+                <a:ea typeface="宋体" panose="02010600030101010101" pitchFamily="2" charset="-122"/>
+                <a:cs typeface="宋体" panose="02010600030101010101" pitchFamily="2" charset="-122"/>
+              </a:rPr>
+              <a:t>调用 java.lang.Class 类中的 forName() 方法时，需要将要实例化的类的全称（比如 com.mxl.package.Student）作为参数传递过去，然后再调用 java.lang.Class 类对象的 newInstance() 方法创建对象。</a:t>
+            </a:r>
+            <a:endParaRPr lang="zh-CN" altLang="en-US" sz="1600">
+              <a:latin typeface="宋体" panose="02010600030101010101" pitchFamily="2" charset="-122"/>
+              <a:ea typeface="宋体" panose="02010600030101010101" pitchFamily="2" charset="-122"/>
+              <a:cs typeface="宋体" panose="02010600030101010101" pitchFamily="2" charset="-122"/>
+            </a:endParaRPr>
+          </a:p>
+          <a:p>
+            <a:r>
+              <a:rPr lang="zh-CN" altLang="en-US" sz="1600">
+                <a:latin typeface="宋体" panose="02010600030101010101" pitchFamily="2" charset="-122"/>
+                <a:ea typeface="宋体" panose="02010600030101010101" pitchFamily="2" charset="-122"/>
+                <a:cs typeface="宋体" panose="02010600030101010101" pitchFamily="2" charset="-122"/>
+              </a:rPr>
+              <a:t>3. 调用对象的 clone() 方法</a:t>
+            </a:r>
+            <a:endParaRPr lang="zh-CN" altLang="en-US" sz="1600">
+              <a:latin typeface="宋体" panose="02010600030101010101" pitchFamily="2" charset="-122"/>
+              <a:ea typeface="宋体" panose="02010600030101010101" pitchFamily="2" charset="-122"/>
+              <a:cs typeface="宋体" panose="02010600030101010101" pitchFamily="2" charset="-122"/>
+            </a:endParaRPr>
+          </a:p>
+          <a:p>
+            <a:r>
+              <a:rPr lang="zh-CN" altLang="en-US" sz="1600">
+                <a:latin typeface="宋体" panose="02010600030101010101" pitchFamily="2" charset="-122"/>
+                <a:ea typeface="宋体" panose="02010600030101010101" pitchFamily="2" charset="-122"/>
+                <a:cs typeface="宋体" panose="02010600030101010101" pitchFamily="2" charset="-122"/>
+              </a:rPr>
+              <a:t>该方法不常用，使用该方法创建对象时，要实例化的类必须继承 java.lang.Cloneable 接口。 调用对象的 clone() 方法创建对象的语法格式如下：</a:t>
+            </a:r>
+            <a:endParaRPr lang="zh-CN" altLang="en-US" sz="1600">
+              <a:latin typeface="宋体" panose="02010600030101010101" pitchFamily="2" charset="-122"/>
+              <a:ea typeface="宋体" panose="02010600030101010101" pitchFamily="2" charset="-122"/>
+              <a:cs typeface="宋体" panose="02010600030101010101" pitchFamily="2" charset="-122"/>
+            </a:endParaRPr>
+          </a:p>
+          <a:p>
+            <a:r>
+              <a:rPr lang="zh-CN" altLang="en-US" sz="1600">
+                <a:latin typeface="宋体" panose="02010600030101010101" pitchFamily="2" charset="-122"/>
+                <a:ea typeface="宋体" panose="02010600030101010101" pitchFamily="2" charset="-122"/>
+                <a:cs typeface="宋体" panose="02010600030101010101" pitchFamily="2" charset="-122"/>
+              </a:rPr>
+              <a:t>类名对象名 = (类名)已创建好的类对象名.clone();</a:t>
+            </a:r>
+            <a:endParaRPr lang="zh-CN" altLang="en-US" sz="1600">
+              <a:latin typeface="宋体" panose="02010600030101010101" pitchFamily="2" charset="-122"/>
+              <a:ea typeface="宋体" panose="02010600030101010101" pitchFamily="2" charset="-122"/>
+              <a:cs typeface="宋体" panose="02010600030101010101" pitchFamily="2" charset="-122"/>
+            </a:endParaRPr>
+          </a:p>
+          <a:p>
+            <a:r>
+              <a:rPr lang="zh-CN" altLang="en-US" sz="1600">
+                <a:latin typeface="宋体" panose="02010600030101010101" pitchFamily="2" charset="-122"/>
+                <a:ea typeface="宋体" panose="02010600030101010101" pitchFamily="2" charset="-122"/>
+                <a:cs typeface="宋体" panose="02010600030101010101" pitchFamily="2" charset="-122"/>
+              </a:rPr>
+              <a:t>4. 调用 java.io.ObjectlnputStream 对象的 readObject() 方法</a:t>
+            </a:r>
+            <a:endParaRPr lang="zh-CN" altLang="en-US" sz="1600">
+              <a:latin typeface="宋体" panose="02010600030101010101" pitchFamily="2" charset="-122"/>
+              <a:ea typeface="宋体" panose="02010600030101010101" pitchFamily="2" charset="-122"/>
+              <a:cs typeface="宋体" panose="02010600030101010101" pitchFamily="2" charset="-122"/>
+            </a:endParaRPr>
+          </a:p>
+        </p:txBody>
+      </p:sp>
+    </p:spTree>
+    <p:custDataLst>
+      <p:tags r:id="rId2"/>
+    </p:custDataLst>
+  </p:cSld>
+  <p:clrMapOvr>
+    <a:masterClrMapping/>
+  </p:clrMapOvr>
+</p:sld>
+</file>
+
+<file path=ppt/slides/slide23.xml><?xml version="1.0" encoding="utf-8"?>
+<p:sld xmlns:a="http://schemas.openxmlformats.org/drawingml/2006/main" xmlns:r="http://schemas.openxmlformats.org/officeDocument/2006/relationships" xmlns:p="http://schemas.openxmlformats.org/presentationml/2006/main">
+  <p:cSld>
+    <p:bg>
+      <p:bgPr>
+        <a:blipFill rotWithShape="1">
+          <a:blip r:embed="rId1"/>
+          <a:stretch>
+            <a:fillRect/>
+          </a:stretch>
+        </a:blipFill>
+        <a:effectLst/>
+      </p:bgPr>
+    </p:bg>
+    <p:spTree>
+      <p:nvGrpSpPr>
+        <p:cNvPr id="1" name=""/>
+        <p:cNvGrpSpPr/>
+        <p:nvPr/>
+      </p:nvGrpSpPr>
+      <p:grpSpPr/>
+      <p:sp>
+        <p:nvSpPr>
+          <p:cNvPr id="3" name="文本框 2"/>
+          <p:cNvSpPr txBox="1"/>
+          <p:nvPr/>
+        </p:nvSpPr>
+        <p:spPr>
+          <a:xfrm>
+            <a:off x="221615" y="791845"/>
+            <a:ext cx="11812270" cy="5754370"/>
+          </a:xfrm>
+          <a:prstGeom prst="rect">
+            <a:avLst/>
+          </a:prstGeom>
+          <a:noFill/>
+        </p:spPr>
+        <p:txBody>
+          <a:bodyPr wrap="square" rtlCol="0">
+            <a:spAutoFit/>
+          </a:bodyPr>
+          <a:p>
+            <a:r>
+              <a:rPr lang="zh-CN" altLang="en-US" sz="1600">
+                <a:latin typeface="宋体" panose="02010600030101010101" pitchFamily="2" charset="-122"/>
+                <a:ea typeface="宋体" panose="02010600030101010101" pitchFamily="2" charset="-122"/>
+                <a:cs typeface="宋体" panose="02010600030101010101" pitchFamily="2" charset="-122"/>
+              </a:rPr>
+              <a:t>隐含创建对象</a:t>
+            </a:r>
+            <a:endParaRPr lang="zh-CN" altLang="en-US" sz="1600">
+              <a:latin typeface="宋体" panose="02010600030101010101" pitchFamily="2" charset="-122"/>
+              <a:ea typeface="宋体" panose="02010600030101010101" pitchFamily="2" charset="-122"/>
+              <a:cs typeface="宋体" panose="02010600030101010101" pitchFamily="2" charset="-122"/>
+            </a:endParaRPr>
+          </a:p>
+          <a:p>
+            <a:r>
+              <a:rPr lang="zh-CN" altLang="en-US" sz="1600">
+                <a:latin typeface="宋体" panose="02010600030101010101" pitchFamily="2" charset="-122"/>
+                <a:ea typeface="宋体" panose="02010600030101010101" pitchFamily="2" charset="-122"/>
+                <a:cs typeface="宋体" panose="02010600030101010101" pitchFamily="2" charset="-122"/>
+              </a:rPr>
+              <a:t>除了显式创建对象以外，在 Java 程序中还可以隐含地创建对象，例如下面几种情况。</a:t>
+            </a:r>
+            <a:endParaRPr lang="zh-CN" altLang="en-US" sz="1600">
+              <a:latin typeface="宋体" panose="02010600030101010101" pitchFamily="2" charset="-122"/>
+              <a:ea typeface="宋体" panose="02010600030101010101" pitchFamily="2" charset="-122"/>
+              <a:cs typeface="宋体" panose="02010600030101010101" pitchFamily="2" charset="-122"/>
+            </a:endParaRPr>
+          </a:p>
+          <a:p>
+            <a:endParaRPr lang="zh-CN" altLang="en-US" sz="1600">
+              <a:latin typeface="宋体" panose="02010600030101010101" pitchFamily="2" charset="-122"/>
+              <a:ea typeface="宋体" panose="02010600030101010101" pitchFamily="2" charset="-122"/>
+              <a:cs typeface="宋体" panose="02010600030101010101" pitchFamily="2" charset="-122"/>
+            </a:endParaRPr>
+          </a:p>
+          <a:p>
+            <a:r>
+              <a:rPr lang="zh-CN" altLang="en-US" sz="1600">
+                <a:latin typeface="宋体" panose="02010600030101010101" pitchFamily="2" charset="-122"/>
+                <a:ea typeface="宋体" panose="02010600030101010101" pitchFamily="2" charset="-122"/>
+                <a:cs typeface="宋体" panose="02010600030101010101" pitchFamily="2" charset="-122"/>
+              </a:rPr>
+              <a:t>1）String strName = "strValue"，其中的“strValue”就是一个 String 对象，由 Java 虚拟机隐含地创建。</a:t>
+            </a:r>
+            <a:endParaRPr lang="zh-CN" altLang="en-US" sz="1600">
+              <a:latin typeface="宋体" panose="02010600030101010101" pitchFamily="2" charset="-122"/>
+              <a:ea typeface="宋体" panose="02010600030101010101" pitchFamily="2" charset="-122"/>
+              <a:cs typeface="宋体" panose="02010600030101010101" pitchFamily="2" charset="-122"/>
+            </a:endParaRPr>
+          </a:p>
+          <a:p>
+            <a:endParaRPr lang="zh-CN" altLang="en-US" sz="1600">
+              <a:latin typeface="宋体" panose="02010600030101010101" pitchFamily="2" charset="-122"/>
+              <a:ea typeface="宋体" panose="02010600030101010101" pitchFamily="2" charset="-122"/>
+              <a:cs typeface="宋体" panose="02010600030101010101" pitchFamily="2" charset="-122"/>
+            </a:endParaRPr>
+          </a:p>
+          <a:p>
+            <a:r>
+              <a:rPr lang="zh-CN" altLang="en-US" sz="1600">
+                <a:latin typeface="宋体" panose="02010600030101010101" pitchFamily="2" charset="-122"/>
+                <a:ea typeface="宋体" panose="02010600030101010101" pitchFamily="2" charset="-122"/>
+                <a:cs typeface="宋体" panose="02010600030101010101" pitchFamily="2" charset="-122"/>
+              </a:rPr>
+              <a:t>2）字符串的“+”运算符运算的结果为一个新的 String 对象，示例如下：</a:t>
+            </a:r>
+            <a:endParaRPr lang="zh-CN" altLang="en-US" sz="1600">
+              <a:latin typeface="宋体" panose="02010600030101010101" pitchFamily="2" charset="-122"/>
+              <a:ea typeface="宋体" panose="02010600030101010101" pitchFamily="2" charset="-122"/>
+              <a:cs typeface="宋体" panose="02010600030101010101" pitchFamily="2" charset="-122"/>
+            </a:endParaRPr>
+          </a:p>
+          <a:p>
+            <a:r>
+              <a:rPr lang="zh-CN" altLang="en-US" sz="1600">
+                <a:latin typeface="宋体" panose="02010600030101010101" pitchFamily="2" charset="-122"/>
+                <a:ea typeface="宋体" panose="02010600030101010101" pitchFamily="2" charset="-122"/>
+                <a:cs typeface="宋体" panose="02010600030101010101" pitchFamily="2" charset="-122"/>
+              </a:rPr>
+              <a:t>纯文本复制</a:t>
+            </a:r>
+            <a:endParaRPr lang="zh-CN" altLang="en-US" sz="1600">
+              <a:latin typeface="宋体" panose="02010600030101010101" pitchFamily="2" charset="-122"/>
+              <a:ea typeface="宋体" panose="02010600030101010101" pitchFamily="2" charset="-122"/>
+              <a:cs typeface="宋体" panose="02010600030101010101" pitchFamily="2" charset="-122"/>
+            </a:endParaRPr>
+          </a:p>
+          <a:p>
+            <a:r>
+              <a:rPr lang="zh-CN" altLang="en-US" sz="1600">
+                <a:latin typeface="宋体" panose="02010600030101010101" pitchFamily="2" charset="-122"/>
+                <a:ea typeface="宋体" panose="02010600030101010101" pitchFamily="2" charset="-122"/>
+                <a:cs typeface="宋体" panose="02010600030101010101" pitchFamily="2" charset="-122"/>
+              </a:rPr>
+              <a:t>String str1 = "Hello";</a:t>
+            </a:r>
+            <a:endParaRPr lang="zh-CN" altLang="en-US" sz="1600">
+              <a:latin typeface="宋体" panose="02010600030101010101" pitchFamily="2" charset="-122"/>
+              <a:ea typeface="宋体" panose="02010600030101010101" pitchFamily="2" charset="-122"/>
+              <a:cs typeface="宋体" panose="02010600030101010101" pitchFamily="2" charset="-122"/>
+            </a:endParaRPr>
+          </a:p>
+          <a:p>
+            <a:r>
+              <a:rPr lang="zh-CN" altLang="en-US" sz="1600">
+                <a:latin typeface="宋体" panose="02010600030101010101" pitchFamily="2" charset="-122"/>
+                <a:ea typeface="宋体" panose="02010600030101010101" pitchFamily="2" charset="-122"/>
+                <a:cs typeface="宋体" panose="02010600030101010101" pitchFamily="2" charset="-122"/>
+              </a:rPr>
+              <a:t>String str2 = "Java";</a:t>
+            </a:r>
+            <a:endParaRPr lang="zh-CN" altLang="en-US" sz="1600">
+              <a:latin typeface="宋体" panose="02010600030101010101" pitchFamily="2" charset="-122"/>
+              <a:ea typeface="宋体" panose="02010600030101010101" pitchFamily="2" charset="-122"/>
+              <a:cs typeface="宋体" panose="02010600030101010101" pitchFamily="2" charset="-122"/>
+            </a:endParaRPr>
+          </a:p>
+          <a:p>
+            <a:r>
+              <a:rPr lang="zh-CN" altLang="en-US" sz="1600">
+                <a:latin typeface="宋体" panose="02010600030101010101" pitchFamily="2" charset="-122"/>
+                <a:ea typeface="宋体" panose="02010600030101010101" pitchFamily="2" charset="-122"/>
+                <a:cs typeface="宋体" panose="02010600030101010101" pitchFamily="2" charset="-122"/>
+              </a:rPr>
+              <a:t>String str3 = str1+str2;    // str3引用一个新的String对象</a:t>
+            </a:r>
+            <a:endParaRPr lang="zh-CN" altLang="en-US" sz="1600">
+              <a:latin typeface="宋体" panose="02010600030101010101" pitchFamily="2" charset="-122"/>
+              <a:ea typeface="宋体" panose="02010600030101010101" pitchFamily="2" charset="-122"/>
+              <a:cs typeface="宋体" panose="02010600030101010101" pitchFamily="2" charset="-122"/>
+            </a:endParaRPr>
+          </a:p>
+          <a:p>
+            <a:r>
+              <a:rPr lang="zh-CN" altLang="en-US" sz="1600">
+                <a:latin typeface="宋体" panose="02010600030101010101" pitchFamily="2" charset="-122"/>
+                <a:ea typeface="宋体" panose="02010600030101010101" pitchFamily="2" charset="-122"/>
+                <a:cs typeface="宋体" panose="02010600030101010101" pitchFamily="2" charset="-122"/>
+              </a:rPr>
+              <a:t>3）当 Java 虚拟机加载一个类时，会隐含地创建描述这个类的 Class 实例。</a:t>
+            </a:r>
+            <a:endParaRPr lang="zh-CN" altLang="en-US" sz="1600">
+              <a:latin typeface="宋体" panose="02010600030101010101" pitchFamily="2" charset="-122"/>
+              <a:ea typeface="宋体" panose="02010600030101010101" pitchFamily="2" charset="-122"/>
+              <a:cs typeface="宋体" panose="02010600030101010101" pitchFamily="2" charset="-122"/>
+            </a:endParaRPr>
+          </a:p>
+          <a:p>
+            <a:endParaRPr lang="zh-CN" altLang="en-US" sz="1600">
+              <a:latin typeface="宋体" panose="02010600030101010101" pitchFamily="2" charset="-122"/>
+              <a:ea typeface="宋体" panose="02010600030101010101" pitchFamily="2" charset="-122"/>
+              <a:cs typeface="宋体" panose="02010600030101010101" pitchFamily="2" charset="-122"/>
+            </a:endParaRPr>
+          </a:p>
+          <a:p>
+            <a:endParaRPr lang="zh-CN" altLang="en-US" sz="1600">
+              <a:latin typeface="宋体" panose="02010600030101010101" pitchFamily="2" charset="-122"/>
+              <a:ea typeface="宋体" panose="02010600030101010101" pitchFamily="2" charset="-122"/>
+              <a:cs typeface="宋体" panose="02010600030101010101" pitchFamily="2" charset="-122"/>
+            </a:endParaRPr>
+          </a:p>
+          <a:p>
+            <a:endParaRPr lang="zh-CN" altLang="en-US" sz="1600">
+              <a:latin typeface="宋体" panose="02010600030101010101" pitchFamily="2" charset="-122"/>
+              <a:ea typeface="宋体" panose="02010600030101010101" pitchFamily="2" charset="-122"/>
+              <a:cs typeface="宋体" panose="02010600030101010101" pitchFamily="2" charset="-122"/>
+            </a:endParaRPr>
+          </a:p>
+          <a:p>
+            <a:r>
+              <a:rPr lang="zh-CN" altLang="en-US" sz="1600">
+                <a:latin typeface="宋体" panose="02010600030101010101" pitchFamily="2" charset="-122"/>
+                <a:ea typeface="宋体" panose="02010600030101010101" pitchFamily="2" charset="-122"/>
+                <a:cs typeface="宋体" panose="02010600030101010101" pitchFamily="2" charset="-122"/>
+              </a:rPr>
+              <a:t>对象使用完之后需要对其进行清除。</a:t>
+            </a:r>
+            <a:r>
+              <a:rPr lang="zh-CN" altLang="en-US" sz="1600">
+                <a:solidFill>
+                  <a:srgbClr val="FF0000"/>
+                </a:solidFill>
+                <a:latin typeface="宋体" panose="02010600030101010101" pitchFamily="2" charset="-122"/>
+                <a:ea typeface="宋体" panose="02010600030101010101" pitchFamily="2" charset="-122"/>
+                <a:cs typeface="宋体" panose="02010600030101010101" pitchFamily="2" charset="-122"/>
+              </a:rPr>
+              <a:t>对象的清除是指释放对象占用的内存</a:t>
+            </a:r>
+            <a:r>
+              <a:rPr lang="zh-CN" altLang="en-US" sz="1600">
+                <a:latin typeface="宋体" panose="02010600030101010101" pitchFamily="2" charset="-122"/>
+                <a:ea typeface="宋体" panose="02010600030101010101" pitchFamily="2" charset="-122"/>
+                <a:cs typeface="宋体" panose="02010600030101010101" pitchFamily="2" charset="-122"/>
+              </a:rPr>
+              <a:t>。在创建对象时，用户必须使用 new 操作符为对象分配内存。不过，在清除对象时，由系统自动进行内存回收，不需要用户额外处理。这也是 Java 语言的一大特色，某种程度上方便了程序员对内存的管理。</a:t>
+            </a:r>
+            <a:endParaRPr lang="zh-CN" altLang="en-US" sz="1600">
+              <a:latin typeface="宋体" panose="02010600030101010101" pitchFamily="2" charset="-122"/>
+              <a:ea typeface="宋体" panose="02010600030101010101" pitchFamily="2" charset="-122"/>
+              <a:cs typeface="宋体" panose="02010600030101010101" pitchFamily="2" charset="-122"/>
+            </a:endParaRPr>
+          </a:p>
+          <a:p>
+            <a:endParaRPr lang="zh-CN" altLang="en-US" sz="1600">
+              <a:latin typeface="宋体" panose="02010600030101010101" pitchFamily="2" charset="-122"/>
+              <a:ea typeface="宋体" panose="02010600030101010101" pitchFamily="2" charset="-122"/>
+              <a:cs typeface="宋体" panose="02010600030101010101" pitchFamily="2" charset="-122"/>
+            </a:endParaRPr>
+          </a:p>
+          <a:p>
+            <a:r>
+              <a:rPr lang="zh-CN" altLang="en-US" sz="1600">
+                <a:latin typeface="宋体" panose="02010600030101010101" pitchFamily="2" charset="-122"/>
+                <a:ea typeface="宋体" panose="02010600030101010101" pitchFamily="2" charset="-122"/>
+                <a:cs typeface="宋体" panose="02010600030101010101" pitchFamily="2" charset="-122"/>
+              </a:rPr>
+              <a:t>Java 语言的内存自动回收称为垃圾回收（Garbage Collection）机制，简称 GC。垃圾回收机制是指 JVM 用于释放那些不再使用的对象所占用的内存。</a:t>
+            </a:r>
+            <a:endParaRPr lang="zh-CN" altLang="en-US" sz="1600">
+              <a:latin typeface="宋体" panose="02010600030101010101" pitchFamily="2" charset="-122"/>
+              <a:ea typeface="宋体" panose="02010600030101010101" pitchFamily="2" charset="-122"/>
+              <a:cs typeface="宋体" panose="02010600030101010101" pitchFamily="2" charset="-122"/>
+            </a:endParaRPr>
+          </a:p>
+          <a:p>
+            <a:endParaRPr lang="zh-CN" altLang="en-US" sz="1600">
+              <a:latin typeface="宋体" panose="02010600030101010101" pitchFamily="2" charset="-122"/>
+              <a:ea typeface="宋体" panose="02010600030101010101" pitchFamily="2" charset="-122"/>
+              <a:cs typeface="宋体" panose="02010600030101010101" pitchFamily="2" charset="-122"/>
+            </a:endParaRPr>
+          </a:p>
+          <a:p>
+            <a:r>
+              <a:rPr lang="zh-CN" altLang="en-US" sz="1600">
+                <a:latin typeface="宋体" panose="02010600030101010101" pitchFamily="2" charset="-122"/>
+                <a:ea typeface="宋体" panose="02010600030101010101" pitchFamily="2" charset="-122"/>
+                <a:cs typeface="宋体" panose="02010600030101010101" pitchFamily="2" charset="-122"/>
+              </a:rPr>
+              <a:t>Java 语言并不要求 JVM 有 GC，也没有规定 GC 如何工作。不过常用的 JVM 都有 GC，而且大多数 GC 都使用类似的算法管理内存和执行回收操作。具体的垃圾回收实现策略有好多种，在此不再赘述。</a:t>
+            </a:r>
+            <a:endParaRPr lang="zh-CN" altLang="en-US" sz="1600">
+              <a:latin typeface="宋体" panose="02010600030101010101" pitchFamily="2" charset="-122"/>
+              <a:ea typeface="宋体" panose="02010600030101010101" pitchFamily="2" charset="-122"/>
+              <a:cs typeface="宋体" panose="02010600030101010101" pitchFamily="2" charset="-122"/>
+            </a:endParaRPr>
+          </a:p>
+        </p:txBody>
+      </p:sp>
+    </p:spTree>
+    <p:custDataLst>
+      <p:tags r:id="rId2"/>
+    </p:custDataLst>
+  </p:cSld>
+  <p:clrMapOvr>
+    <a:masterClrMapping/>
+  </p:clrMapOvr>
+</p:sld>
+</file>
+
+<file path=ppt/slides/slide24.xml><?xml version="1.0" encoding="utf-8"?>
+<p:sld xmlns:a="http://schemas.openxmlformats.org/drawingml/2006/main" xmlns:r="http://schemas.openxmlformats.org/officeDocument/2006/relationships" xmlns:p="http://schemas.openxmlformats.org/presentationml/2006/main">
+  <p:cSld>
+    <p:bg>
+      <p:bgPr>
+        <a:blipFill rotWithShape="1">
+          <a:blip r:embed="rId1"/>
+          <a:stretch>
+            <a:fillRect/>
+          </a:stretch>
+        </a:blipFill>
+        <a:effectLst/>
+      </p:bgPr>
+    </p:bg>
+    <p:spTree>
+      <p:nvGrpSpPr>
+        <p:cNvPr id="1" name=""/>
+        <p:cNvGrpSpPr/>
+        <p:nvPr/>
+      </p:nvGrpSpPr>
+      <p:grpSpPr/>
+      <p:sp>
+        <p:nvSpPr>
+          <p:cNvPr id="2" name="文本框 1"/>
+          <p:cNvSpPr txBox="1"/>
+          <p:nvPr/>
+        </p:nvSpPr>
+        <p:spPr>
+          <a:xfrm>
+            <a:off x="239395" y="1602105"/>
+            <a:ext cx="11412220" cy="4276725"/>
+          </a:xfrm>
+          <a:prstGeom prst="rect">
+            <a:avLst/>
+          </a:prstGeom>
+          <a:noFill/>
+        </p:spPr>
+        <p:txBody>
+          <a:bodyPr wrap="square" rtlCol="0">
+            <a:spAutoFit/>
+          </a:bodyPr>
+          <a:p>
+            <a:r>
+              <a:rPr lang="zh-CN" altLang="en-US" sz="1600">
+                <a:sym typeface="+mn-ea"/>
+              </a:rPr>
+              <a:t>所有对象共享，全局只有一份</a:t>
+            </a:r>
+            <a:endParaRPr lang="zh-CN" altLang="en-US" sz="1600">
+              <a:sym typeface="+mn-ea"/>
+            </a:endParaRPr>
+          </a:p>
+          <a:p>
+            <a:endParaRPr lang="zh-CN" altLang="en-US" sz="1600">
+              <a:latin typeface="宋体" panose="02010600030101010101" pitchFamily="2" charset="-122"/>
+              <a:ea typeface="宋体" panose="02010600030101010101" pitchFamily="2" charset="-122"/>
+              <a:cs typeface="宋体" panose="02010600030101010101" pitchFamily="2" charset="-122"/>
+            </a:endParaRPr>
+          </a:p>
+          <a:p>
+            <a:r>
+              <a:rPr lang="zh-CN" altLang="en-US" sz="1600">
+                <a:latin typeface="宋体" panose="02010600030101010101" pitchFamily="2" charset="-122"/>
+                <a:ea typeface="宋体" panose="02010600030101010101" pitchFamily="2" charset="-122"/>
+                <a:cs typeface="宋体" panose="02010600030101010101" pitchFamily="2" charset="-122"/>
+              </a:rPr>
+              <a:t>类的成员变量可以分为以下两种：</a:t>
+            </a:r>
+            <a:endParaRPr lang="zh-CN" altLang="en-US" sz="1600">
+              <a:latin typeface="宋体" panose="02010600030101010101" pitchFamily="2" charset="-122"/>
+              <a:ea typeface="宋体" panose="02010600030101010101" pitchFamily="2" charset="-122"/>
+              <a:cs typeface="宋体" panose="02010600030101010101" pitchFamily="2" charset="-122"/>
+            </a:endParaRPr>
+          </a:p>
+          <a:p>
+            <a:r>
+              <a:rPr lang="zh-CN" altLang="en-US" sz="1600">
+                <a:solidFill>
+                  <a:srgbClr val="FF0000"/>
+                </a:solidFill>
+                <a:latin typeface="宋体" panose="02010600030101010101" pitchFamily="2" charset="-122"/>
+                <a:ea typeface="宋体" panose="02010600030101010101" pitchFamily="2" charset="-122"/>
+                <a:cs typeface="宋体" panose="02010600030101010101" pitchFamily="2" charset="-122"/>
+              </a:rPr>
+              <a:t>静态变量（或称为类变量），</a:t>
+            </a:r>
+            <a:r>
+              <a:rPr lang="zh-CN" altLang="en-US" sz="1600">
+                <a:latin typeface="宋体" panose="02010600030101010101" pitchFamily="2" charset="-122"/>
+                <a:ea typeface="宋体" panose="02010600030101010101" pitchFamily="2" charset="-122"/>
+                <a:cs typeface="宋体" panose="02010600030101010101" pitchFamily="2" charset="-122"/>
+              </a:rPr>
+              <a:t>指被 static 修饰的成员变量。</a:t>
+            </a:r>
+            <a:endParaRPr lang="zh-CN" altLang="en-US" sz="1600">
+              <a:latin typeface="宋体" panose="02010600030101010101" pitchFamily="2" charset="-122"/>
+              <a:ea typeface="宋体" panose="02010600030101010101" pitchFamily="2" charset="-122"/>
+              <a:cs typeface="宋体" panose="02010600030101010101" pitchFamily="2" charset="-122"/>
+            </a:endParaRPr>
+          </a:p>
+          <a:p>
+            <a:r>
+              <a:rPr lang="zh-CN" altLang="en-US" sz="1600">
+                <a:solidFill>
+                  <a:srgbClr val="FF0000"/>
+                </a:solidFill>
+                <a:latin typeface="宋体" panose="02010600030101010101" pitchFamily="2" charset="-122"/>
+                <a:ea typeface="宋体" panose="02010600030101010101" pitchFamily="2" charset="-122"/>
+                <a:cs typeface="宋体" panose="02010600030101010101" pitchFamily="2" charset="-122"/>
+              </a:rPr>
+              <a:t>实例变量，</a:t>
+            </a:r>
+            <a:r>
+              <a:rPr lang="zh-CN" altLang="en-US" sz="1600">
+                <a:latin typeface="宋体" panose="02010600030101010101" pitchFamily="2" charset="-122"/>
+                <a:ea typeface="宋体" panose="02010600030101010101" pitchFamily="2" charset="-122"/>
+                <a:cs typeface="宋体" panose="02010600030101010101" pitchFamily="2" charset="-122"/>
+              </a:rPr>
+              <a:t>指没有被 static 修饰的成员变量。</a:t>
+            </a:r>
+            <a:endParaRPr lang="zh-CN" altLang="en-US" sz="1600">
+              <a:latin typeface="宋体" panose="02010600030101010101" pitchFamily="2" charset="-122"/>
+              <a:ea typeface="宋体" panose="02010600030101010101" pitchFamily="2" charset="-122"/>
+              <a:cs typeface="宋体" panose="02010600030101010101" pitchFamily="2" charset="-122"/>
+            </a:endParaRPr>
+          </a:p>
+          <a:p>
+            <a:endParaRPr lang="zh-CN" altLang="en-US" sz="1600">
+              <a:latin typeface="宋体" panose="02010600030101010101" pitchFamily="2" charset="-122"/>
+              <a:ea typeface="宋体" panose="02010600030101010101" pitchFamily="2" charset="-122"/>
+              <a:cs typeface="宋体" panose="02010600030101010101" pitchFamily="2" charset="-122"/>
+            </a:endParaRPr>
+          </a:p>
+          <a:p>
+            <a:r>
+              <a:rPr lang="zh-CN" altLang="en-US" sz="1600">
+                <a:latin typeface="宋体" panose="02010600030101010101" pitchFamily="2" charset="-122"/>
+                <a:ea typeface="宋体" panose="02010600030101010101" pitchFamily="2" charset="-122"/>
+                <a:cs typeface="宋体" panose="02010600030101010101" pitchFamily="2" charset="-122"/>
+              </a:rPr>
+              <a:t>静态变量与实例变量的区别如下：</a:t>
+            </a:r>
+            <a:endParaRPr lang="zh-CN" altLang="en-US" sz="1600">
+              <a:latin typeface="宋体" panose="02010600030101010101" pitchFamily="2" charset="-122"/>
+              <a:ea typeface="宋体" panose="02010600030101010101" pitchFamily="2" charset="-122"/>
+              <a:cs typeface="宋体" panose="02010600030101010101" pitchFamily="2" charset="-122"/>
+            </a:endParaRPr>
+          </a:p>
+          <a:p>
+            <a:endParaRPr lang="zh-CN" altLang="en-US" sz="1600">
+              <a:latin typeface="宋体" panose="02010600030101010101" pitchFamily="2" charset="-122"/>
+              <a:ea typeface="宋体" panose="02010600030101010101" pitchFamily="2" charset="-122"/>
+              <a:cs typeface="宋体" panose="02010600030101010101" pitchFamily="2" charset="-122"/>
+            </a:endParaRPr>
+          </a:p>
+          <a:p>
+            <a:r>
+              <a:rPr lang="zh-CN" altLang="en-US" sz="1600">
+                <a:latin typeface="宋体" panose="02010600030101010101" pitchFamily="2" charset="-122"/>
+                <a:ea typeface="宋体" panose="02010600030101010101" pitchFamily="2" charset="-122"/>
+                <a:cs typeface="宋体" panose="02010600030101010101" pitchFamily="2" charset="-122"/>
+              </a:rPr>
+              <a:t>1）静态变量</a:t>
+            </a:r>
+            <a:endParaRPr lang="zh-CN" altLang="en-US" sz="1600">
+              <a:latin typeface="宋体" panose="02010600030101010101" pitchFamily="2" charset="-122"/>
+              <a:ea typeface="宋体" panose="02010600030101010101" pitchFamily="2" charset="-122"/>
+              <a:cs typeface="宋体" panose="02010600030101010101" pitchFamily="2" charset="-122"/>
+            </a:endParaRPr>
+          </a:p>
+          <a:p>
+            <a:r>
+              <a:rPr lang="zh-CN" altLang="en-US" sz="1600">
+                <a:latin typeface="宋体" panose="02010600030101010101" pitchFamily="2" charset="-122"/>
+                <a:ea typeface="宋体" panose="02010600030101010101" pitchFamily="2" charset="-122"/>
+                <a:cs typeface="宋体" panose="02010600030101010101" pitchFamily="2" charset="-122"/>
+              </a:rPr>
+              <a:t>运行时，Java 虚拟机只为静态变量分配一次内存，在加载类的过程中完成静态变量的内存分配。</a:t>
+            </a:r>
+            <a:endParaRPr lang="zh-CN" altLang="en-US" sz="1600">
+              <a:latin typeface="宋体" panose="02010600030101010101" pitchFamily="2" charset="-122"/>
+              <a:ea typeface="宋体" panose="02010600030101010101" pitchFamily="2" charset="-122"/>
+              <a:cs typeface="宋体" panose="02010600030101010101" pitchFamily="2" charset="-122"/>
+            </a:endParaRPr>
+          </a:p>
+          <a:p>
+            <a:r>
+              <a:rPr lang="zh-CN" altLang="en-US" sz="1600">
+                <a:latin typeface="宋体" panose="02010600030101010101" pitchFamily="2" charset="-122"/>
+                <a:ea typeface="宋体" panose="02010600030101010101" pitchFamily="2" charset="-122"/>
+                <a:cs typeface="宋体" panose="02010600030101010101" pitchFamily="2" charset="-122"/>
+              </a:rPr>
+              <a:t>在类的内部，可以在任何方法内直接访问静态变量。</a:t>
+            </a:r>
+            <a:endParaRPr lang="zh-CN" altLang="en-US" sz="1600">
+              <a:latin typeface="宋体" panose="02010600030101010101" pitchFamily="2" charset="-122"/>
+              <a:ea typeface="宋体" panose="02010600030101010101" pitchFamily="2" charset="-122"/>
+              <a:cs typeface="宋体" panose="02010600030101010101" pitchFamily="2" charset="-122"/>
+            </a:endParaRPr>
+          </a:p>
+          <a:p>
+            <a:r>
+              <a:rPr lang="zh-CN" altLang="en-US" sz="1600">
+                <a:latin typeface="宋体" panose="02010600030101010101" pitchFamily="2" charset="-122"/>
+                <a:ea typeface="宋体" panose="02010600030101010101" pitchFamily="2" charset="-122"/>
+                <a:cs typeface="宋体" panose="02010600030101010101" pitchFamily="2" charset="-122"/>
+              </a:rPr>
+              <a:t>在其他类中，可以通过类名访问该类中的静态变量。</a:t>
+            </a:r>
+            <a:endParaRPr lang="zh-CN" altLang="en-US" sz="1600">
+              <a:latin typeface="宋体" panose="02010600030101010101" pitchFamily="2" charset="-122"/>
+              <a:ea typeface="宋体" panose="02010600030101010101" pitchFamily="2" charset="-122"/>
+              <a:cs typeface="宋体" panose="02010600030101010101" pitchFamily="2" charset="-122"/>
+            </a:endParaRPr>
+          </a:p>
+          <a:p>
+            <a:endParaRPr lang="zh-CN" altLang="en-US" sz="1600">
+              <a:latin typeface="宋体" panose="02010600030101010101" pitchFamily="2" charset="-122"/>
+              <a:ea typeface="宋体" panose="02010600030101010101" pitchFamily="2" charset="-122"/>
+              <a:cs typeface="宋体" panose="02010600030101010101" pitchFamily="2" charset="-122"/>
+            </a:endParaRPr>
+          </a:p>
+          <a:p>
+            <a:r>
+              <a:rPr lang="zh-CN" altLang="en-US" sz="1600">
+                <a:latin typeface="宋体" panose="02010600030101010101" pitchFamily="2" charset="-122"/>
+                <a:ea typeface="宋体" panose="02010600030101010101" pitchFamily="2" charset="-122"/>
+                <a:cs typeface="宋体" panose="02010600030101010101" pitchFamily="2" charset="-122"/>
+              </a:rPr>
+              <a:t>2）实例变量</a:t>
+            </a:r>
+            <a:endParaRPr lang="zh-CN" altLang="en-US" sz="1600">
+              <a:latin typeface="宋体" panose="02010600030101010101" pitchFamily="2" charset="-122"/>
+              <a:ea typeface="宋体" panose="02010600030101010101" pitchFamily="2" charset="-122"/>
+              <a:cs typeface="宋体" panose="02010600030101010101" pitchFamily="2" charset="-122"/>
+            </a:endParaRPr>
+          </a:p>
+          <a:p>
+            <a:r>
+              <a:rPr lang="zh-CN" altLang="en-US" sz="1600">
+                <a:latin typeface="宋体" panose="02010600030101010101" pitchFamily="2" charset="-122"/>
+                <a:ea typeface="宋体" panose="02010600030101010101" pitchFamily="2" charset="-122"/>
+                <a:cs typeface="宋体" panose="02010600030101010101" pitchFamily="2" charset="-122"/>
+              </a:rPr>
+              <a:t>每创建一个实例，Java 虚拟机就会为实例变量分配一次内存。</a:t>
+            </a:r>
+            <a:endParaRPr lang="zh-CN" altLang="en-US" sz="1600">
+              <a:latin typeface="宋体" panose="02010600030101010101" pitchFamily="2" charset="-122"/>
+              <a:ea typeface="宋体" panose="02010600030101010101" pitchFamily="2" charset="-122"/>
+              <a:cs typeface="宋体" panose="02010600030101010101" pitchFamily="2" charset="-122"/>
+            </a:endParaRPr>
+          </a:p>
+          <a:p>
+            <a:r>
+              <a:rPr lang="zh-CN" altLang="en-US" sz="1600">
+                <a:latin typeface="宋体" panose="02010600030101010101" pitchFamily="2" charset="-122"/>
+                <a:ea typeface="宋体" panose="02010600030101010101" pitchFamily="2" charset="-122"/>
+                <a:cs typeface="宋体" panose="02010600030101010101" pitchFamily="2" charset="-122"/>
+              </a:rPr>
+              <a:t>在类的内部，可以在非静态方法中直接访问实例变量。</a:t>
+            </a:r>
+            <a:endParaRPr lang="zh-CN" altLang="en-US" sz="1600">
+              <a:latin typeface="宋体" panose="02010600030101010101" pitchFamily="2" charset="-122"/>
+              <a:ea typeface="宋体" panose="02010600030101010101" pitchFamily="2" charset="-122"/>
+              <a:cs typeface="宋体" panose="02010600030101010101" pitchFamily="2" charset="-122"/>
+            </a:endParaRPr>
+          </a:p>
+          <a:p>
+            <a:r>
+              <a:rPr lang="zh-CN" altLang="en-US" sz="1600">
+                <a:latin typeface="宋体" panose="02010600030101010101" pitchFamily="2" charset="-122"/>
+                <a:ea typeface="宋体" panose="02010600030101010101" pitchFamily="2" charset="-122"/>
+                <a:cs typeface="宋体" panose="02010600030101010101" pitchFamily="2" charset="-122"/>
+              </a:rPr>
+              <a:t>在本类的静态方法或其他类中则需要通过类的实例对象进行访问。</a:t>
+            </a:r>
+            <a:endParaRPr lang="zh-CN" altLang="en-US" sz="1600">
+              <a:latin typeface="宋体" panose="02010600030101010101" pitchFamily="2" charset="-122"/>
+              <a:ea typeface="宋体" panose="02010600030101010101" pitchFamily="2" charset="-122"/>
+              <a:cs typeface="宋体" panose="02010600030101010101" pitchFamily="2" charset="-122"/>
+            </a:endParaRPr>
+          </a:p>
+        </p:txBody>
+      </p:sp>
+      <p:sp>
+        <p:nvSpPr>
+          <p:cNvPr id="3" name="文本框 2"/>
+          <p:cNvSpPr txBox="1"/>
+          <p:nvPr/>
+        </p:nvSpPr>
+        <p:spPr>
+          <a:xfrm>
+            <a:off x="3470275" y="807720"/>
+            <a:ext cx="6213475" cy="583565"/>
+          </a:xfrm>
+          <a:prstGeom prst="rect">
+            <a:avLst/>
+          </a:prstGeom>
+          <a:noFill/>
+        </p:spPr>
+        <p:txBody>
+          <a:bodyPr wrap="square" rtlCol="0">
+            <a:spAutoFit/>
+          </a:bodyPr>
+          <a:p>
+            <a:r>
+              <a:rPr lang="en-US" sz="3200"/>
+              <a:t>static </a:t>
+            </a:r>
+            <a:r>
+              <a:rPr lang="zh-CN" altLang="en-US" sz="3200"/>
+              <a:t>关键字</a:t>
+            </a:r>
+            <a:endParaRPr lang="zh-CN" altLang="en-US" sz="3200"/>
+          </a:p>
+        </p:txBody>
+      </p:sp>
+    </p:spTree>
+    <p:custDataLst>
+      <p:tags r:id="rId2"/>
+    </p:custDataLst>
+  </p:cSld>
+  <p:clrMapOvr>
+    <a:masterClrMapping/>
+  </p:clrMapOvr>
+</p:sld>
+</file>
+
+<file path=ppt/slides/slide25.xml><?xml version="1.0" encoding="utf-8"?>
+<p:sld xmlns:a="http://schemas.openxmlformats.org/drawingml/2006/main" xmlns:r="http://schemas.openxmlformats.org/officeDocument/2006/relationships" xmlns:p="http://schemas.openxmlformats.org/presentationml/2006/main">
+  <p:cSld>
+    <p:bg>
+      <p:bgPr>
+        <a:blipFill rotWithShape="1">
+          <a:blip r:embed="rId1"/>
+          <a:stretch>
+            <a:fillRect/>
+          </a:stretch>
+        </a:blipFill>
+        <a:effectLst/>
+      </p:bgPr>
+    </p:bg>
+    <p:spTree>
+      <p:nvGrpSpPr>
+        <p:cNvPr id="1" name=""/>
+        <p:cNvGrpSpPr/>
+        <p:nvPr/>
+      </p:nvGrpSpPr>
+      <p:grpSpPr/>
+      <p:sp>
+        <p:nvSpPr>
+          <p:cNvPr id="2" name="文本框 1"/>
+          <p:cNvSpPr txBox="1"/>
+          <p:nvPr/>
+        </p:nvSpPr>
+        <p:spPr>
+          <a:xfrm>
+            <a:off x="257810" y="901065"/>
+            <a:ext cx="11503025" cy="5507990"/>
+          </a:xfrm>
+          <a:prstGeom prst="rect">
+            <a:avLst/>
+          </a:prstGeom>
+          <a:noFill/>
+        </p:spPr>
+        <p:txBody>
+          <a:bodyPr wrap="square" rtlCol="0">
+            <a:spAutoFit/>
+          </a:bodyPr>
+          <a:p>
+            <a:r>
+              <a:rPr lang="zh-CN" altLang="en-US" sz="1600">
+                <a:latin typeface="宋体" panose="02010600030101010101" pitchFamily="2" charset="-122"/>
+                <a:ea typeface="宋体" panose="02010600030101010101" pitchFamily="2" charset="-122"/>
+                <a:cs typeface="宋体" panose="02010600030101010101" pitchFamily="2" charset="-122"/>
+              </a:rPr>
+              <a:t>静态方法</a:t>
+            </a:r>
+            <a:endParaRPr lang="zh-CN" altLang="en-US" sz="1600">
+              <a:latin typeface="宋体" panose="02010600030101010101" pitchFamily="2" charset="-122"/>
+              <a:ea typeface="宋体" panose="02010600030101010101" pitchFamily="2" charset="-122"/>
+              <a:cs typeface="宋体" panose="02010600030101010101" pitchFamily="2" charset="-122"/>
+            </a:endParaRPr>
+          </a:p>
+          <a:p>
+            <a:r>
+              <a:rPr lang="zh-CN" altLang="en-US" sz="1600">
+                <a:latin typeface="宋体" panose="02010600030101010101" pitchFamily="2" charset="-122"/>
+                <a:ea typeface="宋体" panose="02010600030101010101" pitchFamily="2" charset="-122"/>
+                <a:cs typeface="宋体" panose="02010600030101010101" pitchFamily="2" charset="-122"/>
+              </a:rPr>
+              <a:t>与成员变量类似，成员方法也可以分为以下两种：</a:t>
+            </a:r>
+            <a:endParaRPr lang="zh-CN" altLang="en-US" sz="1600">
+              <a:latin typeface="宋体" panose="02010600030101010101" pitchFamily="2" charset="-122"/>
+              <a:ea typeface="宋体" panose="02010600030101010101" pitchFamily="2" charset="-122"/>
+              <a:cs typeface="宋体" panose="02010600030101010101" pitchFamily="2" charset="-122"/>
+            </a:endParaRPr>
+          </a:p>
+          <a:p>
+            <a:r>
+              <a:rPr lang="zh-CN" altLang="en-US" sz="1600">
+                <a:solidFill>
+                  <a:srgbClr val="FF0000"/>
+                </a:solidFill>
+                <a:latin typeface="宋体" panose="02010600030101010101" pitchFamily="2" charset="-122"/>
+                <a:ea typeface="宋体" panose="02010600030101010101" pitchFamily="2" charset="-122"/>
+                <a:cs typeface="宋体" panose="02010600030101010101" pitchFamily="2" charset="-122"/>
+              </a:rPr>
+              <a:t>静态方法（或称为类方法），</a:t>
+            </a:r>
+            <a:r>
+              <a:rPr lang="zh-CN" altLang="en-US" sz="1600">
+                <a:latin typeface="宋体" panose="02010600030101010101" pitchFamily="2" charset="-122"/>
+                <a:ea typeface="宋体" panose="02010600030101010101" pitchFamily="2" charset="-122"/>
+                <a:cs typeface="宋体" panose="02010600030101010101" pitchFamily="2" charset="-122"/>
+              </a:rPr>
+              <a:t>指被 static 修饰的成员方法。</a:t>
+            </a:r>
+            <a:endParaRPr lang="zh-CN" altLang="en-US" sz="1600">
+              <a:latin typeface="宋体" panose="02010600030101010101" pitchFamily="2" charset="-122"/>
+              <a:ea typeface="宋体" panose="02010600030101010101" pitchFamily="2" charset="-122"/>
+              <a:cs typeface="宋体" panose="02010600030101010101" pitchFamily="2" charset="-122"/>
+            </a:endParaRPr>
+          </a:p>
+          <a:p>
+            <a:r>
+              <a:rPr lang="zh-CN" altLang="en-US" sz="1600">
+                <a:solidFill>
+                  <a:srgbClr val="FF0000"/>
+                </a:solidFill>
+                <a:latin typeface="宋体" panose="02010600030101010101" pitchFamily="2" charset="-122"/>
+                <a:ea typeface="宋体" panose="02010600030101010101" pitchFamily="2" charset="-122"/>
+                <a:cs typeface="宋体" panose="02010600030101010101" pitchFamily="2" charset="-122"/>
+              </a:rPr>
+              <a:t>实例方法，</a:t>
+            </a:r>
+            <a:r>
+              <a:rPr lang="zh-CN" altLang="en-US" sz="1600">
+                <a:latin typeface="宋体" panose="02010600030101010101" pitchFamily="2" charset="-122"/>
+                <a:ea typeface="宋体" panose="02010600030101010101" pitchFamily="2" charset="-122"/>
+                <a:cs typeface="宋体" panose="02010600030101010101" pitchFamily="2" charset="-122"/>
+              </a:rPr>
+              <a:t>指没有被 static 修饰的成员方法。</a:t>
+            </a:r>
+            <a:endParaRPr lang="zh-CN" altLang="en-US" sz="1600">
+              <a:latin typeface="宋体" panose="02010600030101010101" pitchFamily="2" charset="-122"/>
+              <a:ea typeface="宋体" panose="02010600030101010101" pitchFamily="2" charset="-122"/>
+              <a:cs typeface="宋体" panose="02010600030101010101" pitchFamily="2" charset="-122"/>
+            </a:endParaRPr>
+          </a:p>
+          <a:p>
+            <a:endParaRPr lang="zh-CN" altLang="en-US" sz="1600">
+              <a:latin typeface="宋体" panose="02010600030101010101" pitchFamily="2" charset="-122"/>
+              <a:ea typeface="宋体" panose="02010600030101010101" pitchFamily="2" charset="-122"/>
+              <a:cs typeface="宋体" panose="02010600030101010101" pitchFamily="2" charset="-122"/>
+            </a:endParaRPr>
+          </a:p>
+          <a:p>
+            <a:r>
+              <a:rPr lang="zh-CN" altLang="en-US" sz="1600">
+                <a:latin typeface="宋体" panose="02010600030101010101" pitchFamily="2" charset="-122"/>
+                <a:ea typeface="宋体" panose="02010600030101010101" pitchFamily="2" charset="-122"/>
+                <a:cs typeface="宋体" panose="02010600030101010101" pitchFamily="2" charset="-122"/>
+              </a:rPr>
+              <a:t>静态方法与实例方法的区别如下：</a:t>
+            </a:r>
+            <a:endParaRPr lang="zh-CN" altLang="en-US" sz="1600">
+              <a:latin typeface="宋体" panose="02010600030101010101" pitchFamily="2" charset="-122"/>
+              <a:ea typeface="宋体" panose="02010600030101010101" pitchFamily="2" charset="-122"/>
+              <a:cs typeface="宋体" panose="02010600030101010101" pitchFamily="2" charset="-122"/>
+            </a:endParaRPr>
+          </a:p>
+          <a:p>
+            <a:r>
+              <a:rPr lang="zh-CN" altLang="en-US" sz="1600">
+                <a:latin typeface="宋体" panose="02010600030101010101" pitchFamily="2" charset="-122"/>
+                <a:ea typeface="宋体" panose="02010600030101010101" pitchFamily="2" charset="-122"/>
+                <a:cs typeface="宋体" panose="02010600030101010101" pitchFamily="2" charset="-122"/>
+              </a:rPr>
+              <a:t>静态方法不需要通过它所属的类的任何实例就可以被调用，因此在静态方法中不能使用 this 关键字，也不能直接访问所属类的实例变量和实例方法，但是可以直接访问所属类的静态变量和静态方法。另外，和 this 关键字一样，super 关键字也与类的特定实例相关，所以在静态方法中也不能使用 super 关键字。</a:t>
+            </a:r>
+            <a:endParaRPr lang="zh-CN" altLang="en-US" sz="1600">
+              <a:latin typeface="宋体" panose="02010600030101010101" pitchFamily="2" charset="-122"/>
+              <a:ea typeface="宋体" panose="02010600030101010101" pitchFamily="2" charset="-122"/>
+              <a:cs typeface="宋体" panose="02010600030101010101" pitchFamily="2" charset="-122"/>
+            </a:endParaRPr>
+          </a:p>
+          <a:p>
+            <a:r>
+              <a:rPr lang="zh-CN" altLang="en-US" sz="1600">
+                <a:latin typeface="宋体" panose="02010600030101010101" pitchFamily="2" charset="-122"/>
+                <a:ea typeface="宋体" panose="02010600030101010101" pitchFamily="2" charset="-122"/>
+                <a:cs typeface="宋体" panose="02010600030101010101" pitchFamily="2" charset="-122"/>
+              </a:rPr>
+              <a:t>在实例方法中可以直接访问所属类的静态变量、静态方法、实例变量和实例方法。</a:t>
+            </a:r>
+            <a:endParaRPr lang="zh-CN" altLang="en-US" sz="1600">
+              <a:latin typeface="宋体" panose="02010600030101010101" pitchFamily="2" charset="-122"/>
+              <a:ea typeface="宋体" panose="02010600030101010101" pitchFamily="2" charset="-122"/>
+              <a:cs typeface="宋体" panose="02010600030101010101" pitchFamily="2" charset="-122"/>
+            </a:endParaRPr>
+          </a:p>
+          <a:p>
+            <a:endParaRPr lang="zh-CN" altLang="en-US" sz="1600">
+              <a:latin typeface="宋体" panose="02010600030101010101" pitchFamily="2" charset="-122"/>
+              <a:ea typeface="宋体" panose="02010600030101010101" pitchFamily="2" charset="-122"/>
+              <a:cs typeface="宋体" panose="02010600030101010101" pitchFamily="2" charset="-122"/>
+            </a:endParaRPr>
+          </a:p>
+          <a:p>
+            <a:r>
+              <a:rPr lang="zh-CN" altLang="en-US" sz="1600">
+                <a:solidFill>
+                  <a:srgbClr val="FF0000"/>
+                </a:solidFill>
+                <a:latin typeface="宋体" panose="02010600030101010101" pitchFamily="2" charset="-122"/>
+                <a:ea typeface="宋体" panose="02010600030101010101" pitchFamily="2" charset="-122"/>
+                <a:cs typeface="宋体" panose="02010600030101010101" pitchFamily="2" charset="-122"/>
+              </a:rPr>
+              <a:t>静态代码块</a:t>
+            </a:r>
+            <a:endParaRPr lang="zh-CN" altLang="en-US" sz="1600">
+              <a:solidFill>
+                <a:srgbClr val="FF0000"/>
+              </a:solidFill>
+              <a:latin typeface="宋体" panose="02010600030101010101" pitchFamily="2" charset="-122"/>
+              <a:ea typeface="宋体" panose="02010600030101010101" pitchFamily="2" charset="-122"/>
+              <a:cs typeface="宋体" panose="02010600030101010101" pitchFamily="2" charset="-122"/>
+            </a:endParaRPr>
+          </a:p>
+          <a:p>
+            <a:r>
+              <a:rPr lang="zh-CN" altLang="en-US" sz="1600">
+                <a:latin typeface="宋体" panose="02010600030101010101" pitchFamily="2" charset="-122"/>
+                <a:ea typeface="宋体" panose="02010600030101010101" pitchFamily="2" charset="-122"/>
+                <a:cs typeface="宋体" panose="02010600030101010101" pitchFamily="2" charset="-122"/>
+              </a:rPr>
+              <a:t>静态代码块指 Java 类中的 static{ } 代码块，主要用于初始化类，为类的静态变量赋初始值，提升程序性能。</a:t>
+            </a:r>
+            <a:endParaRPr lang="zh-CN" altLang="en-US" sz="1600">
+              <a:latin typeface="宋体" panose="02010600030101010101" pitchFamily="2" charset="-122"/>
+              <a:ea typeface="宋体" panose="02010600030101010101" pitchFamily="2" charset="-122"/>
+              <a:cs typeface="宋体" panose="02010600030101010101" pitchFamily="2" charset="-122"/>
+            </a:endParaRPr>
+          </a:p>
+          <a:p>
+            <a:r>
+              <a:rPr lang="zh-CN" altLang="en-US" sz="1600">
+                <a:latin typeface="宋体" panose="02010600030101010101" pitchFamily="2" charset="-122"/>
+                <a:ea typeface="宋体" panose="02010600030101010101" pitchFamily="2" charset="-122"/>
+                <a:cs typeface="宋体" panose="02010600030101010101" pitchFamily="2" charset="-122"/>
+              </a:rPr>
+              <a:t>static块为属于类的代码块，在类加载期间执行的代码块，只执行一次，可以用来在软件中加载静态资源（图像、音频等等）。</a:t>
+            </a:r>
+            <a:endParaRPr lang="zh-CN" altLang="en-US" sz="1600">
+              <a:latin typeface="宋体" panose="02010600030101010101" pitchFamily="2" charset="-122"/>
+              <a:ea typeface="宋体" panose="02010600030101010101" pitchFamily="2" charset="-122"/>
+              <a:cs typeface="宋体" panose="02010600030101010101" pitchFamily="2" charset="-122"/>
+            </a:endParaRPr>
+          </a:p>
+          <a:p>
+            <a:r>
+              <a:rPr lang="zh-CN" altLang="en-US" sz="1600">
+                <a:latin typeface="宋体" panose="02010600030101010101" pitchFamily="2" charset="-122"/>
+                <a:ea typeface="宋体" panose="02010600030101010101" pitchFamily="2" charset="-122"/>
+                <a:cs typeface="宋体" panose="02010600030101010101" pitchFamily="2" charset="-122"/>
+              </a:rPr>
+              <a:t>类加载时，先运行了静态块，而后执行了构造方法，即，static块是在创建对象之前执行的。且只执行一次.</a:t>
+            </a:r>
+            <a:endParaRPr lang="zh-CN" altLang="en-US" sz="1600">
+              <a:latin typeface="宋体" panose="02010600030101010101" pitchFamily="2" charset="-122"/>
+              <a:ea typeface="宋体" panose="02010600030101010101" pitchFamily="2" charset="-122"/>
+              <a:cs typeface="宋体" panose="02010600030101010101" pitchFamily="2" charset="-122"/>
+            </a:endParaRPr>
+          </a:p>
+          <a:p>
+            <a:endParaRPr lang="zh-CN" altLang="en-US" sz="1600">
+              <a:latin typeface="宋体" panose="02010600030101010101" pitchFamily="2" charset="-122"/>
+              <a:ea typeface="宋体" panose="02010600030101010101" pitchFamily="2" charset="-122"/>
+              <a:cs typeface="宋体" panose="02010600030101010101" pitchFamily="2" charset="-122"/>
+            </a:endParaRPr>
+          </a:p>
+          <a:p>
+            <a:r>
+              <a:rPr lang="zh-CN" altLang="en-US" sz="1600">
+                <a:latin typeface="宋体" panose="02010600030101010101" pitchFamily="2" charset="-122"/>
+                <a:ea typeface="宋体" panose="02010600030101010101" pitchFamily="2" charset="-122"/>
+                <a:cs typeface="宋体" panose="02010600030101010101" pitchFamily="2" charset="-122"/>
+              </a:rPr>
+              <a:t>静态代码块的特点如下：</a:t>
+            </a:r>
+            <a:endParaRPr lang="zh-CN" altLang="en-US" sz="1600">
+              <a:latin typeface="宋体" panose="02010600030101010101" pitchFamily="2" charset="-122"/>
+              <a:ea typeface="宋体" panose="02010600030101010101" pitchFamily="2" charset="-122"/>
+              <a:cs typeface="宋体" panose="02010600030101010101" pitchFamily="2" charset="-122"/>
+            </a:endParaRPr>
+          </a:p>
+          <a:p>
+            <a:r>
+              <a:rPr lang="zh-CN" altLang="en-US" sz="1600">
+                <a:latin typeface="宋体" panose="02010600030101010101" pitchFamily="2" charset="-122"/>
+                <a:ea typeface="宋体" panose="02010600030101010101" pitchFamily="2" charset="-122"/>
+                <a:cs typeface="宋体" panose="02010600030101010101" pitchFamily="2" charset="-122"/>
+              </a:rPr>
+              <a:t>静态代码块类似于一个方法，但它不可以存在于任何方法体中。</a:t>
+            </a:r>
+            <a:endParaRPr lang="zh-CN" altLang="en-US" sz="1600">
+              <a:latin typeface="宋体" panose="02010600030101010101" pitchFamily="2" charset="-122"/>
+              <a:ea typeface="宋体" panose="02010600030101010101" pitchFamily="2" charset="-122"/>
+              <a:cs typeface="宋体" panose="02010600030101010101" pitchFamily="2" charset="-122"/>
+            </a:endParaRPr>
+          </a:p>
+          <a:p>
+            <a:r>
+              <a:rPr lang="zh-CN" altLang="en-US" sz="1600">
+                <a:latin typeface="宋体" panose="02010600030101010101" pitchFamily="2" charset="-122"/>
+                <a:ea typeface="宋体" panose="02010600030101010101" pitchFamily="2" charset="-122"/>
+                <a:cs typeface="宋体" panose="02010600030101010101" pitchFamily="2" charset="-122"/>
+              </a:rPr>
+              <a:t>静态代码块可以置于类中的任何地方，类中可以有多个静态初始化块。 </a:t>
+            </a:r>
+            <a:endParaRPr lang="zh-CN" altLang="en-US" sz="1600">
+              <a:latin typeface="宋体" panose="02010600030101010101" pitchFamily="2" charset="-122"/>
+              <a:ea typeface="宋体" panose="02010600030101010101" pitchFamily="2" charset="-122"/>
+              <a:cs typeface="宋体" panose="02010600030101010101" pitchFamily="2" charset="-122"/>
+            </a:endParaRPr>
+          </a:p>
+          <a:p>
+            <a:r>
+              <a:rPr lang="zh-CN" altLang="en-US" sz="1600">
+                <a:latin typeface="宋体" panose="02010600030101010101" pitchFamily="2" charset="-122"/>
+                <a:ea typeface="宋体" panose="02010600030101010101" pitchFamily="2" charset="-122"/>
+                <a:cs typeface="宋体" panose="02010600030101010101" pitchFamily="2" charset="-122"/>
+              </a:rPr>
+              <a:t>Java 虚拟机在加载类时执行静态代码块，所以很多时候会将一些只需要进行一次的初始化操作都放在 static 代码块中进行。</a:t>
+            </a:r>
+            <a:endParaRPr lang="zh-CN" altLang="en-US" sz="1600">
+              <a:latin typeface="宋体" panose="02010600030101010101" pitchFamily="2" charset="-122"/>
+              <a:ea typeface="宋体" panose="02010600030101010101" pitchFamily="2" charset="-122"/>
+              <a:cs typeface="宋体" panose="02010600030101010101" pitchFamily="2" charset="-122"/>
+            </a:endParaRPr>
+          </a:p>
+          <a:p>
+            <a:r>
+              <a:rPr lang="zh-CN" altLang="en-US" sz="1600">
+                <a:latin typeface="宋体" panose="02010600030101010101" pitchFamily="2" charset="-122"/>
+                <a:ea typeface="宋体" panose="02010600030101010101" pitchFamily="2" charset="-122"/>
+                <a:cs typeface="宋体" panose="02010600030101010101" pitchFamily="2" charset="-122"/>
+              </a:rPr>
+              <a:t>如果类中包含多个静态代码块，则 Java 虚拟机将按它们在类中出现的顺序依次执行它们，每个静态代码块只会被执行一次。</a:t>
+            </a:r>
+            <a:endParaRPr lang="zh-CN" altLang="en-US" sz="1600">
+              <a:latin typeface="宋体" panose="02010600030101010101" pitchFamily="2" charset="-122"/>
+              <a:ea typeface="宋体" panose="02010600030101010101" pitchFamily="2" charset="-122"/>
+              <a:cs typeface="宋体" panose="02010600030101010101" pitchFamily="2" charset="-122"/>
+            </a:endParaRPr>
+          </a:p>
+          <a:p>
+            <a:r>
+              <a:rPr lang="zh-CN" altLang="en-US" sz="1600">
+                <a:latin typeface="宋体" panose="02010600030101010101" pitchFamily="2" charset="-122"/>
+                <a:ea typeface="宋体" panose="02010600030101010101" pitchFamily="2" charset="-122"/>
+                <a:cs typeface="宋体" panose="02010600030101010101" pitchFamily="2" charset="-122"/>
+              </a:rPr>
+              <a:t>静态代码块与静态方法一样，不能直接访问类的实例变量和实例方法，而需要通过类的实例对象来访问。</a:t>
+            </a:r>
+            <a:endParaRPr lang="zh-CN" altLang="en-US" sz="1600">
+              <a:latin typeface="宋体" panose="02010600030101010101" pitchFamily="2" charset="-122"/>
+              <a:ea typeface="宋体" panose="02010600030101010101" pitchFamily="2" charset="-122"/>
+              <a:cs typeface="宋体" panose="02010600030101010101" pitchFamily="2" charset="-122"/>
+            </a:endParaRPr>
+          </a:p>
+        </p:txBody>
+      </p:sp>
+    </p:spTree>
+    <p:custDataLst>
+      <p:tags r:id="rId2"/>
+    </p:custDataLst>
+  </p:cSld>
+  <p:clrMapOvr>
+    <a:masterClrMapping/>
+  </p:clrMapOvr>
+</p:sld>
+</file>
+
+<file path=ppt/slides/slide26.xml><?xml version="1.0" encoding="utf-8"?>
+<p:sld xmlns:a="http://schemas.openxmlformats.org/drawingml/2006/main" xmlns:r="http://schemas.openxmlformats.org/officeDocument/2006/relationships" xmlns:p="http://schemas.openxmlformats.org/presentationml/2006/main">
+  <p:cSld>
+    <p:bg>
+      <p:bgPr>
+        <a:blipFill rotWithShape="1">
+          <a:blip r:embed="rId1"/>
+          <a:stretch>
+            <a:fillRect/>
+          </a:stretch>
+        </a:blipFill>
+        <a:effectLst/>
+      </p:bgPr>
+    </p:bg>
+    <p:spTree>
+      <p:nvGrpSpPr>
+        <p:cNvPr id="1" name=""/>
+        <p:cNvGrpSpPr/>
+        <p:nvPr/>
+      </p:nvGrpSpPr>
+      <p:grpSpPr/>
+      <p:sp>
+        <p:nvSpPr>
+          <p:cNvPr id="3" name="文本框 2"/>
+          <p:cNvSpPr txBox="1"/>
+          <p:nvPr/>
+        </p:nvSpPr>
+        <p:spPr>
+          <a:xfrm>
+            <a:off x="3970655" y="806450"/>
+            <a:ext cx="3864610" cy="583565"/>
+          </a:xfrm>
+          <a:prstGeom prst="rect">
+            <a:avLst/>
+          </a:prstGeom>
+          <a:noFill/>
+        </p:spPr>
+        <p:txBody>
+          <a:bodyPr wrap="square" rtlCol="0">
+            <a:spAutoFit/>
+          </a:bodyPr>
+          <a:p>
+            <a:r>
+              <a:rPr lang="en-US" altLang="zh-CN" sz="3200"/>
+              <a:t>final </a:t>
+            </a:r>
+            <a:r>
+              <a:rPr lang="zh-CN" altLang="en-US" sz="3200"/>
+              <a:t>关键字</a:t>
+            </a:r>
+            <a:endParaRPr lang="zh-CN" altLang="en-US" sz="3200"/>
+          </a:p>
+        </p:txBody>
+      </p:sp>
+      <p:sp>
+        <p:nvSpPr>
+          <p:cNvPr id="2" name="文本框 1"/>
+          <p:cNvSpPr txBox="1"/>
+          <p:nvPr/>
+        </p:nvSpPr>
+        <p:spPr>
+          <a:xfrm>
+            <a:off x="212725" y="1483995"/>
+            <a:ext cx="11138535" cy="4276725"/>
+          </a:xfrm>
+          <a:prstGeom prst="rect">
+            <a:avLst/>
+          </a:prstGeom>
+          <a:noFill/>
+        </p:spPr>
+        <p:txBody>
+          <a:bodyPr wrap="square" rtlCol="0">
+            <a:spAutoFit/>
+          </a:bodyPr>
+          <a:p>
+            <a:r>
+              <a:rPr lang="zh-CN" altLang="en-US" sz="1600">
+                <a:latin typeface="宋体" panose="02010600030101010101" pitchFamily="2" charset="-122"/>
+                <a:ea typeface="宋体" panose="02010600030101010101" pitchFamily="2" charset="-122"/>
+                <a:cs typeface="宋体" panose="02010600030101010101" pitchFamily="2" charset="-122"/>
+              </a:rPr>
+              <a:t>final 修饰符使用总结</a:t>
+            </a:r>
+            <a:endParaRPr lang="zh-CN" altLang="en-US" sz="1600">
+              <a:latin typeface="宋体" panose="02010600030101010101" pitchFamily="2" charset="-122"/>
+              <a:ea typeface="宋体" panose="02010600030101010101" pitchFamily="2" charset="-122"/>
+              <a:cs typeface="宋体" panose="02010600030101010101" pitchFamily="2" charset="-122"/>
+            </a:endParaRPr>
+          </a:p>
+          <a:p>
+            <a:r>
+              <a:rPr lang="zh-CN" altLang="en-US" sz="1600">
+                <a:solidFill>
+                  <a:srgbClr val="FF0000"/>
+                </a:solidFill>
+                <a:latin typeface="宋体" panose="02010600030101010101" pitchFamily="2" charset="-122"/>
+                <a:ea typeface="宋体" panose="02010600030101010101" pitchFamily="2" charset="-122"/>
+                <a:cs typeface="宋体" panose="02010600030101010101" pitchFamily="2" charset="-122"/>
+              </a:rPr>
+              <a:t>1. final 修饰类中的变量</a:t>
+            </a:r>
+            <a:endParaRPr lang="zh-CN" altLang="en-US" sz="1600">
+              <a:solidFill>
+                <a:srgbClr val="FF0000"/>
+              </a:solidFill>
+              <a:latin typeface="宋体" panose="02010600030101010101" pitchFamily="2" charset="-122"/>
+              <a:ea typeface="宋体" panose="02010600030101010101" pitchFamily="2" charset="-122"/>
+              <a:cs typeface="宋体" panose="02010600030101010101" pitchFamily="2" charset="-122"/>
+            </a:endParaRPr>
+          </a:p>
+          <a:p>
+            <a:r>
+              <a:rPr lang="zh-CN" altLang="en-US" sz="1600">
+                <a:latin typeface="宋体" panose="02010600030101010101" pitchFamily="2" charset="-122"/>
+                <a:ea typeface="宋体" panose="02010600030101010101" pitchFamily="2" charset="-122"/>
+                <a:cs typeface="宋体" panose="02010600030101010101" pitchFamily="2" charset="-122"/>
+              </a:rPr>
+              <a:t>表示该变量一旦被初始化便不可改变，这里不可改变的意思对基本类型变量来说是其值不可变，而对对象引用类型变量来说其引用不可再变。其初始化可以在两个地方：一是其定义处，也就是说在 final 变量定义时直接给其赋值；二是在构造方法中。这两个地方只能选其一，要么在定义时给值，要么在构造方法中给值，不能同时既在定义时赋值，又在构造方法中赋予另外的值。</a:t>
+            </a:r>
+            <a:endParaRPr lang="zh-CN" altLang="en-US" sz="1600">
+              <a:latin typeface="宋体" panose="02010600030101010101" pitchFamily="2" charset="-122"/>
+              <a:ea typeface="宋体" panose="02010600030101010101" pitchFamily="2" charset="-122"/>
+              <a:cs typeface="宋体" panose="02010600030101010101" pitchFamily="2" charset="-122"/>
+            </a:endParaRPr>
+          </a:p>
+          <a:p>
+            <a:r>
+              <a:rPr lang="zh-CN" altLang="en-US" sz="1600">
+                <a:solidFill>
+                  <a:srgbClr val="FF0000"/>
+                </a:solidFill>
+                <a:latin typeface="宋体" panose="02010600030101010101" pitchFamily="2" charset="-122"/>
+                <a:ea typeface="宋体" panose="02010600030101010101" pitchFamily="2" charset="-122"/>
+                <a:cs typeface="宋体" panose="02010600030101010101" pitchFamily="2" charset="-122"/>
+              </a:rPr>
+              <a:t>2. final 修饰类中的方法</a:t>
+            </a:r>
+            <a:endParaRPr lang="zh-CN" altLang="en-US" sz="1600">
+              <a:solidFill>
+                <a:srgbClr val="FF0000"/>
+              </a:solidFill>
+              <a:latin typeface="宋体" panose="02010600030101010101" pitchFamily="2" charset="-122"/>
+              <a:ea typeface="宋体" panose="02010600030101010101" pitchFamily="2" charset="-122"/>
+              <a:cs typeface="宋体" panose="02010600030101010101" pitchFamily="2" charset="-122"/>
+            </a:endParaRPr>
+          </a:p>
+          <a:p>
+            <a:r>
+              <a:rPr lang="zh-CN" altLang="en-US" sz="1600">
+                <a:latin typeface="宋体" panose="02010600030101010101" pitchFamily="2" charset="-122"/>
+                <a:ea typeface="宋体" panose="02010600030101010101" pitchFamily="2" charset="-122"/>
+                <a:cs typeface="宋体" panose="02010600030101010101" pitchFamily="2" charset="-122"/>
+              </a:rPr>
+              <a:t>说明这种方法提供的功能已经满足当前要求，不需要进行扩展，并且也不允许任何从此类继承的类来重写这种方法，但是继承仍然可以继承这个方法，也就是说可以直接使用。在声明类中，一个 final 方法只被实现一次。</a:t>
+            </a:r>
+            <a:endParaRPr lang="zh-CN" altLang="en-US" sz="1600">
+              <a:latin typeface="宋体" panose="02010600030101010101" pitchFamily="2" charset="-122"/>
+              <a:ea typeface="宋体" panose="02010600030101010101" pitchFamily="2" charset="-122"/>
+              <a:cs typeface="宋体" panose="02010600030101010101" pitchFamily="2" charset="-122"/>
+            </a:endParaRPr>
+          </a:p>
+          <a:p>
+            <a:r>
+              <a:rPr lang="zh-CN" altLang="en-US" sz="1600">
+                <a:solidFill>
+                  <a:srgbClr val="FF0000"/>
+                </a:solidFill>
+                <a:latin typeface="宋体" panose="02010600030101010101" pitchFamily="2" charset="-122"/>
+                <a:ea typeface="宋体" panose="02010600030101010101" pitchFamily="2" charset="-122"/>
+                <a:cs typeface="宋体" panose="02010600030101010101" pitchFamily="2" charset="-122"/>
+              </a:rPr>
+              <a:t>3. final 修饰类</a:t>
+            </a:r>
+            <a:endParaRPr lang="zh-CN" altLang="en-US" sz="1600">
+              <a:solidFill>
+                <a:srgbClr val="FF0000"/>
+              </a:solidFill>
+              <a:latin typeface="宋体" panose="02010600030101010101" pitchFamily="2" charset="-122"/>
+              <a:ea typeface="宋体" panose="02010600030101010101" pitchFamily="2" charset="-122"/>
+              <a:cs typeface="宋体" panose="02010600030101010101" pitchFamily="2" charset="-122"/>
+            </a:endParaRPr>
+          </a:p>
+          <a:p>
+            <a:r>
+              <a:rPr lang="zh-CN" altLang="en-US" sz="1600">
+                <a:latin typeface="宋体" panose="02010600030101010101" pitchFamily="2" charset="-122"/>
+                <a:ea typeface="宋体" panose="02010600030101010101" pitchFamily="2" charset="-122"/>
+                <a:cs typeface="宋体" panose="02010600030101010101" pitchFamily="2" charset="-122"/>
+              </a:rPr>
+              <a:t>表示该类是无法被任何其他类继承的，意味着此类在一个继承树中是一个叶子类，并且此类的设计已被认为很完美而不需要进行修改或扩展。</a:t>
+            </a:r>
+            <a:endParaRPr lang="zh-CN" altLang="en-US" sz="1600">
+              <a:latin typeface="宋体" panose="02010600030101010101" pitchFamily="2" charset="-122"/>
+              <a:ea typeface="宋体" panose="02010600030101010101" pitchFamily="2" charset="-122"/>
+              <a:cs typeface="宋体" panose="02010600030101010101" pitchFamily="2" charset="-122"/>
+            </a:endParaRPr>
+          </a:p>
+          <a:p>
+            <a:endParaRPr lang="zh-CN" altLang="en-US" sz="1600">
+              <a:latin typeface="宋体" panose="02010600030101010101" pitchFamily="2" charset="-122"/>
+              <a:ea typeface="宋体" panose="02010600030101010101" pitchFamily="2" charset="-122"/>
+              <a:cs typeface="宋体" panose="02010600030101010101" pitchFamily="2" charset="-122"/>
+            </a:endParaRPr>
+          </a:p>
+          <a:p>
+            <a:r>
+              <a:rPr lang="zh-CN" altLang="en-US" sz="1600">
+                <a:latin typeface="宋体" panose="02010600030101010101" pitchFamily="2" charset="-122"/>
+                <a:ea typeface="宋体" panose="02010600030101010101" pitchFamily="2" charset="-122"/>
+                <a:cs typeface="宋体" panose="02010600030101010101" pitchFamily="2" charset="-122"/>
+              </a:rPr>
+              <a:t>对于 final 类中的成员，可以定义其为 final，也可以不是 final。而对于方法，由于所属类为 final 的关系，自然也就成了 final 型。也可以明确地给 final 类中的方法加上一个 final，这显然没有意义。</a:t>
+            </a:r>
+            <a:endParaRPr lang="zh-CN" altLang="en-US" sz="1600">
+              <a:latin typeface="宋体" panose="02010600030101010101" pitchFamily="2" charset="-122"/>
+              <a:ea typeface="宋体" panose="02010600030101010101" pitchFamily="2" charset="-122"/>
+              <a:cs typeface="宋体" panose="02010600030101010101" pitchFamily="2" charset="-122"/>
+            </a:endParaRPr>
+          </a:p>
+          <a:p>
+            <a:br>
+              <a:rPr lang="zh-CN" altLang="en-US" sz="1600">
+                <a:latin typeface="宋体" panose="02010600030101010101" pitchFamily="2" charset="-122"/>
+                <a:ea typeface="宋体" panose="02010600030101010101" pitchFamily="2" charset="-122"/>
+                <a:cs typeface="宋体" panose="02010600030101010101" pitchFamily="2" charset="-122"/>
+              </a:rPr>
+            </a:br>
+            <a:r>
+              <a:rPr lang="zh-CN" altLang="en-US" sz="1600">
+                <a:latin typeface="宋体" panose="02010600030101010101" pitchFamily="2" charset="-122"/>
+                <a:ea typeface="宋体" panose="02010600030101010101" pitchFamily="2" charset="-122"/>
+                <a:cs typeface="宋体" panose="02010600030101010101" pitchFamily="2" charset="-122"/>
+              </a:rPr>
+              <a:t>在JDK中的一些基础类库被定义为final的，例如：String、Math、Integer、Double 等等。</a:t>
+            </a:r>
+            <a:endParaRPr lang="zh-CN" altLang="en-US" sz="1600">
+              <a:latin typeface="宋体" panose="02010600030101010101" pitchFamily="2" charset="-122"/>
+              <a:ea typeface="宋体" panose="02010600030101010101" pitchFamily="2" charset="-122"/>
+              <a:cs typeface="宋体" panose="02010600030101010101" pitchFamily="2" charset="-122"/>
+            </a:endParaRPr>
+          </a:p>
+        </p:txBody>
+      </p:sp>
+    </p:spTree>
+    <p:custDataLst>
+      <p:tags r:id="rId2"/>
+    </p:custDataLst>
+  </p:cSld>
+  <p:clrMapOvr>
+    <a:masterClrMapping/>
+  </p:clrMapOvr>
+</p:sld>
+</file>
+
+<file path=ppt/slides/slide27.xml><?xml version="1.0" encoding="utf-8"?>
+<p:sld xmlns:a="http://schemas.openxmlformats.org/drawingml/2006/main" xmlns:r="http://schemas.openxmlformats.org/officeDocument/2006/relationships" xmlns:p="http://schemas.openxmlformats.org/presentationml/2006/main">
+  <p:cSld>
+    <p:bg>
+      <p:bgPr>
+        <a:blipFill rotWithShape="1">
+          <a:blip r:embed="rId1"/>
+          <a:stretch>
+            <a:fillRect/>
+          </a:stretch>
+        </a:blipFill>
+        <a:effectLst/>
+      </p:bgPr>
+    </p:bg>
+    <p:spTree>
+      <p:nvGrpSpPr>
+        <p:cNvPr id="1" name=""/>
+        <p:cNvGrpSpPr/>
+        <p:nvPr/>
+      </p:nvGrpSpPr>
+      <p:grpSpPr/>
+      <p:sp>
+        <p:nvSpPr>
+          <p:cNvPr id="2" name="文本框 1"/>
+          <p:cNvSpPr txBox="1"/>
+          <p:nvPr/>
+        </p:nvSpPr>
+        <p:spPr>
+          <a:xfrm>
+            <a:off x="194310" y="800735"/>
+            <a:ext cx="11612245" cy="5015865"/>
+          </a:xfrm>
+          <a:prstGeom prst="rect">
+            <a:avLst/>
+          </a:prstGeom>
+          <a:noFill/>
+        </p:spPr>
+        <p:txBody>
+          <a:bodyPr wrap="square" rtlCol="0">
+            <a:spAutoFit/>
+          </a:bodyPr>
+          <a:p>
+            <a:r>
+              <a:rPr lang="zh-CN" altLang="en-US" sz="1600">
+                <a:latin typeface="宋体" panose="02010600030101010101" pitchFamily="2" charset="-122"/>
+                <a:ea typeface="宋体" panose="02010600030101010101" pitchFamily="2" charset="-122"/>
+                <a:cs typeface="宋体" panose="02010600030101010101" pitchFamily="2" charset="-122"/>
+              </a:rPr>
+              <a:t>Java方法的可变参数</a:t>
+            </a:r>
+            <a:endParaRPr lang="zh-CN" altLang="en-US" sz="1600">
+              <a:latin typeface="宋体" panose="02010600030101010101" pitchFamily="2" charset="-122"/>
+              <a:ea typeface="宋体" panose="02010600030101010101" pitchFamily="2" charset="-122"/>
+              <a:cs typeface="宋体" panose="02010600030101010101" pitchFamily="2" charset="-122"/>
+            </a:endParaRPr>
+          </a:p>
+          <a:p>
+            <a:endParaRPr lang="zh-CN" altLang="en-US" sz="1600">
+              <a:latin typeface="宋体" panose="02010600030101010101" pitchFamily="2" charset="-122"/>
+              <a:ea typeface="宋体" panose="02010600030101010101" pitchFamily="2" charset="-122"/>
+              <a:cs typeface="宋体" panose="02010600030101010101" pitchFamily="2" charset="-122"/>
+            </a:endParaRPr>
+          </a:p>
+          <a:p>
+            <a:r>
+              <a:rPr lang="zh-CN" altLang="en-US" sz="1600">
+                <a:latin typeface="宋体" panose="02010600030101010101" pitchFamily="2" charset="-122"/>
+                <a:ea typeface="宋体" panose="02010600030101010101" pitchFamily="2" charset="-122"/>
+                <a:cs typeface="宋体" panose="02010600030101010101" pitchFamily="2" charset="-122"/>
+              </a:rPr>
+              <a:t>在具体实际开发过程中，有时方法中参数的个数是不确定的。为了解决这个问题，在 J2SE 5.0 版本中引入了可变参数的概念。</a:t>
+            </a:r>
+            <a:endParaRPr lang="zh-CN" altLang="en-US" sz="1600">
+              <a:latin typeface="宋体" panose="02010600030101010101" pitchFamily="2" charset="-122"/>
+              <a:ea typeface="宋体" panose="02010600030101010101" pitchFamily="2" charset="-122"/>
+              <a:cs typeface="宋体" panose="02010600030101010101" pitchFamily="2" charset="-122"/>
+            </a:endParaRPr>
+          </a:p>
+          <a:p>
+            <a:endParaRPr lang="zh-CN" altLang="en-US" sz="1600">
+              <a:latin typeface="宋体" panose="02010600030101010101" pitchFamily="2" charset="-122"/>
+              <a:ea typeface="宋体" panose="02010600030101010101" pitchFamily="2" charset="-122"/>
+              <a:cs typeface="宋体" panose="02010600030101010101" pitchFamily="2" charset="-122"/>
+            </a:endParaRPr>
+          </a:p>
+          <a:p>
+            <a:r>
+              <a:rPr lang="zh-CN" altLang="en-US" sz="1600">
+                <a:latin typeface="宋体" panose="02010600030101010101" pitchFamily="2" charset="-122"/>
+                <a:ea typeface="宋体" panose="02010600030101010101" pitchFamily="2" charset="-122"/>
+                <a:cs typeface="宋体" panose="02010600030101010101" pitchFamily="2" charset="-122"/>
+              </a:rPr>
+              <a:t>声明可变参数的语法格式如下：</a:t>
+            </a:r>
+            <a:endParaRPr lang="zh-CN" altLang="en-US" sz="1600">
+              <a:latin typeface="宋体" panose="02010600030101010101" pitchFamily="2" charset="-122"/>
+              <a:ea typeface="宋体" panose="02010600030101010101" pitchFamily="2" charset="-122"/>
+              <a:cs typeface="宋体" panose="02010600030101010101" pitchFamily="2" charset="-122"/>
+            </a:endParaRPr>
+          </a:p>
+          <a:p>
+            <a:r>
+              <a:rPr lang="zh-CN" altLang="en-US" sz="1600">
+                <a:latin typeface="宋体" panose="02010600030101010101" pitchFamily="2" charset="-122"/>
+                <a:ea typeface="宋体" panose="02010600030101010101" pitchFamily="2" charset="-122"/>
+                <a:cs typeface="宋体" panose="02010600030101010101" pitchFamily="2" charset="-122"/>
+              </a:rPr>
+              <a:t>methodName({paramList},paramType…paramName)</a:t>
+            </a:r>
+            <a:endParaRPr lang="zh-CN" altLang="en-US" sz="1600">
+              <a:latin typeface="宋体" panose="02010600030101010101" pitchFamily="2" charset="-122"/>
+              <a:ea typeface="宋体" panose="02010600030101010101" pitchFamily="2" charset="-122"/>
+              <a:cs typeface="宋体" panose="02010600030101010101" pitchFamily="2" charset="-122"/>
+            </a:endParaRPr>
+          </a:p>
+          <a:p>
+            <a:r>
+              <a:rPr lang="zh-CN" altLang="en-US" sz="1600">
+                <a:latin typeface="宋体" panose="02010600030101010101" pitchFamily="2" charset="-122"/>
+                <a:ea typeface="宋体" panose="02010600030101010101" pitchFamily="2" charset="-122"/>
+                <a:cs typeface="宋体" panose="02010600030101010101" pitchFamily="2" charset="-122"/>
+              </a:rPr>
+              <a:t>其中，methodName 表示方法名称；paramList 表示方法的固定参数列表；paramType 表示可变参数的类型；… 是声明可变参数的标识；paramName 表示可变参数名称。</a:t>
+            </a:r>
+            <a:endParaRPr lang="zh-CN" altLang="en-US" sz="1600">
+              <a:latin typeface="宋体" panose="02010600030101010101" pitchFamily="2" charset="-122"/>
+              <a:ea typeface="宋体" panose="02010600030101010101" pitchFamily="2" charset="-122"/>
+              <a:cs typeface="宋体" panose="02010600030101010101" pitchFamily="2" charset="-122"/>
+            </a:endParaRPr>
+          </a:p>
+          <a:p>
+            <a:endParaRPr lang="zh-CN" altLang="en-US" sz="1600">
+              <a:latin typeface="宋体" panose="02010600030101010101" pitchFamily="2" charset="-122"/>
+              <a:ea typeface="宋体" panose="02010600030101010101" pitchFamily="2" charset="-122"/>
+              <a:cs typeface="宋体" panose="02010600030101010101" pitchFamily="2" charset="-122"/>
+            </a:endParaRPr>
+          </a:p>
+          <a:p>
+            <a:endParaRPr lang="zh-CN" altLang="en-US" sz="1600">
+              <a:latin typeface="宋体" panose="02010600030101010101" pitchFamily="2" charset="-122"/>
+              <a:ea typeface="宋体" panose="02010600030101010101" pitchFamily="2" charset="-122"/>
+              <a:cs typeface="宋体" panose="02010600030101010101" pitchFamily="2" charset="-122"/>
+            </a:endParaRPr>
+          </a:p>
+          <a:p>
+            <a:r>
+              <a:rPr lang="zh-CN" altLang="en-US" sz="1600">
+                <a:latin typeface="宋体" panose="02010600030101010101" pitchFamily="2" charset="-122"/>
+                <a:ea typeface="宋体" panose="02010600030101010101" pitchFamily="2" charset="-122"/>
+                <a:cs typeface="宋体" panose="02010600030101010101" pitchFamily="2" charset="-122"/>
+              </a:rPr>
+              <a:t>析构方法与构造方法相反，当对象脱离其作用域时（例如对象所在的方法已调用完毕），系统自动执行析构方法。析构方法往往用来做清理垃圾碎片的工作，例如在建立对象时用 new 开辟了一片内存空间，应退出前在析构方法中将其释放。</a:t>
+            </a:r>
+            <a:endParaRPr lang="zh-CN" altLang="en-US" sz="1600">
+              <a:latin typeface="宋体" panose="02010600030101010101" pitchFamily="2" charset="-122"/>
+              <a:ea typeface="宋体" panose="02010600030101010101" pitchFamily="2" charset="-122"/>
+              <a:cs typeface="宋体" panose="02010600030101010101" pitchFamily="2" charset="-122"/>
+            </a:endParaRPr>
+          </a:p>
+          <a:p>
+            <a:endParaRPr lang="zh-CN" altLang="en-US" sz="1600">
+              <a:latin typeface="宋体" panose="02010600030101010101" pitchFamily="2" charset="-122"/>
+              <a:ea typeface="宋体" panose="02010600030101010101" pitchFamily="2" charset="-122"/>
+              <a:cs typeface="宋体" panose="02010600030101010101" pitchFamily="2" charset="-122"/>
+            </a:endParaRPr>
+          </a:p>
+          <a:p>
+            <a:r>
+              <a:rPr lang="zh-CN" altLang="en-US" sz="1600">
+                <a:latin typeface="宋体" panose="02010600030101010101" pitchFamily="2" charset="-122"/>
+                <a:ea typeface="宋体" panose="02010600030101010101" pitchFamily="2" charset="-122"/>
+                <a:cs typeface="宋体" panose="02010600030101010101" pitchFamily="2" charset="-122"/>
+              </a:rPr>
+              <a:t>在 Java 的 Object 类中还提供了一个 protected 类型的 finalize() 方法，因此任何 Java 类都可以覆盖这个方法，在这个方法中进行释放对象所占有的相关资源的操作。</a:t>
+            </a:r>
+            <a:endParaRPr lang="zh-CN" altLang="en-US" sz="1600">
+              <a:latin typeface="宋体" panose="02010600030101010101" pitchFamily="2" charset="-122"/>
+              <a:ea typeface="宋体" panose="02010600030101010101" pitchFamily="2" charset="-122"/>
+              <a:cs typeface="宋体" panose="02010600030101010101" pitchFamily="2" charset="-122"/>
+            </a:endParaRPr>
+          </a:p>
+          <a:p>
+            <a:endParaRPr lang="zh-CN" altLang="en-US" sz="1600">
+              <a:latin typeface="宋体" panose="02010600030101010101" pitchFamily="2" charset="-122"/>
+              <a:ea typeface="宋体" panose="02010600030101010101" pitchFamily="2" charset="-122"/>
+              <a:cs typeface="宋体" panose="02010600030101010101" pitchFamily="2" charset="-122"/>
+            </a:endParaRPr>
+          </a:p>
+          <a:p>
+            <a:r>
+              <a:rPr lang="zh-CN" altLang="en-US" sz="1600">
+                <a:latin typeface="宋体" panose="02010600030101010101" pitchFamily="2" charset="-122"/>
+                <a:ea typeface="宋体" panose="02010600030101010101" pitchFamily="2" charset="-122"/>
+                <a:cs typeface="宋体" panose="02010600030101010101" pitchFamily="2" charset="-122"/>
+              </a:rPr>
+              <a:t>对象的 finalize() 方法具有如下特点：</a:t>
+            </a:r>
+            <a:endParaRPr lang="zh-CN" altLang="en-US" sz="1600">
+              <a:latin typeface="宋体" panose="02010600030101010101" pitchFamily="2" charset="-122"/>
+              <a:ea typeface="宋体" panose="02010600030101010101" pitchFamily="2" charset="-122"/>
+              <a:cs typeface="宋体" panose="02010600030101010101" pitchFamily="2" charset="-122"/>
+            </a:endParaRPr>
+          </a:p>
+          <a:p>
+            <a:r>
+              <a:rPr lang="zh-CN" altLang="en-US" sz="1600">
+                <a:latin typeface="宋体" panose="02010600030101010101" pitchFamily="2" charset="-122"/>
+                <a:ea typeface="宋体" panose="02010600030101010101" pitchFamily="2" charset="-122"/>
+                <a:cs typeface="宋体" panose="02010600030101010101" pitchFamily="2" charset="-122"/>
+              </a:rPr>
+              <a:t>垃圾回收器是否会执行该方法以及何时执行该方法，都是不确定的。</a:t>
+            </a:r>
+            <a:endParaRPr lang="zh-CN" altLang="en-US" sz="1600">
+              <a:latin typeface="宋体" panose="02010600030101010101" pitchFamily="2" charset="-122"/>
+              <a:ea typeface="宋体" panose="02010600030101010101" pitchFamily="2" charset="-122"/>
+              <a:cs typeface="宋体" panose="02010600030101010101" pitchFamily="2" charset="-122"/>
+            </a:endParaRPr>
+          </a:p>
+          <a:p>
+            <a:r>
+              <a:rPr lang="zh-CN" altLang="en-US" sz="1600">
+                <a:latin typeface="宋体" panose="02010600030101010101" pitchFamily="2" charset="-122"/>
+                <a:ea typeface="宋体" panose="02010600030101010101" pitchFamily="2" charset="-122"/>
+                <a:cs typeface="宋体" panose="02010600030101010101" pitchFamily="2" charset="-122"/>
+              </a:rPr>
+              <a:t>finalize() 方法有可能使用对象复活，使对象恢复到可触及状态。</a:t>
+            </a:r>
+            <a:endParaRPr lang="zh-CN" altLang="en-US" sz="1600">
+              <a:latin typeface="宋体" panose="02010600030101010101" pitchFamily="2" charset="-122"/>
+              <a:ea typeface="宋体" panose="02010600030101010101" pitchFamily="2" charset="-122"/>
+              <a:cs typeface="宋体" panose="02010600030101010101" pitchFamily="2" charset="-122"/>
+            </a:endParaRPr>
+          </a:p>
+          <a:p>
+            <a:r>
+              <a:rPr lang="zh-CN" altLang="en-US" sz="1600">
+                <a:latin typeface="宋体" panose="02010600030101010101" pitchFamily="2" charset="-122"/>
+                <a:ea typeface="宋体" panose="02010600030101010101" pitchFamily="2" charset="-122"/>
+                <a:cs typeface="宋体" panose="02010600030101010101" pitchFamily="2" charset="-122"/>
+              </a:rPr>
+              <a:t>垃圾回收器在执行 finalize() 方法时，如果出现异常，垃圾回收器不会报告异常，程序继续正常运行。</a:t>
+            </a:r>
+            <a:endParaRPr lang="zh-CN" altLang="en-US" sz="1600">
+              <a:latin typeface="宋体" panose="02010600030101010101" pitchFamily="2" charset="-122"/>
+              <a:ea typeface="宋体" panose="02010600030101010101" pitchFamily="2" charset="-122"/>
+              <a:cs typeface="宋体" panose="02010600030101010101" pitchFamily="2" charset="-122"/>
+            </a:endParaRPr>
+          </a:p>
+        </p:txBody>
+      </p:sp>
+    </p:spTree>
+    <p:custDataLst>
+      <p:tags r:id="rId2"/>
+    </p:custDataLst>
+  </p:cSld>
+  <p:clrMapOvr>
+    <a:masterClrMapping/>
+  </p:clrMapOvr>
+</p:sld>
+</file>
+
+<file path=ppt/slides/slide28.xml><?xml version="1.0" encoding="utf-8"?>
+<p:sld xmlns:a="http://schemas.openxmlformats.org/drawingml/2006/main" xmlns:r="http://schemas.openxmlformats.org/officeDocument/2006/relationships" xmlns:p="http://schemas.openxmlformats.org/presentationml/2006/main">
+  <p:cSld>
+    <p:bg>
+      <p:bgPr>
+        <a:blipFill rotWithShape="1">
+          <a:blip r:embed="rId1"/>
+          <a:stretch>
+            <a:fillRect/>
+          </a:stretch>
+        </a:blipFill>
+        <a:effectLst/>
+      </p:bgPr>
+    </p:bg>
+    <p:spTree>
+      <p:nvGrpSpPr>
+        <p:cNvPr id="1" name=""/>
+        <p:cNvGrpSpPr/>
+        <p:nvPr/>
+      </p:nvGrpSpPr>
+      <p:grpSpPr/>
+      <p:sp>
+        <p:nvSpPr>
+          <p:cNvPr id="3" name="文本框 2"/>
+          <p:cNvSpPr txBox="1"/>
+          <p:nvPr/>
+        </p:nvSpPr>
+        <p:spPr>
+          <a:xfrm>
+            <a:off x="212725" y="1666240"/>
+            <a:ext cx="11411585" cy="4276725"/>
+          </a:xfrm>
+          <a:prstGeom prst="rect">
+            <a:avLst/>
+          </a:prstGeom>
+          <a:noFill/>
+        </p:spPr>
+        <p:txBody>
+          <a:bodyPr wrap="square" rtlCol="0">
+            <a:spAutoFit/>
+          </a:bodyPr>
+          <a:p>
+            <a:r>
+              <a:rPr lang="zh-CN" altLang="en-US" sz="1600">
+                <a:sym typeface="+mn-ea"/>
+              </a:rPr>
+              <a:t>不完整的类和方法</a:t>
+            </a:r>
+            <a:endParaRPr lang="zh-CN" altLang="en-US" sz="1600"/>
+          </a:p>
+          <a:p>
+            <a:endParaRPr lang="zh-CN" altLang="en-US" sz="1600">
+              <a:latin typeface="宋体" panose="02010600030101010101" pitchFamily="2" charset="-122"/>
+              <a:ea typeface="宋体" panose="02010600030101010101" pitchFamily="2" charset="-122"/>
+              <a:cs typeface="宋体" panose="02010600030101010101" pitchFamily="2" charset="-122"/>
+            </a:endParaRPr>
+          </a:p>
+          <a:p>
+            <a:r>
+              <a:rPr lang="zh-CN" altLang="en-US" sz="1600">
+                <a:latin typeface="宋体" panose="02010600030101010101" pitchFamily="2" charset="-122"/>
+                <a:ea typeface="宋体" panose="02010600030101010101" pitchFamily="2" charset="-122"/>
+                <a:cs typeface="宋体" panose="02010600030101010101" pitchFamily="2" charset="-122"/>
+              </a:rPr>
+              <a:t>由abstract修饰的方法为抽象方法，抽象方法即只有方法的定义，没有方法体实现，用一个分号结尾。即方法五要素中，抽象方法缺少了一要素（即：方法体）。也可以将抽象方法理解为不完整的方法。</a:t>
+            </a:r>
+            <a:endParaRPr lang="zh-CN" altLang="en-US" sz="1600">
+              <a:latin typeface="宋体" panose="02010600030101010101" pitchFamily="2" charset="-122"/>
+              <a:ea typeface="宋体" panose="02010600030101010101" pitchFamily="2" charset="-122"/>
+              <a:cs typeface="宋体" panose="02010600030101010101" pitchFamily="2" charset="-122"/>
+            </a:endParaRPr>
+          </a:p>
+          <a:p>
+            <a:endParaRPr lang="zh-CN" altLang="en-US" sz="1600">
+              <a:latin typeface="宋体" panose="02010600030101010101" pitchFamily="2" charset="-122"/>
+              <a:ea typeface="宋体" panose="02010600030101010101" pitchFamily="2" charset="-122"/>
+              <a:cs typeface="宋体" panose="02010600030101010101" pitchFamily="2" charset="-122"/>
+            </a:endParaRPr>
+          </a:p>
+          <a:p>
+            <a:r>
+              <a:rPr lang="zh-CN" altLang="en-US" sz="1600">
+                <a:latin typeface="宋体" panose="02010600030101010101" pitchFamily="2" charset="-122"/>
+                <a:ea typeface="宋体" panose="02010600030101010101" pitchFamily="2" charset="-122"/>
+                <a:cs typeface="宋体" panose="02010600030101010101" pitchFamily="2" charset="-122"/>
+              </a:rPr>
+              <a:t>若将抽象方法包含在类中，则该类也应该为抽象的，可以理解为，该类也不完整。抽象类由abstract关键字声明。</a:t>
+            </a:r>
+            <a:endParaRPr lang="zh-CN" altLang="en-US" sz="1600">
+              <a:latin typeface="宋体" panose="02010600030101010101" pitchFamily="2" charset="-122"/>
+              <a:ea typeface="宋体" panose="02010600030101010101" pitchFamily="2" charset="-122"/>
+              <a:cs typeface="宋体" panose="02010600030101010101" pitchFamily="2" charset="-122"/>
+            </a:endParaRPr>
+          </a:p>
+          <a:p>
+            <a:endParaRPr lang="zh-CN" altLang="en-US" sz="1600">
+              <a:latin typeface="宋体" panose="02010600030101010101" pitchFamily="2" charset="-122"/>
+              <a:ea typeface="宋体" panose="02010600030101010101" pitchFamily="2" charset="-122"/>
+              <a:cs typeface="宋体" panose="02010600030101010101" pitchFamily="2" charset="-122"/>
+            </a:endParaRPr>
+          </a:p>
+          <a:p>
+            <a:r>
+              <a:rPr lang="zh-CN" altLang="en-US" sz="1600">
+                <a:latin typeface="宋体" panose="02010600030101010101" pitchFamily="2" charset="-122"/>
+                <a:ea typeface="宋体" panose="02010600030101010101" pitchFamily="2" charset="-122"/>
+                <a:cs typeface="宋体" panose="02010600030101010101" pitchFamily="2" charset="-122"/>
+              </a:rPr>
+              <a:t>抽象类是不能实例化对象的，而一个类不能实例化是没有意义的，所以，需要定义类来继承抽象类，而如果一个类继承了抽象类，则其必须重写其抽象方法（变不完整为完整），除非该类也声明为抽象类。</a:t>
+            </a:r>
+            <a:endParaRPr lang="zh-CN" altLang="en-US" sz="1600">
+              <a:latin typeface="宋体" panose="02010600030101010101" pitchFamily="2" charset="-122"/>
+              <a:ea typeface="宋体" panose="02010600030101010101" pitchFamily="2" charset="-122"/>
+              <a:cs typeface="宋体" panose="02010600030101010101" pitchFamily="2" charset="-122"/>
+            </a:endParaRPr>
+          </a:p>
+          <a:p>
+            <a:endParaRPr lang="zh-CN" altLang="en-US" sz="1600">
+              <a:latin typeface="宋体" panose="02010600030101010101" pitchFamily="2" charset="-122"/>
+              <a:ea typeface="宋体" panose="02010600030101010101" pitchFamily="2" charset="-122"/>
+              <a:cs typeface="宋体" panose="02010600030101010101" pitchFamily="2" charset="-122"/>
+            </a:endParaRPr>
+          </a:p>
+          <a:p>
+            <a:r>
+              <a:rPr lang="zh-CN" altLang="en-US" sz="1600">
+                <a:latin typeface="宋体" panose="02010600030101010101" pitchFamily="2" charset="-122"/>
+                <a:ea typeface="宋体" panose="02010600030101010101" pitchFamily="2" charset="-122"/>
+                <a:cs typeface="宋体" panose="02010600030101010101" pitchFamily="2" charset="-122"/>
+              </a:rPr>
+              <a:t>抽象类不可以实例化(不能new对象)</a:t>
+            </a:r>
+            <a:endParaRPr lang="zh-CN" altLang="en-US" sz="1600">
+              <a:latin typeface="宋体" panose="02010600030101010101" pitchFamily="2" charset="-122"/>
+              <a:ea typeface="宋体" panose="02010600030101010101" pitchFamily="2" charset="-122"/>
+              <a:cs typeface="宋体" panose="02010600030101010101" pitchFamily="2" charset="-122"/>
+            </a:endParaRPr>
+          </a:p>
+          <a:p>
+            <a:endParaRPr lang="zh-CN" altLang="en-US" sz="1600">
+              <a:latin typeface="宋体" panose="02010600030101010101" pitchFamily="2" charset="-122"/>
+              <a:ea typeface="宋体" panose="02010600030101010101" pitchFamily="2" charset="-122"/>
+              <a:cs typeface="宋体" panose="02010600030101010101" pitchFamily="2" charset="-122"/>
+            </a:endParaRPr>
+          </a:p>
+          <a:p>
+            <a:r>
+              <a:rPr lang="zh-CN" altLang="en-US" sz="1600">
+                <a:latin typeface="宋体" panose="02010600030101010101" pitchFamily="2" charset="-122"/>
+                <a:ea typeface="宋体" panose="02010600030101010101" pitchFamily="2" charset="-122"/>
+                <a:cs typeface="宋体" panose="02010600030101010101" pitchFamily="2" charset="-122"/>
+              </a:rPr>
+              <a:t>即使一个类中没有抽象方法，也可以将其定义为抽象类，同样，该类不可以实例化。</a:t>
+            </a:r>
+            <a:endParaRPr lang="zh-CN" altLang="en-US" sz="1600">
+              <a:latin typeface="宋体" panose="02010600030101010101" pitchFamily="2" charset="-122"/>
+              <a:ea typeface="宋体" panose="02010600030101010101" pitchFamily="2" charset="-122"/>
+              <a:cs typeface="宋体" panose="02010600030101010101" pitchFamily="2" charset="-122"/>
+            </a:endParaRPr>
+          </a:p>
+          <a:p>
+            <a:r>
+              <a:rPr lang="zh-CN" altLang="en-US" sz="1600">
+                <a:latin typeface="宋体" panose="02010600030101010101" pitchFamily="2" charset="-122"/>
+                <a:ea typeface="宋体" panose="02010600030101010101" pitchFamily="2" charset="-122"/>
+                <a:cs typeface="宋体" panose="02010600030101010101" pitchFamily="2" charset="-122"/>
+              </a:rPr>
+              <a:t>需要注意一点：abstract和final关键字不可以同时用于修饰一个类，因为final关键字使得类不可继承，而abstract修饰的类如果不可以继承将没有任何意义。两者放在一起，会起冲突。</a:t>
+            </a:r>
+            <a:endParaRPr lang="zh-CN" altLang="en-US" sz="1600">
+              <a:latin typeface="宋体" panose="02010600030101010101" pitchFamily="2" charset="-122"/>
+              <a:ea typeface="宋体" panose="02010600030101010101" pitchFamily="2" charset="-122"/>
+              <a:cs typeface="宋体" panose="02010600030101010101" pitchFamily="2" charset="-122"/>
+            </a:endParaRPr>
+          </a:p>
+          <a:p>
+            <a:endParaRPr lang="zh-CN" altLang="en-US" sz="1600">
+              <a:latin typeface="宋体" panose="02010600030101010101" pitchFamily="2" charset="-122"/>
+              <a:ea typeface="宋体" panose="02010600030101010101" pitchFamily="2" charset="-122"/>
+              <a:cs typeface="宋体" panose="02010600030101010101" pitchFamily="2" charset="-122"/>
+            </a:endParaRPr>
+          </a:p>
+          <a:p>
+            <a:r>
+              <a:rPr lang="zh-CN" altLang="en-US" sz="1600">
+                <a:latin typeface="宋体" panose="02010600030101010101" pitchFamily="2" charset="-122"/>
+                <a:ea typeface="宋体" panose="02010600030101010101" pitchFamily="2" charset="-122"/>
+                <a:cs typeface="宋体" panose="02010600030101010101" pitchFamily="2" charset="-122"/>
+              </a:rPr>
+              <a:t>抽象方法和抽象类都不完整,需要子类继承.(包含抽象方法的类必须是抽象类)</a:t>
+            </a:r>
+            <a:endParaRPr lang="zh-CN" altLang="en-US" sz="1600">
+              <a:latin typeface="宋体" panose="02010600030101010101" pitchFamily="2" charset="-122"/>
+              <a:ea typeface="宋体" panose="02010600030101010101" pitchFamily="2" charset="-122"/>
+              <a:cs typeface="宋体" panose="02010600030101010101" pitchFamily="2" charset="-122"/>
+            </a:endParaRPr>
+          </a:p>
+        </p:txBody>
+      </p:sp>
+      <p:sp>
+        <p:nvSpPr>
+          <p:cNvPr id="4" name="文本框 3"/>
+          <p:cNvSpPr txBox="1"/>
+          <p:nvPr/>
+        </p:nvSpPr>
+        <p:spPr>
+          <a:xfrm>
+            <a:off x="2094865" y="806450"/>
+            <a:ext cx="8425815" cy="583565"/>
+          </a:xfrm>
+          <a:prstGeom prst="rect">
+            <a:avLst/>
+          </a:prstGeom>
+          <a:noFill/>
+        </p:spPr>
+        <p:txBody>
+          <a:bodyPr wrap="square" rtlCol="0">
+            <a:spAutoFit/>
+          </a:bodyPr>
+          <a:p>
+            <a:r>
+              <a:rPr lang="zh-CN" altLang="en-US" sz="3200">
+                <a:sym typeface="+mn-ea"/>
+              </a:rPr>
+              <a:t> </a:t>
+            </a:r>
+            <a:r>
+              <a:rPr lang="zh-CN" altLang="en-US" sz="3200">
+                <a:sym typeface="+mn-ea"/>
+              </a:rPr>
+              <a:t>abstract </a:t>
+            </a:r>
+            <a:r>
+              <a:rPr lang="zh-CN" altLang="en-US" sz="3200">
+                <a:sym typeface="+mn-ea"/>
+              </a:rPr>
+              <a:t>抽象类和抽象方法</a:t>
+            </a:r>
+            <a:endParaRPr lang="zh-CN" altLang="en-US" sz="3200"/>
+          </a:p>
+        </p:txBody>
+      </p:sp>
+    </p:spTree>
+    <p:custDataLst>
+      <p:tags r:id="rId2"/>
+    </p:custDataLst>
+  </p:cSld>
+  <p:clrMapOvr>
+    <a:masterClrMapping/>
+  </p:clrMapOvr>
+</p:sld>
+</file>
+
+<file path=ppt/slides/slide29.xml><?xml version="1.0" encoding="utf-8"?>
+<p:sld xmlns:a="http://schemas.openxmlformats.org/drawingml/2006/main" xmlns:r="http://schemas.openxmlformats.org/officeDocument/2006/relationships" xmlns:p="http://schemas.openxmlformats.org/presentationml/2006/main">
+  <p:cSld>
+    <p:bg>
+      <p:bgPr>
+        <a:blipFill rotWithShape="1">
+          <a:blip r:embed="rId1"/>
+          <a:stretch>
+            <a:fillRect/>
+          </a:stretch>
+        </a:blipFill>
+        <a:effectLst/>
+      </p:bgPr>
+    </p:bg>
+    <p:spTree>
+      <p:nvGrpSpPr>
+        <p:cNvPr id="1" name=""/>
+        <p:cNvGrpSpPr/>
+        <p:nvPr/>
+      </p:nvGrpSpPr>
+      <p:grpSpPr/>
+      <p:sp>
+        <p:nvSpPr>
+          <p:cNvPr id="2" name="文本框 1"/>
+          <p:cNvSpPr txBox="1"/>
+          <p:nvPr/>
+        </p:nvSpPr>
+        <p:spPr>
+          <a:xfrm>
+            <a:off x="221615" y="828040"/>
+            <a:ext cx="11612245" cy="4523105"/>
+          </a:xfrm>
+          <a:prstGeom prst="rect">
+            <a:avLst/>
+          </a:prstGeom>
+          <a:noFill/>
+        </p:spPr>
+        <p:txBody>
+          <a:bodyPr wrap="square" rtlCol="0">
+            <a:spAutoFit/>
+          </a:bodyPr>
+          <a:p>
+            <a:r>
+              <a:rPr lang="zh-CN" altLang="en-US" sz="1600">
+                <a:latin typeface="宋体" panose="02010600030101010101" pitchFamily="2" charset="-122"/>
+                <a:ea typeface="宋体" panose="02010600030101010101" pitchFamily="2" charset="-122"/>
+                <a:cs typeface="宋体" panose="02010600030101010101" pitchFamily="2" charset="-122"/>
+              </a:rPr>
+              <a:t>抽象类的意义</a:t>
+            </a:r>
+            <a:endParaRPr lang="zh-CN" altLang="en-US" sz="1600">
+              <a:latin typeface="宋体" panose="02010600030101010101" pitchFamily="2" charset="-122"/>
+              <a:ea typeface="宋体" panose="02010600030101010101" pitchFamily="2" charset="-122"/>
+              <a:cs typeface="宋体" panose="02010600030101010101" pitchFamily="2" charset="-122"/>
+            </a:endParaRPr>
+          </a:p>
+          <a:p>
+            <a:endParaRPr lang="zh-CN" altLang="en-US" sz="1600">
+              <a:latin typeface="宋体" panose="02010600030101010101" pitchFamily="2" charset="-122"/>
+              <a:ea typeface="宋体" panose="02010600030101010101" pitchFamily="2" charset="-122"/>
+              <a:cs typeface="宋体" panose="02010600030101010101" pitchFamily="2" charset="-122"/>
+            </a:endParaRPr>
+          </a:p>
+          <a:p>
+            <a:r>
+              <a:rPr lang="zh-CN" altLang="en-US" sz="1600">
+                <a:latin typeface="宋体" panose="02010600030101010101" pitchFamily="2" charset="-122"/>
+                <a:ea typeface="宋体" panose="02010600030101010101" pitchFamily="2" charset="-122"/>
+                <a:cs typeface="宋体" panose="02010600030101010101" pitchFamily="2" charset="-122"/>
+              </a:rPr>
+              <a:t>定义抽象类的意义在于：</a:t>
+            </a:r>
+            <a:endParaRPr lang="zh-CN" altLang="en-US" sz="1600">
+              <a:latin typeface="宋体" panose="02010600030101010101" pitchFamily="2" charset="-122"/>
+              <a:ea typeface="宋体" panose="02010600030101010101" pitchFamily="2" charset="-122"/>
+              <a:cs typeface="宋体" panose="02010600030101010101" pitchFamily="2" charset="-122"/>
+            </a:endParaRPr>
+          </a:p>
+          <a:p>
+            <a:endParaRPr lang="zh-CN" altLang="en-US" sz="1600">
+              <a:latin typeface="宋体" panose="02010600030101010101" pitchFamily="2" charset="-122"/>
+              <a:ea typeface="宋体" panose="02010600030101010101" pitchFamily="2" charset="-122"/>
+              <a:cs typeface="宋体" panose="02010600030101010101" pitchFamily="2" charset="-122"/>
+            </a:endParaRPr>
+          </a:p>
+          <a:p>
+            <a:r>
+              <a:rPr lang="zh-CN" altLang="en-US" sz="1600">
+                <a:latin typeface="宋体" panose="02010600030101010101" pitchFamily="2" charset="-122"/>
+                <a:ea typeface="宋体" panose="02010600030101010101" pitchFamily="2" charset="-122"/>
+                <a:cs typeface="宋体" panose="02010600030101010101" pitchFamily="2" charset="-122"/>
+              </a:rPr>
+              <a:t>为其子类提供一个公共的类型（父类引用指向子类对象）；</a:t>
+            </a:r>
+            <a:endParaRPr lang="zh-CN" altLang="en-US" sz="1600">
+              <a:latin typeface="宋体" panose="02010600030101010101" pitchFamily="2" charset="-122"/>
+              <a:ea typeface="宋体" panose="02010600030101010101" pitchFamily="2" charset="-122"/>
+              <a:cs typeface="宋体" panose="02010600030101010101" pitchFamily="2" charset="-122"/>
+            </a:endParaRPr>
+          </a:p>
+          <a:p>
+            <a:r>
+              <a:rPr lang="zh-CN" altLang="en-US" sz="1600">
+                <a:latin typeface="宋体" panose="02010600030101010101" pitchFamily="2" charset="-122"/>
+                <a:ea typeface="宋体" panose="02010600030101010101" pitchFamily="2" charset="-122"/>
+                <a:cs typeface="宋体" panose="02010600030101010101" pitchFamily="2" charset="-122"/>
+              </a:rPr>
+              <a:t>	父类不能new对象,父类引用指向子类对象</a:t>
+            </a:r>
+            <a:endParaRPr lang="zh-CN" altLang="en-US" sz="1600">
+              <a:latin typeface="宋体" panose="02010600030101010101" pitchFamily="2" charset="-122"/>
+              <a:ea typeface="宋体" panose="02010600030101010101" pitchFamily="2" charset="-122"/>
+              <a:cs typeface="宋体" panose="02010600030101010101" pitchFamily="2" charset="-122"/>
+            </a:endParaRPr>
+          </a:p>
+          <a:p>
+            <a:endParaRPr lang="zh-CN" altLang="en-US" sz="1600">
+              <a:latin typeface="宋体" panose="02010600030101010101" pitchFamily="2" charset="-122"/>
+              <a:ea typeface="宋体" panose="02010600030101010101" pitchFamily="2" charset="-122"/>
+              <a:cs typeface="宋体" panose="02010600030101010101" pitchFamily="2" charset="-122"/>
+            </a:endParaRPr>
+          </a:p>
+          <a:p>
+            <a:r>
+              <a:rPr lang="zh-CN" altLang="en-US" sz="1600">
+                <a:latin typeface="宋体" panose="02010600030101010101" pitchFamily="2" charset="-122"/>
+                <a:ea typeface="宋体" panose="02010600030101010101" pitchFamily="2" charset="-122"/>
+                <a:cs typeface="宋体" panose="02010600030101010101" pitchFamily="2" charset="-122"/>
+              </a:rPr>
+              <a:t>封装所有子类中的重复内容（成员变量和方法）;</a:t>
+            </a:r>
+            <a:endParaRPr lang="zh-CN" altLang="en-US" sz="1600">
+              <a:latin typeface="宋体" panose="02010600030101010101" pitchFamily="2" charset="-122"/>
+              <a:ea typeface="宋体" panose="02010600030101010101" pitchFamily="2" charset="-122"/>
+              <a:cs typeface="宋体" panose="02010600030101010101" pitchFamily="2" charset="-122"/>
+            </a:endParaRPr>
+          </a:p>
+          <a:p>
+            <a:r>
+              <a:rPr lang="zh-CN" altLang="en-US" sz="1600">
+                <a:latin typeface="宋体" panose="02010600030101010101" pitchFamily="2" charset="-122"/>
+                <a:ea typeface="宋体" panose="02010600030101010101" pitchFamily="2" charset="-122"/>
+                <a:cs typeface="宋体" panose="02010600030101010101" pitchFamily="2" charset="-122"/>
+              </a:rPr>
+              <a:t>	只要是子类中公共的东西,都要放在父类中</a:t>
+            </a:r>
+            <a:endParaRPr lang="zh-CN" altLang="en-US" sz="1600">
+              <a:latin typeface="宋体" panose="02010600030101010101" pitchFamily="2" charset="-122"/>
+              <a:ea typeface="宋体" panose="02010600030101010101" pitchFamily="2" charset="-122"/>
+              <a:cs typeface="宋体" panose="02010600030101010101" pitchFamily="2" charset="-122"/>
+            </a:endParaRPr>
+          </a:p>
+          <a:p>
+            <a:r>
+              <a:rPr lang="zh-CN" altLang="en-US" sz="1600">
+                <a:latin typeface="宋体" panose="02010600030101010101" pitchFamily="2" charset="-122"/>
+                <a:ea typeface="宋体" panose="02010600030101010101" pitchFamily="2" charset="-122"/>
+                <a:cs typeface="宋体" panose="02010600030101010101" pitchFamily="2" charset="-122"/>
+              </a:rPr>
+              <a:t>	若所有子类的实现一样,即为普通方法</a:t>
+            </a:r>
+            <a:endParaRPr lang="zh-CN" altLang="en-US" sz="1600">
+              <a:latin typeface="宋体" panose="02010600030101010101" pitchFamily="2" charset="-122"/>
+              <a:ea typeface="宋体" panose="02010600030101010101" pitchFamily="2" charset="-122"/>
+              <a:cs typeface="宋体" panose="02010600030101010101" pitchFamily="2" charset="-122"/>
+            </a:endParaRPr>
+          </a:p>
+          <a:p>
+            <a:r>
+              <a:rPr lang="zh-CN" altLang="en-US" sz="1600">
+                <a:latin typeface="宋体" panose="02010600030101010101" pitchFamily="2" charset="-122"/>
+                <a:ea typeface="宋体" panose="02010600030101010101" pitchFamily="2" charset="-122"/>
+                <a:cs typeface="宋体" panose="02010600030101010101" pitchFamily="2" charset="-122"/>
+              </a:rPr>
+              <a:t>	若所有子类的实现不一样,即为抽象方法</a:t>
+            </a:r>
+            <a:endParaRPr lang="zh-CN" altLang="en-US" sz="1600">
+              <a:latin typeface="宋体" panose="02010600030101010101" pitchFamily="2" charset="-122"/>
+              <a:ea typeface="宋体" panose="02010600030101010101" pitchFamily="2" charset="-122"/>
+              <a:cs typeface="宋体" panose="02010600030101010101" pitchFamily="2" charset="-122"/>
+            </a:endParaRPr>
+          </a:p>
+          <a:p>
+            <a:endParaRPr lang="zh-CN" altLang="en-US" sz="1600">
+              <a:latin typeface="宋体" panose="02010600030101010101" pitchFamily="2" charset="-122"/>
+              <a:ea typeface="宋体" panose="02010600030101010101" pitchFamily="2" charset="-122"/>
+              <a:cs typeface="宋体" panose="02010600030101010101" pitchFamily="2" charset="-122"/>
+            </a:endParaRPr>
+          </a:p>
+          <a:p>
+            <a:r>
+              <a:rPr lang="zh-CN" altLang="en-US" sz="1600">
+                <a:latin typeface="宋体" panose="02010600030101010101" pitchFamily="2" charset="-122"/>
+                <a:ea typeface="宋体" panose="02010600030101010101" pitchFamily="2" charset="-122"/>
+                <a:cs typeface="宋体" panose="02010600030101010101" pitchFamily="2" charset="-122"/>
+              </a:rPr>
+              <a:t>定义有抽象方法，子类虽然有不同的实现，但该方法的定义是一致的。(子类需要实现此抽象方法)。</a:t>
+            </a:r>
+            <a:endParaRPr lang="zh-CN" altLang="en-US" sz="1600">
+              <a:latin typeface="宋体" panose="02010600030101010101" pitchFamily="2" charset="-122"/>
+              <a:ea typeface="宋体" panose="02010600030101010101" pitchFamily="2" charset="-122"/>
+              <a:cs typeface="宋体" panose="02010600030101010101" pitchFamily="2" charset="-122"/>
+            </a:endParaRPr>
+          </a:p>
+          <a:p>
+            <a:endParaRPr lang="zh-CN" altLang="en-US" sz="1600">
+              <a:latin typeface="宋体" panose="02010600030101010101" pitchFamily="2" charset="-122"/>
+              <a:ea typeface="宋体" panose="02010600030101010101" pitchFamily="2" charset="-122"/>
+              <a:cs typeface="宋体" panose="02010600030101010101" pitchFamily="2" charset="-122"/>
+            </a:endParaRPr>
+          </a:p>
+          <a:p>
+            <a:r>
+              <a:rPr lang="zh-CN" altLang="en-US" sz="1600">
+                <a:latin typeface="宋体" panose="02010600030101010101" pitchFamily="2" charset="-122"/>
+                <a:ea typeface="宋体" panose="02010600030101010101" pitchFamily="2" charset="-122"/>
+                <a:cs typeface="宋体" panose="02010600030101010101" pitchFamily="2" charset="-122"/>
+              </a:rPr>
+              <a:t>抽象类中的方法不全是抽象方法,也可以是具体的方法(一般方法)</a:t>
+            </a:r>
+            <a:endParaRPr lang="zh-CN" altLang="en-US" sz="1600">
+              <a:latin typeface="宋体" panose="02010600030101010101" pitchFamily="2" charset="-122"/>
+              <a:ea typeface="宋体" panose="02010600030101010101" pitchFamily="2" charset="-122"/>
+              <a:cs typeface="宋体" panose="02010600030101010101" pitchFamily="2" charset="-122"/>
+            </a:endParaRPr>
+          </a:p>
+          <a:p>
+            <a:endParaRPr lang="zh-CN" altLang="en-US" sz="1600">
+              <a:latin typeface="宋体" panose="02010600030101010101" pitchFamily="2" charset="-122"/>
+              <a:ea typeface="宋体" panose="02010600030101010101" pitchFamily="2" charset="-122"/>
+              <a:cs typeface="宋体" panose="02010600030101010101" pitchFamily="2" charset="-122"/>
+            </a:endParaRPr>
+          </a:p>
+          <a:p>
+            <a:r>
+              <a:rPr lang="zh-CN" altLang="en-US" sz="1600">
+                <a:latin typeface="宋体" panose="02010600030101010101" pitchFamily="2" charset="-122"/>
+                <a:ea typeface="宋体" panose="02010600030101010101" pitchFamily="2" charset="-122"/>
+                <a:cs typeface="宋体" panose="02010600030101010101" pitchFamily="2" charset="-122"/>
+              </a:rPr>
+              <a:t>1.看是否要写成抽象类(看是否必须new出该类的具体对象)</a:t>
+            </a:r>
+            <a:endParaRPr lang="zh-CN" altLang="en-US" sz="1600">
+              <a:latin typeface="宋体" panose="02010600030101010101" pitchFamily="2" charset="-122"/>
+              <a:ea typeface="宋体" panose="02010600030101010101" pitchFamily="2" charset="-122"/>
+              <a:cs typeface="宋体" panose="02010600030101010101" pitchFamily="2" charset="-122"/>
+            </a:endParaRPr>
+          </a:p>
+          <a:p>
+            <a:r>
+              <a:rPr lang="zh-CN" altLang="en-US" sz="1600">
+                <a:latin typeface="宋体" panose="02010600030101010101" pitchFamily="2" charset="-122"/>
+                <a:ea typeface="宋体" panose="02010600030101010101" pitchFamily="2" charset="-122"/>
+                <a:cs typeface="宋体" panose="02010600030101010101" pitchFamily="2" charset="-122"/>
+              </a:rPr>
+              <a:t>2.看哪些方法要写成抽象方法,哪些方法要写成具体方法</a:t>
+            </a:r>
+            <a:endParaRPr lang="zh-CN" altLang="en-US" sz="1600">
+              <a:latin typeface="宋体" panose="02010600030101010101" pitchFamily="2" charset="-122"/>
+              <a:ea typeface="宋体" panose="02010600030101010101" pitchFamily="2" charset="-122"/>
+              <a:cs typeface="宋体" panose="02010600030101010101" pitchFamily="2" charset="-122"/>
+            </a:endParaRPr>
+          </a:p>
+        </p:txBody>
+      </p:sp>
+    </p:spTree>
+    <p:custDataLst>
+      <p:tags r:id="rId2"/>
+    </p:custDataLst>
+  </p:cSld>
+  <p:clrMapOvr>
+    <a:masterClrMapping/>
+  </p:clrMapOvr>
+</p:sld>
+</file>
+
+<file path=ppt/slides/slide3.xml><?xml version="1.0" encoding="utf-8"?>
 <p:sld xmlns:a="http://schemas.openxmlformats.org/drawingml/2006/main" xmlns:r="http://schemas.openxmlformats.org/officeDocument/2006/relationships" xmlns:p="http://schemas.openxmlformats.org/presentationml/2006/main">
   <p:cSld>
     <p:bg>
@@ -11078,11 +15195,19 @@
                   <a:srgbClr val="FF0000"/>
                 </a:solidFill>
               </a:rPr>
-              <a:t>类是一种新的数据类型</a:t>
+              <a:t>类是一种 </a:t>
+            </a:r>
+            <a:r>
+              <a:rPr lang="zh-CN" altLang="en-US" sz="1600">
+                <a:solidFill>
+                  <a:srgbClr val="00B050"/>
+                </a:solidFill>
+              </a:rPr>
+              <a:t>新的数据类型</a:t>
             </a:r>
             <a:endParaRPr lang="zh-CN" altLang="en-US" sz="1600">
               <a:solidFill>
-                <a:srgbClr val="FF0000"/>
+                <a:srgbClr val="00B050"/>
               </a:solidFill>
             </a:endParaRPr>
           </a:p>
@@ -11099,2401 +15224,7 @@
 </p:sld>
 </file>
 
-<file path=ppt/slides/slide20.xml><?xml version="1.0" encoding="utf-8"?>
-<p:sld xmlns:a="http://schemas.openxmlformats.org/drawingml/2006/main" xmlns:r="http://schemas.openxmlformats.org/officeDocument/2006/relationships" xmlns:p="http://schemas.openxmlformats.org/presentationml/2006/main">
-  <p:cSld>
-    <p:bg>
-      <p:bgPr>
-        <a:blipFill rotWithShape="1">
-          <a:blip r:embed="rId1"/>
-          <a:stretch>
-            <a:fillRect/>
-          </a:stretch>
-        </a:blipFill>
-        <a:effectLst/>
-      </p:bgPr>
-    </p:bg>
-    <p:spTree>
-      <p:nvGrpSpPr>
-        <p:cNvPr id="1" name=""/>
-        <p:cNvGrpSpPr/>
-        <p:nvPr/>
-      </p:nvGrpSpPr>
-      <p:grpSpPr/>
-      <p:sp>
-        <p:nvSpPr>
-          <p:cNvPr id="2" name="文本框 1"/>
-          <p:cNvSpPr txBox="1"/>
-          <p:nvPr/>
-        </p:nvSpPr>
-        <p:spPr>
-          <a:xfrm>
-            <a:off x="194310" y="782955"/>
-            <a:ext cx="11757660" cy="1568450"/>
-          </a:xfrm>
-          <a:prstGeom prst="rect">
-            <a:avLst/>
-          </a:prstGeom>
-          <a:noFill/>
-        </p:spPr>
-        <p:txBody>
-          <a:bodyPr wrap="square" rtlCol="0">
-            <a:spAutoFit/>
-          </a:bodyPr>
-          <a:p>
-            <a:r>
-              <a:rPr lang="zh-CN" altLang="en-US" sz="1600">
-                <a:latin typeface="宋体" panose="02010600030101010101" pitchFamily="2" charset="-122"/>
-                <a:ea typeface="宋体" panose="02010600030101010101" pitchFamily="2" charset="-122"/>
-                <a:cs typeface="宋体" panose="02010600030101010101" pitchFamily="2" charset="-122"/>
-              </a:rPr>
-              <a:t>方法重载(overload)和重写(override)的区别</a:t>
-            </a:r>
-            <a:endParaRPr lang="zh-CN" altLang="en-US" sz="1600">
-              <a:latin typeface="宋体" panose="02010600030101010101" pitchFamily="2" charset="-122"/>
-              <a:ea typeface="宋体" panose="02010600030101010101" pitchFamily="2" charset="-122"/>
-              <a:cs typeface="宋体" panose="02010600030101010101" pitchFamily="2" charset="-122"/>
-            </a:endParaRPr>
-          </a:p>
-          <a:p>
-            <a:endParaRPr lang="zh-CN" altLang="en-US" sz="1600">
-              <a:latin typeface="宋体" panose="02010600030101010101" pitchFamily="2" charset="-122"/>
-              <a:ea typeface="宋体" panose="02010600030101010101" pitchFamily="2" charset="-122"/>
-              <a:cs typeface="宋体" panose="02010600030101010101" pitchFamily="2" charset="-122"/>
-            </a:endParaRPr>
-          </a:p>
-          <a:p>
-            <a:r>
-              <a:rPr lang="zh-CN" altLang="en-US" sz="1600">
-                <a:latin typeface="宋体" panose="02010600030101010101" pitchFamily="2" charset="-122"/>
-                <a:ea typeface="宋体" panose="02010600030101010101" pitchFamily="2" charset="-122"/>
-                <a:cs typeface="宋体" panose="02010600030101010101" pitchFamily="2" charset="-122"/>
-              </a:rPr>
-              <a:t>方法重载的要求是两同一个不同，即同一类中方法名相同，参数列表不同。其中，同一类中是指两个方法可以是同一个类中声明的，或者是继承来的，抑或一个是声明的，另一个是继承来的；方法的重写要遵循“两同两小一大”规则，“两同”即方法名相同，形参列表相同；“两小”指的是子类方法返回值类型应比父类方法返回值类型更小或相等，子类方法声明抛出的异常类应比父类方法声明抛出的异常类更小或相等；“一大”指的是子类方法的访问权限应比父类方法的访问权限更大或相等。</a:t>
-            </a:r>
-            <a:endParaRPr lang="zh-CN" altLang="en-US" sz="1600">
-              <a:latin typeface="宋体" panose="02010600030101010101" pitchFamily="2" charset="-122"/>
-              <a:ea typeface="宋体" panose="02010600030101010101" pitchFamily="2" charset="-122"/>
-              <a:cs typeface="宋体" panose="02010600030101010101" pitchFamily="2" charset="-122"/>
-            </a:endParaRPr>
-          </a:p>
-        </p:txBody>
-      </p:sp>
-    </p:spTree>
-    <p:custDataLst>
-      <p:tags r:id="rId2"/>
-    </p:custDataLst>
-  </p:cSld>
-  <p:clrMapOvr>
-    <a:masterClrMapping/>
-  </p:clrMapOvr>
-</p:sld>
-</file>
-
-<file path=ppt/slides/slide21.xml><?xml version="1.0" encoding="utf-8"?>
-<p:sld xmlns:a="http://schemas.openxmlformats.org/drawingml/2006/main" xmlns:r="http://schemas.openxmlformats.org/officeDocument/2006/relationships" xmlns:p="http://schemas.openxmlformats.org/presentationml/2006/main">
-  <p:cSld>
-    <p:bg>
-      <p:bgPr>
-        <a:blipFill rotWithShape="1">
-          <a:blip r:embed="rId1"/>
-          <a:stretch>
-            <a:fillRect/>
-          </a:stretch>
-        </a:blipFill>
-        <a:effectLst/>
-      </p:bgPr>
-    </p:bg>
-    <p:spTree>
-      <p:nvGrpSpPr>
-        <p:cNvPr id="1" name=""/>
-        <p:cNvGrpSpPr/>
-        <p:nvPr/>
-      </p:nvGrpSpPr>
-      <p:grpSpPr/>
-      <p:sp>
-        <p:nvSpPr>
-          <p:cNvPr id="2" name="文本框 1"/>
-          <p:cNvSpPr txBox="1"/>
-          <p:nvPr/>
-        </p:nvSpPr>
-        <p:spPr>
-          <a:xfrm>
-            <a:off x="312420" y="828040"/>
-            <a:ext cx="11630660" cy="5015865"/>
-          </a:xfrm>
-          <a:prstGeom prst="rect">
-            <a:avLst/>
-          </a:prstGeom>
-          <a:noFill/>
-        </p:spPr>
-        <p:txBody>
-          <a:bodyPr wrap="square" rtlCol="0">
-            <a:spAutoFit/>
-          </a:bodyPr>
-          <a:p>
-            <a:r>
-              <a:rPr lang="zh-CN" altLang="en-US" sz="1600">
-                <a:latin typeface="宋体" panose="02010600030101010101" pitchFamily="2" charset="-122"/>
-                <a:ea typeface="宋体" panose="02010600030101010101" pitchFamily="2" charset="-122"/>
-                <a:cs typeface="宋体" panose="02010600030101010101" pitchFamily="2" charset="-122"/>
-              </a:rPr>
-              <a:t>对象是对类的实例化。对象具有状态和行为，变量用来表明对象的状态，方法表明对象所具有的行为。Java 对象的生命周期包括创建、使用和清除，本文详细介绍对象的创建，在 Java 语言中创建对象分</a:t>
-            </a:r>
-            <a:r>
-              <a:rPr lang="zh-CN" altLang="en-US" sz="1600">
-                <a:solidFill>
-                  <a:srgbClr val="FF0000"/>
-                </a:solidFill>
-                <a:latin typeface="宋体" panose="02010600030101010101" pitchFamily="2" charset="-122"/>
-                <a:ea typeface="宋体" panose="02010600030101010101" pitchFamily="2" charset="-122"/>
-                <a:cs typeface="宋体" panose="02010600030101010101" pitchFamily="2" charset="-122"/>
-              </a:rPr>
-              <a:t>显式创建与隐含创建</a:t>
-            </a:r>
-            <a:r>
-              <a:rPr lang="zh-CN" altLang="en-US" sz="1600">
-                <a:latin typeface="宋体" panose="02010600030101010101" pitchFamily="2" charset="-122"/>
-                <a:ea typeface="宋体" panose="02010600030101010101" pitchFamily="2" charset="-122"/>
-                <a:cs typeface="宋体" panose="02010600030101010101" pitchFamily="2" charset="-122"/>
-              </a:rPr>
-              <a:t>两种情况。</a:t>
-            </a:r>
-            <a:endParaRPr lang="zh-CN" altLang="en-US" sz="1600">
-              <a:latin typeface="宋体" panose="02010600030101010101" pitchFamily="2" charset="-122"/>
-              <a:ea typeface="宋体" panose="02010600030101010101" pitchFamily="2" charset="-122"/>
-              <a:cs typeface="宋体" panose="02010600030101010101" pitchFamily="2" charset="-122"/>
-            </a:endParaRPr>
-          </a:p>
-          <a:p>
-            <a:endParaRPr lang="zh-CN" altLang="en-US" sz="1600">
-              <a:latin typeface="宋体" panose="02010600030101010101" pitchFamily="2" charset="-122"/>
-              <a:ea typeface="宋体" panose="02010600030101010101" pitchFamily="2" charset="-122"/>
-              <a:cs typeface="宋体" panose="02010600030101010101" pitchFamily="2" charset="-122"/>
-            </a:endParaRPr>
-          </a:p>
-          <a:p>
-            <a:r>
-              <a:rPr lang="zh-CN" altLang="en-US" sz="1600">
-                <a:latin typeface="宋体" panose="02010600030101010101" pitchFamily="2" charset="-122"/>
-                <a:ea typeface="宋体" panose="02010600030101010101" pitchFamily="2" charset="-122"/>
-                <a:cs typeface="宋体" panose="02010600030101010101" pitchFamily="2" charset="-122"/>
-              </a:rPr>
-              <a:t>对象的显式创建方式有 4 种。</a:t>
-            </a:r>
-            <a:endParaRPr lang="zh-CN" altLang="en-US" sz="1600">
-              <a:latin typeface="宋体" panose="02010600030101010101" pitchFamily="2" charset="-122"/>
-              <a:ea typeface="宋体" panose="02010600030101010101" pitchFamily="2" charset="-122"/>
-              <a:cs typeface="宋体" panose="02010600030101010101" pitchFamily="2" charset="-122"/>
-            </a:endParaRPr>
-          </a:p>
-          <a:p>
-            <a:r>
-              <a:rPr lang="zh-CN" altLang="en-US" sz="1600">
-                <a:latin typeface="宋体" panose="02010600030101010101" pitchFamily="2" charset="-122"/>
-                <a:ea typeface="宋体" panose="02010600030101010101" pitchFamily="2" charset="-122"/>
-                <a:cs typeface="宋体" panose="02010600030101010101" pitchFamily="2" charset="-122"/>
-              </a:rPr>
-              <a:t>1. 使用 new 关键字创建对象</a:t>
-            </a:r>
-            <a:endParaRPr lang="zh-CN" altLang="en-US" sz="1600">
-              <a:latin typeface="宋体" panose="02010600030101010101" pitchFamily="2" charset="-122"/>
-              <a:ea typeface="宋体" panose="02010600030101010101" pitchFamily="2" charset="-122"/>
-              <a:cs typeface="宋体" panose="02010600030101010101" pitchFamily="2" charset="-122"/>
-            </a:endParaRPr>
-          </a:p>
-          <a:p>
-            <a:r>
-              <a:rPr lang="zh-CN" altLang="en-US" sz="1600">
-                <a:latin typeface="宋体" panose="02010600030101010101" pitchFamily="2" charset="-122"/>
-                <a:ea typeface="宋体" panose="02010600030101010101" pitchFamily="2" charset="-122"/>
-                <a:cs typeface="宋体" panose="02010600030101010101" pitchFamily="2" charset="-122"/>
-              </a:rPr>
-              <a:t>这是常用的创建对象的方法，语法格式如下：</a:t>
-            </a:r>
-            <a:endParaRPr lang="zh-CN" altLang="en-US" sz="1600">
-              <a:latin typeface="宋体" panose="02010600030101010101" pitchFamily="2" charset="-122"/>
-              <a:ea typeface="宋体" panose="02010600030101010101" pitchFamily="2" charset="-122"/>
-              <a:cs typeface="宋体" panose="02010600030101010101" pitchFamily="2" charset="-122"/>
-            </a:endParaRPr>
-          </a:p>
-          <a:p>
-            <a:r>
-              <a:rPr lang="zh-CN" altLang="en-US" sz="1600">
-                <a:latin typeface="宋体" panose="02010600030101010101" pitchFamily="2" charset="-122"/>
-                <a:ea typeface="宋体" panose="02010600030101010101" pitchFamily="2" charset="-122"/>
-                <a:cs typeface="宋体" panose="02010600030101010101" pitchFamily="2" charset="-122"/>
-              </a:rPr>
-              <a:t>类名 对象名 = new 类名()；</a:t>
-            </a:r>
-            <a:endParaRPr lang="zh-CN" altLang="en-US" sz="1600">
-              <a:latin typeface="宋体" panose="02010600030101010101" pitchFamily="2" charset="-122"/>
-              <a:ea typeface="宋体" panose="02010600030101010101" pitchFamily="2" charset="-122"/>
-              <a:cs typeface="宋体" panose="02010600030101010101" pitchFamily="2" charset="-122"/>
-            </a:endParaRPr>
-          </a:p>
-          <a:p>
-            <a:r>
-              <a:rPr lang="zh-CN" altLang="en-US" sz="1600">
-                <a:latin typeface="宋体" panose="02010600030101010101" pitchFamily="2" charset="-122"/>
-                <a:ea typeface="宋体" panose="02010600030101010101" pitchFamily="2" charset="-122"/>
-                <a:cs typeface="宋体" panose="02010600030101010101" pitchFamily="2" charset="-122"/>
-              </a:rPr>
-              <a:t>2. 调用 java.lang.Class 或者 java.lang.reflect.Constuctor 类的 newlnstance() 实例方法</a:t>
-            </a:r>
-            <a:endParaRPr lang="zh-CN" altLang="en-US" sz="1600">
-              <a:latin typeface="宋体" panose="02010600030101010101" pitchFamily="2" charset="-122"/>
-              <a:ea typeface="宋体" panose="02010600030101010101" pitchFamily="2" charset="-122"/>
-              <a:cs typeface="宋体" panose="02010600030101010101" pitchFamily="2" charset="-122"/>
-            </a:endParaRPr>
-          </a:p>
-          <a:p>
-            <a:r>
-              <a:rPr lang="zh-CN" altLang="en-US" sz="1600">
-                <a:latin typeface="宋体" panose="02010600030101010101" pitchFamily="2" charset="-122"/>
-                <a:ea typeface="宋体" panose="02010600030101010101" pitchFamily="2" charset="-122"/>
-                <a:cs typeface="宋体" panose="02010600030101010101" pitchFamily="2" charset="-122"/>
-              </a:rPr>
-              <a:t>在 Java 中，可以使用 java.lang.Class 或者 java.lang.reflect.Constuctor 类的 newlnstance() 实例方法来创建对象，代码格式如下：</a:t>
-            </a:r>
-            <a:endParaRPr lang="zh-CN" altLang="en-US" sz="1600">
-              <a:latin typeface="宋体" panose="02010600030101010101" pitchFamily="2" charset="-122"/>
-              <a:ea typeface="宋体" panose="02010600030101010101" pitchFamily="2" charset="-122"/>
-              <a:cs typeface="宋体" panose="02010600030101010101" pitchFamily="2" charset="-122"/>
-            </a:endParaRPr>
-          </a:p>
-          <a:p>
-            <a:r>
-              <a:rPr lang="zh-CN" altLang="en-US" sz="1600">
-                <a:latin typeface="宋体" panose="02010600030101010101" pitchFamily="2" charset="-122"/>
-                <a:ea typeface="宋体" panose="02010600030101010101" pitchFamily="2" charset="-122"/>
-                <a:cs typeface="宋体" panose="02010600030101010101" pitchFamily="2" charset="-122"/>
-              </a:rPr>
-              <a:t>java.lang.Class Class 类对象名称 = java.lang.Class.forName(要实例化的类全称);</a:t>
-            </a:r>
-            <a:endParaRPr lang="zh-CN" altLang="en-US" sz="1600">
-              <a:latin typeface="宋体" panose="02010600030101010101" pitchFamily="2" charset="-122"/>
-              <a:ea typeface="宋体" panose="02010600030101010101" pitchFamily="2" charset="-122"/>
-              <a:cs typeface="宋体" panose="02010600030101010101" pitchFamily="2" charset="-122"/>
-            </a:endParaRPr>
-          </a:p>
-          <a:p>
-            <a:r>
-              <a:rPr lang="zh-CN" altLang="en-US" sz="1600">
-                <a:latin typeface="宋体" panose="02010600030101010101" pitchFamily="2" charset="-122"/>
-                <a:ea typeface="宋体" panose="02010600030101010101" pitchFamily="2" charset="-122"/>
-                <a:cs typeface="宋体" panose="02010600030101010101" pitchFamily="2" charset="-122"/>
-              </a:rPr>
-              <a:t>类名 对象名 = (类名)Class类对象名称.newInstance();</a:t>
-            </a:r>
-            <a:endParaRPr lang="zh-CN" altLang="en-US" sz="1600">
-              <a:latin typeface="宋体" panose="02010600030101010101" pitchFamily="2" charset="-122"/>
-              <a:ea typeface="宋体" panose="02010600030101010101" pitchFamily="2" charset="-122"/>
-              <a:cs typeface="宋体" panose="02010600030101010101" pitchFamily="2" charset="-122"/>
-            </a:endParaRPr>
-          </a:p>
-          <a:p>
-            <a:endParaRPr lang="zh-CN" altLang="en-US" sz="1600">
-              <a:latin typeface="宋体" panose="02010600030101010101" pitchFamily="2" charset="-122"/>
-              <a:ea typeface="宋体" panose="02010600030101010101" pitchFamily="2" charset="-122"/>
-              <a:cs typeface="宋体" panose="02010600030101010101" pitchFamily="2" charset="-122"/>
-            </a:endParaRPr>
-          </a:p>
-          <a:p>
-            <a:r>
-              <a:rPr lang="zh-CN" altLang="en-US" sz="1600">
-                <a:latin typeface="宋体" panose="02010600030101010101" pitchFamily="2" charset="-122"/>
-                <a:ea typeface="宋体" panose="02010600030101010101" pitchFamily="2" charset="-122"/>
-                <a:cs typeface="宋体" panose="02010600030101010101" pitchFamily="2" charset="-122"/>
-              </a:rPr>
-              <a:t>调用 java.lang.Class 类中的 forName() 方法时，需要将要实例化的类的全称（比如 com.mxl.package.Student）作为参数传递过去，然后再调用 java.lang.Class 类对象的 newInstance() 方法创建对象。</a:t>
-            </a:r>
-            <a:endParaRPr lang="zh-CN" altLang="en-US" sz="1600">
-              <a:latin typeface="宋体" panose="02010600030101010101" pitchFamily="2" charset="-122"/>
-              <a:ea typeface="宋体" panose="02010600030101010101" pitchFamily="2" charset="-122"/>
-              <a:cs typeface="宋体" panose="02010600030101010101" pitchFamily="2" charset="-122"/>
-            </a:endParaRPr>
-          </a:p>
-          <a:p>
-            <a:r>
-              <a:rPr lang="zh-CN" altLang="en-US" sz="1600">
-                <a:latin typeface="宋体" panose="02010600030101010101" pitchFamily="2" charset="-122"/>
-                <a:ea typeface="宋体" panose="02010600030101010101" pitchFamily="2" charset="-122"/>
-                <a:cs typeface="宋体" panose="02010600030101010101" pitchFamily="2" charset="-122"/>
-              </a:rPr>
-              <a:t>3. 调用对象的 clone() 方法</a:t>
-            </a:r>
-            <a:endParaRPr lang="zh-CN" altLang="en-US" sz="1600">
-              <a:latin typeface="宋体" panose="02010600030101010101" pitchFamily="2" charset="-122"/>
-              <a:ea typeface="宋体" panose="02010600030101010101" pitchFamily="2" charset="-122"/>
-              <a:cs typeface="宋体" panose="02010600030101010101" pitchFamily="2" charset="-122"/>
-            </a:endParaRPr>
-          </a:p>
-          <a:p>
-            <a:r>
-              <a:rPr lang="zh-CN" altLang="en-US" sz="1600">
-                <a:latin typeface="宋体" panose="02010600030101010101" pitchFamily="2" charset="-122"/>
-                <a:ea typeface="宋体" panose="02010600030101010101" pitchFamily="2" charset="-122"/>
-                <a:cs typeface="宋体" panose="02010600030101010101" pitchFamily="2" charset="-122"/>
-              </a:rPr>
-              <a:t>该方法不常用，使用该方法创建对象时，要实例化的类必须继承 java.lang.Cloneable 接口。 调用对象的 clone() 方法创建对象的语法格式如下：</a:t>
-            </a:r>
-            <a:endParaRPr lang="zh-CN" altLang="en-US" sz="1600">
-              <a:latin typeface="宋体" panose="02010600030101010101" pitchFamily="2" charset="-122"/>
-              <a:ea typeface="宋体" panose="02010600030101010101" pitchFamily="2" charset="-122"/>
-              <a:cs typeface="宋体" panose="02010600030101010101" pitchFamily="2" charset="-122"/>
-            </a:endParaRPr>
-          </a:p>
-          <a:p>
-            <a:r>
-              <a:rPr lang="zh-CN" altLang="en-US" sz="1600">
-                <a:latin typeface="宋体" panose="02010600030101010101" pitchFamily="2" charset="-122"/>
-                <a:ea typeface="宋体" panose="02010600030101010101" pitchFamily="2" charset="-122"/>
-                <a:cs typeface="宋体" panose="02010600030101010101" pitchFamily="2" charset="-122"/>
-              </a:rPr>
-              <a:t>类名对象名 = (类名)已创建好的类对象名.clone();</a:t>
-            </a:r>
-            <a:endParaRPr lang="zh-CN" altLang="en-US" sz="1600">
-              <a:latin typeface="宋体" panose="02010600030101010101" pitchFamily="2" charset="-122"/>
-              <a:ea typeface="宋体" panose="02010600030101010101" pitchFamily="2" charset="-122"/>
-              <a:cs typeface="宋体" panose="02010600030101010101" pitchFamily="2" charset="-122"/>
-            </a:endParaRPr>
-          </a:p>
-          <a:p>
-            <a:r>
-              <a:rPr lang="zh-CN" altLang="en-US" sz="1600">
-                <a:latin typeface="宋体" panose="02010600030101010101" pitchFamily="2" charset="-122"/>
-                <a:ea typeface="宋体" panose="02010600030101010101" pitchFamily="2" charset="-122"/>
-                <a:cs typeface="宋体" panose="02010600030101010101" pitchFamily="2" charset="-122"/>
-              </a:rPr>
-              <a:t>4. 调用 java.io.ObjectlnputStream 对象的 readObject() 方法</a:t>
-            </a:r>
-            <a:endParaRPr lang="zh-CN" altLang="en-US" sz="1600">
-              <a:latin typeface="宋体" panose="02010600030101010101" pitchFamily="2" charset="-122"/>
-              <a:ea typeface="宋体" panose="02010600030101010101" pitchFamily="2" charset="-122"/>
-              <a:cs typeface="宋体" panose="02010600030101010101" pitchFamily="2" charset="-122"/>
-            </a:endParaRPr>
-          </a:p>
-        </p:txBody>
-      </p:sp>
-    </p:spTree>
-    <p:custDataLst>
-      <p:tags r:id="rId2"/>
-    </p:custDataLst>
-  </p:cSld>
-  <p:clrMapOvr>
-    <a:masterClrMapping/>
-  </p:clrMapOvr>
-</p:sld>
-</file>
-
-<file path=ppt/slides/slide22.xml><?xml version="1.0" encoding="utf-8"?>
-<p:sld xmlns:a="http://schemas.openxmlformats.org/drawingml/2006/main" xmlns:r="http://schemas.openxmlformats.org/officeDocument/2006/relationships" xmlns:p="http://schemas.openxmlformats.org/presentationml/2006/main">
-  <p:cSld>
-    <p:bg>
-      <p:bgPr>
-        <a:blipFill rotWithShape="1">
-          <a:blip r:embed="rId1"/>
-          <a:stretch>
-            <a:fillRect/>
-          </a:stretch>
-        </a:blipFill>
-        <a:effectLst/>
-      </p:bgPr>
-    </p:bg>
-    <p:spTree>
-      <p:nvGrpSpPr>
-        <p:cNvPr id="1" name=""/>
-        <p:cNvGrpSpPr/>
-        <p:nvPr/>
-      </p:nvGrpSpPr>
-      <p:grpSpPr/>
-      <p:sp>
-        <p:nvSpPr>
-          <p:cNvPr id="3" name="文本框 2"/>
-          <p:cNvSpPr txBox="1"/>
-          <p:nvPr/>
-        </p:nvSpPr>
-        <p:spPr>
-          <a:xfrm>
-            <a:off x="221615" y="791845"/>
-            <a:ext cx="11812270" cy="5754370"/>
-          </a:xfrm>
-          <a:prstGeom prst="rect">
-            <a:avLst/>
-          </a:prstGeom>
-          <a:noFill/>
-        </p:spPr>
-        <p:txBody>
-          <a:bodyPr wrap="square" rtlCol="0">
-            <a:spAutoFit/>
-          </a:bodyPr>
-          <a:p>
-            <a:r>
-              <a:rPr lang="zh-CN" altLang="en-US" sz="1600">
-                <a:latin typeface="宋体" panose="02010600030101010101" pitchFamily="2" charset="-122"/>
-                <a:ea typeface="宋体" panose="02010600030101010101" pitchFamily="2" charset="-122"/>
-                <a:cs typeface="宋体" panose="02010600030101010101" pitchFamily="2" charset="-122"/>
-              </a:rPr>
-              <a:t>隐含创建对象</a:t>
-            </a:r>
-            <a:endParaRPr lang="zh-CN" altLang="en-US" sz="1600">
-              <a:latin typeface="宋体" panose="02010600030101010101" pitchFamily="2" charset="-122"/>
-              <a:ea typeface="宋体" panose="02010600030101010101" pitchFamily="2" charset="-122"/>
-              <a:cs typeface="宋体" panose="02010600030101010101" pitchFamily="2" charset="-122"/>
-            </a:endParaRPr>
-          </a:p>
-          <a:p>
-            <a:r>
-              <a:rPr lang="zh-CN" altLang="en-US" sz="1600">
-                <a:latin typeface="宋体" panose="02010600030101010101" pitchFamily="2" charset="-122"/>
-                <a:ea typeface="宋体" panose="02010600030101010101" pitchFamily="2" charset="-122"/>
-                <a:cs typeface="宋体" panose="02010600030101010101" pitchFamily="2" charset="-122"/>
-              </a:rPr>
-              <a:t>除了显式创建对象以外，在 Java 程序中还可以隐含地创建对象，例如下面几种情况。</a:t>
-            </a:r>
-            <a:endParaRPr lang="zh-CN" altLang="en-US" sz="1600">
-              <a:latin typeface="宋体" panose="02010600030101010101" pitchFamily="2" charset="-122"/>
-              <a:ea typeface="宋体" panose="02010600030101010101" pitchFamily="2" charset="-122"/>
-              <a:cs typeface="宋体" panose="02010600030101010101" pitchFamily="2" charset="-122"/>
-            </a:endParaRPr>
-          </a:p>
-          <a:p>
-            <a:endParaRPr lang="zh-CN" altLang="en-US" sz="1600">
-              <a:latin typeface="宋体" panose="02010600030101010101" pitchFamily="2" charset="-122"/>
-              <a:ea typeface="宋体" panose="02010600030101010101" pitchFamily="2" charset="-122"/>
-              <a:cs typeface="宋体" panose="02010600030101010101" pitchFamily="2" charset="-122"/>
-            </a:endParaRPr>
-          </a:p>
-          <a:p>
-            <a:r>
-              <a:rPr lang="zh-CN" altLang="en-US" sz="1600">
-                <a:latin typeface="宋体" panose="02010600030101010101" pitchFamily="2" charset="-122"/>
-                <a:ea typeface="宋体" panose="02010600030101010101" pitchFamily="2" charset="-122"/>
-                <a:cs typeface="宋体" panose="02010600030101010101" pitchFamily="2" charset="-122"/>
-              </a:rPr>
-              <a:t>1）String strName = "strValue"，其中的“strValue”就是一个 String 对象，由 Java 虚拟机隐含地创建。</a:t>
-            </a:r>
-            <a:endParaRPr lang="zh-CN" altLang="en-US" sz="1600">
-              <a:latin typeface="宋体" panose="02010600030101010101" pitchFamily="2" charset="-122"/>
-              <a:ea typeface="宋体" panose="02010600030101010101" pitchFamily="2" charset="-122"/>
-              <a:cs typeface="宋体" panose="02010600030101010101" pitchFamily="2" charset="-122"/>
-            </a:endParaRPr>
-          </a:p>
-          <a:p>
-            <a:endParaRPr lang="zh-CN" altLang="en-US" sz="1600">
-              <a:latin typeface="宋体" panose="02010600030101010101" pitchFamily="2" charset="-122"/>
-              <a:ea typeface="宋体" panose="02010600030101010101" pitchFamily="2" charset="-122"/>
-              <a:cs typeface="宋体" panose="02010600030101010101" pitchFamily="2" charset="-122"/>
-            </a:endParaRPr>
-          </a:p>
-          <a:p>
-            <a:r>
-              <a:rPr lang="zh-CN" altLang="en-US" sz="1600">
-                <a:latin typeface="宋体" panose="02010600030101010101" pitchFamily="2" charset="-122"/>
-                <a:ea typeface="宋体" panose="02010600030101010101" pitchFamily="2" charset="-122"/>
-                <a:cs typeface="宋体" panose="02010600030101010101" pitchFamily="2" charset="-122"/>
-              </a:rPr>
-              <a:t>2）字符串的“+”运算符运算的结果为一个新的 String 对象，示例如下：</a:t>
-            </a:r>
-            <a:endParaRPr lang="zh-CN" altLang="en-US" sz="1600">
-              <a:latin typeface="宋体" panose="02010600030101010101" pitchFamily="2" charset="-122"/>
-              <a:ea typeface="宋体" panose="02010600030101010101" pitchFamily="2" charset="-122"/>
-              <a:cs typeface="宋体" panose="02010600030101010101" pitchFamily="2" charset="-122"/>
-            </a:endParaRPr>
-          </a:p>
-          <a:p>
-            <a:r>
-              <a:rPr lang="zh-CN" altLang="en-US" sz="1600">
-                <a:latin typeface="宋体" panose="02010600030101010101" pitchFamily="2" charset="-122"/>
-                <a:ea typeface="宋体" panose="02010600030101010101" pitchFamily="2" charset="-122"/>
-                <a:cs typeface="宋体" panose="02010600030101010101" pitchFamily="2" charset="-122"/>
-              </a:rPr>
-              <a:t>纯文本复制</a:t>
-            </a:r>
-            <a:endParaRPr lang="zh-CN" altLang="en-US" sz="1600">
-              <a:latin typeface="宋体" panose="02010600030101010101" pitchFamily="2" charset="-122"/>
-              <a:ea typeface="宋体" panose="02010600030101010101" pitchFamily="2" charset="-122"/>
-              <a:cs typeface="宋体" panose="02010600030101010101" pitchFamily="2" charset="-122"/>
-            </a:endParaRPr>
-          </a:p>
-          <a:p>
-            <a:r>
-              <a:rPr lang="zh-CN" altLang="en-US" sz="1600">
-                <a:latin typeface="宋体" panose="02010600030101010101" pitchFamily="2" charset="-122"/>
-                <a:ea typeface="宋体" panose="02010600030101010101" pitchFamily="2" charset="-122"/>
-                <a:cs typeface="宋体" panose="02010600030101010101" pitchFamily="2" charset="-122"/>
-              </a:rPr>
-              <a:t>String str1 = "Hello";</a:t>
-            </a:r>
-            <a:endParaRPr lang="zh-CN" altLang="en-US" sz="1600">
-              <a:latin typeface="宋体" panose="02010600030101010101" pitchFamily="2" charset="-122"/>
-              <a:ea typeface="宋体" panose="02010600030101010101" pitchFamily="2" charset="-122"/>
-              <a:cs typeface="宋体" panose="02010600030101010101" pitchFamily="2" charset="-122"/>
-            </a:endParaRPr>
-          </a:p>
-          <a:p>
-            <a:r>
-              <a:rPr lang="zh-CN" altLang="en-US" sz="1600">
-                <a:latin typeface="宋体" panose="02010600030101010101" pitchFamily="2" charset="-122"/>
-                <a:ea typeface="宋体" panose="02010600030101010101" pitchFamily="2" charset="-122"/>
-                <a:cs typeface="宋体" panose="02010600030101010101" pitchFamily="2" charset="-122"/>
-              </a:rPr>
-              <a:t>String str2 = "Java";</a:t>
-            </a:r>
-            <a:endParaRPr lang="zh-CN" altLang="en-US" sz="1600">
-              <a:latin typeface="宋体" panose="02010600030101010101" pitchFamily="2" charset="-122"/>
-              <a:ea typeface="宋体" panose="02010600030101010101" pitchFamily="2" charset="-122"/>
-              <a:cs typeface="宋体" panose="02010600030101010101" pitchFamily="2" charset="-122"/>
-            </a:endParaRPr>
-          </a:p>
-          <a:p>
-            <a:r>
-              <a:rPr lang="zh-CN" altLang="en-US" sz="1600">
-                <a:latin typeface="宋体" panose="02010600030101010101" pitchFamily="2" charset="-122"/>
-                <a:ea typeface="宋体" panose="02010600030101010101" pitchFamily="2" charset="-122"/>
-                <a:cs typeface="宋体" panose="02010600030101010101" pitchFamily="2" charset="-122"/>
-              </a:rPr>
-              <a:t>String str3 = str1+str2;    // str3引用一个新的String对象</a:t>
-            </a:r>
-            <a:endParaRPr lang="zh-CN" altLang="en-US" sz="1600">
-              <a:latin typeface="宋体" panose="02010600030101010101" pitchFamily="2" charset="-122"/>
-              <a:ea typeface="宋体" panose="02010600030101010101" pitchFamily="2" charset="-122"/>
-              <a:cs typeface="宋体" panose="02010600030101010101" pitchFamily="2" charset="-122"/>
-            </a:endParaRPr>
-          </a:p>
-          <a:p>
-            <a:r>
-              <a:rPr lang="zh-CN" altLang="en-US" sz="1600">
-                <a:latin typeface="宋体" panose="02010600030101010101" pitchFamily="2" charset="-122"/>
-                <a:ea typeface="宋体" panose="02010600030101010101" pitchFamily="2" charset="-122"/>
-                <a:cs typeface="宋体" panose="02010600030101010101" pitchFamily="2" charset="-122"/>
-              </a:rPr>
-              <a:t>3）当 Java 虚拟机加载一个类时，会隐含地创建描述这个类的 Class 实例。</a:t>
-            </a:r>
-            <a:endParaRPr lang="zh-CN" altLang="en-US" sz="1600">
-              <a:latin typeface="宋体" panose="02010600030101010101" pitchFamily="2" charset="-122"/>
-              <a:ea typeface="宋体" panose="02010600030101010101" pitchFamily="2" charset="-122"/>
-              <a:cs typeface="宋体" panose="02010600030101010101" pitchFamily="2" charset="-122"/>
-            </a:endParaRPr>
-          </a:p>
-          <a:p>
-            <a:endParaRPr lang="zh-CN" altLang="en-US" sz="1600">
-              <a:latin typeface="宋体" panose="02010600030101010101" pitchFamily="2" charset="-122"/>
-              <a:ea typeface="宋体" panose="02010600030101010101" pitchFamily="2" charset="-122"/>
-              <a:cs typeface="宋体" panose="02010600030101010101" pitchFamily="2" charset="-122"/>
-            </a:endParaRPr>
-          </a:p>
-          <a:p>
-            <a:endParaRPr lang="zh-CN" altLang="en-US" sz="1600">
-              <a:latin typeface="宋体" panose="02010600030101010101" pitchFamily="2" charset="-122"/>
-              <a:ea typeface="宋体" panose="02010600030101010101" pitchFamily="2" charset="-122"/>
-              <a:cs typeface="宋体" panose="02010600030101010101" pitchFamily="2" charset="-122"/>
-            </a:endParaRPr>
-          </a:p>
-          <a:p>
-            <a:endParaRPr lang="zh-CN" altLang="en-US" sz="1600">
-              <a:latin typeface="宋体" panose="02010600030101010101" pitchFamily="2" charset="-122"/>
-              <a:ea typeface="宋体" panose="02010600030101010101" pitchFamily="2" charset="-122"/>
-              <a:cs typeface="宋体" panose="02010600030101010101" pitchFamily="2" charset="-122"/>
-            </a:endParaRPr>
-          </a:p>
-          <a:p>
-            <a:r>
-              <a:rPr lang="zh-CN" altLang="en-US" sz="1600">
-                <a:latin typeface="宋体" panose="02010600030101010101" pitchFamily="2" charset="-122"/>
-                <a:ea typeface="宋体" panose="02010600030101010101" pitchFamily="2" charset="-122"/>
-                <a:cs typeface="宋体" panose="02010600030101010101" pitchFamily="2" charset="-122"/>
-              </a:rPr>
-              <a:t>对象使用完之后需要对其进行清除。</a:t>
-            </a:r>
-            <a:r>
-              <a:rPr lang="zh-CN" altLang="en-US" sz="1600">
-                <a:solidFill>
-                  <a:srgbClr val="FF0000"/>
-                </a:solidFill>
-                <a:latin typeface="宋体" panose="02010600030101010101" pitchFamily="2" charset="-122"/>
-                <a:ea typeface="宋体" panose="02010600030101010101" pitchFamily="2" charset="-122"/>
-                <a:cs typeface="宋体" panose="02010600030101010101" pitchFamily="2" charset="-122"/>
-              </a:rPr>
-              <a:t>对象的清除是指释放对象占用的内存</a:t>
-            </a:r>
-            <a:r>
-              <a:rPr lang="zh-CN" altLang="en-US" sz="1600">
-                <a:latin typeface="宋体" panose="02010600030101010101" pitchFamily="2" charset="-122"/>
-                <a:ea typeface="宋体" panose="02010600030101010101" pitchFamily="2" charset="-122"/>
-                <a:cs typeface="宋体" panose="02010600030101010101" pitchFamily="2" charset="-122"/>
-              </a:rPr>
-              <a:t>。在创建对象时，用户必须使用 new 操作符为对象分配内存。不过，在清除对象时，由系统自动进行内存回收，不需要用户额外处理。这也是 Java 语言的一大特色，某种程度上方便了程序员对内存的管理。</a:t>
-            </a:r>
-            <a:endParaRPr lang="zh-CN" altLang="en-US" sz="1600">
-              <a:latin typeface="宋体" panose="02010600030101010101" pitchFamily="2" charset="-122"/>
-              <a:ea typeface="宋体" panose="02010600030101010101" pitchFamily="2" charset="-122"/>
-              <a:cs typeface="宋体" panose="02010600030101010101" pitchFamily="2" charset="-122"/>
-            </a:endParaRPr>
-          </a:p>
-          <a:p>
-            <a:endParaRPr lang="zh-CN" altLang="en-US" sz="1600">
-              <a:latin typeface="宋体" panose="02010600030101010101" pitchFamily="2" charset="-122"/>
-              <a:ea typeface="宋体" panose="02010600030101010101" pitchFamily="2" charset="-122"/>
-              <a:cs typeface="宋体" panose="02010600030101010101" pitchFamily="2" charset="-122"/>
-            </a:endParaRPr>
-          </a:p>
-          <a:p>
-            <a:r>
-              <a:rPr lang="zh-CN" altLang="en-US" sz="1600">
-                <a:latin typeface="宋体" panose="02010600030101010101" pitchFamily="2" charset="-122"/>
-                <a:ea typeface="宋体" panose="02010600030101010101" pitchFamily="2" charset="-122"/>
-                <a:cs typeface="宋体" panose="02010600030101010101" pitchFamily="2" charset="-122"/>
-              </a:rPr>
-              <a:t>Java 语言的内存自动回收称为垃圾回收（Garbage Collection）机制，简称 GC。垃圾回收机制是指 JVM 用于释放那些不再使用的对象所占用的内存。</a:t>
-            </a:r>
-            <a:endParaRPr lang="zh-CN" altLang="en-US" sz="1600">
-              <a:latin typeface="宋体" panose="02010600030101010101" pitchFamily="2" charset="-122"/>
-              <a:ea typeface="宋体" panose="02010600030101010101" pitchFamily="2" charset="-122"/>
-              <a:cs typeface="宋体" panose="02010600030101010101" pitchFamily="2" charset="-122"/>
-            </a:endParaRPr>
-          </a:p>
-          <a:p>
-            <a:endParaRPr lang="zh-CN" altLang="en-US" sz="1600">
-              <a:latin typeface="宋体" panose="02010600030101010101" pitchFamily="2" charset="-122"/>
-              <a:ea typeface="宋体" panose="02010600030101010101" pitchFamily="2" charset="-122"/>
-              <a:cs typeface="宋体" panose="02010600030101010101" pitchFamily="2" charset="-122"/>
-            </a:endParaRPr>
-          </a:p>
-          <a:p>
-            <a:r>
-              <a:rPr lang="zh-CN" altLang="en-US" sz="1600">
-                <a:latin typeface="宋体" panose="02010600030101010101" pitchFamily="2" charset="-122"/>
-                <a:ea typeface="宋体" panose="02010600030101010101" pitchFamily="2" charset="-122"/>
-                <a:cs typeface="宋体" panose="02010600030101010101" pitchFamily="2" charset="-122"/>
-              </a:rPr>
-              <a:t>Java 语言并不要求 JVM 有 GC，也没有规定 GC 如何工作。不过常用的 JVM 都有 GC，而且大多数 GC 都使用类似的算法管理内存和执行回收操作。具体的垃圾回收实现策略有好多种，在此不再赘述。</a:t>
-            </a:r>
-            <a:endParaRPr lang="zh-CN" altLang="en-US" sz="1600">
-              <a:latin typeface="宋体" panose="02010600030101010101" pitchFamily="2" charset="-122"/>
-              <a:ea typeface="宋体" panose="02010600030101010101" pitchFamily="2" charset="-122"/>
-              <a:cs typeface="宋体" panose="02010600030101010101" pitchFamily="2" charset="-122"/>
-            </a:endParaRPr>
-          </a:p>
-        </p:txBody>
-      </p:sp>
-    </p:spTree>
-    <p:custDataLst>
-      <p:tags r:id="rId2"/>
-    </p:custDataLst>
-  </p:cSld>
-  <p:clrMapOvr>
-    <a:masterClrMapping/>
-  </p:clrMapOvr>
-</p:sld>
-</file>
-
-<file path=ppt/slides/slide23.xml><?xml version="1.0" encoding="utf-8"?>
-<p:sld xmlns:a="http://schemas.openxmlformats.org/drawingml/2006/main" xmlns:r="http://schemas.openxmlformats.org/officeDocument/2006/relationships" xmlns:p="http://schemas.openxmlformats.org/presentationml/2006/main">
-  <p:cSld>
-    <p:bg>
-      <p:bgPr>
-        <a:blipFill rotWithShape="1">
-          <a:blip r:embed="rId1"/>
-          <a:stretch>
-            <a:fillRect/>
-          </a:stretch>
-        </a:blipFill>
-        <a:effectLst/>
-      </p:bgPr>
-    </p:bg>
-    <p:spTree>
-      <p:nvGrpSpPr>
-        <p:cNvPr id="1" name=""/>
-        <p:cNvGrpSpPr/>
-        <p:nvPr/>
-      </p:nvGrpSpPr>
-      <p:grpSpPr/>
-      <p:sp>
-        <p:nvSpPr>
-          <p:cNvPr id="2" name="文本框 1"/>
-          <p:cNvSpPr txBox="1"/>
-          <p:nvPr/>
-        </p:nvSpPr>
-        <p:spPr>
-          <a:xfrm>
-            <a:off x="239395" y="1602105"/>
-            <a:ext cx="11412220" cy="3784600"/>
-          </a:xfrm>
-          <a:prstGeom prst="rect">
-            <a:avLst/>
-          </a:prstGeom>
-          <a:noFill/>
-        </p:spPr>
-        <p:txBody>
-          <a:bodyPr wrap="square" rtlCol="0">
-            <a:spAutoFit/>
-          </a:bodyPr>
-          <a:p>
-            <a:r>
-              <a:rPr lang="zh-CN" altLang="en-US" sz="1600">
-                <a:latin typeface="宋体" panose="02010600030101010101" pitchFamily="2" charset="-122"/>
-                <a:ea typeface="宋体" panose="02010600030101010101" pitchFamily="2" charset="-122"/>
-                <a:cs typeface="宋体" panose="02010600030101010101" pitchFamily="2" charset="-122"/>
-              </a:rPr>
-              <a:t>类的成员变量可以分为以下两种：</a:t>
-            </a:r>
-            <a:endParaRPr lang="zh-CN" altLang="en-US" sz="1600">
-              <a:latin typeface="宋体" panose="02010600030101010101" pitchFamily="2" charset="-122"/>
-              <a:ea typeface="宋体" panose="02010600030101010101" pitchFamily="2" charset="-122"/>
-              <a:cs typeface="宋体" panose="02010600030101010101" pitchFamily="2" charset="-122"/>
-            </a:endParaRPr>
-          </a:p>
-          <a:p>
-            <a:r>
-              <a:rPr lang="zh-CN" altLang="en-US" sz="1600">
-                <a:solidFill>
-                  <a:srgbClr val="FF0000"/>
-                </a:solidFill>
-                <a:latin typeface="宋体" panose="02010600030101010101" pitchFamily="2" charset="-122"/>
-                <a:ea typeface="宋体" panose="02010600030101010101" pitchFamily="2" charset="-122"/>
-                <a:cs typeface="宋体" panose="02010600030101010101" pitchFamily="2" charset="-122"/>
-              </a:rPr>
-              <a:t>静态变量（或称为类变量），</a:t>
-            </a:r>
-            <a:r>
-              <a:rPr lang="zh-CN" altLang="en-US" sz="1600">
-                <a:latin typeface="宋体" panose="02010600030101010101" pitchFamily="2" charset="-122"/>
-                <a:ea typeface="宋体" panose="02010600030101010101" pitchFamily="2" charset="-122"/>
-                <a:cs typeface="宋体" panose="02010600030101010101" pitchFamily="2" charset="-122"/>
-              </a:rPr>
-              <a:t>指被 static 修饰的成员变量。</a:t>
-            </a:r>
-            <a:endParaRPr lang="zh-CN" altLang="en-US" sz="1600">
-              <a:latin typeface="宋体" panose="02010600030101010101" pitchFamily="2" charset="-122"/>
-              <a:ea typeface="宋体" panose="02010600030101010101" pitchFamily="2" charset="-122"/>
-              <a:cs typeface="宋体" panose="02010600030101010101" pitchFamily="2" charset="-122"/>
-            </a:endParaRPr>
-          </a:p>
-          <a:p>
-            <a:r>
-              <a:rPr lang="zh-CN" altLang="en-US" sz="1600">
-                <a:solidFill>
-                  <a:srgbClr val="FF0000"/>
-                </a:solidFill>
-                <a:latin typeface="宋体" panose="02010600030101010101" pitchFamily="2" charset="-122"/>
-                <a:ea typeface="宋体" panose="02010600030101010101" pitchFamily="2" charset="-122"/>
-                <a:cs typeface="宋体" panose="02010600030101010101" pitchFamily="2" charset="-122"/>
-              </a:rPr>
-              <a:t>实例变量，</a:t>
-            </a:r>
-            <a:r>
-              <a:rPr lang="zh-CN" altLang="en-US" sz="1600">
-                <a:latin typeface="宋体" panose="02010600030101010101" pitchFamily="2" charset="-122"/>
-                <a:ea typeface="宋体" panose="02010600030101010101" pitchFamily="2" charset="-122"/>
-                <a:cs typeface="宋体" panose="02010600030101010101" pitchFamily="2" charset="-122"/>
-              </a:rPr>
-              <a:t>指没有被 static 修饰的成员变量。</a:t>
-            </a:r>
-            <a:endParaRPr lang="zh-CN" altLang="en-US" sz="1600">
-              <a:latin typeface="宋体" panose="02010600030101010101" pitchFamily="2" charset="-122"/>
-              <a:ea typeface="宋体" panose="02010600030101010101" pitchFamily="2" charset="-122"/>
-              <a:cs typeface="宋体" panose="02010600030101010101" pitchFamily="2" charset="-122"/>
-            </a:endParaRPr>
-          </a:p>
-          <a:p>
-            <a:endParaRPr lang="zh-CN" altLang="en-US" sz="1600">
-              <a:latin typeface="宋体" panose="02010600030101010101" pitchFamily="2" charset="-122"/>
-              <a:ea typeface="宋体" panose="02010600030101010101" pitchFamily="2" charset="-122"/>
-              <a:cs typeface="宋体" panose="02010600030101010101" pitchFamily="2" charset="-122"/>
-            </a:endParaRPr>
-          </a:p>
-          <a:p>
-            <a:r>
-              <a:rPr lang="zh-CN" altLang="en-US" sz="1600">
-                <a:latin typeface="宋体" panose="02010600030101010101" pitchFamily="2" charset="-122"/>
-                <a:ea typeface="宋体" panose="02010600030101010101" pitchFamily="2" charset="-122"/>
-                <a:cs typeface="宋体" panose="02010600030101010101" pitchFamily="2" charset="-122"/>
-              </a:rPr>
-              <a:t>静态变量与实例变量的区别如下：</a:t>
-            </a:r>
-            <a:endParaRPr lang="zh-CN" altLang="en-US" sz="1600">
-              <a:latin typeface="宋体" panose="02010600030101010101" pitchFamily="2" charset="-122"/>
-              <a:ea typeface="宋体" panose="02010600030101010101" pitchFamily="2" charset="-122"/>
-              <a:cs typeface="宋体" panose="02010600030101010101" pitchFamily="2" charset="-122"/>
-            </a:endParaRPr>
-          </a:p>
-          <a:p>
-            <a:endParaRPr lang="zh-CN" altLang="en-US" sz="1600">
-              <a:latin typeface="宋体" panose="02010600030101010101" pitchFamily="2" charset="-122"/>
-              <a:ea typeface="宋体" panose="02010600030101010101" pitchFamily="2" charset="-122"/>
-              <a:cs typeface="宋体" panose="02010600030101010101" pitchFamily="2" charset="-122"/>
-            </a:endParaRPr>
-          </a:p>
-          <a:p>
-            <a:r>
-              <a:rPr lang="zh-CN" altLang="en-US" sz="1600">
-                <a:latin typeface="宋体" panose="02010600030101010101" pitchFamily="2" charset="-122"/>
-                <a:ea typeface="宋体" panose="02010600030101010101" pitchFamily="2" charset="-122"/>
-                <a:cs typeface="宋体" panose="02010600030101010101" pitchFamily="2" charset="-122"/>
-              </a:rPr>
-              <a:t>1）静态变量</a:t>
-            </a:r>
-            <a:endParaRPr lang="zh-CN" altLang="en-US" sz="1600">
-              <a:latin typeface="宋体" panose="02010600030101010101" pitchFamily="2" charset="-122"/>
-              <a:ea typeface="宋体" panose="02010600030101010101" pitchFamily="2" charset="-122"/>
-              <a:cs typeface="宋体" panose="02010600030101010101" pitchFamily="2" charset="-122"/>
-            </a:endParaRPr>
-          </a:p>
-          <a:p>
-            <a:r>
-              <a:rPr lang="zh-CN" altLang="en-US" sz="1600">
-                <a:latin typeface="宋体" panose="02010600030101010101" pitchFamily="2" charset="-122"/>
-                <a:ea typeface="宋体" panose="02010600030101010101" pitchFamily="2" charset="-122"/>
-                <a:cs typeface="宋体" panose="02010600030101010101" pitchFamily="2" charset="-122"/>
-              </a:rPr>
-              <a:t>运行时，Java 虚拟机只为静态变量分配一次内存，在加载类的过程中完成静态变量的内存分配。</a:t>
-            </a:r>
-            <a:endParaRPr lang="zh-CN" altLang="en-US" sz="1600">
-              <a:latin typeface="宋体" panose="02010600030101010101" pitchFamily="2" charset="-122"/>
-              <a:ea typeface="宋体" panose="02010600030101010101" pitchFamily="2" charset="-122"/>
-              <a:cs typeface="宋体" panose="02010600030101010101" pitchFamily="2" charset="-122"/>
-            </a:endParaRPr>
-          </a:p>
-          <a:p>
-            <a:r>
-              <a:rPr lang="zh-CN" altLang="en-US" sz="1600">
-                <a:latin typeface="宋体" panose="02010600030101010101" pitchFamily="2" charset="-122"/>
-                <a:ea typeface="宋体" panose="02010600030101010101" pitchFamily="2" charset="-122"/>
-                <a:cs typeface="宋体" panose="02010600030101010101" pitchFamily="2" charset="-122"/>
-              </a:rPr>
-              <a:t>在类的内部，可以在任何方法内直接访问静态变量。</a:t>
-            </a:r>
-            <a:endParaRPr lang="zh-CN" altLang="en-US" sz="1600">
-              <a:latin typeface="宋体" panose="02010600030101010101" pitchFamily="2" charset="-122"/>
-              <a:ea typeface="宋体" panose="02010600030101010101" pitchFamily="2" charset="-122"/>
-              <a:cs typeface="宋体" panose="02010600030101010101" pitchFamily="2" charset="-122"/>
-            </a:endParaRPr>
-          </a:p>
-          <a:p>
-            <a:r>
-              <a:rPr lang="zh-CN" altLang="en-US" sz="1600">
-                <a:latin typeface="宋体" panose="02010600030101010101" pitchFamily="2" charset="-122"/>
-                <a:ea typeface="宋体" panose="02010600030101010101" pitchFamily="2" charset="-122"/>
-                <a:cs typeface="宋体" panose="02010600030101010101" pitchFamily="2" charset="-122"/>
-              </a:rPr>
-              <a:t>在其他类中，可以通过类名访问该类中的静态变量。</a:t>
-            </a:r>
-            <a:endParaRPr lang="zh-CN" altLang="en-US" sz="1600">
-              <a:latin typeface="宋体" panose="02010600030101010101" pitchFamily="2" charset="-122"/>
-              <a:ea typeface="宋体" panose="02010600030101010101" pitchFamily="2" charset="-122"/>
-              <a:cs typeface="宋体" panose="02010600030101010101" pitchFamily="2" charset="-122"/>
-            </a:endParaRPr>
-          </a:p>
-          <a:p>
-            <a:endParaRPr lang="zh-CN" altLang="en-US" sz="1600">
-              <a:latin typeface="宋体" panose="02010600030101010101" pitchFamily="2" charset="-122"/>
-              <a:ea typeface="宋体" panose="02010600030101010101" pitchFamily="2" charset="-122"/>
-              <a:cs typeface="宋体" panose="02010600030101010101" pitchFamily="2" charset="-122"/>
-            </a:endParaRPr>
-          </a:p>
-          <a:p>
-            <a:r>
-              <a:rPr lang="zh-CN" altLang="en-US" sz="1600">
-                <a:latin typeface="宋体" panose="02010600030101010101" pitchFamily="2" charset="-122"/>
-                <a:ea typeface="宋体" panose="02010600030101010101" pitchFamily="2" charset="-122"/>
-                <a:cs typeface="宋体" panose="02010600030101010101" pitchFamily="2" charset="-122"/>
-              </a:rPr>
-              <a:t>2）实例变量</a:t>
-            </a:r>
-            <a:endParaRPr lang="zh-CN" altLang="en-US" sz="1600">
-              <a:latin typeface="宋体" panose="02010600030101010101" pitchFamily="2" charset="-122"/>
-              <a:ea typeface="宋体" panose="02010600030101010101" pitchFamily="2" charset="-122"/>
-              <a:cs typeface="宋体" panose="02010600030101010101" pitchFamily="2" charset="-122"/>
-            </a:endParaRPr>
-          </a:p>
-          <a:p>
-            <a:r>
-              <a:rPr lang="zh-CN" altLang="en-US" sz="1600">
-                <a:latin typeface="宋体" panose="02010600030101010101" pitchFamily="2" charset="-122"/>
-                <a:ea typeface="宋体" panose="02010600030101010101" pitchFamily="2" charset="-122"/>
-                <a:cs typeface="宋体" panose="02010600030101010101" pitchFamily="2" charset="-122"/>
-              </a:rPr>
-              <a:t>每创建一个实例，Java 虚拟机就会为实例变量分配一次内存。</a:t>
-            </a:r>
-            <a:endParaRPr lang="zh-CN" altLang="en-US" sz="1600">
-              <a:latin typeface="宋体" panose="02010600030101010101" pitchFamily="2" charset="-122"/>
-              <a:ea typeface="宋体" panose="02010600030101010101" pitchFamily="2" charset="-122"/>
-              <a:cs typeface="宋体" panose="02010600030101010101" pitchFamily="2" charset="-122"/>
-            </a:endParaRPr>
-          </a:p>
-          <a:p>
-            <a:r>
-              <a:rPr lang="zh-CN" altLang="en-US" sz="1600">
-                <a:latin typeface="宋体" panose="02010600030101010101" pitchFamily="2" charset="-122"/>
-                <a:ea typeface="宋体" panose="02010600030101010101" pitchFamily="2" charset="-122"/>
-                <a:cs typeface="宋体" panose="02010600030101010101" pitchFamily="2" charset="-122"/>
-              </a:rPr>
-              <a:t>在类的内部，可以在非静态方法中直接访问实例变量。</a:t>
-            </a:r>
-            <a:endParaRPr lang="zh-CN" altLang="en-US" sz="1600">
-              <a:latin typeface="宋体" panose="02010600030101010101" pitchFamily="2" charset="-122"/>
-              <a:ea typeface="宋体" panose="02010600030101010101" pitchFamily="2" charset="-122"/>
-              <a:cs typeface="宋体" panose="02010600030101010101" pitchFamily="2" charset="-122"/>
-            </a:endParaRPr>
-          </a:p>
-          <a:p>
-            <a:r>
-              <a:rPr lang="zh-CN" altLang="en-US" sz="1600">
-                <a:latin typeface="宋体" panose="02010600030101010101" pitchFamily="2" charset="-122"/>
-                <a:ea typeface="宋体" panose="02010600030101010101" pitchFamily="2" charset="-122"/>
-                <a:cs typeface="宋体" panose="02010600030101010101" pitchFamily="2" charset="-122"/>
-              </a:rPr>
-              <a:t>在本类的静态方法或其他类中则需要通过类的实例对象进行访问。</a:t>
-            </a:r>
-            <a:endParaRPr lang="zh-CN" altLang="en-US" sz="1600">
-              <a:latin typeface="宋体" panose="02010600030101010101" pitchFamily="2" charset="-122"/>
-              <a:ea typeface="宋体" panose="02010600030101010101" pitchFamily="2" charset="-122"/>
-              <a:cs typeface="宋体" panose="02010600030101010101" pitchFamily="2" charset="-122"/>
-            </a:endParaRPr>
-          </a:p>
-        </p:txBody>
-      </p:sp>
-      <p:sp>
-        <p:nvSpPr>
-          <p:cNvPr id="3" name="文本框 2"/>
-          <p:cNvSpPr txBox="1"/>
-          <p:nvPr/>
-        </p:nvSpPr>
-        <p:spPr>
-          <a:xfrm>
-            <a:off x="3279140" y="807720"/>
-            <a:ext cx="6404610" cy="583565"/>
-          </a:xfrm>
-          <a:prstGeom prst="rect">
-            <a:avLst/>
-          </a:prstGeom>
-          <a:noFill/>
-        </p:spPr>
-        <p:txBody>
-          <a:bodyPr wrap="square" rtlCol="0">
-            <a:spAutoFit/>
-          </a:bodyPr>
-          <a:p>
-            <a:r>
-              <a:rPr lang="en-US" sz="3200"/>
-              <a:t>static </a:t>
-            </a:r>
-            <a:r>
-              <a:rPr lang="zh-CN" altLang="en-US" sz="3200"/>
-              <a:t>关键字（</a:t>
-            </a:r>
-            <a:r>
-              <a:rPr lang="zh-CN" altLang="en-US" sz="2000"/>
-              <a:t>所有对象共享，全局只有一份</a:t>
-            </a:r>
-            <a:r>
-              <a:rPr lang="zh-CN" altLang="en-US" sz="3200"/>
-              <a:t>）</a:t>
-            </a:r>
-            <a:endParaRPr lang="zh-CN" altLang="en-US" sz="3200"/>
-          </a:p>
-        </p:txBody>
-      </p:sp>
-    </p:spTree>
-    <p:custDataLst>
-      <p:tags r:id="rId2"/>
-    </p:custDataLst>
-  </p:cSld>
-  <p:clrMapOvr>
-    <a:masterClrMapping/>
-  </p:clrMapOvr>
-</p:sld>
-</file>
-
-<file path=ppt/slides/slide24.xml><?xml version="1.0" encoding="utf-8"?>
-<p:sld xmlns:a="http://schemas.openxmlformats.org/drawingml/2006/main" xmlns:r="http://schemas.openxmlformats.org/officeDocument/2006/relationships" xmlns:p="http://schemas.openxmlformats.org/presentationml/2006/main">
-  <p:cSld>
-    <p:bg>
-      <p:bgPr>
-        <a:blipFill rotWithShape="1">
-          <a:blip r:embed="rId1"/>
-          <a:stretch>
-            <a:fillRect/>
-          </a:stretch>
-        </a:blipFill>
-        <a:effectLst/>
-      </p:bgPr>
-    </p:bg>
-    <p:spTree>
-      <p:nvGrpSpPr>
-        <p:cNvPr id="1" name=""/>
-        <p:cNvGrpSpPr/>
-        <p:nvPr/>
-      </p:nvGrpSpPr>
-      <p:grpSpPr/>
-      <p:sp>
-        <p:nvSpPr>
-          <p:cNvPr id="2" name="文本框 1"/>
-          <p:cNvSpPr txBox="1"/>
-          <p:nvPr/>
-        </p:nvSpPr>
-        <p:spPr>
-          <a:xfrm>
-            <a:off x="257810" y="901065"/>
-            <a:ext cx="11503025" cy="5507990"/>
-          </a:xfrm>
-          <a:prstGeom prst="rect">
-            <a:avLst/>
-          </a:prstGeom>
-          <a:noFill/>
-        </p:spPr>
-        <p:txBody>
-          <a:bodyPr wrap="square" rtlCol="0">
-            <a:spAutoFit/>
-          </a:bodyPr>
-          <a:p>
-            <a:r>
-              <a:rPr lang="zh-CN" altLang="en-US" sz="1600">
-                <a:latin typeface="宋体" panose="02010600030101010101" pitchFamily="2" charset="-122"/>
-                <a:ea typeface="宋体" panose="02010600030101010101" pitchFamily="2" charset="-122"/>
-                <a:cs typeface="宋体" panose="02010600030101010101" pitchFamily="2" charset="-122"/>
-              </a:rPr>
-              <a:t>静态方法</a:t>
-            </a:r>
-            <a:endParaRPr lang="zh-CN" altLang="en-US" sz="1600">
-              <a:latin typeface="宋体" panose="02010600030101010101" pitchFamily="2" charset="-122"/>
-              <a:ea typeface="宋体" panose="02010600030101010101" pitchFamily="2" charset="-122"/>
-              <a:cs typeface="宋体" panose="02010600030101010101" pitchFamily="2" charset="-122"/>
-            </a:endParaRPr>
-          </a:p>
-          <a:p>
-            <a:r>
-              <a:rPr lang="zh-CN" altLang="en-US" sz="1600">
-                <a:latin typeface="宋体" panose="02010600030101010101" pitchFamily="2" charset="-122"/>
-                <a:ea typeface="宋体" panose="02010600030101010101" pitchFamily="2" charset="-122"/>
-                <a:cs typeface="宋体" panose="02010600030101010101" pitchFamily="2" charset="-122"/>
-              </a:rPr>
-              <a:t>与成员变量类似，成员方法也可以分为以下两种：</a:t>
-            </a:r>
-            <a:endParaRPr lang="zh-CN" altLang="en-US" sz="1600">
-              <a:latin typeface="宋体" panose="02010600030101010101" pitchFamily="2" charset="-122"/>
-              <a:ea typeface="宋体" panose="02010600030101010101" pitchFamily="2" charset="-122"/>
-              <a:cs typeface="宋体" panose="02010600030101010101" pitchFamily="2" charset="-122"/>
-            </a:endParaRPr>
-          </a:p>
-          <a:p>
-            <a:r>
-              <a:rPr lang="zh-CN" altLang="en-US" sz="1600">
-                <a:solidFill>
-                  <a:srgbClr val="FF0000"/>
-                </a:solidFill>
-                <a:latin typeface="宋体" panose="02010600030101010101" pitchFamily="2" charset="-122"/>
-                <a:ea typeface="宋体" panose="02010600030101010101" pitchFamily="2" charset="-122"/>
-                <a:cs typeface="宋体" panose="02010600030101010101" pitchFamily="2" charset="-122"/>
-              </a:rPr>
-              <a:t>静态方法（或称为类方法），</a:t>
-            </a:r>
-            <a:r>
-              <a:rPr lang="zh-CN" altLang="en-US" sz="1600">
-                <a:latin typeface="宋体" panose="02010600030101010101" pitchFamily="2" charset="-122"/>
-                <a:ea typeface="宋体" panose="02010600030101010101" pitchFamily="2" charset="-122"/>
-                <a:cs typeface="宋体" panose="02010600030101010101" pitchFamily="2" charset="-122"/>
-              </a:rPr>
-              <a:t>指被 static 修饰的成员方法。</a:t>
-            </a:r>
-            <a:endParaRPr lang="zh-CN" altLang="en-US" sz="1600">
-              <a:latin typeface="宋体" panose="02010600030101010101" pitchFamily="2" charset="-122"/>
-              <a:ea typeface="宋体" panose="02010600030101010101" pitchFamily="2" charset="-122"/>
-              <a:cs typeface="宋体" panose="02010600030101010101" pitchFamily="2" charset="-122"/>
-            </a:endParaRPr>
-          </a:p>
-          <a:p>
-            <a:r>
-              <a:rPr lang="zh-CN" altLang="en-US" sz="1600">
-                <a:solidFill>
-                  <a:srgbClr val="FF0000"/>
-                </a:solidFill>
-                <a:latin typeface="宋体" panose="02010600030101010101" pitchFamily="2" charset="-122"/>
-                <a:ea typeface="宋体" panose="02010600030101010101" pitchFamily="2" charset="-122"/>
-                <a:cs typeface="宋体" panose="02010600030101010101" pitchFamily="2" charset="-122"/>
-              </a:rPr>
-              <a:t>实例方法，</a:t>
-            </a:r>
-            <a:r>
-              <a:rPr lang="zh-CN" altLang="en-US" sz="1600">
-                <a:latin typeface="宋体" panose="02010600030101010101" pitchFamily="2" charset="-122"/>
-                <a:ea typeface="宋体" panose="02010600030101010101" pitchFamily="2" charset="-122"/>
-                <a:cs typeface="宋体" panose="02010600030101010101" pitchFamily="2" charset="-122"/>
-              </a:rPr>
-              <a:t>指没有被 static 修饰的成员方法。</a:t>
-            </a:r>
-            <a:endParaRPr lang="zh-CN" altLang="en-US" sz="1600">
-              <a:latin typeface="宋体" panose="02010600030101010101" pitchFamily="2" charset="-122"/>
-              <a:ea typeface="宋体" panose="02010600030101010101" pitchFamily="2" charset="-122"/>
-              <a:cs typeface="宋体" panose="02010600030101010101" pitchFamily="2" charset="-122"/>
-            </a:endParaRPr>
-          </a:p>
-          <a:p>
-            <a:endParaRPr lang="zh-CN" altLang="en-US" sz="1600">
-              <a:latin typeface="宋体" panose="02010600030101010101" pitchFamily="2" charset="-122"/>
-              <a:ea typeface="宋体" panose="02010600030101010101" pitchFamily="2" charset="-122"/>
-              <a:cs typeface="宋体" panose="02010600030101010101" pitchFamily="2" charset="-122"/>
-            </a:endParaRPr>
-          </a:p>
-          <a:p>
-            <a:r>
-              <a:rPr lang="zh-CN" altLang="en-US" sz="1600">
-                <a:latin typeface="宋体" panose="02010600030101010101" pitchFamily="2" charset="-122"/>
-                <a:ea typeface="宋体" panose="02010600030101010101" pitchFamily="2" charset="-122"/>
-                <a:cs typeface="宋体" panose="02010600030101010101" pitchFamily="2" charset="-122"/>
-              </a:rPr>
-              <a:t>静态方法与实例方法的区别如下：</a:t>
-            </a:r>
-            <a:endParaRPr lang="zh-CN" altLang="en-US" sz="1600">
-              <a:latin typeface="宋体" panose="02010600030101010101" pitchFamily="2" charset="-122"/>
-              <a:ea typeface="宋体" panose="02010600030101010101" pitchFamily="2" charset="-122"/>
-              <a:cs typeface="宋体" panose="02010600030101010101" pitchFamily="2" charset="-122"/>
-            </a:endParaRPr>
-          </a:p>
-          <a:p>
-            <a:r>
-              <a:rPr lang="zh-CN" altLang="en-US" sz="1600">
-                <a:latin typeface="宋体" panose="02010600030101010101" pitchFamily="2" charset="-122"/>
-                <a:ea typeface="宋体" panose="02010600030101010101" pitchFamily="2" charset="-122"/>
-                <a:cs typeface="宋体" panose="02010600030101010101" pitchFamily="2" charset="-122"/>
-              </a:rPr>
-              <a:t>静态方法不需要通过它所属的类的任何实例就可以被调用，因此在静态方法中不能使用 this 关键字，也不能直接访问所属类的实例变量和实例方法，但是可以直接访问所属类的静态变量和静态方法。另外，和 this 关键字一样，super 关键字也与类的特定实例相关，所以在静态方法中也不能使用 super 关键字。</a:t>
-            </a:r>
-            <a:endParaRPr lang="zh-CN" altLang="en-US" sz="1600">
-              <a:latin typeface="宋体" panose="02010600030101010101" pitchFamily="2" charset="-122"/>
-              <a:ea typeface="宋体" panose="02010600030101010101" pitchFamily="2" charset="-122"/>
-              <a:cs typeface="宋体" panose="02010600030101010101" pitchFamily="2" charset="-122"/>
-            </a:endParaRPr>
-          </a:p>
-          <a:p>
-            <a:r>
-              <a:rPr lang="zh-CN" altLang="en-US" sz="1600">
-                <a:latin typeface="宋体" panose="02010600030101010101" pitchFamily="2" charset="-122"/>
-                <a:ea typeface="宋体" panose="02010600030101010101" pitchFamily="2" charset="-122"/>
-                <a:cs typeface="宋体" panose="02010600030101010101" pitchFamily="2" charset="-122"/>
-              </a:rPr>
-              <a:t>在实例方法中可以直接访问所属类的静态变量、静态方法、实例变量和实例方法。</a:t>
-            </a:r>
-            <a:endParaRPr lang="zh-CN" altLang="en-US" sz="1600">
-              <a:latin typeface="宋体" panose="02010600030101010101" pitchFamily="2" charset="-122"/>
-              <a:ea typeface="宋体" panose="02010600030101010101" pitchFamily="2" charset="-122"/>
-              <a:cs typeface="宋体" panose="02010600030101010101" pitchFamily="2" charset="-122"/>
-            </a:endParaRPr>
-          </a:p>
-          <a:p>
-            <a:endParaRPr lang="zh-CN" altLang="en-US" sz="1600">
-              <a:latin typeface="宋体" panose="02010600030101010101" pitchFamily="2" charset="-122"/>
-              <a:ea typeface="宋体" panose="02010600030101010101" pitchFamily="2" charset="-122"/>
-              <a:cs typeface="宋体" panose="02010600030101010101" pitchFamily="2" charset="-122"/>
-            </a:endParaRPr>
-          </a:p>
-          <a:p>
-            <a:r>
-              <a:rPr lang="zh-CN" altLang="en-US" sz="1600">
-                <a:solidFill>
-                  <a:srgbClr val="FF0000"/>
-                </a:solidFill>
-                <a:latin typeface="宋体" panose="02010600030101010101" pitchFamily="2" charset="-122"/>
-                <a:ea typeface="宋体" panose="02010600030101010101" pitchFamily="2" charset="-122"/>
-                <a:cs typeface="宋体" panose="02010600030101010101" pitchFamily="2" charset="-122"/>
-              </a:rPr>
-              <a:t>静态代码块</a:t>
-            </a:r>
-            <a:endParaRPr lang="zh-CN" altLang="en-US" sz="1600">
-              <a:solidFill>
-                <a:srgbClr val="FF0000"/>
-              </a:solidFill>
-              <a:latin typeface="宋体" panose="02010600030101010101" pitchFamily="2" charset="-122"/>
-              <a:ea typeface="宋体" panose="02010600030101010101" pitchFamily="2" charset="-122"/>
-              <a:cs typeface="宋体" panose="02010600030101010101" pitchFamily="2" charset="-122"/>
-            </a:endParaRPr>
-          </a:p>
-          <a:p>
-            <a:r>
-              <a:rPr lang="zh-CN" altLang="en-US" sz="1600">
-                <a:latin typeface="宋体" panose="02010600030101010101" pitchFamily="2" charset="-122"/>
-                <a:ea typeface="宋体" panose="02010600030101010101" pitchFamily="2" charset="-122"/>
-                <a:cs typeface="宋体" panose="02010600030101010101" pitchFamily="2" charset="-122"/>
-              </a:rPr>
-              <a:t>静态代码块指 Java 类中的 static{ } 代码块，主要用于初始化类，为类的静态变量赋初始值，提升程序性能。</a:t>
-            </a:r>
-            <a:endParaRPr lang="zh-CN" altLang="en-US" sz="1600">
-              <a:latin typeface="宋体" panose="02010600030101010101" pitchFamily="2" charset="-122"/>
-              <a:ea typeface="宋体" panose="02010600030101010101" pitchFamily="2" charset="-122"/>
-              <a:cs typeface="宋体" panose="02010600030101010101" pitchFamily="2" charset="-122"/>
-            </a:endParaRPr>
-          </a:p>
-          <a:p>
-            <a:r>
-              <a:rPr lang="zh-CN" altLang="en-US" sz="1600">
-                <a:latin typeface="宋体" panose="02010600030101010101" pitchFamily="2" charset="-122"/>
-                <a:ea typeface="宋体" panose="02010600030101010101" pitchFamily="2" charset="-122"/>
-                <a:cs typeface="宋体" panose="02010600030101010101" pitchFamily="2" charset="-122"/>
-              </a:rPr>
-              <a:t>static块为属于类的代码块，在类加载期间执行的代码块，只执行一次，可以用来在软件中加载静态资源（图像、音频等等）。</a:t>
-            </a:r>
-            <a:endParaRPr lang="zh-CN" altLang="en-US" sz="1600">
-              <a:latin typeface="宋体" panose="02010600030101010101" pitchFamily="2" charset="-122"/>
-              <a:ea typeface="宋体" panose="02010600030101010101" pitchFamily="2" charset="-122"/>
-              <a:cs typeface="宋体" panose="02010600030101010101" pitchFamily="2" charset="-122"/>
-            </a:endParaRPr>
-          </a:p>
-          <a:p>
-            <a:r>
-              <a:rPr lang="zh-CN" altLang="en-US" sz="1600">
-                <a:latin typeface="宋体" panose="02010600030101010101" pitchFamily="2" charset="-122"/>
-                <a:ea typeface="宋体" panose="02010600030101010101" pitchFamily="2" charset="-122"/>
-                <a:cs typeface="宋体" panose="02010600030101010101" pitchFamily="2" charset="-122"/>
-              </a:rPr>
-              <a:t>类加载时，先运行了静态块，而后执行了构造方法，即，static块是在创建对象之前执行的。且只执行一次.</a:t>
-            </a:r>
-            <a:endParaRPr lang="zh-CN" altLang="en-US" sz="1600">
-              <a:latin typeface="宋体" panose="02010600030101010101" pitchFamily="2" charset="-122"/>
-              <a:ea typeface="宋体" panose="02010600030101010101" pitchFamily="2" charset="-122"/>
-              <a:cs typeface="宋体" panose="02010600030101010101" pitchFamily="2" charset="-122"/>
-            </a:endParaRPr>
-          </a:p>
-          <a:p>
-            <a:endParaRPr lang="zh-CN" altLang="en-US" sz="1600">
-              <a:latin typeface="宋体" panose="02010600030101010101" pitchFamily="2" charset="-122"/>
-              <a:ea typeface="宋体" panose="02010600030101010101" pitchFamily="2" charset="-122"/>
-              <a:cs typeface="宋体" panose="02010600030101010101" pitchFamily="2" charset="-122"/>
-            </a:endParaRPr>
-          </a:p>
-          <a:p>
-            <a:r>
-              <a:rPr lang="zh-CN" altLang="en-US" sz="1600">
-                <a:latin typeface="宋体" panose="02010600030101010101" pitchFamily="2" charset="-122"/>
-                <a:ea typeface="宋体" panose="02010600030101010101" pitchFamily="2" charset="-122"/>
-                <a:cs typeface="宋体" panose="02010600030101010101" pitchFamily="2" charset="-122"/>
-              </a:rPr>
-              <a:t>静态代码块的特点如下：</a:t>
-            </a:r>
-            <a:endParaRPr lang="zh-CN" altLang="en-US" sz="1600">
-              <a:latin typeface="宋体" panose="02010600030101010101" pitchFamily="2" charset="-122"/>
-              <a:ea typeface="宋体" panose="02010600030101010101" pitchFamily="2" charset="-122"/>
-              <a:cs typeface="宋体" panose="02010600030101010101" pitchFamily="2" charset="-122"/>
-            </a:endParaRPr>
-          </a:p>
-          <a:p>
-            <a:r>
-              <a:rPr lang="zh-CN" altLang="en-US" sz="1600">
-                <a:latin typeface="宋体" panose="02010600030101010101" pitchFamily="2" charset="-122"/>
-                <a:ea typeface="宋体" panose="02010600030101010101" pitchFamily="2" charset="-122"/>
-                <a:cs typeface="宋体" panose="02010600030101010101" pitchFamily="2" charset="-122"/>
-              </a:rPr>
-              <a:t>静态代码块类似于一个方法，但它不可以存在于任何方法体中。</a:t>
-            </a:r>
-            <a:endParaRPr lang="zh-CN" altLang="en-US" sz="1600">
-              <a:latin typeface="宋体" panose="02010600030101010101" pitchFamily="2" charset="-122"/>
-              <a:ea typeface="宋体" panose="02010600030101010101" pitchFamily="2" charset="-122"/>
-              <a:cs typeface="宋体" panose="02010600030101010101" pitchFamily="2" charset="-122"/>
-            </a:endParaRPr>
-          </a:p>
-          <a:p>
-            <a:r>
-              <a:rPr lang="zh-CN" altLang="en-US" sz="1600">
-                <a:latin typeface="宋体" panose="02010600030101010101" pitchFamily="2" charset="-122"/>
-                <a:ea typeface="宋体" panose="02010600030101010101" pitchFamily="2" charset="-122"/>
-                <a:cs typeface="宋体" panose="02010600030101010101" pitchFamily="2" charset="-122"/>
-              </a:rPr>
-              <a:t>静态代码块可以置于类中的任何地方，类中可以有多个静态初始化块。 </a:t>
-            </a:r>
-            <a:endParaRPr lang="zh-CN" altLang="en-US" sz="1600">
-              <a:latin typeface="宋体" panose="02010600030101010101" pitchFamily="2" charset="-122"/>
-              <a:ea typeface="宋体" panose="02010600030101010101" pitchFamily="2" charset="-122"/>
-              <a:cs typeface="宋体" panose="02010600030101010101" pitchFamily="2" charset="-122"/>
-            </a:endParaRPr>
-          </a:p>
-          <a:p>
-            <a:r>
-              <a:rPr lang="zh-CN" altLang="en-US" sz="1600">
-                <a:latin typeface="宋体" panose="02010600030101010101" pitchFamily="2" charset="-122"/>
-                <a:ea typeface="宋体" panose="02010600030101010101" pitchFamily="2" charset="-122"/>
-                <a:cs typeface="宋体" panose="02010600030101010101" pitchFamily="2" charset="-122"/>
-              </a:rPr>
-              <a:t>Java 虚拟机在加载类时执行静态代码块，所以很多时候会将一些只需要进行一次的初始化操作都放在 static 代码块中进行。</a:t>
-            </a:r>
-            <a:endParaRPr lang="zh-CN" altLang="en-US" sz="1600">
-              <a:latin typeface="宋体" panose="02010600030101010101" pitchFamily="2" charset="-122"/>
-              <a:ea typeface="宋体" panose="02010600030101010101" pitchFamily="2" charset="-122"/>
-              <a:cs typeface="宋体" panose="02010600030101010101" pitchFamily="2" charset="-122"/>
-            </a:endParaRPr>
-          </a:p>
-          <a:p>
-            <a:r>
-              <a:rPr lang="zh-CN" altLang="en-US" sz="1600">
-                <a:latin typeface="宋体" panose="02010600030101010101" pitchFamily="2" charset="-122"/>
-                <a:ea typeface="宋体" panose="02010600030101010101" pitchFamily="2" charset="-122"/>
-                <a:cs typeface="宋体" panose="02010600030101010101" pitchFamily="2" charset="-122"/>
-              </a:rPr>
-              <a:t>如果类中包含多个静态代码块，则 Java 虚拟机将按它们在类中出现的顺序依次执行它们，每个静态代码块只会被执行一次。</a:t>
-            </a:r>
-            <a:endParaRPr lang="zh-CN" altLang="en-US" sz="1600">
-              <a:latin typeface="宋体" panose="02010600030101010101" pitchFamily="2" charset="-122"/>
-              <a:ea typeface="宋体" panose="02010600030101010101" pitchFamily="2" charset="-122"/>
-              <a:cs typeface="宋体" panose="02010600030101010101" pitchFamily="2" charset="-122"/>
-            </a:endParaRPr>
-          </a:p>
-          <a:p>
-            <a:r>
-              <a:rPr lang="zh-CN" altLang="en-US" sz="1600">
-                <a:latin typeface="宋体" panose="02010600030101010101" pitchFamily="2" charset="-122"/>
-                <a:ea typeface="宋体" panose="02010600030101010101" pitchFamily="2" charset="-122"/>
-                <a:cs typeface="宋体" panose="02010600030101010101" pitchFamily="2" charset="-122"/>
-              </a:rPr>
-              <a:t>静态代码块与静态方法一样，不能直接访问类的实例变量和实例方法，而需要通过类的实例对象来访问。</a:t>
-            </a:r>
-            <a:endParaRPr lang="zh-CN" altLang="en-US" sz="1600">
-              <a:latin typeface="宋体" panose="02010600030101010101" pitchFamily="2" charset="-122"/>
-              <a:ea typeface="宋体" panose="02010600030101010101" pitchFamily="2" charset="-122"/>
-              <a:cs typeface="宋体" panose="02010600030101010101" pitchFamily="2" charset="-122"/>
-            </a:endParaRPr>
-          </a:p>
-        </p:txBody>
-      </p:sp>
-    </p:spTree>
-    <p:custDataLst>
-      <p:tags r:id="rId2"/>
-    </p:custDataLst>
-  </p:cSld>
-  <p:clrMapOvr>
-    <a:masterClrMapping/>
-  </p:clrMapOvr>
-</p:sld>
-</file>
-
-<file path=ppt/slides/slide25.xml><?xml version="1.0" encoding="utf-8"?>
-<p:sld xmlns:a="http://schemas.openxmlformats.org/drawingml/2006/main" xmlns:r="http://schemas.openxmlformats.org/officeDocument/2006/relationships" xmlns:p="http://schemas.openxmlformats.org/presentationml/2006/main">
-  <p:cSld>
-    <p:bg>
-      <p:bgPr>
-        <a:blipFill rotWithShape="1">
-          <a:blip r:embed="rId1"/>
-          <a:stretch>
-            <a:fillRect/>
-          </a:stretch>
-        </a:blipFill>
-        <a:effectLst/>
-      </p:bgPr>
-    </p:bg>
-    <p:spTree>
-      <p:nvGrpSpPr>
-        <p:cNvPr id="1" name=""/>
-        <p:cNvGrpSpPr/>
-        <p:nvPr/>
-      </p:nvGrpSpPr>
-      <p:grpSpPr/>
-      <p:sp>
-        <p:nvSpPr>
-          <p:cNvPr id="3" name="文本框 2"/>
-          <p:cNvSpPr txBox="1"/>
-          <p:nvPr/>
-        </p:nvSpPr>
-        <p:spPr>
-          <a:xfrm>
-            <a:off x="3970655" y="806450"/>
-            <a:ext cx="3864610" cy="583565"/>
-          </a:xfrm>
-          <a:prstGeom prst="rect">
-            <a:avLst/>
-          </a:prstGeom>
-          <a:noFill/>
-        </p:spPr>
-        <p:txBody>
-          <a:bodyPr wrap="square" rtlCol="0">
-            <a:spAutoFit/>
-          </a:bodyPr>
-          <a:p>
-            <a:r>
-              <a:rPr lang="en-US" altLang="zh-CN" sz="3200"/>
-              <a:t>final </a:t>
-            </a:r>
-            <a:r>
-              <a:rPr lang="zh-CN" altLang="en-US" sz="3200"/>
-              <a:t>关键字</a:t>
-            </a:r>
-            <a:endParaRPr lang="zh-CN" altLang="en-US" sz="3200"/>
-          </a:p>
-        </p:txBody>
-      </p:sp>
-      <p:sp>
-        <p:nvSpPr>
-          <p:cNvPr id="2" name="文本框 1"/>
-          <p:cNvSpPr txBox="1"/>
-          <p:nvPr/>
-        </p:nvSpPr>
-        <p:spPr>
-          <a:xfrm>
-            <a:off x="212725" y="1483995"/>
-            <a:ext cx="11138535" cy="4276725"/>
-          </a:xfrm>
-          <a:prstGeom prst="rect">
-            <a:avLst/>
-          </a:prstGeom>
-          <a:noFill/>
-        </p:spPr>
-        <p:txBody>
-          <a:bodyPr wrap="square" rtlCol="0">
-            <a:spAutoFit/>
-          </a:bodyPr>
-          <a:p>
-            <a:r>
-              <a:rPr lang="zh-CN" altLang="en-US" sz="1600">
-                <a:latin typeface="宋体" panose="02010600030101010101" pitchFamily="2" charset="-122"/>
-                <a:ea typeface="宋体" panose="02010600030101010101" pitchFamily="2" charset="-122"/>
-                <a:cs typeface="宋体" panose="02010600030101010101" pitchFamily="2" charset="-122"/>
-              </a:rPr>
-              <a:t>final 修饰符使用总结</a:t>
-            </a:r>
-            <a:endParaRPr lang="zh-CN" altLang="en-US" sz="1600">
-              <a:latin typeface="宋体" panose="02010600030101010101" pitchFamily="2" charset="-122"/>
-              <a:ea typeface="宋体" panose="02010600030101010101" pitchFamily="2" charset="-122"/>
-              <a:cs typeface="宋体" panose="02010600030101010101" pitchFamily="2" charset="-122"/>
-            </a:endParaRPr>
-          </a:p>
-          <a:p>
-            <a:r>
-              <a:rPr lang="zh-CN" altLang="en-US" sz="1600">
-                <a:solidFill>
-                  <a:srgbClr val="FF0000"/>
-                </a:solidFill>
-                <a:latin typeface="宋体" panose="02010600030101010101" pitchFamily="2" charset="-122"/>
-                <a:ea typeface="宋体" panose="02010600030101010101" pitchFamily="2" charset="-122"/>
-                <a:cs typeface="宋体" panose="02010600030101010101" pitchFamily="2" charset="-122"/>
-              </a:rPr>
-              <a:t>1. final 修饰类中的变量</a:t>
-            </a:r>
-            <a:endParaRPr lang="zh-CN" altLang="en-US" sz="1600">
-              <a:solidFill>
-                <a:srgbClr val="FF0000"/>
-              </a:solidFill>
-              <a:latin typeface="宋体" panose="02010600030101010101" pitchFamily="2" charset="-122"/>
-              <a:ea typeface="宋体" panose="02010600030101010101" pitchFamily="2" charset="-122"/>
-              <a:cs typeface="宋体" panose="02010600030101010101" pitchFamily="2" charset="-122"/>
-            </a:endParaRPr>
-          </a:p>
-          <a:p>
-            <a:r>
-              <a:rPr lang="zh-CN" altLang="en-US" sz="1600">
-                <a:latin typeface="宋体" panose="02010600030101010101" pitchFamily="2" charset="-122"/>
-                <a:ea typeface="宋体" panose="02010600030101010101" pitchFamily="2" charset="-122"/>
-                <a:cs typeface="宋体" panose="02010600030101010101" pitchFamily="2" charset="-122"/>
-              </a:rPr>
-              <a:t>表示该变量一旦被初始化便不可改变，这里不可改变的意思对基本类型变量来说是其值不可变，而对对象引用类型变量来说其引用不可再变。其初始化可以在两个地方：一是其定义处，也就是说在 final 变量定义时直接给其赋值；二是在构造方法中。这两个地方只能选其一，要么在定义时给值，要么在构造方法中给值，不能同时既在定义时赋值，又在构造方法中赋予另外的值。</a:t>
-            </a:r>
-            <a:endParaRPr lang="zh-CN" altLang="en-US" sz="1600">
-              <a:latin typeface="宋体" panose="02010600030101010101" pitchFamily="2" charset="-122"/>
-              <a:ea typeface="宋体" panose="02010600030101010101" pitchFamily="2" charset="-122"/>
-              <a:cs typeface="宋体" panose="02010600030101010101" pitchFamily="2" charset="-122"/>
-            </a:endParaRPr>
-          </a:p>
-          <a:p>
-            <a:r>
-              <a:rPr lang="zh-CN" altLang="en-US" sz="1600">
-                <a:solidFill>
-                  <a:srgbClr val="FF0000"/>
-                </a:solidFill>
-                <a:latin typeface="宋体" panose="02010600030101010101" pitchFamily="2" charset="-122"/>
-                <a:ea typeface="宋体" panose="02010600030101010101" pitchFamily="2" charset="-122"/>
-                <a:cs typeface="宋体" panose="02010600030101010101" pitchFamily="2" charset="-122"/>
-              </a:rPr>
-              <a:t>2. final 修饰类中的方法</a:t>
-            </a:r>
-            <a:endParaRPr lang="zh-CN" altLang="en-US" sz="1600">
-              <a:solidFill>
-                <a:srgbClr val="FF0000"/>
-              </a:solidFill>
-              <a:latin typeface="宋体" panose="02010600030101010101" pitchFamily="2" charset="-122"/>
-              <a:ea typeface="宋体" panose="02010600030101010101" pitchFamily="2" charset="-122"/>
-              <a:cs typeface="宋体" panose="02010600030101010101" pitchFamily="2" charset="-122"/>
-            </a:endParaRPr>
-          </a:p>
-          <a:p>
-            <a:r>
-              <a:rPr lang="zh-CN" altLang="en-US" sz="1600">
-                <a:latin typeface="宋体" panose="02010600030101010101" pitchFamily="2" charset="-122"/>
-                <a:ea typeface="宋体" panose="02010600030101010101" pitchFamily="2" charset="-122"/>
-                <a:cs typeface="宋体" panose="02010600030101010101" pitchFamily="2" charset="-122"/>
-              </a:rPr>
-              <a:t>说明这种方法提供的功能已经满足当前要求，不需要进行扩展，并且也不允许任何从此类继承的类来重写这种方法，但是继承仍然可以继承这个方法，也就是说可以直接使用。在声明类中，一个 final 方法只被实现一次。</a:t>
-            </a:r>
-            <a:endParaRPr lang="zh-CN" altLang="en-US" sz="1600">
-              <a:latin typeface="宋体" panose="02010600030101010101" pitchFamily="2" charset="-122"/>
-              <a:ea typeface="宋体" panose="02010600030101010101" pitchFamily="2" charset="-122"/>
-              <a:cs typeface="宋体" panose="02010600030101010101" pitchFamily="2" charset="-122"/>
-            </a:endParaRPr>
-          </a:p>
-          <a:p>
-            <a:r>
-              <a:rPr lang="zh-CN" altLang="en-US" sz="1600">
-                <a:solidFill>
-                  <a:srgbClr val="FF0000"/>
-                </a:solidFill>
-                <a:latin typeface="宋体" panose="02010600030101010101" pitchFamily="2" charset="-122"/>
-                <a:ea typeface="宋体" panose="02010600030101010101" pitchFamily="2" charset="-122"/>
-                <a:cs typeface="宋体" panose="02010600030101010101" pitchFamily="2" charset="-122"/>
-              </a:rPr>
-              <a:t>3. final 修饰类</a:t>
-            </a:r>
-            <a:endParaRPr lang="zh-CN" altLang="en-US" sz="1600">
-              <a:solidFill>
-                <a:srgbClr val="FF0000"/>
-              </a:solidFill>
-              <a:latin typeface="宋体" panose="02010600030101010101" pitchFamily="2" charset="-122"/>
-              <a:ea typeface="宋体" panose="02010600030101010101" pitchFamily="2" charset="-122"/>
-              <a:cs typeface="宋体" panose="02010600030101010101" pitchFamily="2" charset="-122"/>
-            </a:endParaRPr>
-          </a:p>
-          <a:p>
-            <a:r>
-              <a:rPr lang="zh-CN" altLang="en-US" sz="1600">
-                <a:latin typeface="宋体" panose="02010600030101010101" pitchFamily="2" charset="-122"/>
-                <a:ea typeface="宋体" panose="02010600030101010101" pitchFamily="2" charset="-122"/>
-                <a:cs typeface="宋体" panose="02010600030101010101" pitchFamily="2" charset="-122"/>
-              </a:rPr>
-              <a:t>表示该类是无法被任何其他类继承的，意味着此类在一个继承树中是一个叶子类，并且此类的设计已被认为很完美而不需要进行修改或扩展。</a:t>
-            </a:r>
-            <a:endParaRPr lang="zh-CN" altLang="en-US" sz="1600">
-              <a:latin typeface="宋体" panose="02010600030101010101" pitchFamily="2" charset="-122"/>
-              <a:ea typeface="宋体" panose="02010600030101010101" pitchFamily="2" charset="-122"/>
-              <a:cs typeface="宋体" panose="02010600030101010101" pitchFamily="2" charset="-122"/>
-            </a:endParaRPr>
-          </a:p>
-          <a:p>
-            <a:endParaRPr lang="zh-CN" altLang="en-US" sz="1600">
-              <a:latin typeface="宋体" panose="02010600030101010101" pitchFamily="2" charset="-122"/>
-              <a:ea typeface="宋体" panose="02010600030101010101" pitchFamily="2" charset="-122"/>
-              <a:cs typeface="宋体" panose="02010600030101010101" pitchFamily="2" charset="-122"/>
-            </a:endParaRPr>
-          </a:p>
-          <a:p>
-            <a:r>
-              <a:rPr lang="zh-CN" altLang="en-US" sz="1600">
-                <a:latin typeface="宋体" panose="02010600030101010101" pitchFamily="2" charset="-122"/>
-                <a:ea typeface="宋体" panose="02010600030101010101" pitchFamily="2" charset="-122"/>
-                <a:cs typeface="宋体" panose="02010600030101010101" pitchFamily="2" charset="-122"/>
-              </a:rPr>
-              <a:t>对于 final 类中的成员，可以定义其为 final，也可以不是 final。而对于方法，由于所属类为 final 的关系，自然也就成了 final 型。也可以明确地给 final 类中的方法加上一个 final，这显然没有意义。</a:t>
-            </a:r>
-            <a:endParaRPr lang="zh-CN" altLang="en-US" sz="1600">
-              <a:latin typeface="宋体" panose="02010600030101010101" pitchFamily="2" charset="-122"/>
-              <a:ea typeface="宋体" panose="02010600030101010101" pitchFamily="2" charset="-122"/>
-              <a:cs typeface="宋体" panose="02010600030101010101" pitchFamily="2" charset="-122"/>
-            </a:endParaRPr>
-          </a:p>
-          <a:p>
-            <a:br>
-              <a:rPr lang="zh-CN" altLang="en-US" sz="1600">
-                <a:latin typeface="宋体" panose="02010600030101010101" pitchFamily="2" charset="-122"/>
-                <a:ea typeface="宋体" panose="02010600030101010101" pitchFamily="2" charset="-122"/>
-                <a:cs typeface="宋体" panose="02010600030101010101" pitchFamily="2" charset="-122"/>
-              </a:rPr>
-            </a:br>
-            <a:r>
-              <a:rPr lang="zh-CN" altLang="en-US" sz="1600">
-                <a:latin typeface="宋体" panose="02010600030101010101" pitchFamily="2" charset="-122"/>
-                <a:ea typeface="宋体" panose="02010600030101010101" pitchFamily="2" charset="-122"/>
-                <a:cs typeface="宋体" panose="02010600030101010101" pitchFamily="2" charset="-122"/>
-              </a:rPr>
-              <a:t>在JDK中的一些基础类库被定义为final的，例如：String、Math、Integer、Double 等等。</a:t>
-            </a:r>
-            <a:endParaRPr lang="zh-CN" altLang="en-US" sz="1600">
-              <a:latin typeface="宋体" panose="02010600030101010101" pitchFamily="2" charset="-122"/>
-              <a:ea typeface="宋体" panose="02010600030101010101" pitchFamily="2" charset="-122"/>
-              <a:cs typeface="宋体" panose="02010600030101010101" pitchFamily="2" charset="-122"/>
-            </a:endParaRPr>
-          </a:p>
-        </p:txBody>
-      </p:sp>
-    </p:spTree>
-    <p:custDataLst>
-      <p:tags r:id="rId2"/>
-    </p:custDataLst>
-  </p:cSld>
-  <p:clrMapOvr>
-    <a:masterClrMapping/>
-  </p:clrMapOvr>
-</p:sld>
-</file>
-
-<file path=ppt/slides/slide26.xml><?xml version="1.0" encoding="utf-8"?>
-<p:sld xmlns:a="http://schemas.openxmlformats.org/drawingml/2006/main" xmlns:r="http://schemas.openxmlformats.org/officeDocument/2006/relationships" xmlns:p="http://schemas.openxmlformats.org/presentationml/2006/main">
-  <p:cSld>
-    <p:bg>
-      <p:bgPr>
-        <a:blipFill rotWithShape="1">
-          <a:blip r:embed="rId1"/>
-          <a:stretch>
-            <a:fillRect/>
-          </a:stretch>
-        </a:blipFill>
-        <a:effectLst/>
-      </p:bgPr>
-    </p:bg>
-    <p:spTree>
-      <p:nvGrpSpPr>
-        <p:cNvPr id="1" name=""/>
-        <p:cNvGrpSpPr/>
-        <p:nvPr/>
-      </p:nvGrpSpPr>
-      <p:grpSpPr/>
-      <p:sp>
-        <p:nvSpPr>
-          <p:cNvPr id="2" name="文本框 1"/>
-          <p:cNvSpPr txBox="1"/>
-          <p:nvPr/>
-        </p:nvSpPr>
-        <p:spPr>
-          <a:xfrm>
-            <a:off x="194310" y="800735"/>
-            <a:ext cx="11612245" cy="5015865"/>
-          </a:xfrm>
-          <a:prstGeom prst="rect">
-            <a:avLst/>
-          </a:prstGeom>
-          <a:noFill/>
-        </p:spPr>
-        <p:txBody>
-          <a:bodyPr wrap="square" rtlCol="0">
-            <a:spAutoFit/>
-          </a:bodyPr>
-          <a:p>
-            <a:r>
-              <a:rPr lang="zh-CN" altLang="en-US" sz="1600">
-                <a:latin typeface="宋体" panose="02010600030101010101" pitchFamily="2" charset="-122"/>
-                <a:ea typeface="宋体" panose="02010600030101010101" pitchFamily="2" charset="-122"/>
-                <a:cs typeface="宋体" panose="02010600030101010101" pitchFamily="2" charset="-122"/>
-              </a:rPr>
-              <a:t>Java方法的可变参数</a:t>
-            </a:r>
-            <a:endParaRPr lang="zh-CN" altLang="en-US" sz="1600">
-              <a:latin typeface="宋体" panose="02010600030101010101" pitchFamily="2" charset="-122"/>
-              <a:ea typeface="宋体" panose="02010600030101010101" pitchFamily="2" charset="-122"/>
-              <a:cs typeface="宋体" panose="02010600030101010101" pitchFamily="2" charset="-122"/>
-            </a:endParaRPr>
-          </a:p>
-          <a:p>
-            <a:endParaRPr lang="zh-CN" altLang="en-US" sz="1600">
-              <a:latin typeface="宋体" panose="02010600030101010101" pitchFamily="2" charset="-122"/>
-              <a:ea typeface="宋体" panose="02010600030101010101" pitchFamily="2" charset="-122"/>
-              <a:cs typeface="宋体" panose="02010600030101010101" pitchFamily="2" charset="-122"/>
-            </a:endParaRPr>
-          </a:p>
-          <a:p>
-            <a:r>
-              <a:rPr lang="zh-CN" altLang="en-US" sz="1600">
-                <a:latin typeface="宋体" panose="02010600030101010101" pitchFamily="2" charset="-122"/>
-                <a:ea typeface="宋体" panose="02010600030101010101" pitchFamily="2" charset="-122"/>
-                <a:cs typeface="宋体" panose="02010600030101010101" pitchFamily="2" charset="-122"/>
-              </a:rPr>
-              <a:t>在具体实际开发过程中，有时方法中参数的个数是不确定的。为了解决这个问题，在 J2SE 5.0 版本中引入了可变参数的概念。</a:t>
-            </a:r>
-            <a:endParaRPr lang="zh-CN" altLang="en-US" sz="1600">
-              <a:latin typeface="宋体" panose="02010600030101010101" pitchFamily="2" charset="-122"/>
-              <a:ea typeface="宋体" panose="02010600030101010101" pitchFamily="2" charset="-122"/>
-              <a:cs typeface="宋体" panose="02010600030101010101" pitchFamily="2" charset="-122"/>
-            </a:endParaRPr>
-          </a:p>
-          <a:p>
-            <a:endParaRPr lang="zh-CN" altLang="en-US" sz="1600">
-              <a:latin typeface="宋体" panose="02010600030101010101" pitchFamily="2" charset="-122"/>
-              <a:ea typeface="宋体" panose="02010600030101010101" pitchFamily="2" charset="-122"/>
-              <a:cs typeface="宋体" panose="02010600030101010101" pitchFamily="2" charset="-122"/>
-            </a:endParaRPr>
-          </a:p>
-          <a:p>
-            <a:r>
-              <a:rPr lang="zh-CN" altLang="en-US" sz="1600">
-                <a:latin typeface="宋体" panose="02010600030101010101" pitchFamily="2" charset="-122"/>
-                <a:ea typeface="宋体" panose="02010600030101010101" pitchFamily="2" charset="-122"/>
-                <a:cs typeface="宋体" panose="02010600030101010101" pitchFamily="2" charset="-122"/>
-              </a:rPr>
-              <a:t>声明可变参数的语法格式如下：</a:t>
-            </a:r>
-            <a:endParaRPr lang="zh-CN" altLang="en-US" sz="1600">
-              <a:latin typeface="宋体" panose="02010600030101010101" pitchFamily="2" charset="-122"/>
-              <a:ea typeface="宋体" panose="02010600030101010101" pitchFamily="2" charset="-122"/>
-              <a:cs typeface="宋体" panose="02010600030101010101" pitchFamily="2" charset="-122"/>
-            </a:endParaRPr>
-          </a:p>
-          <a:p>
-            <a:r>
-              <a:rPr lang="zh-CN" altLang="en-US" sz="1600">
-                <a:latin typeface="宋体" panose="02010600030101010101" pitchFamily="2" charset="-122"/>
-                <a:ea typeface="宋体" panose="02010600030101010101" pitchFamily="2" charset="-122"/>
-                <a:cs typeface="宋体" panose="02010600030101010101" pitchFamily="2" charset="-122"/>
-              </a:rPr>
-              <a:t>methodName({paramList},paramType…paramName)</a:t>
-            </a:r>
-            <a:endParaRPr lang="zh-CN" altLang="en-US" sz="1600">
-              <a:latin typeface="宋体" panose="02010600030101010101" pitchFamily="2" charset="-122"/>
-              <a:ea typeface="宋体" panose="02010600030101010101" pitchFamily="2" charset="-122"/>
-              <a:cs typeface="宋体" panose="02010600030101010101" pitchFamily="2" charset="-122"/>
-            </a:endParaRPr>
-          </a:p>
-          <a:p>
-            <a:r>
-              <a:rPr lang="zh-CN" altLang="en-US" sz="1600">
-                <a:latin typeface="宋体" panose="02010600030101010101" pitchFamily="2" charset="-122"/>
-                <a:ea typeface="宋体" panose="02010600030101010101" pitchFamily="2" charset="-122"/>
-                <a:cs typeface="宋体" panose="02010600030101010101" pitchFamily="2" charset="-122"/>
-              </a:rPr>
-              <a:t>其中，methodName 表示方法名称；paramList 表示方法的固定参数列表；paramType 表示可变参数的类型；… 是声明可变参数的标识；paramName 表示可变参数名称。</a:t>
-            </a:r>
-            <a:endParaRPr lang="zh-CN" altLang="en-US" sz="1600">
-              <a:latin typeface="宋体" panose="02010600030101010101" pitchFamily="2" charset="-122"/>
-              <a:ea typeface="宋体" panose="02010600030101010101" pitchFamily="2" charset="-122"/>
-              <a:cs typeface="宋体" panose="02010600030101010101" pitchFamily="2" charset="-122"/>
-            </a:endParaRPr>
-          </a:p>
-          <a:p>
-            <a:endParaRPr lang="zh-CN" altLang="en-US" sz="1600">
-              <a:latin typeface="宋体" panose="02010600030101010101" pitchFamily="2" charset="-122"/>
-              <a:ea typeface="宋体" panose="02010600030101010101" pitchFamily="2" charset="-122"/>
-              <a:cs typeface="宋体" panose="02010600030101010101" pitchFamily="2" charset="-122"/>
-            </a:endParaRPr>
-          </a:p>
-          <a:p>
-            <a:endParaRPr lang="zh-CN" altLang="en-US" sz="1600">
-              <a:latin typeface="宋体" panose="02010600030101010101" pitchFamily="2" charset="-122"/>
-              <a:ea typeface="宋体" panose="02010600030101010101" pitchFamily="2" charset="-122"/>
-              <a:cs typeface="宋体" panose="02010600030101010101" pitchFamily="2" charset="-122"/>
-            </a:endParaRPr>
-          </a:p>
-          <a:p>
-            <a:r>
-              <a:rPr lang="zh-CN" altLang="en-US" sz="1600">
-                <a:latin typeface="宋体" panose="02010600030101010101" pitchFamily="2" charset="-122"/>
-                <a:ea typeface="宋体" panose="02010600030101010101" pitchFamily="2" charset="-122"/>
-                <a:cs typeface="宋体" panose="02010600030101010101" pitchFamily="2" charset="-122"/>
-              </a:rPr>
-              <a:t>析构方法与构造方法相反，当对象脱离其作用域时（例如对象所在的方法已调用完毕），系统自动执行析构方法。析构方法往往用来做清理垃圾碎片的工作，例如在建立对象时用 new 开辟了一片内存空间，应退出前在析构方法中将其释放。</a:t>
-            </a:r>
-            <a:endParaRPr lang="zh-CN" altLang="en-US" sz="1600">
-              <a:latin typeface="宋体" panose="02010600030101010101" pitchFamily="2" charset="-122"/>
-              <a:ea typeface="宋体" panose="02010600030101010101" pitchFamily="2" charset="-122"/>
-              <a:cs typeface="宋体" panose="02010600030101010101" pitchFamily="2" charset="-122"/>
-            </a:endParaRPr>
-          </a:p>
-          <a:p>
-            <a:endParaRPr lang="zh-CN" altLang="en-US" sz="1600">
-              <a:latin typeface="宋体" panose="02010600030101010101" pitchFamily="2" charset="-122"/>
-              <a:ea typeface="宋体" panose="02010600030101010101" pitchFamily="2" charset="-122"/>
-              <a:cs typeface="宋体" panose="02010600030101010101" pitchFamily="2" charset="-122"/>
-            </a:endParaRPr>
-          </a:p>
-          <a:p>
-            <a:r>
-              <a:rPr lang="zh-CN" altLang="en-US" sz="1600">
-                <a:latin typeface="宋体" panose="02010600030101010101" pitchFamily="2" charset="-122"/>
-                <a:ea typeface="宋体" panose="02010600030101010101" pitchFamily="2" charset="-122"/>
-                <a:cs typeface="宋体" panose="02010600030101010101" pitchFamily="2" charset="-122"/>
-              </a:rPr>
-              <a:t>在 Java 的 Object 类中还提供了一个 protected 类型的 finalize() 方法，因此任何 Java 类都可以覆盖这个方法，在这个方法中进行释放对象所占有的相关资源的操作。</a:t>
-            </a:r>
-            <a:endParaRPr lang="zh-CN" altLang="en-US" sz="1600">
-              <a:latin typeface="宋体" panose="02010600030101010101" pitchFamily="2" charset="-122"/>
-              <a:ea typeface="宋体" panose="02010600030101010101" pitchFamily="2" charset="-122"/>
-              <a:cs typeface="宋体" panose="02010600030101010101" pitchFamily="2" charset="-122"/>
-            </a:endParaRPr>
-          </a:p>
-          <a:p>
-            <a:endParaRPr lang="zh-CN" altLang="en-US" sz="1600">
-              <a:latin typeface="宋体" panose="02010600030101010101" pitchFamily="2" charset="-122"/>
-              <a:ea typeface="宋体" panose="02010600030101010101" pitchFamily="2" charset="-122"/>
-              <a:cs typeface="宋体" panose="02010600030101010101" pitchFamily="2" charset="-122"/>
-            </a:endParaRPr>
-          </a:p>
-          <a:p>
-            <a:r>
-              <a:rPr lang="zh-CN" altLang="en-US" sz="1600">
-                <a:latin typeface="宋体" panose="02010600030101010101" pitchFamily="2" charset="-122"/>
-                <a:ea typeface="宋体" panose="02010600030101010101" pitchFamily="2" charset="-122"/>
-                <a:cs typeface="宋体" panose="02010600030101010101" pitchFamily="2" charset="-122"/>
-              </a:rPr>
-              <a:t>对象的 finalize() 方法具有如下特点：</a:t>
-            </a:r>
-            <a:endParaRPr lang="zh-CN" altLang="en-US" sz="1600">
-              <a:latin typeface="宋体" panose="02010600030101010101" pitchFamily="2" charset="-122"/>
-              <a:ea typeface="宋体" panose="02010600030101010101" pitchFamily="2" charset="-122"/>
-              <a:cs typeface="宋体" panose="02010600030101010101" pitchFamily="2" charset="-122"/>
-            </a:endParaRPr>
-          </a:p>
-          <a:p>
-            <a:r>
-              <a:rPr lang="zh-CN" altLang="en-US" sz="1600">
-                <a:latin typeface="宋体" panose="02010600030101010101" pitchFamily="2" charset="-122"/>
-                <a:ea typeface="宋体" panose="02010600030101010101" pitchFamily="2" charset="-122"/>
-                <a:cs typeface="宋体" panose="02010600030101010101" pitchFamily="2" charset="-122"/>
-              </a:rPr>
-              <a:t>垃圾回收器是否会执行该方法以及何时执行该方法，都是不确定的。</a:t>
-            </a:r>
-            <a:endParaRPr lang="zh-CN" altLang="en-US" sz="1600">
-              <a:latin typeface="宋体" panose="02010600030101010101" pitchFamily="2" charset="-122"/>
-              <a:ea typeface="宋体" panose="02010600030101010101" pitchFamily="2" charset="-122"/>
-              <a:cs typeface="宋体" panose="02010600030101010101" pitchFamily="2" charset="-122"/>
-            </a:endParaRPr>
-          </a:p>
-          <a:p>
-            <a:r>
-              <a:rPr lang="zh-CN" altLang="en-US" sz="1600">
-                <a:latin typeface="宋体" panose="02010600030101010101" pitchFamily="2" charset="-122"/>
-                <a:ea typeface="宋体" panose="02010600030101010101" pitchFamily="2" charset="-122"/>
-                <a:cs typeface="宋体" panose="02010600030101010101" pitchFamily="2" charset="-122"/>
-              </a:rPr>
-              <a:t>finalize() 方法有可能使用对象复活，使对象恢复到可触及状态。</a:t>
-            </a:r>
-            <a:endParaRPr lang="zh-CN" altLang="en-US" sz="1600">
-              <a:latin typeface="宋体" panose="02010600030101010101" pitchFamily="2" charset="-122"/>
-              <a:ea typeface="宋体" panose="02010600030101010101" pitchFamily="2" charset="-122"/>
-              <a:cs typeface="宋体" panose="02010600030101010101" pitchFamily="2" charset="-122"/>
-            </a:endParaRPr>
-          </a:p>
-          <a:p>
-            <a:r>
-              <a:rPr lang="zh-CN" altLang="en-US" sz="1600">
-                <a:latin typeface="宋体" panose="02010600030101010101" pitchFamily="2" charset="-122"/>
-                <a:ea typeface="宋体" panose="02010600030101010101" pitchFamily="2" charset="-122"/>
-                <a:cs typeface="宋体" panose="02010600030101010101" pitchFamily="2" charset="-122"/>
-              </a:rPr>
-              <a:t>垃圾回收器在执行 finalize() 方法时，如果出现异常，垃圾回收器不会报告异常，程序继续正常运行。</a:t>
-            </a:r>
-            <a:endParaRPr lang="zh-CN" altLang="en-US" sz="1600">
-              <a:latin typeface="宋体" panose="02010600030101010101" pitchFamily="2" charset="-122"/>
-              <a:ea typeface="宋体" panose="02010600030101010101" pitchFamily="2" charset="-122"/>
-              <a:cs typeface="宋体" panose="02010600030101010101" pitchFamily="2" charset="-122"/>
-            </a:endParaRPr>
-          </a:p>
-        </p:txBody>
-      </p:sp>
-    </p:spTree>
-    <p:custDataLst>
-      <p:tags r:id="rId2"/>
-    </p:custDataLst>
-  </p:cSld>
-  <p:clrMapOvr>
-    <a:masterClrMapping/>
-  </p:clrMapOvr>
-</p:sld>
-</file>
-
-<file path=ppt/slides/slide27.xml><?xml version="1.0" encoding="utf-8"?>
-<p:sld xmlns:a="http://schemas.openxmlformats.org/drawingml/2006/main" xmlns:r="http://schemas.openxmlformats.org/officeDocument/2006/relationships" xmlns:p="http://schemas.openxmlformats.org/presentationml/2006/main">
-  <p:cSld>
-    <p:bg>
-      <p:bgPr>
-        <a:blipFill rotWithShape="1">
-          <a:blip r:embed="rId1"/>
-          <a:stretch>
-            <a:fillRect/>
-          </a:stretch>
-        </a:blipFill>
-        <a:effectLst/>
-      </p:bgPr>
-    </p:bg>
-    <p:spTree>
-      <p:nvGrpSpPr>
-        <p:cNvPr id="1" name=""/>
-        <p:cNvGrpSpPr/>
-        <p:nvPr/>
-      </p:nvGrpSpPr>
-      <p:grpSpPr/>
-      <p:sp>
-        <p:nvSpPr>
-          <p:cNvPr id="3" name="文本框 2"/>
-          <p:cNvSpPr txBox="1"/>
-          <p:nvPr/>
-        </p:nvSpPr>
-        <p:spPr>
-          <a:xfrm>
-            <a:off x="212725" y="1666240"/>
-            <a:ext cx="11411585" cy="3784600"/>
-          </a:xfrm>
-          <a:prstGeom prst="rect">
-            <a:avLst/>
-          </a:prstGeom>
-          <a:noFill/>
-        </p:spPr>
-        <p:txBody>
-          <a:bodyPr wrap="square" rtlCol="0">
-            <a:spAutoFit/>
-          </a:bodyPr>
-          <a:p>
-            <a:r>
-              <a:rPr lang="zh-CN" altLang="en-US" sz="1600">
-                <a:latin typeface="宋体" panose="02010600030101010101" pitchFamily="2" charset="-122"/>
-                <a:ea typeface="宋体" panose="02010600030101010101" pitchFamily="2" charset="-122"/>
-                <a:cs typeface="宋体" panose="02010600030101010101" pitchFamily="2" charset="-122"/>
-              </a:rPr>
-              <a:t>由abstract修饰的方法为抽象方法，抽象方法即只有方法的定义，没有方法体实现，用一个分号结尾。即方法五要素中，抽象方法缺少了一要素（即：方法体）。也可以将抽象方法理解为不完整的方法。</a:t>
-            </a:r>
-            <a:endParaRPr lang="zh-CN" altLang="en-US" sz="1600">
-              <a:latin typeface="宋体" panose="02010600030101010101" pitchFamily="2" charset="-122"/>
-              <a:ea typeface="宋体" panose="02010600030101010101" pitchFamily="2" charset="-122"/>
-              <a:cs typeface="宋体" panose="02010600030101010101" pitchFamily="2" charset="-122"/>
-            </a:endParaRPr>
-          </a:p>
-          <a:p>
-            <a:endParaRPr lang="zh-CN" altLang="en-US" sz="1600">
-              <a:latin typeface="宋体" panose="02010600030101010101" pitchFamily="2" charset="-122"/>
-              <a:ea typeface="宋体" panose="02010600030101010101" pitchFamily="2" charset="-122"/>
-              <a:cs typeface="宋体" panose="02010600030101010101" pitchFamily="2" charset="-122"/>
-            </a:endParaRPr>
-          </a:p>
-          <a:p>
-            <a:r>
-              <a:rPr lang="zh-CN" altLang="en-US" sz="1600">
-                <a:latin typeface="宋体" panose="02010600030101010101" pitchFamily="2" charset="-122"/>
-                <a:ea typeface="宋体" panose="02010600030101010101" pitchFamily="2" charset="-122"/>
-                <a:cs typeface="宋体" panose="02010600030101010101" pitchFamily="2" charset="-122"/>
-              </a:rPr>
-              <a:t>若将抽象方法包含在类中，则该类也应该为抽象的，可以理解为，该类也不完整。抽象类由abstract关键字声明。</a:t>
-            </a:r>
-            <a:endParaRPr lang="zh-CN" altLang="en-US" sz="1600">
-              <a:latin typeface="宋体" panose="02010600030101010101" pitchFamily="2" charset="-122"/>
-              <a:ea typeface="宋体" panose="02010600030101010101" pitchFamily="2" charset="-122"/>
-              <a:cs typeface="宋体" panose="02010600030101010101" pitchFamily="2" charset="-122"/>
-            </a:endParaRPr>
-          </a:p>
-          <a:p>
-            <a:endParaRPr lang="zh-CN" altLang="en-US" sz="1600">
-              <a:latin typeface="宋体" panose="02010600030101010101" pitchFamily="2" charset="-122"/>
-              <a:ea typeface="宋体" panose="02010600030101010101" pitchFamily="2" charset="-122"/>
-              <a:cs typeface="宋体" panose="02010600030101010101" pitchFamily="2" charset="-122"/>
-            </a:endParaRPr>
-          </a:p>
-          <a:p>
-            <a:r>
-              <a:rPr lang="zh-CN" altLang="en-US" sz="1600">
-                <a:latin typeface="宋体" panose="02010600030101010101" pitchFamily="2" charset="-122"/>
-                <a:ea typeface="宋体" panose="02010600030101010101" pitchFamily="2" charset="-122"/>
-                <a:cs typeface="宋体" panose="02010600030101010101" pitchFamily="2" charset="-122"/>
-              </a:rPr>
-              <a:t>抽象类是不能实例化对象的，而一个类不能实例化是没有意义的，所以，需要定义类来继承抽象类，而如果一个类继承了抽象类，则其必须重写其抽象方法（变不完整为完整），除非该类也声明为抽象类。</a:t>
-            </a:r>
-            <a:endParaRPr lang="zh-CN" altLang="en-US" sz="1600">
-              <a:latin typeface="宋体" panose="02010600030101010101" pitchFamily="2" charset="-122"/>
-              <a:ea typeface="宋体" panose="02010600030101010101" pitchFamily="2" charset="-122"/>
-              <a:cs typeface="宋体" panose="02010600030101010101" pitchFamily="2" charset="-122"/>
-            </a:endParaRPr>
-          </a:p>
-          <a:p>
-            <a:endParaRPr lang="zh-CN" altLang="en-US" sz="1600">
-              <a:latin typeface="宋体" panose="02010600030101010101" pitchFamily="2" charset="-122"/>
-              <a:ea typeface="宋体" panose="02010600030101010101" pitchFamily="2" charset="-122"/>
-              <a:cs typeface="宋体" panose="02010600030101010101" pitchFamily="2" charset="-122"/>
-            </a:endParaRPr>
-          </a:p>
-          <a:p>
-            <a:r>
-              <a:rPr lang="zh-CN" altLang="en-US" sz="1600">
-                <a:latin typeface="宋体" panose="02010600030101010101" pitchFamily="2" charset="-122"/>
-                <a:ea typeface="宋体" panose="02010600030101010101" pitchFamily="2" charset="-122"/>
-                <a:cs typeface="宋体" panose="02010600030101010101" pitchFamily="2" charset="-122"/>
-              </a:rPr>
-              <a:t>抽象类不可以实例化(不能new对象)</a:t>
-            </a:r>
-            <a:endParaRPr lang="zh-CN" altLang="en-US" sz="1600">
-              <a:latin typeface="宋体" panose="02010600030101010101" pitchFamily="2" charset="-122"/>
-              <a:ea typeface="宋体" panose="02010600030101010101" pitchFamily="2" charset="-122"/>
-              <a:cs typeface="宋体" panose="02010600030101010101" pitchFamily="2" charset="-122"/>
-            </a:endParaRPr>
-          </a:p>
-          <a:p>
-            <a:endParaRPr lang="zh-CN" altLang="en-US" sz="1600">
-              <a:latin typeface="宋体" panose="02010600030101010101" pitchFamily="2" charset="-122"/>
-              <a:ea typeface="宋体" panose="02010600030101010101" pitchFamily="2" charset="-122"/>
-              <a:cs typeface="宋体" panose="02010600030101010101" pitchFamily="2" charset="-122"/>
-            </a:endParaRPr>
-          </a:p>
-          <a:p>
-            <a:r>
-              <a:rPr lang="zh-CN" altLang="en-US" sz="1600">
-                <a:latin typeface="宋体" panose="02010600030101010101" pitchFamily="2" charset="-122"/>
-                <a:ea typeface="宋体" panose="02010600030101010101" pitchFamily="2" charset="-122"/>
-                <a:cs typeface="宋体" panose="02010600030101010101" pitchFamily="2" charset="-122"/>
-              </a:rPr>
-              <a:t>即使一个类中没有抽象方法，也可以将其定义为抽象类，同样，该类不可以实例化。</a:t>
-            </a:r>
-            <a:endParaRPr lang="zh-CN" altLang="en-US" sz="1600">
-              <a:latin typeface="宋体" panose="02010600030101010101" pitchFamily="2" charset="-122"/>
-              <a:ea typeface="宋体" panose="02010600030101010101" pitchFamily="2" charset="-122"/>
-              <a:cs typeface="宋体" panose="02010600030101010101" pitchFamily="2" charset="-122"/>
-            </a:endParaRPr>
-          </a:p>
-          <a:p>
-            <a:r>
-              <a:rPr lang="zh-CN" altLang="en-US" sz="1600">
-                <a:latin typeface="宋体" panose="02010600030101010101" pitchFamily="2" charset="-122"/>
-                <a:ea typeface="宋体" panose="02010600030101010101" pitchFamily="2" charset="-122"/>
-                <a:cs typeface="宋体" panose="02010600030101010101" pitchFamily="2" charset="-122"/>
-              </a:rPr>
-              <a:t>需要注意一点：abstract和final关键字不可以同时用于修饰一个类，因为final关键字使得类不可继承，而abstract修饰的类如果不可以继承将没有任何意义。两者放在一起，会起冲突。</a:t>
-            </a:r>
-            <a:endParaRPr lang="zh-CN" altLang="en-US" sz="1600">
-              <a:latin typeface="宋体" panose="02010600030101010101" pitchFamily="2" charset="-122"/>
-              <a:ea typeface="宋体" panose="02010600030101010101" pitchFamily="2" charset="-122"/>
-              <a:cs typeface="宋体" panose="02010600030101010101" pitchFamily="2" charset="-122"/>
-            </a:endParaRPr>
-          </a:p>
-          <a:p>
-            <a:endParaRPr lang="zh-CN" altLang="en-US" sz="1600">
-              <a:latin typeface="宋体" panose="02010600030101010101" pitchFamily="2" charset="-122"/>
-              <a:ea typeface="宋体" panose="02010600030101010101" pitchFamily="2" charset="-122"/>
-              <a:cs typeface="宋体" panose="02010600030101010101" pitchFamily="2" charset="-122"/>
-            </a:endParaRPr>
-          </a:p>
-          <a:p>
-            <a:r>
-              <a:rPr lang="zh-CN" altLang="en-US" sz="1600">
-                <a:latin typeface="宋体" panose="02010600030101010101" pitchFamily="2" charset="-122"/>
-                <a:ea typeface="宋体" panose="02010600030101010101" pitchFamily="2" charset="-122"/>
-                <a:cs typeface="宋体" panose="02010600030101010101" pitchFamily="2" charset="-122"/>
-              </a:rPr>
-              <a:t>抽象方法和抽象类都不完整,需要子类继承.(包含抽象方法的类必须是抽象类)</a:t>
-            </a:r>
-            <a:endParaRPr lang="zh-CN" altLang="en-US" sz="1600">
-              <a:latin typeface="宋体" panose="02010600030101010101" pitchFamily="2" charset="-122"/>
-              <a:ea typeface="宋体" panose="02010600030101010101" pitchFamily="2" charset="-122"/>
-              <a:cs typeface="宋体" panose="02010600030101010101" pitchFamily="2" charset="-122"/>
-            </a:endParaRPr>
-          </a:p>
-        </p:txBody>
-      </p:sp>
-      <p:sp>
-        <p:nvSpPr>
-          <p:cNvPr id="4" name="文本框 3"/>
-          <p:cNvSpPr txBox="1"/>
-          <p:nvPr/>
-        </p:nvSpPr>
-        <p:spPr>
-          <a:xfrm>
-            <a:off x="2094865" y="806450"/>
-            <a:ext cx="8425815" cy="583565"/>
-          </a:xfrm>
-          <a:prstGeom prst="rect">
-            <a:avLst/>
-          </a:prstGeom>
-          <a:noFill/>
-        </p:spPr>
-        <p:txBody>
-          <a:bodyPr wrap="square" rtlCol="0">
-            <a:spAutoFit/>
-          </a:bodyPr>
-          <a:p>
-            <a:r>
-              <a:rPr lang="zh-CN" altLang="en-US" sz="3200">
-                <a:sym typeface="+mn-ea"/>
-              </a:rPr>
-              <a:t> </a:t>
-            </a:r>
-            <a:r>
-              <a:rPr lang="zh-CN" altLang="en-US" sz="3200">
-                <a:sym typeface="+mn-ea"/>
-              </a:rPr>
-              <a:t>abstract </a:t>
-            </a:r>
-            <a:r>
-              <a:rPr lang="zh-CN" altLang="en-US" sz="3200">
-                <a:sym typeface="+mn-ea"/>
-              </a:rPr>
-              <a:t>抽象类(不完整)和抽象方法(不完整)</a:t>
-            </a:r>
-            <a:endParaRPr lang="zh-CN" altLang="en-US" sz="3200"/>
-          </a:p>
-        </p:txBody>
-      </p:sp>
-    </p:spTree>
-    <p:custDataLst>
-      <p:tags r:id="rId2"/>
-    </p:custDataLst>
-  </p:cSld>
-  <p:clrMapOvr>
-    <a:masterClrMapping/>
-  </p:clrMapOvr>
-</p:sld>
-</file>
-
-<file path=ppt/slides/slide28.xml><?xml version="1.0" encoding="utf-8"?>
-<p:sld xmlns:a="http://schemas.openxmlformats.org/drawingml/2006/main" xmlns:r="http://schemas.openxmlformats.org/officeDocument/2006/relationships" xmlns:p="http://schemas.openxmlformats.org/presentationml/2006/main">
-  <p:cSld>
-    <p:bg>
-      <p:bgPr>
-        <a:blipFill rotWithShape="1">
-          <a:blip r:embed="rId1"/>
-          <a:stretch>
-            <a:fillRect/>
-          </a:stretch>
-        </a:blipFill>
-        <a:effectLst/>
-      </p:bgPr>
-    </p:bg>
-    <p:spTree>
-      <p:nvGrpSpPr>
-        <p:cNvPr id="1" name=""/>
-        <p:cNvGrpSpPr/>
-        <p:nvPr/>
-      </p:nvGrpSpPr>
-      <p:grpSpPr/>
-      <p:sp>
-        <p:nvSpPr>
-          <p:cNvPr id="2" name="文本框 1"/>
-          <p:cNvSpPr txBox="1"/>
-          <p:nvPr/>
-        </p:nvSpPr>
-        <p:spPr>
-          <a:xfrm>
-            <a:off x="221615" y="828040"/>
-            <a:ext cx="11612245" cy="4523105"/>
-          </a:xfrm>
-          <a:prstGeom prst="rect">
-            <a:avLst/>
-          </a:prstGeom>
-          <a:noFill/>
-        </p:spPr>
-        <p:txBody>
-          <a:bodyPr wrap="square" rtlCol="0">
-            <a:spAutoFit/>
-          </a:bodyPr>
-          <a:p>
-            <a:r>
-              <a:rPr lang="zh-CN" altLang="en-US" sz="1600">
-                <a:latin typeface="宋体" panose="02010600030101010101" pitchFamily="2" charset="-122"/>
-                <a:ea typeface="宋体" panose="02010600030101010101" pitchFamily="2" charset="-122"/>
-                <a:cs typeface="宋体" panose="02010600030101010101" pitchFamily="2" charset="-122"/>
-              </a:rPr>
-              <a:t>抽象类的意义</a:t>
-            </a:r>
-            <a:endParaRPr lang="zh-CN" altLang="en-US" sz="1600">
-              <a:latin typeface="宋体" panose="02010600030101010101" pitchFamily="2" charset="-122"/>
-              <a:ea typeface="宋体" panose="02010600030101010101" pitchFamily="2" charset="-122"/>
-              <a:cs typeface="宋体" panose="02010600030101010101" pitchFamily="2" charset="-122"/>
-            </a:endParaRPr>
-          </a:p>
-          <a:p>
-            <a:endParaRPr lang="zh-CN" altLang="en-US" sz="1600">
-              <a:latin typeface="宋体" panose="02010600030101010101" pitchFamily="2" charset="-122"/>
-              <a:ea typeface="宋体" panose="02010600030101010101" pitchFamily="2" charset="-122"/>
-              <a:cs typeface="宋体" panose="02010600030101010101" pitchFamily="2" charset="-122"/>
-            </a:endParaRPr>
-          </a:p>
-          <a:p>
-            <a:r>
-              <a:rPr lang="zh-CN" altLang="en-US" sz="1600">
-                <a:latin typeface="宋体" panose="02010600030101010101" pitchFamily="2" charset="-122"/>
-                <a:ea typeface="宋体" panose="02010600030101010101" pitchFamily="2" charset="-122"/>
-                <a:cs typeface="宋体" panose="02010600030101010101" pitchFamily="2" charset="-122"/>
-              </a:rPr>
-              <a:t>定义抽象类的意义在于：</a:t>
-            </a:r>
-            <a:endParaRPr lang="zh-CN" altLang="en-US" sz="1600">
-              <a:latin typeface="宋体" panose="02010600030101010101" pitchFamily="2" charset="-122"/>
-              <a:ea typeface="宋体" panose="02010600030101010101" pitchFamily="2" charset="-122"/>
-              <a:cs typeface="宋体" panose="02010600030101010101" pitchFamily="2" charset="-122"/>
-            </a:endParaRPr>
-          </a:p>
-          <a:p>
-            <a:endParaRPr lang="zh-CN" altLang="en-US" sz="1600">
-              <a:latin typeface="宋体" panose="02010600030101010101" pitchFamily="2" charset="-122"/>
-              <a:ea typeface="宋体" panose="02010600030101010101" pitchFamily="2" charset="-122"/>
-              <a:cs typeface="宋体" panose="02010600030101010101" pitchFamily="2" charset="-122"/>
-            </a:endParaRPr>
-          </a:p>
-          <a:p>
-            <a:r>
-              <a:rPr lang="zh-CN" altLang="en-US" sz="1600">
-                <a:latin typeface="宋体" panose="02010600030101010101" pitchFamily="2" charset="-122"/>
-                <a:ea typeface="宋体" panose="02010600030101010101" pitchFamily="2" charset="-122"/>
-                <a:cs typeface="宋体" panose="02010600030101010101" pitchFamily="2" charset="-122"/>
-              </a:rPr>
-              <a:t>为其子类提供一个公共的类型（父类引用指向子类对象）；</a:t>
-            </a:r>
-            <a:endParaRPr lang="zh-CN" altLang="en-US" sz="1600">
-              <a:latin typeface="宋体" panose="02010600030101010101" pitchFamily="2" charset="-122"/>
-              <a:ea typeface="宋体" panose="02010600030101010101" pitchFamily="2" charset="-122"/>
-              <a:cs typeface="宋体" panose="02010600030101010101" pitchFamily="2" charset="-122"/>
-            </a:endParaRPr>
-          </a:p>
-          <a:p>
-            <a:r>
-              <a:rPr lang="zh-CN" altLang="en-US" sz="1600">
-                <a:latin typeface="宋体" panose="02010600030101010101" pitchFamily="2" charset="-122"/>
-                <a:ea typeface="宋体" panose="02010600030101010101" pitchFamily="2" charset="-122"/>
-                <a:cs typeface="宋体" panose="02010600030101010101" pitchFamily="2" charset="-122"/>
-              </a:rPr>
-              <a:t>	父类不能new对象,父类引用指向子类对象</a:t>
-            </a:r>
-            <a:endParaRPr lang="zh-CN" altLang="en-US" sz="1600">
-              <a:latin typeface="宋体" panose="02010600030101010101" pitchFamily="2" charset="-122"/>
-              <a:ea typeface="宋体" panose="02010600030101010101" pitchFamily="2" charset="-122"/>
-              <a:cs typeface="宋体" panose="02010600030101010101" pitchFamily="2" charset="-122"/>
-            </a:endParaRPr>
-          </a:p>
-          <a:p>
-            <a:endParaRPr lang="zh-CN" altLang="en-US" sz="1600">
-              <a:latin typeface="宋体" panose="02010600030101010101" pitchFamily="2" charset="-122"/>
-              <a:ea typeface="宋体" panose="02010600030101010101" pitchFamily="2" charset="-122"/>
-              <a:cs typeface="宋体" panose="02010600030101010101" pitchFamily="2" charset="-122"/>
-            </a:endParaRPr>
-          </a:p>
-          <a:p>
-            <a:r>
-              <a:rPr lang="zh-CN" altLang="en-US" sz="1600">
-                <a:latin typeface="宋体" panose="02010600030101010101" pitchFamily="2" charset="-122"/>
-                <a:ea typeface="宋体" panose="02010600030101010101" pitchFamily="2" charset="-122"/>
-                <a:cs typeface="宋体" panose="02010600030101010101" pitchFamily="2" charset="-122"/>
-              </a:rPr>
-              <a:t>封装所有子类中的重复内容（成员变量和方法）;</a:t>
-            </a:r>
-            <a:endParaRPr lang="zh-CN" altLang="en-US" sz="1600">
-              <a:latin typeface="宋体" panose="02010600030101010101" pitchFamily="2" charset="-122"/>
-              <a:ea typeface="宋体" panose="02010600030101010101" pitchFamily="2" charset="-122"/>
-              <a:cs typeface="宋体" panose="02010600030101010101" pitchFamily="2" charset="-122"/>
-            </a:endParaRPr>
-          </a:p>
-          <a:p>
-            <a:r>
-              <a:rPr lang="zh-CN" altLang="en-US" sz="1600">
-                <a:latin typeface="宋体" panose="02010600030101010101" pitchFamily="2" charset="-122"/>
-                <a:ea typeface="宋体" panose="02010600030101010101" pitchFamily="2" charset="-122"/>
-                <a:cs typeface="宋体" panose="02010600030101010101" pitchFamily="2" charset="-122"/>
-              </a:rPr>
-              <a:t>	只要是子类中公共的东西,都要放在父类中</a:t>
-            </a:r>
-            <a:endParaRPr lang="zh-CN" altLang="en-US" sz="1600">
-              <a:latin typeface="宋体" panose="02010600030101010101" pitchFamily="2" charset="-122"/>
-              <a:ea typeface="宋体" panose="02010600030101010101" pitchFamily="2" charset="-122"/>
-              <a:cs typeface="宋体" panose="02010600030101010101" pitchFamily="2" charset="-122"/>
-            </a:endParaRPr>
-          </a:p>
-          <a:p>
-            <a:r>
-              <a:rPr lang="zh-CN" altLang="en-US" sz="1600">
-                <a:latin typeface="宋体" panose="02010600030101010101" pitchFamily="2" charset="-122"/>
-                <a:ea typeface="宋体" panose="02010600030101010101" pitchFamily="2" charset="-122"/>
-                <a:cs typeface="宋体" panose="02010600030101010101" pitchFamily="2" charset="-122"/>
-              </a:rPr>
-              <a:t>	若所有子类的实现一样,即为普通方法</a:t>
-            </a:r>
-            <a:endParaRPr lang="zh-CN" altLang="en-US" sz="1600">
-              <a:latin typeface="宋体" panose="02010600030101010101" pitchFamily="2" charset="-122"/>
-              <a:ea typeface="宋体" panose="02010600030101010101" pitchFamily="2" charset="-122"/>
-              <a:cs typeface="宋体" panose="02010600030101010101" pitchFamily="2" charset="-122"/>
-            </a:endParaRPr>
-          </a:p>
-          <a:p>
-            <a:r>
-              <a:rPr lang="zh-CN" altLang="en-US" sz="1600">
-                <a:latin typeface="宋体" panose="02010600030101010101" pitchFamily="2" charset="-122"/>
-                <a:ea typeface="宋体" panose="02010600030101010101" pitchFamily="2" charset="-122"/>
-                <a:cs typeface="宋体" panose="02010600030101010101" pitchFamily="2" charset="-122"/>
-              </a:rPr>
-              <a:t>	若所有子类的实现不一样,即为抽象方法</a:t>
-            </a:r>
-            <a:endParaRPr lang="zh-CN" altLang="en-US" sz="1600">
-              <a:latin typeface="宋体" panose="02010600030101010101" pitchFamily="2" charset="-122"/>
-              <a:ea typeface="宋体" panose="02010600030101010101" pitchFamily="2" charset="-122"/>
-              <a:cs typeface="宋体" panose="02010600030101010101" pitchFamily="2" charset="-122"/>
-            </a:endParaRPr>
-          </a:p>
-          <a:p>
-            <a:endParaRPr lang="zh-CN" altLang="en-US" sz="1600">
-              <a:latin typeface="宋体" panose="02010600030101010101" pitchFamily="2" charset="-122"/>
-              <a:ea typeface="宋体" panose="02010600030101010101" pitchFamily="2" charset="-122"/>
-              <a:cs typeface="宋体" panose="02010600030101010101" pitchFamily="2" charset="-122"/>
-            </a:endParaRPr>
-          </a:p>
-          <a:p>
-            <a:r>
-              <a:rPr lang="zh-CN" altLang="en-US" sz="1600">
-                <a:latin typeface="宋体" panose="02010600030101010101" pitchFamily="2" charset="-122"/>
-                <a:ea typeface="宋体" panose="02010600030101010101" pitchFamily="2" charset="-122"/>
-                <a:cs typeface="宋体" panose="02010600030101010101" pitchFamily="2" charset="-122"/>
-              </a:rPr>
-              <a:t>定义有抽象方法，子类虽然有不同的实现，但该方法的定义是一致的。(子类需要实现此抽象方法)。</a:t>
-            </a:r>
-            <a:endParaRPr lang="zh-CN" altLang="en-US" sz="1600">
-              <a:latin typeface="宋体" panose="02010600030101010101" pitchFamily="2" charset="-122"/>
-              <a:ea typeface="宋体" panose="02010600030101010101" pitchFamily="2" charset="-122"/>
-              <a:cs typeface="宋体" panose="02010600030101010101" pitchFamily="2" charset="-122"/>
-            </a:endParaRPr>
-          </a:p>
-          <a:p>
-            <a:endParaRPr lang="zh-CN" altLang="en-US" sz="1600">
-              <a:latin typeface="宋体" panose="02010600030101010101" pitchFamily="2" charset="-122"/>
-              <a:ea typeface="宋体" panose="02010600030101010101" pitchFamily="2" charset="-122"/>
-              <a:cs typeface="宋体" panose="02010600030101010101" pitchFamily="2" charset="-122"/>
-            </a:endParaRPr>
-          </a:p>
-          <a:p>
-            <a:r>
-              <a:rPr lang="zh-CN" altLang="en-US" sz="1600">
-                <a:latin typeface="宋体" panose="02010600030101010101" pitchFamily="2" charset="-122"/>
-                <a:ea typeface="宋体" panose="02010600030101010101" pitchFamily="2" charset="-122"/>
-                <a:cs typeface="宋体" panose="02010600030101010101" pitchFamily="2" charset="-122"/>
-              </a:rPr>
-              <a:t>抽象类中的方法不全是抽象方法,也可以是具体的方法(一般方法)</a:t>
-            </a:r>
-            <a:endParaRPr lang="zh-CN" altLang="en-US" sz="1600">
-              <a:latin typeface="宋体" panose="02010600030101010101" pitchFamily="2" charset="-122"/>
-              <a:ea typeface="宋体" panose="02010600030101010101" pitchFamily="2" charset="-122"/>
-              <a:cs typeface="宋体" panose="02010600030101010101" pitchFamily="2" charset="-122"/>
-            </a:endParaRPr>
-          </a:p>
-          <a:p>
-            <a:endParaRPr lang="zh-CN" altLang="en-US" sz="1600">
-              <a:latin typeface="宋体" panose="02010600030101010101" pitchFamily="2" charset="-122"/>
-              <a:ea typeface="宋体" panose="02010600030101010101" pitchFamily="2" charset="-122"/>
-              <a:cs typeface="宋体" panose="02010600030101010101" pitchFamily="2" charset="-122"/>
-            </a:endParaRPr>
-          </a:p>
-          <a:p>
-            <a:r>
-              <a:rPr lang="zh-CN" altLang="en-US" sz="1600">
-                <a:latin typeface="宋体" panose="02010600030101010101" pitchFamily="2" charset="-122"/>
-                <a:ea typeface="宋体" panose="02010600030101010101" pitchFamily="2" charset="-122"/>
-                <a:cs typeface="宋体" panose="02010600030101010101" pitchFamily="2" charset="-122"/>
-              </a:rPr>
-              <a:t>1.看是否要写成抽象类(看是否必须new出该类的具体对象)</a:t>
-            </a:r>
-            <a:endParaRPr lang="zh-CN" altLang="en-US" sz="1600">
-              <a:latin typeface="宋体" panose="02010600030101010101" pitchFamily="2" charset="-122"/>
-              <a:ea typeface="宋体" panose="02010600030101010101" pitchFamily="2" charset="-122"/>
-              <a:cs typeface="宋体" panose="02010600030101010101" pitchFamily="2" charset="-122"/>
-            </a:endParaRPr>
-          </a:p>
-          <a:p>
-            <a:r>
-              <a:rPr lang="zh-CN" altLang="en-US" sz="1600">
-                <a:latin typeface="宋体" panose="02010600030101010101" pitchFamily="2" charset="-122"/>
-                <a:ea typeface="宋体" panose="02010600030101010101" pitchFamily="2" charset="-122"/>
-                <a:cs typeface="宋体" panose="02010600030101010101" pitchFamily="2" charset="-122"/>
-              </a:rPr>
-              <a:t>2.看哪些方法要写成抽象方法,哪些方法要写成具体方法</a:t>
-            </a:r>
-            <a:endParaRPr lang="zh-CN" altLang="en-US" sz="1600">
-              <a:latin typeface="宋体" panose="02010600030101010101" pitchFamily="2" charset="-122"/>
-              <a:ea typeface="宋体" panose="02010600030101010101" pitchFamily="2" charset="-122"/>
-              <a:cs typeface="宋体" panose="02010600030101010101" pitchFamily="2" charset="-122"/>
-            </a:endParaRPr>
-          </a:p>
-        </p:txBody>
-      </p:sp>
-    </p:spTree>
-    <p:custDataLst>
-      <p:tags r:id="rId2"/>
-    </p:custDataLst>
-  </p:cSld>
-  <p:clrMapOvr>
-    <a:masterClrMapping/>
-  </p:clrMapOvr>
-</p:sld>
-</file>
-
-<file path=ppt/slides/slide29.xml><?xml version="1.0" encoding="utf-8"?>
+<file path=ppt/slides/slide30.xml><?xml version="1.0" encoding="utf-8"?>
 <p:sld xmlns:a="http://schemas.openxmlformats.org/drawingml/2006/main" xmlns:r="http://schemas.openxmlformats.org/officeDocument/2006/relationships" xmlns:p="http://schemas.openxmlformats.org/presentationml/2006/main">
   <p:cSld>
     <p:bg>
@@ -13651,205 +15382,7 @@
 </p:sld>
 </file>
 
-<file path=ppt/slides/slide3.xml><?xml version="1.0" encoding="utf-8"?>
-<p:sld xmlns:a="http://schemas.openxmlformats.org/drawingml/2006/main" xmlns:r="http://schemas.openxmlformats.org/officeDocument/2006/relationships" xmlns:p="http://schemas.openxmlformats.org/presentationml/2006/main">
-  <p:cSld>
-    <p:bg>
-      <p:bgPr>
-        <a:blipFill rotWithShape="1">
-          <a:blip r:embed="rId1"/>
-          <a:stretch>
-            <a:fillRect/>
-          </a:stretch>
-        </a:blipFill>
-        <a:effectLst/>
-      </p:bgPr>
-    </p:bg>
-    <p:spTree>
-      <p:nvGrpSpPr>
-        <p:cNvPr id="1" name=""/>
-        <p:cNvGrpSpPr/>
-        <p:nvPr/>
-      </p:nvGrpSpPr>
-      <p:grpSpPr/>
-      <p:sp>
-        <p:nvSpPr>
-          <p:cNvPr id="7" name="文本框 6"/>
-          <p:cNvSpPr txBox="1"/>
-          <p:nvPr/>
-        </p:nvSpPr>
-        <p:spPr>
-          <a:xfrm>
-            <a:off x="175260" y="810260"/>
-            <a:ext cx="11876405" cy="4769485"/>
-          </a:xfrm>
-          <a:prstGeom prst="rect">
-            <a:avLst/>
-          </a:prstGeom>
-          <a:noFill/>
-        </p:spPr>
-        <p:txBody>
-          <a:bodyPr wrap="square" rtlCol="0">
-            <a:spAutoFit/>
-          </a:bodyPr>
-          <a:p>
-            <a:r>
-              <a:rPr lang="zh-CN" altLang="en-US" sz="1600">
-                <a:latin typeface="宋体" panose="02010600030101010101" pitchFamily="2" charset="-122"/>
-                <a:ea typeface="宋体" panose="02010600030101010101" pitchFamily="2" charset="-122"/>
-                <a:cs typeface="宋体" panose="02010600030101010101" pitchFamily="2" charset="-122"/>
-              </a:rPr>
-              <a:t>面向对象产生的历史原因有下面两点： </a:t>
-            </a:r>
-            <a:endParaRPr lang="zh-CN" altLang="en-US" sz="1600">
-              <a:latin typeface="宋体" panose="02010600030101010101" pitchFamily="2" charset="-122"/>
-              <a:ea typeface="宋体" panose="02010600030101010101" pitchFamily="2" charset="-122"/>
-              <a:cs typeface="宋体" panose="02010600030101010101" pitchFamily="2" charset="-122"/>
-            </a:endParaRPr>
-          </a:p>
-          <a:p>
-            <a:endParaRPr lang="zh-CN" altLang="en-US" sz="1600">
-              <a:latin typeface="宋体" panose="02010600030101010101" pitchFamily="2" charset="-122"/>
-              <a:ea typeface="宋体" panose="02010600030101010101" pitchFamily="2" charset="-122"/>
-              <a:cs typeface="宋体" panose="02010600030101010101" pitchFamily="2" charset="-122"/>
-            </a:endParaRPr>
-          </a:p>
-          <a:p>
-            <a:r>
-              <a:rPr lang="zh-CN" altLang="en-US" sz="1600">
-                <a:latin typeface="宋体" panose="02010600030101010101" pitchFamily="2" charset="-122"/>
-                <a:ea typeface="宋体" panose="02010600030101010101" pitchFamily="2" charset="-122"/>
-                <a:cs typeface="宋体" panose="02010600030101010101" pitchFamily="2" charset="-122"/>
-              </a:rPr>
-              <a:t>1、 计算机是帮助人们解决问题的，然而计算机终究是个机器，他只会按照人所写的代码，一步一步的执行下去，最终得到了结果，因此无论程序多么的复杂，计算机总是能轻松应付。结构化编程，就是按照计算机的思维写出的代码，但是人看到这么复杂的逻辑，就无法维护和扩展了。</a:t>
-            </a:r>
-            <a:endParaRPr lang="zh-CN" altLang="en-US" sz="1600">
-              <a:latin typeface="宋体" panose="02010600030101010101" pitchFamily="2" charset="-122"/>
-              <a:ea typeface="宋体" panose="02010600030101010101" pitchFamily="2" charset="-122"/>
-              <a:cs typeface="宋体" panose="02010600030101010101" pitchFamily="2" charset="-122"/>
-            </a:endParaRPr>
-          </a:p>
-          <a:p>
-            <a:endParaRPr lang="zh-CN" altLang="en-US" sz="1600">
-              <a:latin typeface="宋体" panose="02010600030101010101" pitchFamily="2" charset="-122"/>
-              <a:ea typeface="宋体" panose="02010600030101010101" pitchFamily="2" charset="-122"/>
-              <a:cs typeface="宋体" panose="02010600030101010101" pitchFamily="2" charset="-122"/>
-            </a:endParaRPr>
-          </a:p>
-          <a:p>
-            <a:r>
-              <a:rPr lang="zh-CN" altLang="en-US" sz="1600">
-                <a:latin typeface="宋体" panose="02010600030101010101" pitchFamily="2" charset="-122"/>
-                <a:ea typeface="宋体" panose="02010600030101010101" pitchFamily="2" charset="-122"/>
-                <a:cs typeface="宋体" panose="02010600030101010101" pitchFamily="2" charset="-122"/>
-              </a:rPr>
-              <a:t>2、 结构化设计是以功能为目标来设计构造应用系统，这种做法导致我们设计程序时，不得不将客体所构成的现实世界映射到由功能模块组成的解空间中，这种转换过程，背离了人们观察和解决问题的基本思路。 </a:t>
-            </a:r>
-            <a:endParaRPr lang="zh-CN" altLang="en-US" sz="1600">
-              <a:latin typeface="宋体" panose="02010600030101010101" pitchFamily="2" charset="-122"/>
-              <a:ea typeface="宋体" panose="02010600030101010101" pitchFamily="2" charset="-122"/>
-              <a:cs typeface="宋体" panose="02010600030101010101" pitchFamily="2" charset="-122"/>
-            </a:endParaRPr>
-          </a:p>
-          <a:p>
-            <a:endParaRPr lang="zh-CN" altLang="en-US" sz="1600">
-              <a:latin typeface="宋体" panose="02010600030101010101" pitchFamily="2" charset="-122"/>
-              <a:ea typeface="宋体" panose="02010600030101010101" pitchFamily="2" charset="-122"/>
-              <a:cs typeface="宋体" panose="02010600030101010101" pitchFamily="2" charset="-122"/>
-            </a:endParaRPr>
-          </a:p>
-          <a:p>
-            <a:r>
-              <a:rPr lang="zh-CN" altLang="en-US" sz="1600">
-                <a:latin typeface="宋体" panose="02010600030101010101" pitchFamily="2" charset="-122"/>
-                <a:ea typeface="宋体" panose="02010600030101010101" pitchFamily="2" charset="-122"/>
-                <a:cs typeface="宋体" panose="02010600030101010101" pitchFamily="2" charset="-122"/>
-              </a:rPr>
-              <a:t>可见结构化设计在设计系统的时候，无法解决重用、维护、扩展的问题，而且会导致逻辑过于复杂，代码晦涩难懂。于是人们就想，能不能</a:t>
-            </a:r>
-            <a:r>
-              <a:rPr lang="zh-CN" altLang="en-US" sz="1600">
-                <a:solidFill>
-                  <a:srgbClr val="FF0000"/>
-                </a:solidFill>
-                <a:latin typeface="宋体" panose="02010600030101010101" pitchFamily="2" charset="-122"/>
-                <a:ea typeface="宋体" panose="02010600030101010101" pitchFamily="2" charset="-122"/>
-                <a:cs typeface="宋体" panose="02010600030101010101" pitchFamily="2" charset="-122"/>
-              </a:rPr>
-              <a:t>让计算机直接模拟现实的环境，用人类解决问题的思路、习惯、步骤来设计相应的应用程序</a:t>
-            </a:r>
-            <a:r>
-              <a:rPr lang="zh-CN" altLang="en-US" sz="1600">
-                <a:latin typeface="宋体" panose="02010600030101010101" pitchFamily="2" charset="-122"/>
-                <a:ea typeface="宋体" panose="02010600030101010101" pitchFamily="2" charset="-122"/>
-                <a:cs typeface="宋体" panose="02010600030101010101" pitchFamily="2" charset="-122"/>
-              </a:rPr>
-              <a:t>？这样的程序，人们在读它的时候，会更容易理解，也不需要再把现实世界和程序世界之间来回做转换。 </a:t>
-            </a:r>
-            <a:endParaRPr lang="zh-CN" altLang="en-US" sz="1600">
-              <a:latin typeface="宋体" panose="02010600030101010101" pitchFamily="2" charset="-122"/>
-              <a:ea typeface="宋体" panose="02010600030101010101" pitchFamily="2" charset="-122"/>
-              <a:cs typeface="宋体" panose="02010600030101010101" pitchFamily="2" charset="-122"/>
-            </a:endParaRPr>
-          </a:p>
-          <a:p>
-            <a:endParaRPr lang="zh-CN" altLang="en-US" sz="1600">
-              <a:latin typeface="宋体" panose="02010600030101010101" pitchFamily="2" charset="-122"/>
-              <a:ea typeface="宋体" panose="02010600030101010101" pitchFamily="2" charset="-122"/>
-              <a:cs typeface="宋体" panose="02010600030101010101" pitchFamily="2" charset="-122"/>
-            </a:endParaRPr>
-          </a:p>
-          <a:p>
-            <a:r>
-              <a:rPr lang="zh-CN" altLang="en-US" sz="1600">
-                <a:latin typeface="宋体" panose="02010600030101010101" pitchFamily="2" charset="-122"/>
-                <a:ea typeface="宋体" panose="02010600030101010101" pitchFamily="2" charset="-122"/>
-                <a:cs typeface="宋体" panose="02010600030101010101" pitchFamily="2" charset="-122"/>
-              </a:rPr>
-              <a:t>与此同时，人们发现，在现实世界中存在的客体是问题域中的主角。所谓客体是指客观存在的对象实体和主观抽象的概念，这种客体具有属性和行为，而客体是稳定的，行为是不稳定的，同时客体之间具有各种联系，因此面向客体编程，比面向行为编程，系统会更稳定。在面对频繁的需求更改时，改变的往往是行为，而客体一般不需要改变，所以我们就把行为封装起来，这样改变时候只需要改变行为即可，主架构则保持了稳定。 </a:t>
-            </a:r>
-            <a:endParaRPr lang="zh-CN" altLang="en-US" sz="1600">
-              <a:latin typeface="宋体" panose="02010600030101010101" pitchFamily="2" charset="-122"/>
-              <a:ea typeface="宋体" panose="02010600030101010101" pitchFamily="2" charset="-122"/>
-              <a:cs typeface="宋体" panose="02010600030101010101" pitchFamily="2" charset="-122"/>
-            </a:endParaRPr>
-          </a:p>
-          <a:p>
-            <a:endParaRPr lang="zh-CN" altLang="en-US" sz="1600">
-              <a:latin typeface="宋体" panose="02010600030101010101" pitchFamily="2" charset="-122"/>
-              <a:ea typeface="宋体" panose="02010600030101010101" pitchFamily="2" charset="-122"/>
-              <a:cs typeface="宋体" panose="02010600030101010101" pitchFamily="2" charset="-122"/>
-            </a:endParaRPr>
-          </a:p>
-          <a:p>
-            <a:r>
-              <a:rPr lang="zh-CN" altLang="en-US" sz="1600">
-                <a:latin typeface="宋体" panose="02010600030101010101" pitchFamily="2" charset="-122"/>
-                <a:ea typeface="宋体" panose="02010600030101010101" pitchFamily="2" charset="-122"/>
-                <a:cs typeface="宋体" panose="02010600030101010101" pitchFamily="2" charset="-122"/>
-              </a:rPr>
-              <a:t>于是面向对象就产生了。 </a:t>
-            </a:r>
-            <a:endParaRPr lang="zh-CN" altLang="en-US" sz="1600">
-              <a:latin typeface="宋体" panose="02010600030101010101" pitchFamily="2" charset="-122"/>
-              <a:ea typeface="宋体" panose="02010600030101010101" pitchFamily="2" charset="-122"/>
-              <a:cs typeface="宋体" panose="02010600030101010101" pitchFamily="2" charset="-122"/>
-            </a:endParaRPr>
-          </a:p>
-        </p:txBody>
-      </p:sp>
-    </p:spTree>
-    <p:custDataLst>
-      <p:tags r:id="rId2"/>
-    </p:custDataLst>
-  </p:cSld>
-  <p:clrMapOvr>
-    <a:masterClrMapping/>
-  </p:clrMapOvr>
-</p:sld>
-</file>
-
-<file path=ppt/slides/slide30.xml><?xml version="1.0" encoding="utf-8"?>
+<file path=ppt/slides/slide31.xml><?xml version="1.0" encoding="utf-8"?>
 <p:sld xmlns:a="http://schemas.openxmlformats.org/drawingml/2006/main" xmlns:r="http://schemas.openxmlformats.org/officeDocument/2006/relationships" xmlns:p="http://schemas.openxmlformats.org/presentationml/2006/main">
   <p:cSld>
     <p:bg>
@@ -13938,7 +15471,7 @@
 </p:sld>
 </file>
 
-<file path=ppt/slides/slide31.xml><?xml version="1.0" encoding="utf-8"?>
+<file path=ppt/slides/slide32.xml><?xml version="1.0" encoding="utf-8"?>
 <p:sld xmlns:a="http://schemas.openxmlformats.org/drawingml/2006/main" xmlns:r="http://schemas.openxmlformats.org/officeDocument/2006/relationships" xmlns:p="http://schemas.openxmlformats.org/presentationml/2006/main">
   <p:cSld>
     <p:bg>
@@ -14552,7 +16085,7 @@
 </p:sld>
 </file>
 
-<file path=ppt/slides/slide32.xml><?xml version="1.0" encoding="utf-8"?>
+<file path=ppt/slides/slide33.xml><?xml version="1.0" encoding="utf-8"?>
 <p:sld xmlns:a="http://schemas.openxmlformats.org/drawingml/2006/main" xmlns:r="http://schemas.openxmlformats.org/officeDocument/2006/relationships" xmlns:p="http://schemas.openxmlformats.org/presentationml/2006/main">
   <p:cSld>
     <p:bg>
@@ -14901,7 +16434,7 @@
 </p:sld>
 </file>
 
-<file path=ppt/slides/slide33.xml><?xml version="1.0" encoding="utf-8"?>
+<file path=ppt/slides/slide34.xml><?xml version="1.0" encoding="utf-8"?>
 <p:sld xmlns:a="http://schemas.openxmlformats.org/drawingml/2006/main" xmlns:r="http://schemas.openxmlformats.org/officeDocument/2006/relationships" xmlns:p="http://schemas.openxmlformats.org/presentationml/2006/main">
   <p:cSld>
     <p:bg>
@@ -15286,7 +16819,7 @@
 </p:sld>
 </file>
 
-<file path=ppt/slides/slide34.xml><?xml version="1.0" encoding="utf-8"?>
+<file path=ppt/slides/slide35.xml><?xml version="1.0" encoding="utf-8"?>
 <p:sld xmlns:a="http://schemas.openxmlformats.org/drawingml/2006/main" xmlns:r="http://schemas.openxmlformats.org/officeDocument/2006/relationships" xmlns:p="http://schemas.openxmlformats.org/presentationml/2006/main">
   <p:cSld>
     <p:bg>
@@ -15435,7 +16968,7 @@
 </p:sld>
 </file>
 
-<file path=ppt/slides/slide35.xml><?xml version="1.0" encoding="utf-8"?>
+<file path=ppt/slides/slide36.xml><?xml version="1.0" encoding="utf-8"?>
 <p:sld xmlns:a="http://schemas.openxmlformats.org/drawingml/2006/main" xmlns:r="http://schemas.openxmlformats.org/officeDocument/2006/relationships" xmlns:p="http://schemas.openxmlformats.org/presentationml/2006/main">
   <p:cSld>
     <p:bg>
@@ -15633,7 +17166,7 @@
 </p:sld>
 </file>
 
-<file path=ppt/slides/slide36.xml><?xml version="1.0" encoding="utf-8"?>
+<file path=ppt/slides/slide37.xml><?xml version="1.0" encoding="utf-8"?>
 <p:sld xmlns:a="http://schemas.openxmlformats.org/drawingml/2006/main" xmlns:r="http://schemas.openxmlformats.org/officeDocument/2006/relationships" xmlns:p="http://schemas.openxmlformats.org/presentationml/2006/main">
   <p:cSld>
     <p:bg>
@@ -16305,7 +17838,7 @@
 </p:sld>
 </file>
 
-<file path=ppt/slides/slide37.xml><?xml version="1.0" encoding="utf-8"?>
+<file path=ppt/slides/slide38.xml><?xml version="1.0" encoding="utf-8"?>
 <p:sld xmlns:a="http://schemas.openxmlformats.org/drawingml/2006/main" xmlns:r="http://schemas.openxmlformats.org/officeDocument/2006/relationships" xmlns:p="http://schemas.openxmlformats.org/presentationml/2006/main">
   <p:cSld>
     <p:bg>
@@ -16415,7 +17948,7 @@
                 <a:ea typeface="宋体" panose="02010600030101010101" pitchFamily="2" charset="-122"/>
                 <a:cs typeface="宋体" panose="02010600030101010101" pitchFamily="2" charset="-122"/>
               </a:rPr>
-              <a:t>（Registers）最快的存储区域，位于 CPU 内部 ^2。然而，寄存器的数量十分有限，所以寄存器根据需求进行分配。我们对其没有直接的控制权，也无法在自己的程序里找到寄存器存在的踪迹（另一方面，C/C++ 允许开发者向编译器建议寄存器的分配）。</a:t>
+              <a:t>（Registers）最快的存储区域，位于 CPU 内部。然而，寄存器的数量十分有限，所以寄存器根据需求进行分配。我们对其没有直接的控制权，也无法在自己的程序里找到寄存器存在的踪迹（另一方面，C/C++ 允许开发者向编译器建议寄存器的分配）。</a:t>
             </a:r>
             <a:endParaRPr lang="zh-CN" altLang="en-US" sz="1400">
               <a:latin typeface="宋体" panose="02010600030101010101" pitchFamily="2" charset="-122"/>
@@ -16514,7 +18047,7 @@
                 <a:ea typeface="宋体" panose="02010600030101010101" pitchFamily="2" charset="-122"/>
                 <a:cs typeface="宋体" panose="02010600030101010101" pitchFamily="2" charset="-122"/>
               </a:rPr>
-              <a:t>（Constant storage）常量值通常直接放在程序代码中，因为它们永远不会改变。如需严格保护，可考虑将它们置于只读存储器 ROM （只读存储器，Read Only Memory）中 ^3。</a:t>
+              <a:t>（Constant storage）常量值通常直接放在程序代码中，因为它们永远不会改变。如需严格保护，可考虑将它们置于只读存储器 ROM （只读存储器，Read Only Memory）中。</a:t>
             </a:r>
             <a:endParaRPr lang="zh-CN" altLang="en-US" sz="1400">
               <a:latin typeface="宋体" panose="02010600030101010101" pitchFamily="2" charset="-122"/>
@@ -16568,7 +18101,7 @@
 </p:sld>
 </file>
 
-<file path=ppt/slides/slide38.xml><?xml version="1.0" encoding="utf-8"?>
+<file path=ppt/slides/slide39.xml><?xml version="1.0" encoding="utf-8"?>
 <p:sld xmlns:a="http://schemas.openxmlformats.org/drawingml/2006/main" xmlns:r="http://schemas.openxmlformats.org/officeDocument/2006/relationships" xmlns:p="http://schemas.openxmlformats.org/presentationml/2006/main">
   <p:cSld>
     <p:bg>
@@ -17637,7 +19170,7 @@
         <p:spPr>
           <a:xfrm>
             <a:off x="130810" y="791845"/>
-            <a:ext cx="11648440" cy="5015865"/>
+            <a:ext cx="11648440" cy="4769485"/>
           </a:xfrm>
           <a:prstGeom prst="rect">
             <a:avLst/>
@@ -17879,22 +19412,22 @@
                 <a:ea typeface="宋体" panose="02010600030101010101" pitchFamily="2" charset="-122"/>
                 <a:cs typeface="宋体" panose="02010600030101010101" pitchFamily="2" charset="-122"/>
               </a:rPr>
-              <a:t>类名应该以下划线（_）或字母开头，最好以字母开头。</a:t>
-            </a:r>
-            <a:endParaRPr lang="zh-CN" altLang="en-US" sz="1600">
-              <a:latin typeface="宋体" panose="02010600030101010101" pitchFamily="2" charset="-122"/>
-              <a:ea typeface="宋体" panose="02010600030101010101" pitchFamily="2" charset="-122"/>
-              <a:cs typeface="宋体" panose="02010600030101010101" pitchFamily="2" charset="-122"/>
-            </a:endParaRPr>
-          </a:p>
-          <a:p>
-            <a:r>
-              <a:rPr lang="zh-CN" altLang="en-US" sz="1600">
-                <a:latin typeface="宋体" panose="02010600030101010101" pitchFamily="2" charset="-122"/>
-                <a:ea typeface="宋体" panose="02010600030101010101" pitchFamily="2" charset="-122"/>
-                <a:cs typeface="宋体" panose="02010600030101010101" pitchFamily="2" charset="-122"/>
-              </a:rPr>
-              <a:t>第一个字母最好大写，如果类名由多个单词组成，则每个单词的首字母最好都大写。</a:t>
+              <a:t>类名只能包含字母、数字、下划线和美元符，且不能以数字开头。</a:t>
+            </a:r>
+            <a:endParaRPr lang="zh-CN" altLang="en-US" sz="1600">
+              <a:latin typeface="宋体" panose="02010600030101010101" pitchFamily="2" charset="-122"/>
+              <a:ea typeface="宋体" panose="02010600030101010101" pitchFamily="2" charset="-122"/>
+              <a:cs typeface="宋体" panose="02010600030101010101" pitchFamily="2" charset="-122"/>
+            </a:endParaRPr>
+          </a:p>
+          <a:p>
+            <a:r>
+              <a:rPr lang="zh-CN" altLang="en-US" sz="1600">
+                <a:latin typeface="宋体" panose="02010600030101010101" pitchFamily="2" charset="-122"/>
+                <a:ea typeface="宋体" panose="02010600030101010101" pitchFamily="2" charset="-122"/>
+                <a:cs typeface="宋体" panose="02010600030101010101" pitchFamily="2" charset="-122"/>
+              </a:rPr>
+              <a:t>第一个字母最好大写，如果类名由多个单词组成，则每个单词的首字母最好都大写（驼峰命名法）。</a:t>
             </a:r>
             <a:endParaRPr lang="zh-CN" altLang="en-US" sz="1600">
               <a:latin typeface="宋体" panose="02010600030101010101" pitchFamily="2" charset="-122"/>
@@ -17910,21 +19443,6 @@
                 <a:cs typeface="宋体" panose="02010600030101010101" pitchFamily="2" charset="-122"/>
               </a:rPr>
               <a:t>类名不能为 Java 中的关键字，例如 boolean、this、int 等。</a:t>
-            </a:r>
-            <a:endParaRPr lang="zh-CN" altLang="en-US" sz="1600">
-              <a:latin typeface="宋体" panose="02010600030101010101" pitchFamily="2" charset="-122"/>
-              <a:ea typeface="宋体" panose="02010600030101010101" pitchFamily="2" charset="-122"/>
-              <a:cs typeface="宋体" panose="02010600030101010101" pitchFamily="2" charset="-122"/>
-            </a:endParaRPr>
-          </a:p>
-          <a:p>
-            <a:r>
-              <a:rPr lang="zh-CN" altLang="en-US" sz="1600">
-                <a:latin typeface="宋体" panose="02010600030101010101" pitchFamily="2" charset="-122"/>
-                <a:ea typeface="宋体" panose="02010600030101010101" pitchFamily="2" charset="-122"/>
-                <a:cs typeface="宋体" panose="02010600030101010101" pitchFamily="2" charset="-122"/>
-              </a:rPr>
-              <a:t>类名不能包含任何嵌入的空格或点号以及除了下划线（_）和美元符号（$）字符之外的特殊字符。</a:t>
             </a:r>
             <a:endParaRPr lang="zh-CN" altLang="en-US" sz="1600">
               <a:latin typeface="宋体" panose="02010600030101010101" pitchFamily="2" charset="-122"/>
@@ -17946,225 +19464,6 @@
 </file>
 
 <file path=ppt/slides/slide8.xml><?xml version="1.0" encoding="utf-8"?>
-<p:sld xmlns:a="http://schemas.openxmlformats.org/drawingml/2006/main" xmlns:r="http://schemas.openxmlformats.org/officeDocument/2006/relationships" xmlns:p="http://schemas.openxmlformats.org/presentationml/2006/main">
-  <p:cSld>
-    <p:bg>
-      <p:bgPr>
-        <a:blipFill rotWithShape="1">
-          <a:blip r:embed="rId1"/>
-          <a:stretch>
-            <a:fillRect/>
-          </a:stretch>
-        </a:blipFill>
-        <a:effectLst/>
-      </p:bgPr>
-    </p:bg>
-    <p:spTree>
-      <p:nvGrpSpPr>
-        <p:cNvPr id="1" name=""/>
-        <p:cNvGrpSpPr/>
-        <p:nvPr/>
-      </p:nvGrpSpPr>
-      <p:grpSpPr/>
-      <p:sp>
-        <p:nvSpPr>
-          <p:cNvPr id="2" name="文本框 1"/>
-          <p:cNvSpPr txBox="1"/>
-          <p:nvPr/>
-        </p:nvSpPr>
-        <p:spPr>
-          <a:xfrm>
-            <a:off x="203200" y="718820"/>
-            <a:ext cx="11630660" cy="3538220"/>
-          </a:xfrm>
-          <a:prstGeom prst="rect">
-            <a:avLst/>
-          </a:prstGeom>
-          <a:noFill/>
-        </p:spPr>
-        <p:txBody>
-          <a:bodyPr wrap="square" rtlCol="0">
-            <a:spAutoFit/>
-          </a:bodyPr>
-          <a:p>
-            <a:r>
-              <a:rPr lang="zh-CN" altLang="en-US" sz="1600">
-                <a:latin typeface="宋体" panose="02010600030101010101" pitchFamily="2" charset="-122"/>
-                <a:ea typeface="宋体" panose="02010600030101010101" pitchFamily="2" charset="-122"/>
-                <a:cs typeface="宋体" panose="02010600030101010101" pitchFamily="2" charset="-122"/>
-              </a:rPr>
-              <a:t>上述语法中各关键字的描述如下。</a:t>
-            </a:r>
-            <a:endParaRPr lang="zh-CN" altLang="en-US" sz="1600">
-              <a:latin typeface="宋体" panose="02010600030101010101" pitchFamily="2" charset="-122"/>
-              <a:ea typeface="宋体" panose="02010600030101010101" pitchFamily="2" charset="-122"/>
-              <a:cs typeface="宋体" panose="02010600030101010101" pitchFamily="2" charset="-122"/>
-            </a:endParaRPr>
-          </a:p>
-          <a:p>
-            <a:r>
-              <a:rPr lang="zh-CN" altLang="en-US" sz="1600">
-                <a:latin typeface="宋体" panose="02010600030101010101" pitchFamily="2" charset="-122"/>
-                <a:ea typeface="宋体" panose="02010600030101010101" pitchFamily="2" charset="-122"/>
-                <a:cs typeface="宋体" panose="02010600030101010101" pitchFamily="2" charset="-122"/>
-              </a:rPr>
-              <a:t>public：表示“共有”的意思。如果使用 public 修饰，则可以被其他类和程序访问。每个 Java 程序的主类都必须是 public 类，作为公共工具供其他类和程序使用的类应定义为 public 类。</a:t>
-            </a:r>
-            <a:endParaRPr lang="zh-CN" altLang="en-US" sz="1600">
-              <a:latin typeface="宋体" panose="02010600030101010101" pitchFamily="2" charset="-122"/>
-              <a:ea typeface="宋体" panose="02010600030101010101" pitchFamily="2" charset="-122"/>
-              <a:cs typeface="宋体" panose="02010600030101010101" pitchFamily="2" charset="-122"/>
-            </a:endParaRPr>
-          </a:p>
-          <a:p>
-            <a:r>
-              <a:rPr lang="zh-CN" altLang="en-US" sz="1600">
-                <a:latin typeface="宋体" panose="02010600030101010101" pitchFamily="2" charset="-122"/>
-                <a:ea typeface="宋体" panose="02010600030101010101" pitchFamily="2" charset="-122"/>
-                <a:cs typeface="宋体" panose="02010600030101010101" pitchFamily="2" charset="-122"/>
-              </a:rPr>
-              <a:t>abstract：如果类被 abstract 修饰，则该类为抽象类，抽象类不能被实例化，但抽象类中可以有抽象方法（使用 abstract 修饰的方法）和具体方法（没有使用 abstract 修饰的方法）。继承该抽象类的所有子类都必须实现该抽象类中的所有抽象方法（除非子类也是抽象类）。</a:t>
-            </a:r>
-            <a:endParaRPr lang="zh-CN" altLang="en-US" sz="1600">
-              <a:latin typeface="宋体" panose="02010600030101010101" pitchFamily="2" charset="-122"/>
-              <a:ea typeface="宋体" panose="02010600030101010101" pitchFamily="2" charset="-122"/>
-              <a:cs typeface="宋体" panose="02010600030101010101" pitchFamily="2" charset="-122"/>
-            </a:endParaRPr>
-          </a:p>
-          <a:p>
-            <a:r>
-              <a:rPr lang="zh-CN" altLang="en-US" sz="1600">
-                <a:latin typeface="宋体" panose="02010600030101010101" pitchFamily="2" charset="-122"/>
-                <a:ea typeface="宋体" panose="02010600030101010101" pitchFamily="2" charset="-122"/>
-                <a:cs typeface="宋体" panose="02010600030101010101" pitchFamily="2" charset="-122"/>
-              </a:rPr>
-              <a:t>final：如果类被 final 修饰，则不允许被继承。</a:t>
-            </a:r>
-            <a:endParaRPr lang="zh-CN" altLang="en-US" sz="1600">
-              <a:latin typeface="宋体" panose="02010600030101010101" pitchFamily="2" charset="-122"/>
-              <a:ea typeface="宋体" panose="02010600030101010101" pitchFamily="2" charset="-122"/>
-              <a:cs typeface="宋体" panose="02010600030101010101" pitchFamily="2" charset="-122"/>
-            </a:endParaRPr>
-          </a:p>
-          <a:p>
-            <a:r>
-              <a:rPr lang="zh-CN" altLang="en-US" sz="1600">
-                <a:latin typeface="宋体" panose="02010600030101010101" pitchFamily="2" charset="-122"/>
-                <a:ea typeface="宋体" panose="02010600030101010101" pitchFamily="2" charset="-122"/>
-                <a:cs typeface="宋体" panose="02010600030101010101" pitchFamily="2" charset="-122"/>
-              </a:rPr>
-              <a:t>class：声明类的关键字。</a:t>
-            </a:r>
-            <a:endParaRPr lang="zh-CN" altLang="en-US" sz="1600">
-              <a:latin typeface="宋体" panose="02010600030101010101" pitchFamily="2" charset="-122"/>
-              <a:ea typeface="宋体" panose="02010600030101010101" pitchFamily="2" charset="-122"/>
-              <a:cs typeface="宋体" panose="02010600030101010101" pitchFamily="2" charset="-122"/>
-            </a:endParaRPr>
-          </a:p>
-          <a:p>
-            <a:r>
-              <a:rPr lang="zh-CN" altLang="en-US" sz="1600">
-                <a:latin typeface="宋体" panose="02010600030101010101" pitchFamily="2" charset="-122"/>
-                <a:ea typeface="宋体" panose="02010600030101010101" pitchFamily="2" charset="-122"/>
-                <a:cs typeface="宋体" panose="02010600030101010101" pitchFamily="2" charset="-122"/>
-              </a:rPr>
-              <a:t>class_name：类的名称。</a:t>
-            </a:r>
-            <a:endParaRPr lang="zh-CN" altLang="en-US" sz="1600">
-              <a:latin typeface="宋体" panose="02010600030101010101" pitchFamily="2" charset="-122"/>
-              <a:ea typeface="宋体" panose="02010600030101010101" pitchFamily="2" charset="-122"/>
-              <a:cs typeface="宋体" panose="02010600030101010101" pitchFamily="2" charset="-122"/>
-            </a:endParaRPr>
-          </a:p>
-          <a:p>
-            <a:r>
-              <a:rPr lang="zh-CN" altLang="en-US" sz="1600">
-                <a:latin typeface="宋体" panose="02010600030101010101" pitchFamily="2" charset="-122"/>
-                <a:ea typeface="宋体" panose="02010600030101010101" pitchFamily="2" charset="-122"/>
-                <a:cs typeface="宋体" panose="02010600030101010101" pitchFamily="2" charset="-122"/>
-              </a:rPr>
-              <a:t>extends：表示继承其他类。</a:t>
-            </a:r>
-            <a:endParaRPr lang="zh-CN" altLang="en-US" sz="1600">
-              <a:latin typeface="宋体" panose="02010600030101010101" pitchFamily="2" charset="-122"/>
-              <a:ea typeface="宋体" panose="02010600030101010101" pitchFamily="2" charset="-122"/>
-              <a:cs typeface="宋体" panose="02010600030101010101" pitchFamily="2" charset="-122"/>
-            </a:endParaRPr>
-          </a:p>
-          <a:p>
-            <a:r>
-              <a:rPr lang="zh-CN" altLang="en-US" sz="1600">
-                <a:latin typeface="宋体" panose="02010600030101010101" pitchFamily="2" charset="-122"/>
-                <a:ea typeface="宋体" panose="02010600030101010101" pitchFamily="2" charset="-122"/>
-                <a:cs typeface="宋体" panose="02010600030101010101" pitchFamily="2" charset="-122"/>
-              </a:rPr>
-              <a:t>implements：表示实现某些接口。</a:t>
-            </a:r>
-            <a:endParaRPr lang="zh-CN" altLang="en-US" sz="1600">
-              <a:latin typeface="宋体" panose="02010600030101010101" pitchFamily="2" charset="-122"/>
-              <a:ea typeface="宋体" panose="02010600030101010101" pitchFamily="2" charset="-122"/>
-              <a:cs typeface="宋体" panose="02010600030101010101" pitchFamily="2" charset="-122"/>
-            </a:endParaRPr>
-          </a:p>
-          <a:p>
-            <a:r>
-              <a:rPr lang="zh-CN" altLang="en-US" sz="1600">
-                <a:latin typeface="宋体" panose="02010600030101010101" pitchFamily="2" charset="-122"/>
-                <a:ea typeface="宋体" panose="02010600030101010101" pitchFamily="2" charset="-122"/>
-                <a:cs typeface="宋体" panose="02010600030101010101" pitchFamily="2" charset="-122"/>
-              </a:rPr>
-              <a:t>property_type：表示成员变量的类型。</a:t>
-            </a:r>
-            <a:endParaRPr lang="zh-CN" altLang="en-US" sz="1600">
-              <a:latin typeface="宋体" panose="02010600030101010101" pitchFamily="2" charset="-122"/>
-              <a:ea typeface="宋体" panose="02010600030101010101" pitchFamily="2" charset="-122"/>
-              <a:cs typeface="宋体" panose="02010600030101010101" pitchFamily="2" charset="-122"/>
-            </a:endParaRPr>
-          </a:p>
-          <a:p>
-            <a:r>
-              <a:rPr lang="zh-CN" altLang="en-US" sz="1600">
-                <a:latin typeface="宋体" panose="02010600030101010101" pitchFamily="2" charset="-122"/>
-                <a:ea typeface="宋体" panose="02010600030101010101" pitchFamily="2" charset="-122"/>
-                <a:cs typeface="宋体" panose="02010600030101010101" pitchFamily="2" charset="-122"/>
-              </a:rPr>
-              <a:t>property：表示成员变量名称。</a:t>
-            </a:r>
-            <a:endParaRPr lang="zh-CN" altLang="en-US" sz="1600">
-              <a:latin typeface="宋体" panose="02010600030101010101" pitchFamily="2" charset="-122"/>
-              <a:ea typeface="宋体" panose="02010600030101010101" pitchFamily="2" charset="-122"/>
-              <a:cs typeface="宋体" panose="02010600030101010101" pitchFamily="2" charset="-122"/>
-            </a:endParaRPr>
-          </a:p>
-          <a:p>
-            <a:r>
-              <a:rPr lang="zh-CN" altLang="en-US" sz="1600">
-                <a:latin typeface="宋体" panose="02010600030101010101" pitchFamily="2" charset="-122"/>
-                <a:ea typeface="宋体" panose="02010600030101010101" pitchFamily="2" charset="-122"/>
-                <a:cs typeface="宋体" panose="02010600030101010101" pitchFamily="2" charset="-122"/>
-              </a:rPr>
-              <a:t>function()：表示成员方法名称。</a:t>
-            </a:r>
-            <a:endParaRPr lang="zh-CN" altLang="en-US" sz="1600">
-              <a:latin typeface="宋体" panose="02010600030101010101" pitchFamily="2" charset="-122"/>
-              <a:ea typeface="宋体" panose="02010600030101010101" pitchFamily="2" charset="-122"/>
-              <a:cs typeface="宋体" panose="02010600030101010101" pitchFamily="2" charset="-122"/>
-            </a:endParaRPr>
-          </a:p>
-        </p:txBody>
-      </p:sp>
-    </p:spTree>
-    <p:custDataLst>
-      <p:tags r:id="rId2"/>
-    </p:custDataLst>
-  </p:cSld>
-  <p:clrMapOvr>
-    <a:masterClrMapping/>
-  </p:clrMapOvr>
-</p:sld>
-</file>
-
-<file path=ppt/slides/slide9.xml><?xml version="1.0" encoding="utf-8"?>
 <p:sld xmlns:a="http://schemas.openxmlformats.org/drawingml/2006/main" xmlns:r="http://schemas.openxmlformats.org/officeDocument/2006/relationships" xmlns:p="http://schemas.openxmlformats.org/presentationml/2006/main">
   <p:cSld>
     <p:bg>
@@ -18569,6 +19868,398 @@
             <a:endParaRPr lang="zh-CN" altLang="en-US" sz="1600">
               <a:latin typeface="宋体" panose="02010600030101010101" pitchFamily="2" charset="-122"/>
               <a:ea typeface="宋体" panose="02010600030101010101" pitchFamily="2" charset="-122"/>
+            </a:endParaRPr>
+          </a:p>
+        </p:txBody>
+      </p:sp>
+    </p:spTree>
+    <p:custDataLst>
+      <p:tags r:id="rId2"/>
+    </p:custDataLst>
+  </p:cSld>
+  <p:clrMapOvr>
+    <a:masterClrMapping/>
+  </p:clrMapOvr>
+</p:sld>
+</file>
+
+<file path=ppt/slides/slide9.xml><?xml version="1.0" encoding="utf-8"?>
+<p:sld xmlns:a="http://schemas.openxmlformats.org/drawingml/2006/main" xmlns:r="http://schemas.openxmlformats.org/officeDocument/2006/relationships" xmlns:p="http://schemas.openxmlformats.org/presentationml/2006/main">
+  <p:cSld>
+    <p:bg>
+      <p:bgPr>
+        <a:blipFill rotWithShape="1">
+          <a:blip r:embed="rId1"/>
+          <a:stretch>
+            <a:fillRect/>
+          </a:stretch>
+        </a:blipFill>
+        <a:effectLst/>
+      </p:bgPr>
+    </p:bg>
+    <p:spTree>
+      <p:nvGrpSpPr>
+        <p:cNvPr id="1" name=""/>
+        <p:cNvGrpSpPr/>
+        <p:nvPr/>
+      </p:nvGrpSpPr>
+      <p:grpSpPr/>
+      <p:sp>
+        <p:nvSpPr>
+          <p:cNvPr id="3" name="文本框 2"/>
+          <p:cNvSpPr txBox="1"/>
+          <p:nvPr/>
+        </p:nvSpPr>
+        <p:spPr>
+          <a:xfrm>
+            <a:off x="4316730" y="770890"/>
+            <a:ext cx="4265295" cy="583565"/>
+          </a:xfrm>
+          <a:prstGeom prst="rect">
+            <a:avLst/>
+          </a:prstGeom>
+          <a:noFill/>
+        </p:spPr>
+        <p:txBody>
+          <a:bodyPr wrap="square" rtlCol="0">
+            <a:spAutoFit/>
+          </a:bodyPr>
+          <a:p>
+            <a:r>
+              <a:rPr lang="zh-CN" altLang="en-US" sz="3200"/>
+              <a:t>对象实例化过程</a:t>
+            </a:r>
+            <a:endParaRPr lang="zh-CN" altLang="en-US" sz="3200"/>
+          </a:p>
+        </p:txBody>
+      </p:sp>
+      <p:sp>
+        <p:nvSpPr>
+          <p:cNvPr id="2" name="文本框 1"/>
+          <p:cNvSpPr txBox="1"/>
+          <p:nvPr/>
+        </p:nvSpPr>
+        <p:spPr>
+          <a:xfrm>
+            <a:off x="184150" y="1429385"/>
+            <a:ext cx="11857990" cy="5015865"/>
+          </a:xfrm>
+          <a:prstGeom prst="rect">
+            <a:avLst/>
+          </a:prstGeom>
+          <a:noFill/>
+        </p:spPr>
+        <p:txBody>
+          <a:bodyPr wrap="square" rtlCol="0">
+            <a:spAutoFit/>
+          </a:bodyPr>
+          <a:p>
+            <a:r>
+              <a:rPr lang="en-US" altLang="zh-CN" sz="1600">
+                <a:latin typeface="宋体" panose="02010600030101010101" pitchFamily="2" charset="-122"/>
+                <a:ea typeface="宋体" panose="02010600030101010101" pitchFamily="2" charset="-122"/>
+                <a:cs typeface="宋体" panose="02010600030101010101" pitchFamily="2" charset="-122"/>
+              </a:rPr>
+              <a:t>new 可以说是Java开发者最常用的关键字，我们使用new创建对象，使用new并通过类加载器来实例化任何我们需要的东西</a:t>
+            </a:r>
+            <a:r>
+              <a:rPr lang="zh-CN" altLang="en-US" sz="1600">
+                <a:latin typeface="宋体" panose="02010600030101010101" pitchFamily="2" charset="-122"/>
+                <a:ea typeface="宋体" panose="02010600030101010101" pitchFamily="2" charset="-122"/>
+                <a:cs typeface="宋体" panose="02010600030101010101" pitchFamily="2" charset="-122"/>
+              </a:rPr>
+              <a:t>。</a:t>
+            </a:r>
+            <a:endParaRPr lang="en-US" altLang="zh-CN" sz="1600">
+              <a:latin typeface="宋体" panose="02010600030101010101" pitchFamily="2" charset="-122"/>
+              <a:ea typeface="宋体" panose="02010600030101010101" pitchFamily="2" charset="-122"/>
+              <a:cs typeface="宋体" panose="02010600030101010101" pitchFamily="2" charset="-122"/>
+            </a:endParaRPr>
+          </a:p>
+          <a:p>
+            <a:endParaRPr lang="zh-CN" altLang="en-US" sz="1600">
+              <a:latin typeface="宋体" panose="02010600030101010101" pitchFamily="2" charset="-122"/>
+              <a:ea typeface="宋体" panose="02010600030101010101" pitchFamily="2" charset="-122"/>
+              <a:cs typeface="宋体" panose="02010600030101010101" pitchFamily="2" charset="-122"/>
+            </a:endParaRPr>
+          </a:p>
+          <a:p>
+            <a:r>
+              <a:rPr lang="zh-CN" altLang="en-US" sz="1600">
+                <a:latin typeface="宋体" panose="02010600030101010101" pitchFamily="2" charset="-122"/>
+                <a:ea typeface="宋体" panose="02010600030101010101" pitchFamily="2" charset="-122"/>
+                <a:cs typeface="宋体" panose="02010600030101010101" pitchFamily="2" charset="-122"/>
+                <a:sym typeface="+mn-ea"/>
+              </a:rPr>
+              <a:t>简单类对象的实例化过程</a:t>
+            </a:r>
+            <a:endParaRPr lang="zh-CN" altLang="en-US" sz="1600">
+              <a:latin typeface="宋体" panose="02010600030101010101" pitchFamily="2" charset="-122"/>
+              <a:ea typeface="宋体" panose="02010600030101010101" pitchFamily="2" charset="-122"/>
+              <a:cs typeface="宋体" panose="02010600030101010101" pitchFamily="2" charset="-122"/>
+            </a:endParaRPr>
+          </a:p>
+          <a:p>
+            <a:r>
+              <a:rPr lang="zh-CN" altLang="en-US" sz="1600">
+                <a:latin typeface="宋体" panose="02010600030101010101" pitchFamily="2" charset="-122"/>
+                <a:ea typeface="宋体" panose="02010600030101010101" pitchFamily="2" charset="-122"/>
+                <a:cs typeface="宋体" panose="02010600030101010101" pitchFamily="2" charset="-122"/>
+                <a:sym typeface="+mn-ea"/>
+              </a:rPr>
+              <a:t>　　1、在方法区加载类；</a:t>
+            </a:r>
+            <a:endParaRPr lang="zh-CN" altLang="en-US" sz="1600">
+              <a:latin typeface="宋体" panose="02010600030101010101" pitchFamily="2" charset="-122"/>
+              <a:ea typeface="宋体" panose="02010600030101010101" pitchFamily="2" charset="-122"/>
+              <a:cs typeface="宋体" panose="02010600030101010101" pitchFamily="2" charset="-122"/>
+            </a:endParaRPr>
+          </a:p>
+          <a:p>
+            <a:r>
+              <a:rPr lang="zh-CN" altLang="en-US" sz="1600">
+                <a:latin typeface="宋体" panose="02010600030101010101" pitchFamily="2" charset="-122"/>
+                <a:ea typeface="宋体" panose="02010600030101010101" pitchFamily="2" charset="-122"/>
+                <a:cs typeface="宋体" panose="02010600030101010101" pitchFamily="2" charset="-122"/>
+                <a:sym typeface="+mn-ea"/>
+              </a:rPr>
+              <a:t>　　2、在栈内存申请空间，声明变量P；</a:t>
+            </a:r>
+            <a:endParaRPr lang="zh-CN" altLang="en-US" sz="1600">
+              <a:latin typeface="宋体" panose="02010600030101010101" pitchFamily="2" charset="-122"/>
+              <a:ea typeface="宋体" panose="02010600030101010101" pitchFamily="2" charset="-122"/>
+              <a:cs typeface="宋体" panose="02010600030101010101" pitchFamily="2" charset="-122"/>
+            </a:endParaRPr>
+          </a:p>
+          <a:p>
+            <a:r>
+              <a:rPr lang="zh-CN" altLang="en-US" sz="1600">
+                <a:latin typeface="宋体" panose="02010600030101010101" pitchFamily="2" charset="-122"/>
+                <a:ea typeface="宋体" panose="02010600030101010101" pitchFamily="2" charset="-122"/>
+                <a:cs typeface="宋体" panose="02010600030101010101" pitchFamily="2" charset="-122"/>
+                <a:sym typeface="+mn-ea"/>
+              </a:rPr>
+              <a:t>　　3、在堆内存中开辟空间，分配对象地址；</a:t>
+            </a:r>
+            <a:endParaRPr lang="zh-CN" altLang="en-US" sz="1600">
+              <a:latin typeface="宋体" panose="02010600030101010101" pitchFamily="2" charset="-122"/>
+              <a:ea typeface="宋体" panose="02010600030101010101" pitchFamily="2" charset="-122"/>
+              <a:cs typeface="宋体" panose="02010600030101010101" pitchFamily="2" charset="-122"/>
+            </a:endParaRPr>
+          </a:p>
+          <a:p>
+            <a:r>
+              <a:rPr lang="zh-CN" altLang="en-US" sz="1600">
+                <a:latin typeface="宋体" panose="02010600030101010101" pitchFamily="2" charset="-122"/>
+                <a:ea typeface="宋体" panose="02010600030101010101" pitchFamily="2" charset="-122"/>
+                <a:cs typeface="宋体" panose="02010600030101010101" pitchFamily="2" charset="-122"/>
+                <a:sym typeface="+mn-ea"/>
+              </a:rPr>
+              <a:t>　　4、在对象空间中，对对象的属性进行默认初始化，类成员变量显示初始化；</a:t>
+            </a:r>
+            <a:endParaRPr lang="zh-CN" altLang="en-US" sz="1600">
+              <a:latin typeface="宋体" panose="02010600030101010101" pitchFamily="2" charset="-122"/>
+              <a:ea typeface="宋体" panose="02010600030101010101" pitchFamily="2" charset="-122"/>
+              <a:cs typeface="宋体" panose="02010600030101010101" pitchFamily="2" charset="-122"/>
+            </a:endParaRPr>
+          </a:p>
+          <a:p>
+            <a:r>
+              <a:rPr lang="zh-CN" altLang="en-US" sz="1600">
+                <a:latin typeface="宋体" panose="02010600030101010101" pitchFamily="2" charset="-122"/>
+                <a:ea typeface="宋体" panose="02010600030101010101" pitchFamily="2" charset="-122"/>
+                <a:cs typeface="宋体" panose="02010600030101010101" pitchFamily="2" charset="-122"/>
+                <a:sym typeface="+mn-ea"/>
+              </a:rPr>
+              <a:t>　　5、构造方法进栈，进行初始化；</a:t>
+            </a:r>
+            <a:endParaRPr lang="zh-CN" altLang="en-US" sz="1600">
+              <a:latin typeface="宋体" panose="02010600030101010101" pitchFamily="2" charset="-122"/>
+              <a:ea typeface="宋体" panose="02010600030101010101" pitchFamily="2" charset="-122"/>
+              <a:cs typeface="宋体" panose="02010600030101010101" pitchFamily="2" charset="-122"/>
+            </a:endParaRPr>
+          </a:p>
+          <a:p>
+            <a:r>
+              <a:rPr lang="zh-CN" altLang="en-US" sz="1600">
+                <a:latin typeface="宋体" panose="02010600030101010101" pitchFamily="2" charset="-122"/>
+                <a:ea typeface="宋体" panose="02010600030101010101" pitchFamily="2" charset="-122"/>
+                <a:cs typeface="宋体" panose="02010600030101010101" pitchFamily="2" charset="-122"/>
+                <a:sym typeface="+mn-ea"/>
+              </a:rPr>
+              <a:t>　　6、初始化完成后，将堆内存中的地址赋给引用变量，构造方法出栈；</a:t>
+            </a:r>
+            <a:endParaRPr lang="zh-CN" altLang="en-US" sz="1600">
+              <a:latin typeface="宋体" panose="02010600030101010101" pitchFamily="2" charset="-122"/>
+              <a:ea typeface="宋体" panose="02010600030101010101" pitchFamily="2" charset="-122"/>
+              <a:cs typeface="宋体" panose="02010600030101010101" pitchFamily="2" charset="-122"/>
+            </a:endParaRPr>
+          </a:p>
+          <a:p>
+            <a:endParaRPr lang="zh-CN" altLang="en-US" sz="1600">
+              <a:latin typeface="宋体" panose="02010600030101010101" pitchFamily="2" charset="-122"/>
+              <a:ea typeface="宋体" panose="02010600030101010101" pitchFamily="2" charset="-122"/>
+              <a:cs typeface="宋体" panose="02010600030101010101" pitchFamily="2" charset="-122"/>
+            </a:endParaRPr>
+          </a:p>
+          <a:p>
+            <a:r>
+              <a:rPr lang="zh-CN" altLang="en-US" sz="1600">
+                <a:latin typeface="宋体" panose="02010600030101010101" pitchFamily="2" charset="-122"/>
+                <a:ea typeface="宋体" panose="02010600030101010101" pitchFamily="2" charset="-122"/>
+                <a:cs typeface="宋体" panose="02010600030101010101" pitchFamily="2" charset="-122"/>
+                <a:sym typeface="+mn-ea"/>
+              </a:rPr>
+              <a:t>子类对象的实例化过程</a:t>
+            </a:r>
+            <a:endParaRPr lang="zh-CN" altLang="en-US" sz="1600">
+              <a:latin typeface="宋体" panose="02010600030101010101" pitchFamily="2" charset="-122"/>
+              <a:ea typeface="宋体" panose="02010600030101010101" pitchFamily="2" charset="-122"/>
+              <a:cs typeface="宋体" panose="02010600030101010101" pitchFamily="2" charset="-122"/>
+            </a:endParaRPr>
+          </a:p>
+          <a:p>
+            <a:r>
+              <a:rPr lang="zh-CN" altLang="en-US" sz="1600">
+                <a:latin typeface="宋体" panose="02010600030101010101" pitchFamily="2" charset="-122"/>
+                <a:ea typeface="宋体" panose="02010600030101010101" pitchFamily="2" charset="-122"/>
+                <a:cs typeface="宋体" panose="02010600030101010101" pitchFamily="2" charset="-122"/>
+                <a:sym typeface="+mn-ea"/>
+              </a:rPr>
+              <a:t>　　1、在方法区先加载父类，再加载子类；</a:t>
+            </a:r>
+            <a:endParaRPr lang="zh-CN" altLang="en-US" sz="1600">
+              <a:latin typeface="宋体" panose="02010600030101010101" pitchFamily="2" charset="-122"/>
+              <a:ea typeface="宋体" panose="02010600030101010101" pitchFamily="2" charset="-122"/>
+              <a:cs typeface="宋体" panose="02010600030101010101" pitchFamily="2" charset="-122"/>
+            </a:endParaRPr>
+          </a:p>
+          <a:p>
+            <a:r>
+              <a:rPr lang="zh-CN" altLang="en-US" sz="1600">
+                <a:latin typeface="宋体" panose="02010600030101010101" pitchFamily="2" charset="-122"/>
+                <a:ea typeface="宋体" panose="02010600030101010101" pitchFamily="2" charset="-122"/>
+                <a:cs typeface="宋体" panose="02010600030101010101" pitchFamily="2" charset="-122"/>
+                <a:sym typeface="+mn-ea"/>
+              </a:rPr>
+              <a:t>　　2、在栈中申请空间，声明变量P；</a:t>
+            </a:r>
+            <a:endParaRPr lang="zh-CN" altLang="en-US" sz="1600">
+              <a:latin typeface="宋体" panose="02010600030101010101" pitchFamily="2" charset="-122"/>
+              <a:ea typeface="宋体" panose="02010600030101010101" pitchFamily="2" charset="-122"/>
+              <a:cs typeface="宋体" panose="02010600030101010101" pitchFamily="2" charset="-122"/>
+            </a:endParaRPr>
+          </a:p>
+          <a:p>
+            <a:r>
+              <a:rPr lang="zh-CN" altLang="en-US" sz="1600">
+                <a:latin typeface="宋体" panose="02010600030101010101" pitchFamily="2" charset="-122"/>
+                <a:ea typeface="宋体" panose="02010600030101010101" pitchFamily="2" charset="-122"/>
+                <a:cs typeface="宋体" panose="02010600030101010101" pitchFamily="2" charset="-122"/>
+                <a:sym typeface="+mn-ea"/>
+              </a:rPr>
+              <a:t>　　3、在堆内存中开辟空间，分配对象地址；</a:t>
+            </a:r>
+            <a:endParaRPr lang="zh-CN" altLang="en-US" sz="1600">
+              <a:latin typeface="宋体" panose="02010600030101010101" pitchFamily="2" charset="-122"/>
+              <a:ea typeface="宋体" panose="02010600030101010101" pitchFamily="2" charset="-122"/>
+              <a:cs typeface="宋体" panose="02010600030101010101" pitchFamily="2" charset="-122"/>
+            </a:endParaRPr>
+          </a:p>
+          <a:p>
+            <a:r>
+              <a:rPr lang="zh-CN" altLang="en-US" sz="1600">
+                <a:latin typeface="宋体" panose="02010600030101010101" pitchFamily="2" charset="-122"/>
+                <a:ea typeface="宋体" panose="02010600030101010101" pitchFamily="2" charset="-122"/>
+                <a:cs typeface="宋体" panose="02010600030101010101" pitchFamily="2" charset="-122"/>
+                <a:sym typeface="+mn-ea"/>
+              </a:rPr>
+              <a:t>　　4、在对象空间中，对对象的属性（包括父类的属性）进行默认初始化；</a:t>
+            </a:r>
+            <a:endParaRPr lang="zh-CN" altLang="en-US" sz="1600">
+              <a:latin typeface="宋体" panose="02010600030101010101" pitchFamily="2" charset="-122"/>
+              <a:ea typeface="宋体" panose="02010600030101010101" pitchFamily="2" charset="-122"/>
+              <a:cs typeface="宋体" panose="02010600030101010101" pitchFamily="2" charset="-122"/>
+            </a:endParaRPr>
+          </a:p>
+          <a:p>
+            <a:r>
+              <a:rPr lang="zh-CN" altLang="en-US" sz="1600">
+                <a:latin typeface="宋体" panose="02010600030101010101" pitchFamily="2" charset="-122"/>
+                <a:ea typeface="宋体" panose="02010600030101010101" pitchFamily="2" charset="-122"/>
+                <a:cs typeface="宋体" panose="02010600030101010101" pitchFamily="2" charset="-122"/>
+                <a:sym typeface="+mn-ea"/>
+              </a:rPr>
+              <a:t>　　5、子类构造方法进栈；</a:t>
+            </a:r>
+            <a:endParaRPr lang="zh-CN" altLang="en-US" sz="1600">
+              <a:latin typeface="宋体" panose="02010600030101010101" pitchFamily="2" charset="-122"/>
+              <a:ea typeface="宋体" panose="02010600030101010101" pitchFamily="2" charset="-122"/>
+              <a:cs typeface="宋体" panose="02010600030101010101" pitchFamily="2" charset="-122"/>
+            </a:endParaRPr>
+          </a:p>
+          <a:p>
+            <a:r>
+              <a:rPr lang="zh-CN" altLang="en-US" sz="1600">
+                <a:latin typeface="宋体" panose="02010600030101010101" pitchFamily="2" charset="-122"/>
+                <a:ea typeface="宋体" panose="02010600030101010101" pitchFamily="2" charset="-122"/>
+                <a:cs typeface="宋体" panose="02010600030101010101" pitchFamily="2" charset="-122"/>
+                <a:sym typeface="+mn-ea"/>
+              </a:rPr>
+              <a:t>　　6、显示初始化父类的属性；</a:t>
+            </a:r>
+            <a:endParaRPr lang="zh-CN" altLang="en-US" sz="1600">
+              <a:latin typeface="宋体" panose="02010600030101010101" pitchFamily="2" charset="-122"/>
+              <a:ea typeface="宋体" panose="02010600030101010101" pitchFamily="2" charset="-122"/>
+              <a:cs typeface="宋体" panose="02010600030101010101" pitchFamily="2" charset="-122"/>
+            </a:endParaRPr>
+          </a:p>
+          <a:p>
+            <a:r>
+              <a:rPr lang="zh-CN" altLang="en-US" sz="1600">
+                <a:latin typeface="宋体" panose="02010600030101010101" pitchFamily="2" charset="-122"/>
+                <a:ea typeface="宋体" panose="02010600030101010101" pitchFamily="2" charset="-122"/>
+                <a:cs typeface="宋体" panose="02010600030101010101" pitchFamily="2" charset="-122"/>
+                <a:sym typeface="+mn-ea"/>
+              </a:rPr>
+              <a:t>　　7、父类构造方法进栈，执行完毕出栈；</a:t>
+            </a:r>
+            <a:endParaRPr lang="zh-CN" altLang="en-US" sz="1600">
+              <a:latin typeface="宋体" panose="02010600030101010101" pitchFamily="2" charset="-122"/>
+              <a:ea typeface="宋体" panose="02010600030101010101" pitchFamily="2" charset="-122"/>
+              <a:cs typeface="宋体" panose="02010600030101010101" pitchFamily="2" charset="-122"/>
+            </a:endParaRPr>
+          </a:p>
+          <a:p>
+            <a:r>
+              <a:rPr lang="zh-CN" altLang="en-US" sz="1600">
+                <a:latin typeface="宋体" panose="02010600030101010101" pitchFamily="2" charset="-122"/>
+                <a:ea typeface="宋体" panose="02010600030101010101" pitchFamily="2" charset="-122"/>
+                <a:cs typeface="宋体" panose="02010600030101010101" pitchFamily="2" charset="-122"/>
+                <a:sym typeface="+mn-ea"/>
+              </a:rPr>
+              <a:t>　　8、显示初始化子类的属性；</a:t>
+            </a:r>
+            <a:endParaRPr lang="zh-CN" altLang="en-US" sz="1600">
+              <a:latin typeface="宋体" panose="02010600030101010101" pitchFamily="2" charset="-122"/>
+              <a:ea typeface="宋体" panose="02010600030101010101" pitchFamily="2" charset="-122"/>
+              <a:cs typeface="宋体" panose="02010600030101010101" pitchFamily="2" charset="-122"/>
+            </a:endParaRPr>
+          </a:p>
+          <a:p>
+            <a:r>
+              <a:rPr lang="zh-CN" altLang="en-US" sz="1600">
+                <a:latin typeface="宋体" panose="02010600030101010101" pitchFamily="2" charset="-122"/>
+                <a:ea typeface="宋体" panose="02010600030101010101" pitchFamily="2" charset="-122"/>
+                <a:cs typeface="宋体" panose="02010600030101010101" pitchFamily="2" charset="-122"/>
+                <a:sym typeface="+mn-ea"/>
+              </a:rPr>
+              <a:t>　　9、初始化完毕后，将堆内存中的地址值赋给引用变量P，子类构造方法出栈；</a:t>
+            </a:r>
+            <a:endParaRPr lang="zh-CN" altLang="en-US" sz="1600">
+              <a:latin typeface="宋体" panose="02010600030101010101" pitchFamily="2" charset="-122"/>
+              <a:ea typeface="宋体" panose="02010600030101010101" pitchFamily="2" charset="-122"/>
+              <a:cs typeface="宋体" panose="02010600030101010101" pitchFamily="2" charset="-122"/>
             </a:endParaRPr>
           </a:p>
         </p:txBody>
@@ -18742,6 +20433,15 @@
 
 <file path=ppt/tags/tag113.xml><?xml version="1.0" encoding="utf-8"?>
 <p:tagLst xmlns:p="http://schemas.openxmlformats.org/presentationml/2006/main">
+  <p:tag name="KSO_WM_BEAUTIFY_FLAG" val="#wm#"/>
+  <p:tag name="KSO_WM_TEMPLATE_CATEGORY" val="custom"/>
+  <p:tag name="KSO_WM_TEMPLATE_INDEX" val="20203858"/>
+  <p:tag name="KSO_WM_SPECIAL_SOURCE" val="bdnull"/>
+</p:tagLst>
+</file>
+
+<file path=ppt/tags/tag114.xml><?xml version="1.0" encoding="utf-8"?>
+<p:tagLst xmlns:p="http://schemas.openxmlformats.org/presentationml/2006/main">
   <p:tag name="KSO_WM_UNIT_HIGHLIGHT" val="0"/>
   <p:tag name="KSO_WM_UNIT_COMPATIBLE" val="0"/>
   <p:tag name="KSO_WM_UNIT_DIAGRAM_ISNUMVISUAL" val="0"/>
@@ -18757,7 +20457,7 @@
 </p:tagLst>
 </file>
 
-<file path=ppt/tags/tag114.xml><?xml version="1.0" encoding="utf-8"?>
+<file path=ppt/tags/tag115.xml><?xml version="1.0" encoding="utf-8"?>
 <p:tagLst xmlns:p="http://schemas.openxmlformats.org/presentationml/2006/main">
   <p:tag name="KSO_WM_UNIT_HIGHLIGHT" val="0"/>
   <p:tag name="KSO_WM_UNIT_COMPATIBLE" val="0"/>
@@ -18774,7 +20474,7 @@
 </p:tagLst>
 </file>
 
-<file path=ppt/tags/tag115.xml><?xml version="1.0" encoding="utf-8"?>
+<file path=ppt/tags/tag116.xml><?xml version="1.0" encoding="utf-8"?>
 <p:tagLst xmlns:p="http://schemas.openxmlformats.org/presentationml/2006/main">
   <p:tag name="KSO_WM_UNIT_HIGHLIGHT" val="0"/>
   <p:tag name="KSO_WM_UNIT_COMPATIBLE" val="0"/>
@@ -18791,7 +20491,7 @@
 </p:tagLst>
 </file>
 
-<file path=ppt/tags/tag116.xml><?xml version="1.0" encoding="utf-8"?>
+<file path=ppt/tags/tag117.xml><?xml version="1.0" encoding="utf-8"?>
 <p:tagLst xmlns:p="http://schemas.openxmlformats.org/presentationml/2006/main">
   <p:tag name="KSO_WM_UNIT_HIGHLIGHT" val="0"/>
   <p:tag name="KSO_WM_UNIT_COMPATIBLE" val="0"/>
@@ -18805,15 +20505,6 @@
   <p:tag name="KSO_WM_UNIT_LAYERLEVEL" val="1"/>
   <p:tag name="KSO_WM_TAG_VERSION" val="1.0"/>
   <p:tag name="KSO_WM_BEAUTIFY_FLAG" val="#wm#"/>
-</p:tagLst>
-</file>
-
-<file path=ppt/tags/tag117.xml><?xml version="1.0" encoding="utf-8"?>
-<p:tagLst xmlns:p="http://schemas.openxmlformats.org/presentationml/2006/main">
-  <p:tag name="KSO_WM_BEAUTIFY_FLAG" val="#wm#"/>
-  <p:tag name="KSO_WM_TEMPLATE_CATEGORY" val="custom"/>
-  <p:tag name="KSO_WM_TEMPLATE_INDEX" val="20203858"/>
-  <p:tag name="KSO_WM_SPECIAL_SOURCE" val="bdnull"/>
 </p:tagLst>
 </file>
 
@@ -18845,6 +20536,15 @@
   <p:tag name="KSO_WM_UNIT_LAYERLEVEL" val="1"/>
   <p:tag name="KSO_WM_TAG_VERSION" val="1.0"/>
   <p:tag name="KSO_WM_BEAUTIFY_FLAG" val="#wm#"/>
+</p:tagLst>
+</file>
+
+<file path=ppt/tags/tag120.xml><?xml version="1.0" encoding="utf-8"?>
+<p:tagLst xmlns:p="http://schemas.openxmlformats.org/presentationml/2006/main">
+  <p:tag name="KSO_WM_BEAUTIFY_FLAG" val="#wm#"/>
+  <p:tag name="KSO_WM_TEMPLATE_CATEGORY" val="custom"/>
+  <p:tag name="KSO_WM_TEMPLATE_INDEX" val="20203858"/>
+  <p:tag name="KSO_WM_SPECIAL_SOURCE" val="bdnull"/>
 </p:tagLst>
 </file>
 

--- a/基础PPT/第2章：Java面向对象.pptx
+++ b/基础PPT/第2章：Java面向对象.pptx
@@ -12586,8 +12586,8 @@
         </p:nvSpPr>
         <p:spPr>
           <a:xfrm>
-            <a:off x="3970655" y="806450"/>
-            <a:ext cx="3864610" cy="583565"/>
+            <a:off x="328295" y="806450"/>
+            <a:ext cx="11328400" cy="583565"/>
           </a:xfrm>
           <a:prstGeom prst="rect">
             <a:avLst/>
@@ -12599,6 +12599,7 @@
             <a:spAutoFit/>
           </a:bodyPr>
           <a:p>
+            <a:pPr algn="ctr"/>
             <a:r>
               <a:rPr lang="en-US" altLang="zh-CN" sz="3200"/>
               <a:t>final </a:t>
@@ -12619,8 +12620,8 @@
         </p:nvSpPr>
         <p:spPr>
           <a:xfrm>
-            <a:off x="212725" y="1483995"/>
-            <a:ext cx="11138535" cy="4276725"/>
+            <a:off x="252730" y="1285240"/>
+            <a:ext cx="11685905" cy="4523105"/>
           </a:xfrm>
           <a:prstGeom prst="rect">
             <a:avLst/>
@@ -12673,9 +12674,58 @@
                 <a:latin typeface="宋体" panose="02010600030101010101" pitchFamily="2" charset="-122"/>
                 <a:ea typeface="宋体" panose="02010600030101010101" pitchFamily="2" charset="-122"/>
                 <a:cs typeface="宋体" panose="02010600030101010101" pitchFamily="2" charset="-122"/>
-              </a:rPr>
-              <a:t>表示该变量一旦被初始化便不可改变，这里不可改变的意思对基本类型变量来说是其值不可变，而对对象引用类型变量来说其引用不可再变。其初始化可以在两个地方：一是其定义处，也就是说在 final 变量定义时直接给其赋值；二是在构造方法中。这两个地方只能选其一，要么在定义时给值，要么在构造方法中给值，不能同时既在定义时赋值，又在构造方法中赋予另外的值。</a:t>
-            </a:r>
+                <a:sym typeface="+mn-ea"/>
+              </a:rPr>
+              <a:t>在 Java 中使用 final 关键字来修饰常量，声明方式和变量类似</a:t>
+            </a:r>
+            <a:r>
+              <a:rPr lang="en-US" altLang="zh-CN" sz="1600">
+                <a:latin typeface="宋体" panose="02010600030101010101" pitchFamily="2" charset="-122"/>
+                <a:ea typeface="宋体" panose="02010600030101010101" pitchFamily="2" charset="-122"/>
+                <a:cs typeface="宋体" panose="02010600030101010101" pitchFamily="2" charset="-122"/>
+                <a:sym typeface="+mn-ea"/>
+              </a:rPr>
+              <a:t>,</a:t>
+            </a:r>
+            <a:r>
+              <a:rPr lang="zh-CN" altLang="en-US" sz="1600">
+                <a:latin typeface="宋体" panose="02010600030101010101" pitchFamily="2" charset="-122"/>
+                <a:ea typeface="宋体" panose="02010600030101010101" pitchFamily="2" charset="-122"/>
+                <a:cs typeface="宋体" panose="02010600030101010101" pitchFamily="2" charset="-122"/>
+                <a:sym typeface="+mn-ea"/>
+              </a:rPr>
+              <a:t>虽然常量名也可以用小写，但为了便于识别，通常使用大写字母表示常量。</a:t>
+            </a:r>
+            <a:endParaRPr lang="zh-CN" altLang="en-US" sz="1600">
+              <a:latin typeface="宋体" panose="02010600030101010101" pitchFamily="2" charset="-122"/>
+              <a:ea typeface="宋体" panose="02010600030101010101" pitchFamily="2" charset="-122"/>
+              <a:cs typeface="宋体" panose="02010600030101010101" pitchFamily="2" charset="-122"/>
+            </a:endParaRPr>
+          </a:p>
+          <a:p>
+            <a:endParaRPr lang="zh-CN" altLang="en-US" sz="1600">
+              <a:latin typeface="宋体" panose="02010600030101010101" pitchFamily="2" charset="-122"/>
+              <a:ea typeface="宋体" panose="02010600030101010101" pitchFamily="2" charset="-122"/>
+              <a:cs typeface="宋体" panose="02010600030101010101" pitchFamily="2" charset="-122"/>
+            </a:endParaRPr>
+          </a:p>
+          <a:p>
+            <a:r>
+              <a:rPr lang="zh-CN" altLang="en-US" sz="1600">
+                <a:latin typeface="宋体" panose="02010600030101010101" pitchFamily="2" charset="-122"/>
+                <a:ea typeface="宋体" panose="02010600030101010101" pitchFamily="2" charset="-122"/>
+                <a:cs typeface="宋体" panose="02010600030101010101" pitchFamily="2" charset="-122"/>
+                <a:sym typeface="+mn-ea"/>
+              </a:rPr>
+              <a:t>final double PI = 3.1415927;</a:t>
+            </a:r>
+            <a:endParaRPr lang="zh-CN" altLang="en-US" sz="1600">
+              <a:latin typeface="宋体" panose="02010600030101010101" pitchFamily="2" charset="-122"/>
+              <a:ea typeface="宋体" panose="02010600030101010101" pitchFamily="2" charset="-122"/>
+              <a:cs typeface="宋体" panose="02010600030101010101" pitchFamily="2" charset="-122"/>
+            </a:endParaRPr>
+          </a:p>
+          <a:p>
             <a:endParaRPr lang="zh-CN" altLang="en-US" sz="1600">
               <a:latin typeface="宋体" panose="02010600030101010101" pitchFamily="2" charset="-122"/>
               <a:ea typeface="宋体" panose="02010600030101010101" pitchFamily="2" charset="-122"/>

--- a/基础PPT/第2章：Java面向对象.pptx
+++ b/基础PPT/第2章：Java面向对象.pptx
@@ -18897,8 +18897,8 @@
         </p:nvSpPr>
         <p:spPr>
           <a:xfrm>
-            <a:off x="349250" y="1629410"/>
-            <a:ext cx="10391775" cy="3291840"/>
+            <a:off x="173990" y="1629410"/>
+            <a:ext cx="11783695" cy="2553335"/>
           </a:xfrm>
           <a:prstGeom prst="rect">
             <a:avLst/>
@@ -18916,104 +18916,113 @@
                 <a:ea typeface="宋体" panose="02010600030101010101" pitchFamily="2" charset="-122"/>
                 <a:cs typeface="宋体" panose="02010600030101010101" pitchFamily="2" charset="-122"/>
               </a:rPr>
-              <a:t>在 Java 中，可以将一个类定义在另一个类里面或者一个方法里面，这样的类称为内部类。广泛意义上的内部类一般来说包括这四种：成员内部类、局部内部类、匿名内部类和静态内部类。下面就先来了解一下这四种内部类的用法。</a:t>
-            </a:r>
-            <a:br>
-              <a:rPr lang="zh-CN" altLang="en-US" sz="1600">
-                <a:latin typeface="宋体" panose="02010600030101010101" pitchFamily="2" charset="-122"/>
-                <a:ea typeface="宋体" panose="02010600030101010101" pitchFamily="2" charset="-122"/>
-                <a:cs typeface="宋体" panose="02010600030101010101" pitchFamily="2" charset="-122"/>
-              </a:rPr>
-            </a:br>
-            <a:endParaRPr lang="zh-CN" altLang="en-US" sz="1600">
-              <a:latin typeface="宋体" panose="02010600030101010101" pitchFamily="2" charset="-122"/>
-              <a:ea typeface="宋体" panose="02010600030101010101" pitchFamily="2" charset="-122"/>
-              <a:cs typeface="宋体" panose="02010600030101010101" pitchFamily="2" charset="-122"/>
-            </a:endParaRPr>
-          </a:p>
-          <a:p>
-            <a:endParaRPr lang="zh-CN" altLang="en-US" sz="1600">
-              <a:latin typeface="宋体" panose="02010600030101010101" pitchFamily="2" charset="-122"/>
-              <a:ea typeface="宋体" panose="02010600030101010101" pitchFamily="2" charset="-122"/>
-              <a:cs typeface="宋体" panose="02010600030101010101" pitchFamily="2" charset="-122"/>
-            </a:endParaRPr>
-          </a:p>
-          <a:p>
-            <a:endParaRPr lang="zh-CN" altLang="en-US" sz="1600">
-              <a:latin typeface="宋体" panose="02010600030101010101" pitchFamily="2" charset="-122"/>
-              <a:ea typeface="宋体" panose="02010600030101010101" pitchFamily="2" charset="-122"/>
-              <a:cs typeface="宋体" panose="02010600030101010101" pitchFamily="2" charset="-122"/>
-            </a:endParaRPr>
-          </a:p>
-          <a:p>
-            <a:r>
-              <a:rPr lang="zh-CN" altLang="en-US" sz="1600">
-                <a:latin typeface="宋体" panose="02010600030101010101" pitchFamily="2" charset="-122"/>
-                <a:ea typeface="宋体" panose="02010600030101010101" pitchFamily="2" charset="-122"/>
-                <a:cs typeface="宋体" panose="02010600030101010101" pitchFamily="2" charset="-122"/>
-              </a:rPr>
-              <a:t>局部内部类</a:t>
-            </a:r>
-            <a:endParaRPr lang="zh-CN" altLang="en-US" sz="1600">
-              <a:latin typeface="宋体" panose="02010600030101010101" pitchFamily="2" charset="-122"/>
-              <a:ea typeface="宋体" panose="02010600030101010101" pitchFamily="2" charset="-122"/>
-              <a:cs typeface="宋体" panose="02010600030101010101" pitchFamily="2" charset="-122"/>
-            </a:endParaRPr>
-          </a:p>
-          <a:p>
-            <a:r>
-              <a:rPr lang="zh-CN" altLang="en-US" sz="1600">
-                <a:latin typeface="宋体" panose="02010600030101010101" pitchFamily="2" charset="-122"/>
-                <a:ea typeface="宋体" panose="02010600030101010101" pitchFamily="2" charset="-122"/>
-                <a:cs typeface="宋体" panose="02010600030101010101" pitchFamily="2" charset="-122"/>
-              </a:rPr>
-              <a:t>匿名内部类</a:t>
-            </a:r>
-            <a:endParaRPr lang="zh-CN" altLang="en-US" sz="1600">
-              <a:latin typeface="宋体" panose="02010600030101010101" pitchFamily="2" charset="-122"/>
-              <a:ea typeface="宋体" panose="02010600030101010101" pitchFamily="2" charset="-122"/>
-              <a:cs typeface="宋体" panose="02010600030101010101" pitchFamily="2" charset="-122"/>
-            </a:endParaRPr>
-          </a:p>
-          <a:p>
-            <a:r>
-              <a:rPr lang="zh-CN" altLang="en-US" sz="1600">
-                <a:latin typeface="宋体" panose="02010600030101010101" pitchFamily="2" charset="-122"/>
-                <a:ea typeface="宋体" panose="02010600030101010101" pitchFamily="2" charset="-122"/>
-                <a:cs typeface="宋体" panose="02010600030101010101" pitchFamily="2" charset="-122"/>
-              </a:rPr>
-              <a:t>静态内部类</a:t>
-            </a:r>
-            <a:endParaRPr lang="zh-CN" altLang="en-US" sz="1600">
-              <a:latin typeface="宋体" panose="02010600030101010101" pitchFamily="2" charset="-122"/>
-              <a:ea typeface="宋体" panose="02010600030101010101" pitchFamily="2" charset="-122"/>
-              <a:cs typeface="宋体" panose="02010600030101010101" pitchFamily="2" charset="-122"/>
-            </a:endParaRPr>
-          </a:p>
-          <a:p>
-            <a:endParaRPr lang="zh-CN" altLang="en-US" sz="1600">
-              <a:latin typeface="宋体" panose="02010600030101010101" pitchFamily="2" charset="-122"/>
-              <a:ea typeface="宋体" panose="02010600030101010101" pitchFamily="2" charset="-122"/>
-              <a:cs typeface="宋体" panose="02010600030101010101" pitchFamily="2" charset="-122"/>
-            </a:endParaRPr>
-          </a:p>
-          <a:p>
-            <a:endParaRPr lang="zh-CN" altLang="en-US" sz="1600">
-              <a:latin typeface="宋体" panose="02010600030101010101" pitchFamily="2" charset="-122"/>
-              <a:ea typeface="宋体" panose="02010600030101010101" pitchFamily="2" charset="-122"/>
-              <a:cs typeface="宋体" panose="02010600030101010101" pitchFamily="2" charset="-122"/>
-            </a:endParaRPr>
-          </a:p>
-          <a:p>
-            <a:r>
-              <a:rPr lang="zh-CN" altLang="en-US" sz="1600">
-                <a:latin typeface="宋体" panose="02010600030101010101" pitchFamily="2" charset="-122"/>
-                <a:ea typeface="宋体" panose="02010600030101010101" pitchFamily="2" charset="-122"/>
-                <a:cs typeface="宋体" panose="02010600030101010101" pitchFamily="2" charset="-122"/>
-              </a:rPr>
-              <a:t>如果在一段程序中需要创建一个类的对象（通常这个类需要实现某个接口或者继承某个类(该对象是其子类的对象)），而且对象创建后，这个类的价值也就不存在了，这个类可以不必命名，称之为匿名内部</a:t>
-            </a:r>
-            <a:endParaRPr lang="zh-CN" altLang="en-US" sz="1600">
+              <a:t>在 Java 中，可以将一个类定义在另一个类里面或者一个方法里面，这样的类称为内部类。广泛意义上的内部类一般来说包括这四种：成员内部类、局部内部类、匿名内部类和静态内部类。</a:t>
+            </a:r>
+            <a:endParaRPr lang="zh-CN" altLang="en-US" sz="1600">
+              <a:latin typeface="宋体" panose="02010600030101010101" pitchFamily="2" charset="-122"/>
+              <a:ea typeface="宋体" panose="02010600030101010101" pitchFamily="2" charset="-122"/>
+              <a:cs typeface="宋体" panose="02010600030101010101" pitchFamily="2" charset="-122"/>
+            </a:endParaRPr>
+          </a:p>
+          <a:p>
+            <a:endParaRPr lang="zh-CN" altLang="en-US" sz="1600">
+              <a:latin typeface="宋体" panose="02010600030101010101" pitchFamily="2" charset="-122"/>
+              <a:ea typeface="宋体" panose="02010600030101010101" pitchFamily="2" charset="-122"/>
+              <a:cs typeface="宋体" panose="02010600030101010101" pitchFamily="2" charset="-122"/>
+            </a:endParaRPr>
+          </a:p>
+          <a:p>
+            <a:r>
+              <a:rPr lang="zh-CN" altLang="en-US" sz="1600">
+                <a:latin typeface="宋体" panose="02010600030101010101" pitchFamily="2" charset="-122"/>
+                <a:ea typeface="宋体" panose="02010600030101010101" pitchFamily="2" charset="-122"/>
+                <a:cs typeface="宋体" panose="02010600030101010101" pitchFamily="2" charset="-122"/>
+              </a:rPr>
+              <a:t>如果在一段程序中需要创建一个类的对象（通常这个类需要实现某个接口或者继承某个类(该对象是其子类的对象)），而且对象创建后，这个类的价值也就不存在了，这个类可以不必命名，称之为匿名内部。</a:t>
+            </a:r>
+            <a:endParaRPr lang="zh-CN" altLang="en-US" sz="1600">
+              <a:latin typeface="宋体" panose="02010600030101010101" pitchFamily="2" charset="-122"/>
+              <a:ea typeface="宋体" panose="02010600030101010101" pitchFamily="2" charset="-122"/>
+              <a:cs typeface="宋体" panose="02010600030101010101" pitchFamily="2" charset="-122"/>
+            </a:endParaRPr>
+          </a:p>
+          <a:p>
+            <a:endParaRPr lang="en-US" altLang="zh-CN" sz="1600">
+              <a:latin typeface="宋体" panose="02010600030101010101" pitchFamily="2" charset="-122"/>
+              <a:ea typeface="宋体" panose="02010600030101010101" pitchFamily="2" charset="-122"/>
+              <a:cs typeface="宋体" panose="02010600030101010101" pitchFamily="2" charset="-122"/>
+            </a:endParaRPr>
+          </a:p>
+          <a:p>
+            <a:endParaRPr lang="en-US" altLang="zh-CN" sz="1600">
+              <a:latin typeface="宋体" panose="02010600030101010101" pitchFamily="2" charset="-122"/>
+              <a:ea typeface="宋体" panose="02010600030101010101" pitchFamily="2" charset="-122"/>
+              <a:cs typeface="宋体" panose="02010600030101010101" pitchFamily="2" charset="-122"/>
+            </a:endParaRPr>
+          </a:p>
+          <a:p>
+            <a:r>
+              <a:rPr lang="en-US" altLang="zh-CN" sz="1600">
+                <a:latin typeface="宋体" panose="02010600030101010101" pitchFamily="2" charset="-122"/>
+                <a:ea typeface="宋体" panose="02010600030101010101" pitchFamily="2" charset="-122"/>
+                <a:cs typeface="宋体" panose="02010600030101010101" pitchFamily="2" charset="-122"/>
+              </a:rPr>
+              <a:t>在JDK8之前，如果我们在匿名内部类中需要访问局部变量，那么这个局部变量必须用</a:t>
+            </a:r>
+            <a:r>
+              <a:rPr lang="en-US" altLang="zh-CN" sz="1600" b="1">
+                <a:solidFill>
+                  <a:srgbClr val="FF0000"/>
+                </a:solidFill>
+                <a:latin typeface="宋体" panose="02010600030101010101" pitchFamily="2" charset="-122"/>
+                <a:ea typeface="宋体" panose="02010600030101010101" pitchFamily="2" charset="-122"/>
+                <a:cs typeface="宋体" panose="02010600030101010101" pitchFamily="2" charset="-122"/>
+              </a:rPr>
+              <a:t>final</a:t>
+            </a:r>
+            <a:r>
+              <a:rPr lang="en-US" altLang="zh-CN" sz="1600">
+                <a:latin typeface="宋体" panose="02010600030101010101" pitchFamily="2" charset="-122"/>
+                <a:ea typeface="宋体" panose="02010600030101010101" pitchFamily="2" charset="-122"/>
+                <a:cs typeface="宋体" panose="02010600030101010101" pitchFamily="2" charset="-122"/>
+              </a:rPr>
+              <a:t>修饰符修饰。</a:t>
+            </a:r>
+            <a:endParaRPr lang="en-US" altLang="zh-CN" sz="1600">
+              <a:latin typeface="宋体" panose="02010600030101010101" pitchFamily="2" charset="-122"/>
+              <a:ea typeface="宋体" panose="02010600030101010101" pitchFamily="2" charset="-122"/>
+              <a:cs typeface="宋体" panose="02010600030101010101" pitchFamily="2" charset="-122"/>
+            </a:endParaRPr>
+          </a:p>
+          <a:p>
+            <a:r>
+              <a:rPr lang="en-US" altLang="zh-CN" sz="1600">
+                <a:latin typeface="宋体" panose="02010600030101010101" pitchFamily="2" charset="-122"/>
+                <a:ea typeface="宋体" panose="02010600030101010101" pitchFamily="2" charset="-122"/>
+                <a:cs typeface="宋体" panose="02010600030101010101" pitchFamily="2" charset="-122"/>
+              </a:rPr>
+              <a:t>在JDK8中如果我们在匿名内部类中需要访问局部变量，那么这个局部变量不需要用</a:t>
+            </a:r>
+            <a:r>
+              <a:rPr lang="en-US" altLang="zh-CN" sz="1600" b="1">
+                <a:solidFill>
+                  <a:srgbClr val="FF0000"/>
+                </a:solidFill>
+                <a:latin typeface="宋体" panose="02010600030101010101" pitchFamily="2" charset="-122"/>
+                <a:ea typeface="宋体" panose="02010600030101010101" pitchFamily="2" charset="-122"/>
+                <a:cs typeface="宋体" panose="02010600030101010101" pitchFamily="2" charset="-122"/>
+              </a:rPr>
+              <a:t>final</a:t>
+            </a:r>
+            <a:r>
+              <a:rPr lang="en-US" altLang="zh-CN" sz="1600">
+                <a:latin typeface="宋体" panose="02010600030101010101" pitchFamily="2" charset="-122"/>
+                <a:ea typeface="宋体" panose="02010600030101010101" pitchFamily="2" charset="-122"/>
+                <a:cs typeface="宋体" panose="02010600030101010101" pitchFamily="2" charset="-122"/>
+              </a:rPr>
+              <a:t>修饰符修饰。看似是一种编译机制的改变，实际上就是一个语法糖（底层还是帮你加了final）。</a:t>
+            </a:r>
+            <a:endParaRPr lang="en-US" altLang="zh-CN" sz="1600">
               <a:latin typeface="宋体" panose="02010600030101010101" pitchFamily="2" charset="-122"/>
               <a:ea typeface="宋体" panose="02010600030101010101" pitchFamily="2" charset="-122"/>
               <a:cs typeface="宋体" panose="02010600030101010101" pitchFamily="2" charset="-122"/>

--- a/基础PPT/第2章：Java面向对象.pptx
+++ b/基础PPT/第2章：Java面向对象.pptx
@@ -5,7 +5,7 @@
     <p:sldMasterId id="2147483648" r:id="rId1"/>
   </p:sldMasterIdLst>
   <p:notesMasterIdLst>
-    <p:notesMasterId r:id="rId47"/>
+    <p:notesMasterId r:id="rId48"/>
   </p:notesMasterIdLst>
   <p:sldIdLst>
     <p:sldId id="660" r:id="rId3"/>
@@ -49,9 +49,10 @@
     <p:sldId id="716" r:id="rId41"/>
     <p:sldId id="715" r:id="rId42"/>
     <p:sldId id="709" r:id="rId43"/>
-    <p:sldId id="710" r:id="rId44"/>
-    <p:sldId id="711" r:id="rId45"/>
-    <p:sldId id="662" r:id="rId46"/>
+    <p:sldId id="862" r:id="rId44"/>
+    <p:sldId id="710" r:id="rId45"/>
+    <p:sldId id="711" r:id="rId46"/>
+    <p:sldId id="662" r:id="rId47"/>
   </p:sldIdLst>
   <p:sldSz cx="12192000" cy="6858000"/>
   <p:notesSz cx="6858000" cy="9144000"/>
@@ -18863,6 +18864,180 @@
         </p:nvSpPr>
         <p:spPr>
           <a:xfrm>
+            <a:off x="374650" y="825500"/>
+            <a:ext cx="11696065" cy="583565"/>
+          </a:xfrm>
+          <a:prstGeom prst="rect">
+            <a:avLst/>
+          </a:prstGeom>
+          <a:noFill/>
+        </p:spPr>
+        <p:txBody>
+          <a:bodyPr wrap="square" rtlCol="0">
+            <a:spAutoFit/>
+          </a:bodyPr>
+          <a:p>
+            <a:pPr algn="ctr"/>
+            <a:r>
+              <a:rPr lang="en-US" altLang="zh-CN" sz="3200">
+                <a:sym typeface="+mn-ea"/>
+              </a:rPr>
+              <a:t>java.lang </a:t>
+            </a:r>
+            <a:r>
+              <a:rPr lang="zh-CN" altLang="en-US" sz="3200">
+                <a:sym typeface="+mn-ea"/>
+              </a:rPr>
+              <a:t>包</a:t>
+            </a:r>
+            <a:endParaRPr lang="zh-CN" altLang="en-US" sz="3200">
+              <a:sym typeface="+mn-ea"/>
+            </a:endParaRPr>
+          </a:p>
+        </p:txBody>
+      </p:sp>
+      <p:sp>
+        <p:nvSpPr>
+          <p:cNvPr id="3" name="文本框 2"/>
+          <p:cNvSpPr txBox="1"/>
+          <p:nvPr/>
+        </p:nvSpPr>
+        <p:spPr>
+          <a:xfrm>
+            <a:off x="173990" y="1629410"/>
+            <a:ext cx="11783695" cy="583565"/>
+          </a:xfrm>
+          <a:prstGeom prst="rect">
+            <a:avLst/>
+          </a:prstGeom>
+          <a:noFill/>
+        </p:spPr>
+        <p:txBody>
+          <a:bodyPr wrap="square" rtlCol="0">
+            <a:spAutoFit/>
+          </a:bodyPr>
+          <a:p>
+            <a:r>
+              <a:rPr lang="zh-CN" altLang="en-US" sz="1600">
+                <a:latin typeface="宋体" panose="02010600030101010101" pitchFamily="2" charset="-122"/>
+                <a:ea typeface="宋体" panose="02010600030101010101" pitchFamily="2" charset="-122"/>
+                <a:cs typeface="宋体" panose="02010600030101010101" pitchFamily="2" charset="-122"/>
+              </a:rPr>
+              <a:t>java.lang包是java语言的核心，它提供了java中的基础类。包括基本Object类、Class类、String类、基本类型的包装类、基本的数学类等等最基本的类。</a:t>
+            </a:r>
+            <a:r>
+              <a:rPr lang="zh-CN" altLang="en-US" sz="1600" b="1">
+                <a:solidFill>
+                  <a:srgbClr val="FF0000"/>
+                </a:solidFill>
+                <a:latin typeface="宋体" panose="02010600030101010101" pitchFamily="2" charset="-122"/>
+                <a:ea typeface="宋体" panose="02010600030101010101" pitchFamily="2" charset="-122"/>
+                <a:cs typeface="宋体" panose="02010600030101010101" pitchFamily="2" charset="-122"/>
+              </a:rPr>
+              <a:t>不需要 </a:t>
+            </a:r>
+            <a:r>
+              <a:rPr lang="en-US" altLang="zh-CN" sz="1600" b="1">
+                <a:solidFill>
+                  <a:srgbClr val="FF0000"/>
+                </a:solidFill>
+                <a:latin typeface="宋体" panose="02010600030101010101" pitchFamily="2" charset="-122"/>
+                <a:ea typeface="宋体" panose="02010600030101010101" pitchFamily="2" charset="-122"/>
+                <a:cs typeface="宋体" panose="02010600030101010101" pitchFamily="2" charset="-122"/>
+              </a:rPr>
+              <a:t>import </a:t>
+            </a:r>
+            <a:r>
+              <a:rPr lang="zh-CN" altLang="en-US" sz="1600" b="1">
+                <a:solidFill>
+                  <a:srgbClr val="FF0000"/>
+                </a:solidFill>
+                <a:latin typeface="宋体" panose="02010600030101010101" pitchFamily="2" charset="-122"/>
+                <a:ea typeface="宋体" panose="02010600030101010101" pitchFamily="2" charset="-122"/>
+                <a:cs typeface="宋体" panose="02010600030101010101" pitchFamily="2" charset="-122"/>
+              </a:rPr>
+              <a:t>导包即可直接使用</a:t>
+            </a:r>
+            <a:r>
+              <a:rPr lang="zh-CN" altLang="en-US" sz="1600">
+                <a:latin typeface="宋体" panose="02010600030101010101" pitchFamily="2" charset="-122"/>
+                <a:ea typeface="宋体" panose="02010600030101010101" pitchFamily="2" charset="-122"/>
+                <a:cs typeface="宋体" panose="02010600030101010101" pitchFamily="2" charset="-122"/>
+              </a:rPr>
+              <a:t>。</a:t>
+            </a:r>
+            <a:endParaRPr lang="zh-CN" altLang="en-US" sz="1600">
+              <a:latin typeface="宋体" panose="02010600030101010101" pitchFamily="2" charset="-122"/>
+              <a:ea typeface="宋体" panose="02010600030101010101" pitchFamily="2" charset="-122"/>
+              <a:cs typeface="宋体" panose="02010600030101010101" pitchFamily="2" charset="-122"/>
+            </a:endParaRPr>
+          </a:p>
+        </p:txBody>
+      </p:sp>
+      <p:pic>
+        <p:nvPicPr>
+          <p:cNvPr id="2" name="图片 1"/>
+          <p:cNvPicPr>
+            <a:picLocks noChangeAspect="1"/>
+          </p:cNvPicPr>
+          <p:nvPr/>
+        </p:nvPicPr>
+        <p:blipFill>
+          <a:blip r:embed="rId2"/>
+          <a:stretch>
+            <a:fillRect/>
+          </a:stretch>
+        </p:blipFill>
+        <p:spPr>
+          <a:xfrm>
+            <a:off x="4874895" y="2308860"/>
+            <a:ext cx="7307580" cy="4514215"/>
+          </a:xfrm>
+          <a:prstGeom prst="rect">
+            <a:avLst/>
+          </a:prstGeom>
+        </p:spPr>
+      </p:pic>
+    </p:spTree>
+    <p:custDataLst>
+      <p:tags r:id="rId3"/>
+    </p:custDataLst>
+  </p:cSld>
+  <p:clrMapOvr>
+    <a:masterClrMapping/>
+  </p:clrMapOvr>
+</p:sld>
+</file>
+
+<file path=ppt/slides/slide42.xml><?xml version="1.0" encoding="utf-8"?>
+<p:sld xmlns:a="http://schemas.openxmlformats.org/drawingml/2006/main" xmlns:r="http://schemas.openxmlformats.org/officeDocument/2006/relationships" xmlns:p="http://schemas.openxmlformats.org/presentationml/2006/main">
+  <p:cSld>
+    <p:bg>
+      <p:bgPr>
+        <a:blipFill rotWithShape="1">
+          <a:blip r:embed="rId1"/>
+          <a:stretch>
+            <a:fillRect/>
+          </a:stretch>
+        </a:blipFill>
+        <a:effectLst/>
+      </p:bgPr>
+    </p:bg>
+    <p:spTree>
+      <p:nvGrpSpPr>
+        <p:cNvPr id="1" name=""/>
+        <p:cNvGrpSpPr/>
+        <p:nvPr/>
+      </p:nvGrpSpPr>
+      <p:grpSpPr/>
+      <p:sp>
+        <p:nvSpPr>
+          <p:cNvPr id="4" name="文本框 3"/>
+          <p:cNvSpPr txBox="1"/>
+          <p:nvPr/>
+        </p:nvSpPr>
+        <p:spPr>
+          <a:xfrm>
             <a:off x="4963160" y="806450"/>
             <a:ext cx="3116580" cy="1076325"/>
           </a:xfrm>
@@ -19041,7 +19216,7 @@
 </p:sld>
 </file>
 
-<file path=ppt/slides/slide42.xml><?xml version="1.0" encoding="utf-8"?>
+<file path=ppt/slides/slide43.xml><?xml version="1.0" encoding="utf-8"?>
 <p:sld xmlns:a="http://schemas.openxmlformats.org/drawingml/2006/main" xmlns:r="http://schemas.openxmlformats.org/officeDocument/2006/relationships" xmlns:p="http://schemas.openxmlformats.org/presentationml/2006/main">
   <p:cSld>
     <p:bg>
@@ -19713,7 +19888,7 @@
 </p:sld>
 </file>
 
-<file path=ppt/slides/slide43.xml><?xml version="1.0" encoding="utf-8"?>
+<file path=ppt/slides/slide44.xml><?xml version="1.0" encoding="utf-8"?>
 <p:sld xmlns:a="http://schemas.openxmlformats.org/drawingml/2006/main" xmlns:r="http://schemas.openxmlformats.org/officeDocument/2006/relationships" xmlns:p="http://schemas.openxmlformats.org/presentationml/2006/main">
   <p:cSld>
     <p:bg>
@@ -19976,7 +20151,7 @@
 </p:sld>
 </file>
 
-<file path=ppt/slides/slide44.xml><?xml version="1.0" encoding="utf-8"?>
+<file path=ppt/slides/slide45.xml><?xml version="1.0" encoding="utf-8"?>
 <p:sld xmlns:a="http://schemas.openxmlformats.org/drawingml/2006/main" xmlns:r="http://schemas.openxmlformats.org/officeDocument/2006/relationships" xmlns:p="http://schemas.openxmlformats.org/presentationml/2006/main">
   <p:cSld>
     <p:bg>
@@ -21394,18 +21569,10 @@
 
 <file path=ppt/tags/tag119.xml><?xml version="1.0" encoding="utf-8"?>
 <p:tagLst xmlns:p="http://schemas.openxmlformats.org/presentationml/2006/main">
-  <p:tag name="KSO_WM_UNIT_HIGHLIGHT" val="0"/>
-  <p:tag name="KSO_WM_UNIT_COMPATIBLE" val="0"/>
-  <p:tag name="KSO_WM_UNIT_DIAGRAM_ISNUMVISUAL" val="0"/>
-  <p:tag name="KSO_WM_UNIT_DIAGRAM_ISREFERUNIT" val="0"/>
-  <p:tag name="KSO_WM_UNIT_TYPE" val="i"/>
-  <p:tag name="KSO_WM_UNIT_INDEX" val="2"/>
-  <p:tag name="KSO_WM_UNIT_ID" val="custom20203858_3*i*2"/>
+  <p:tag name="KSO_WM_BEAUTIFY_FLAG" val="#wm#"/>
   <p:tag name="KSO_WM_TEMPLATE_CATEGORY" val="custom"/>
   <p:tag name="KSO_WM_TEMPLATE_INDEX" val="20203858"/>
-  <p:tag name="KSO_WM_UNIT_LAYERLEVEL" val="1"/>
-  <p:tag name="KSO_WM_TAG_VERSION" val="1.0"/>
-  <p:tag name="KSO_WM_BEAUTIFY_FLAG" val="#wm#"/>
+  <p:tag name="KSO_WM_SPECIAL_SOURCE" val="bdnull"/>
 </p:tagLst>
 </file>
 
@@ -21429,6 +21596,23 @@
   <p:tag name="KSO_WM_UNIT_DIAGRAM_ISNUMVISUAL" val="0"/>
   <p:tag name="KSO_WM_UNIT_DIAGRAM_ISREFERUNIT" val="0"/>
   <p:tag name="KSO_WM_UNIT_TYPE" val="i"/>
+  <p:tag name="KSO_WM_UNIT_INDEX" val="2"/>
+  <p:tag name="KSO_WM_UNIT_ID" val="custom20203858_3*i*2"/>
+  <p:tag name="KSO_WM_TEMPLATE_CATEGORY" val="custom"/>
+  <p:tag name="KSO_WM_TEMPLATE_INDEX" val="20203858"/>
+  <p:tag name="KSO_WM_UNIT_LAYERLEVEL" val="1"/>
+  <p:tag name="KSO_WM_TAG_VERSION" val="1.0"/>
+  <p:tag name="KSO_WM_BEAUTIFY_FLAG" val="#wm#"/>
+</p:tagLst>
+</file>
+
+<file path=ppt/tags/tag121.xml><?xml version="1.0" encoding="utf-8"?>
+<p:tagLst xmlns:p="http://schemas.openxmlformats.org/presentationml/2006/main">
+  <p:tag name="KSO_WM_UNIT_HIGHLIGHT" val="0"/>
+  <p:tag name="KSO_WM_UNIT_COMPATIBLE" val="0"/>
+  <p:tag name="KSO_WM_UNIT_DIAGRAM_ISNUMVISUAL" val="0"/>
+  <p:tag name="KSO_WM_UNIT_DIAGRAM_ISREFERUNIT" val="0"/>
+  <p:tag name="KSO_WM_UNIT_TYPE" val="i"/>
   <p:tag name="KSO_WM_UNIT_INDEX" val="4"/>
   <p:tag name="KSO_WM_UNIT_ID" val="custom20203858_3*i*4"/>
   <p:tag name="KSO_WM_TEMPLATE_CATEGORY" val="custom"/>
@@ -21439,7 +21623,7 @@
 </p:tagLst>
 </file>
 
-<file path=ppt/tags/tag121.xml><?xml version="1.0" encoding="utf-8"?>
+<file path=ppt/tags/tag122.xml><?xml version="1.0" encoding="utf-8"?>
 <p:tagLst xmlns:p="http://schemas.openxmlformats.org/presentationml/2006/main">
   <p:tag name="KSO_WM_UNIT_HIGHLIGHT" val="0"/>
   <p:tag name="KSO_WM_UNIT_COMPATIBLE" val="0"/>
@@ -21456,7 +21640,7 @@
 </p:tagLst>
 </file>
 
-<file path=ppt/tags/tag122.xml><?xml version="1.0" encoding="utf-8"?>
+<file path=ppt/tags/tag123.xml><?xml version="1.0" encoding="utf-8"?>
 <p:tagLst xmlns:p="http://schemas.openxmlformats.org/presentationml/2006/main">
   <p:tag name="KSO_WM_UNIT_HIGHLIGHT" val="0"/>
   <p:tag name="KSO_WM_UNIT_COMPATIBLE" val="0"/>
@@ -21473,15 +21657,6 @@
 </p:tagLst>
 </file>
 
-<file path=ppt/tags/tag123.xml><?xml version="1.0" encoding="utf-8"?>
-<p:tagLst xmlns:p="http://schemas.openxmlformats.org/presentationml/2006/main">
-  <p:tag name="KSO_WM_BEAUTIFY_FLAG" val="#wm#"/>
-  <p:tag name="KSO_WM_TEMPLATE_CATEGORY" val="custom"/>
-  <p:tag name="KSO_WM_TEMPLATE_INDEX" val="20203858"/>
-  <p:tag name="KSO_WM_SPECIAL_SOURCE" val="bdnull"/>
-</p:tagLst>
-</file>
-
 <file path=ppt/tags/tag124.xml><?xml version="1.0" encoding="utf-8"?>
 <p:tagLst xmlns:p="http://schemas.openxmlformats.org/presentationml/2006/main">
   <p:tag name="KSO_WM_BEAUTIFY_FLAG" val="#wm#"/>
@@ -21492,6 +21667,15 @@
 </file>
 
 <file path=ppt/tags/tag125.xml><?xml version="1.0" encoding="utf-8"?>
+<p:tagLst xmlns:p="http://schemas.openxmlformats.org/presentationml/2006/main">
+  <p:tag name="KSO_WM_BEAUTIFY_FLAG" val="#wm#"/>
+  <p:tag name="KSO_WM_TEMPLATE_CATEGORY" val="custom"/>
+  <p:tag name="KSO_WM_TEMPLATE_INDEX" val="20203858"/>
+  <p:tag name="KSO_WM_SPECIAL_SOURCE" val="bdnull"/>
+</p:tagLst>
+</file>
+
+<file path=ppt/tags/tag126.xml><?xml version="1.0" encoding="utf-8"?>
 <p:tagLst xmlns:p="http://schemas.openxmlformats.org/presentationml/2006/main">
   <p:tag name="KSO_WM_BEAUTIFY_FLAG" val="#wm#"/>
   <p:tag name="KSO_WM_TEMPLATE_CATEGORY" val="custom"/>

--- a/基础PPT/第2章：Java面向对象.pptx
+++ b/基础PPT/第2章：Java面向对象.pptx
@@ -16369,7 +16369,7 @@
         <p:spPr>
           <a:xfrm>
             <a:off x="431165" y="1410970"/>
-            <a:ext cx="11411585" cy="1568450"/>
+            <a:ext cx="11411585" cy="2306955"/>
           </a:xfrm>
           <a:prstGeom prst="rect">
             <a:avLst/>
@@ -16382,74 +16382,124 @@
           </a:bodyPr>
           <a:p>
             <a:r>
-              <a:rPr lang="zh-CN" altLang="en-US" sz="1600">
+              <a:rPr lang="zh-CN" altLang="en-US">
                 <a:latin typeface="宋体" panose="02010600030101010101" pitchFamily="2" charset="-122"/>
                 <a:ea typeface="宋体" panose="02010600030101010101" pitchFamily="2" charset="-122"/>
                 <a:cs typeface="宋体" panose="02010600030101010101" pitchFamily="2" charset="-122"/>
               </a:rPr>
               <a:t>接口可以看成是特殊的抽象类。即只包含抽象方法和常量的抽象类。可以通过interface关键字来定义接口。</a:t>
             </a:r>
-            <a:endParaRPr lang="zh-CN" altLang="en-US" sz="1600">
-              <a:latin typeface="宋体" panose="02010600030101010101" pitchFamily="2" charset="-122"/>
-              <a:ea typeface="宋体" panose="02010600030101010101" pitchFamily="2" charset="-122"/>
-              <a:cs typeface="宋体" panose="02010600030101010101" pitchFamily="2" charset="-122"/>
-            </a:endParaRPr>
-          </a:p>
-          <a:p>
-            <a:r>
-              <a:rPr lang="zh-CN" altLang="en-US" sz="1600">
+            <a:endParaRPr lang="zh-CN" altLang="en-US">
+              <a:latin typeface="宋体" panose="02010600030101010101" pitchFamily="2" charset="-122"/>
+              <a:ea typeface="宋体" panose="02010600030101010101" pitchFamily="2" charset="-122"/>
+              <a:cs typeface="宋体" panose="02010600030101010101" pitchFamily="2" charset="-122"/>
+            </a:endParaRPr>
+          </a:p>
+          <a:p>
+            <a:r>
+              <a:rPr lang="zh-CN" altLang="en-US">
                 <a:latin typeface="宋体" panose="02010600030101010101" pitchFamily="2" charset="-122"/>
                 <a:ea typeface="宋体" panose="02010600030101010101" pitchFamily="2" charset="-122"/>
                 <a:cs typeface="宋体" panose="02010600030101010101" pitchFamily="2" charset="-122"/>
               </a:rPr>
               <a:t>一个类只能继承一个抽象类，但可以实现多个接口。</a:t>
             </a:r>
-            <a:endParaRPr lang="zh-CN" altLang="en-US" sz="1600">
-              <a:latin typeface="宋体" panose="02010600030101010101" pitchFamily="2" charset="-122"/>
-              <a:ea typeface="宋体" panose="02010600030101010101" pitchFamily="2" charset="-122"/>
-              <a:cs typeface="宋体" panose="02010600030101010101" pitchFamily="2" charset="-122"/>
-            </a:endParaRPr>
-          </a:p>
-          <a:p>
-            <a:r>
-              <a:rPr lang="zh-CN" altLang="en-US" sz="1600">
+            <a:endParaRPr lang="zh-CN" altLang="en-US">
+              <a:latin typeface="宋体" panose="02010600030101010101" pitchFamily="2" charset="-122"/>
+              <a:ea typeface="宋体" panose="02010600030101010101" pitchFamily="2" charset="-122"/>
+              <a:cs typeface="宋体" panose="02010600030101010101" pitchFamily="2" charset="-122"/>
+            </a:endParaRPr>
+          </a:p>
+          <a:p>
+            <a:r>
+              <a:rPr lang="zh-CN" altLang="en-US">
                 <a:latin typeface="宋体" panose="02010600030101010101" pitchFamily="2" charset="-122"/>
                 <a:ea typeface="宋体" panose="02010600030101010101" pitchFamily="2" charset="-122"/>
                 <a:cs typeface="宋体" panose="02010600030101010101" pitchFamily="2" charset="-122"/>
               </a:rPr>
               <a:t>抽象类中可以包含抽象方法和非抽象方法，而接口中的所有方法均为抽象的。</a:t>
             </a:r>
-            <a:endParaRPr lang="zh-CN" altLang="en-US" sz="1600">
-              <a:latin typeface="宋体" panose="02010600030101010101" pitchFamily="2" charset="-122"/>
-              <a:ea typeface="宋体" panose="02010600030101010101" pitchFamily="2" charset="-122"/>
-              <a:cs typeface="宋体" panose="02010600030101010101" pitchFamily="2" charset="-122"/>
-            </a:endParaRPr>
-          </a:p>
-          <a:p>
-            <a:r>
-              <a:rPr lang="zh-CN" altLang="en-US" sz="1600">
+            <a:endParaRPr lang="zh-CN" altLang="en-US">
+              <a:latin typeface="宋体" panose="02010600030101010101" pitchFamily="2" charset="-122"/>
+              <a:ea typeface="宋体" panose="02010600030101010101" pitchFamily="2" charset="-122"/>
+              <a:cs typeface="宋体" panose="02010600030101010101" pitchFamily="2" charset="-122"/>
+            </a:endParaRPr>
+          </a:p>
+          <a:p>
+            <a:r>
+              <a:rPr lang="zh-CN" altLang="en-US">
                 <a:latin typeface="宋体" panose="02010600030101010101" pitchFamily="2" charset="-122"/>
                 <a:ea typeface="宋体" panose="02010600030101010101" pitchFamily="2" charset="-122"/>
                 <a:cs typeface="宋体" panose="02010600030101010101" pitchFamily="2" charset="-122"/>
               </a:rPr>
               <a:t>子类继承抽象类必须实现抽象类中所有抽象方法，否则子类也必须是抽象类。而子类实现接口则必须实现接口中的所有抽象方法。</a:t>
             </a:r>
-            <a:endParaRPr lang="zh-CN" altLang="en-US" sz="1600">
-              <a:latin typeface="宋体" panose="02010600030101010101" pitchFamily="2" charset="-122"/>
-              <a:ea typeface="宋体" panose="02010600030101010101" pitchFamily="2" charset="-122"/>
-              <a:cs typeface="宋体" panose="02010600030101010101" pitchFamily="2" charset="-122"/>
-            </a:endParaRPr>
-          </a:p>
-          <a:p>
-            <a:r>
-              <a:rPr lang="zh-CN" altLang="en-US" sz="1600">
+            <a:endParaRPr lang="zh-CN" altLang="en-US">
+              <a:latin typeface="宋体" panose="02010600030101010101" pitchFamily="2" charset="-122"/>
+              <a:ea typeface="宋体" panose="02010600030101010101" pitchFamily="2" charset="-122"/>
+              <a:cs typeface="宋体" panose="02010600030101010101" pitchFamily="2" charset="-122"/>
+            </a:endParaRPr>
+          </a:p>
+          <a:p>
+            <a:r>
+              <a:rPr lang="zh-CN" altLang="en-US">
                 <a:latin typeface="宋体" panose="02010600030101010101" pitchFamily="2" charset="-122"/>
                 <a:ea typeface="宋体" panose="02010600030101010101" pitchFamily="2" charset="-122"/>
                 <a:cs typeface="宋体" panose="02010600030101010101" pitchFamily="2" charset="-122"/>
               </a:rPr>
               <a:t>接口之间可以继承,接口不能被实例化.</a:t>
             </a:r>
-            <a:endParaRPr lang="zh-CN" altLang="en-US" sz="1600">
+            <a:endParaRPr lang="zh-CN" altLang="en-US">
+              <a:latin typeface="宋体" panose="02010600030101010101" pitchFamily="2" charset="-122"/>
+              <a:ea typeface="宋体" panose="02010600030101010101" pitchFamily="2" charset="-122"/>
+              <a:cs typeface="宋体" panose="02010600030101010101" pitchFamily="2" charset="-122"/>
+            </a:endParaRPr>
+          </a:p>
+          <a:p>
+            <a:endParaRPr lang="zh-CN" altLang="en-US">
+              <a:latin typeface="宋体" panose="02010600030101010101" pitchFamily="2" charset="-122"/>
+              <a:ea typeface="宋体" panose="02010600030101010101" pitchFamily="2" charset="-122"/>
+              <a:cs typeface="宋体" panose="02010600030101010101" pitchFamily="2" charset="-122"/>
+            </a:endParaRPr>
+          </a:p>
+          <a:p>
+            <a:r>
+              <a:rPr lang="zh-CN" altLang="en-US" b="1">
+                <a:solidFill>
+                  <a:srgbClr val="FF0000"/>
+                </a:solidFill>
+                <a:latin typeface="宋体" panose="02010600030101010101" pitchFamily="2" charset="-122"/>
+                <a:ea typeface="宋体" panose="02010600030101010101" pitchFamily="2" charset="-122"/>
+                <a:cs typeface="宋体" panose="02010600030101010101" pitchFamily="2" charset="-122"/>
+              </a:rPr>
+              <a:t>接口继承接口，使用 </a:t>
+            </a:r>
+            <a:r>
+              <a:rPr lang="en-US" altLang="zh-CN" b="1">
+                <a:solidFill>
+                  <a:srgbClr val="FF0000"/>
+                </a:solidFill>
+                <a:latin typeface="宋体" panose="02010600030101010101" pitchFamily="2" charset="-122"/>
+                <a:ea typeface="宋体" panose="02010600030101010101" pitchFamily="2" charset="-122"/>
+                <a:cs typeface="宋体" panose="02010600030101010101" pitchFamily="2" charset="-122"/>
+              </a:rPr>
+              <a:t>extends </a:t>
+            </a:r>
+            <a:r>
+              <a:rPr lang="zh-CN" altLang="en-US" b="1">
+                <a:solidFill>
+                  <a:srgbClr val="FF0000"/>
+                </a:solidFill>
+                <a:latin typeface="宋体" panose="02010600030101010101" pitchFamily="2" charset="-122"/>
+                <a:ea typeface="宋体" panose="02010600030101010101" pitchFamily="2" charset="-122"/>
+                <a:cs typeface="宋体" panose="02010600030101010101" pitchFamily="2" charset="-122"/>
+              </a:rPr>
+              <a:t>关键字。</a:t>
+            </a:r>
+            <a:endParaRPr lang="zh-CN" altLang="en-US" b="1">
+              <a:solidFill>
+                <a:srgbClr val="FF0000"/>
+              </a:solidFill>
               <a:latin typeface="宋体" panose="02010600030101010101" pitchFamily="2" charset="-122"/>
               <a:ea typeface="宋体" panose="02010600030101010101" pitchFamily="2" charset="-122"/>
               <a:cs typeface="宋体" panose="02010600030101010101" pitchFamily="2" charset="-122"/>
